--- a/Présentation/Présentation WeBet_JBL.pptx
+++ b/Présentation/Présentation WeBet_JBL.pptx
@@ -7765,28 +7765,7 @@
                   </a:outerShdw>
                 </a:effectLst>
               </a:rPr>
-              <a:t>Prése</a:t>
-            </a:r>
-            <a:r>
-              <a:rPr lang="fr-FR" b="1" dirty="0" smtClean="0">
-                <a:ln w="10160">
-                  <a:solidFill>
-                    <a:schemeClr val="accent5"/>
-                  </a:solidFill>
-                  <a:prstDash val="solid"/>
-                </a:ln>
-                <a:solidFill>
-                  <a:srgbClr val="FFFFFF"/>
-                </a:solidFill>
-                <a:effectLst>
-                  <a:outerShdw blurRad="38100" dist="22860" dir="5400000" algn="tl" rotWithShape="0">
-                    <a:srgbClr val="000000">
-                      <a:alpha val="30000"/>
-                    </a:srgbClr>
-                  </a:outerShdw>
-                </a:effectLst>
-              </a:rPr>
-              <a:t>ntation site de pari </a:t>
+              <a:t>Présentation site de pari </a:t>
             </a:r>
             <a:br>
               <a:rPr lang="fr-FR" b="1" dirty="0" smtClean="0">
@@ -8475,6 +8454,54 @@
           <a:chExt cx="0" cy="0"/>
         </a:xfrm>
       </p:grpSpPr>
+      <p:pic>
+        <p:nvPicPr>
+          <p:cNvPr id="4" name="Image 3"/>
+          <p:cNvPicPr>
+            <a:picLocks noChangeAspect="1"/>
+          </p:cNvPicPr>
+          <p:nvPr/>
+        </p:nvPicPr>
+        <p:blipFill rotWithShape="1">
+          <a:blip r:embed="rId2" cstate="print">
+            <a:extLst>
+              <a:ext uri="{BEBA8EAE-BF5A-486C-A8C5-ECC9F3942E4B}">
+                <a14:imgProps xmlns:a14="http://schemas.microsoft.com/office/drawing/2010/main">
+                  <a14:imgLayer r:embed="rId3">
+                    <a14:imgEffect>
+                      <a14:brightnessContrast bright="20000" contrast="40000"/>
+                    </a14:imgEffect>
+                  </a14:imgLayer>
+                </a14:imgProps>
+              </a:ext>
+              <a:ext uri="{28A0092B-C50C-407E-A947-70E740481C1C}">
+                <a14:useLocalDpi xmlns:a14="http://schemas.microsoft.com/office/drawing/2010/main" val="0"/>
+              </a:ext>
+            </a:extLst>
+          </a:blip>
+          <a:srcRect l="14563" t="19291" r="9051" b="12312"/>
+          <a:stretch/>
+        </p:blipFill>
+        <p:spPr>
+          <a:xfrm>
+            <a:off x="5793933" y="1268760"/>
+            <a:ext cx="3278567" cy="1656184"/>
+          </a:xfrm>
+          <a:prstGeom prst="rect">
+            <a:avLst/>
+          </a:prstGeom>
+          <a:ln>
+            <a:noFill/>
+          </a:ln>
+          <a:effectLst>
+            <a:outerShdw blurRad="190500" algn="tl" rotWithShape="0">
+              <a:srgbClr val="000000">
+                <a:alpha val="70000"/>
+              </a:srgbClr>
+            </a:outerShdw>
+          </a:effectLst>
+        </p:spPr>
+      </p:pic>
       <p:sp>
         <p:nvSpPr>
           <p:cNvPr id="2" name="Titre 1"/>
@@ -8558,7 +8585,7 @@
           <p:nvPr/>
         </p:nvPicPr>
         <p:blipFill>
-          <a:blip r:embed="rId2">
+          <a:blip r:embed="rId4">
             <a:extLst>
               <a:ext uri="{28A0092B-C50C-407E-A947-70E740481C1C}">
                 <a14:useLocalDpi xmlns:a14="http://schemas.microsoft.com/office/drawing/2010/main" val="0"/>
@@ -8571,7 +8598,7 @@
         </p:blipFill>
         <p:spPr>
           <a:xfrm>
-            <a:off x="2771800" y="2492896"/>
+            <a:off x="1475656" y="2492896"/>
             <a:ext cx="4752528" cy="4233815"/>
           </a:xfrm>
           <a:prstGeom prst="rect">
@@ -9291,7 +9318,6 @@
               <a:rPr lang="fr-FR" dirty="0" smtClean="0"/>
               <a:t>Conception et développement d’une application « légère » </a:t>
             </a:r>
-            <a:endParaRPr lang="fr-FR" dirty="0" smtClean="0"/>
           </a:p>
         </p:txBody>
       </p:sp>

--- a/Présentation/Présentation WeBet_JBL.pptx
+++ b/Présentation/Présentation WeBet_JBL.pptx
@@ -13,6 +13,10 @@
     <p:sldId id="261" r:id="rId8"/>
     <p:sldId id="262" r:id="rId9"/>
     <p:sldId id="263" r:id="rId10"/>
+    <p:sldId id="264" r:id="rId11"/>
+    <p:sldId id="266" r:id="rId12"/>
+    <p:sldId id="265" r:id="rId13"/>
+    <p:sldId id="267" r:id="rId14"/>
   </p:sldIdLst>
   <p:sldSz cx="9144000" cy="6858000" type="screen4x3"/>
   <p:notesSz cx="6858000" cy="9144000"/>
@@ -128,6 +132,32 @@
     </p:ext>
   </p:extLst>
 </p:presentation>
+</file>
+
+<file path=ppt/commentAuthors.xml><?xml version="1.0" encoding="utf-8"?>
+<p:cmAuthorLst xmlns:a="http://schemas.openxmlformats.org/drawingml/2006/main" xmlns:r="http://schemas.openxmlformats.org/officeDocument/2006/relationships" xmlns:p="http://schemas.openxmlformats.org/presentationml/2006/main">
+  <p:cmAuthor id="1" name="Formation J2E" initials="FJ" lastIdx="1" clrIdx="0">
+    <p:extLst>
+      <p:ext uri="{19B8F6BF-5375-455C-9EA6-DF929625EA0E}">
+        <p15:presenceInfo xmlns:p15="http://schemas.microsoft.com/office/powerpoint/2012/main" userId="Formation J2E" providerId="None"/>
+      </p:ext>
+    </p:extLst>
+  </p:cmAuthor>
+</p:cmAuthorLst>
+</file>
+
+<file path=ppt/comments/comment1.xml><?xml version="1.0" encoding="utf-8"?>
+<p:cmLst xmlns:a="http://schemas.openxmlformats.org/drawingml/2006/main" xmlns:r="http://schemas.openxmlformats.org/officeDocument/2006/relationships" xmlns:p="http://schemas.openxmlformats.org/presentationml/2006/main">
+  <p:cm authorId="1" dt="2018-07-10T10:45:43.488" idx="1">
+    <p:pos x="5329" y="1117"/>
+    <p:text/>
+    <p:extLst>
+      <p:ext uri="{C676402C-5697-4E1C-873F-D02D1690AC5C}">
+        <p15:threadingInfo xmlns:p15="http://schemas.microsoft.com/office/powerpoint/2012/main" timeZoneBias="-120"/>
+      </p:ext>
+    </p:extLst>
+  </p:cm>
+</p:cmLst>
 </file>
 
 <file path=ppt/slideLayouts/slideLayout1.xml><?xml version="1.0" encoding="utf-8"?>
@@ -7935,7 +7965,7 @@
 </p:sld>
 </file>
 
-<file path=ppt/slides/slide2.xml><?xml version="1.0" encoding="utf-8"?>
+<file path=ppt/slides/slide10.xml><?xml version="1.0" encoding="utf-8"?>
 <p:sld xmlns:a="http://schemas.openxmlformats.org/drawingml/2006/main" xmlns:r="http://schemas.openxmlformats.org/officeDocument/2006/relationships" xmlns:p="http://schemas.openxmlformats.org/presentationml/2006/main">
   <p:cSld>
     <p:spTree>
@@ -7974,1103 +8004,9 @@
           <a:p>
             <a:r>
               <a:rPr lang="fr-FR" dirty="0" smtClean="0"/>
-              <a:t>Conduite de la présentation</a:t>
+              <a:t>Développement</a:t>
             </a:r>
             <a:endParaRPr lang="fr-FR" dirty="0"/>
-          </a:p>
-        </p:txBody>
-      </p:sp>
-      <p:sp>
-        <p:nvSpPr>
-          <p:cNvPr id="3" name="Espace réservé du contenu 2"/>
-          <p:cNvSpPr>
-            <a:spLocks noGrp="1"/>
-          </p:cNvSpPr>
-          <p:nvPr>
-            <p:ph idx="1"/>
-          </p:nvPr>
-        </p:nvSpPr>
-        <p:spPr/>
-        <p:txBody>
-          <a:bodyPr/>
-          <a:lstStyle/>
-          <a:p>
-            <a:r>
-              <a:rPr lang="fr-FR" dirty="0" smtClean="0"/>
-              <a:t>Introduction</a:t>
-            </a:r>
-          </a:p>
-          <a:p>
-            <a:r>
-              <a:rPr lang="fr-FR" dirty="0" smtClean="0"/>
-              <a:t>Analyse du besoin</a:t>
-            </a:r>
-          </a:p>
-          <a:p>
-            <a:r>
-              <a:rPr lang="fr-FR" dirty="0" smtClean="0"/>
-              <a:t>Contraintes</a:t>
-            </a:r>
-          </a:p>
-          <a:p>
-            <a:r>
-              <a:rPr lang="fr-FR" dirty="0" smtClean="0"/>
-              <a:t>Solution technique</a:t>
-            </a:r>
-          </a:p>
-          <a:p>
-            <a:r>
-              <a:rPr lang="fr-FR" dirty="0" smtClean="0"/>
-              <a:t>Conception</a:t>
-            </a:r>
-          </a:p>
-          <a:p>
-            <a:r>
-              <a:rPr lang="fr-FR" dirty="0" smtClean="0"/>
-              <a:t>Développement</a:t>
-            </a:r>
-          </a:p>
-          <a:p>
-            <a:r>
-              <a:rPr lang="fr-FR" dirty="0" smtClean="0"/>
-              <a:t>Tests</a:t>
-            </a:r>
-          </a:p>
-          <a:p>
-            <a:r>
-              <a:rPr lang="fr-FR" dirty="0" smtClean="0"/>
-              <a:t>Conclusion</a:t>
-            </a:r>
-            <a:endParaRPr lang="fr-FR" dirty="0"/>
-          </a:p>
-        </p:txBody>
-      </p:sp>
-    </p:spTree>
-    <p:extLst>
-      <p:ext uri="{BB962C8B-B14F-4D97-AF65-F5344CB8AC3E}">
-        <p14:creationId xmlns:p14="http://schemas.microsoft.com/office/powerpoint/2010/main" val="1835602533"/>
-      </p:ext>
-    </p:extLst>
-  </p:cSld>
-  <p:clrMapOvr>
-    <a:masterClrMapping/>
-  </p:clrMapOvr>
-  <p:timing>
-    <p:tnLst>
-      <p:par>
-        <p:cTn id="1" dur="indefinite" restart="never" nodeType="tmRoot"/>
-      </p:par>
-    </p:tnLst>
-  </p:timing>
-</p:sld>
-</file>
-
-<file path=ppt/slides/slide3.xml><?xml version="1.0" encoding="utf-8"?>
-<p:sld xmlns:a="http://schemas.openxmlformats.org/drawingml/2006/main" xmlns:r="http://schemas.openxmlformats.org/officeDocument/2006/relationships" xmlns:p="http://schemas.openxmlformats.org/presentationml/2006/main">
-  <p:cSld>
-    <p:spTree>
-      <p:nvGrpSpPr>
-        <p:cNvPr id="1" name=""/>
-        <p:cNvGrpSpPr/>
-        <p:nvPr/>
-      </p:nvGrpSpPr>
-      <p:grpSpPr>
-        <a:xfrm>
-          <a:off x="0" y="0"/>
-          <a:ext cx="0" cy="0"/>
-          <a:chOff x="0" y="0"/>
-          <a:chExt cx="0" cy="0"/>
-        </a:xfrm>
-      </p:grpSpPr>
-      <p:sp>
-        <p:nvSpPr>
-          <p:cNvPr id="2" name="Titre 1"/>
-          <p:cNvSpPr>
-            <a:spLocks noGrp="1"/>
-          </p:cNvSpPr>
-          <p:nvPr>
-            <p:ph type="title"/>
-          </p:nvPr>
-        </p:nvSpPr>
-        <p:spPr/>
-        <p:txBody>
-          <a:bodyPr/>
-          <a:lstStyle/>
-          <a:p>
-            <a:r>
-              <a:rPr lang="fr-FR" dirty="0" smtClean="0"/>
-              <a:t>Introduction</a:t>
-            </a:r>
-            <a:endParaRPr lang="fr-FR" dirty="0"/>
-          </a:p>
-        </p:txBody>
-      </p:sp>
-      <p:sp>
-        <p:nvSpPr>
-          <p:cNvPr id="3" name="Espace réservé du contenu 2"/>
-          <p:cNvSpPr>
-            <a:spLocks noGrp="1"/>
-          </p:cNvSpPr>
-          <p:nvPr>
-            <p:ph idx="1"/>
-          </p:nvPr>
-        </p:nvSpPr>
-        <p:spPr/>
-        <p:txBody>
-          <a:bodyPr>
-            <a:normAutofit fontScale="62500" lnSpcReduction="20000"/>
-          </a:bodyPr>
-          <a:lstStyle/>
-          <a:p>
-            <a:r>
-              <a:rPr lang="fr-FR" dirty="0" smtClean="0"/>
-              <a:t>Reconversion professionnelle</a:t>
-            </a:r>
-          </a:p>
-          <a:p>
-            <a:r>
-              <a:rPr lang="fr-FR" dirty="0" smtClean="0"/>
-              <a:t>Aboutissement d’une formation de 3,5 mois en informatique traitant de:</a:t>
-            </a:r>
-          </a:p>
-          <a:p>
-            <a:pPr lvl="1"/>
-            <a:r>
-              <a:rPr lang="fr-FR" dirty="0" smtClean="0"/>
-              <a:t>Conduite de projet méthode Agile SCRUM</a:t>
-            </a:r>
-          </a:p>
-          <a:p>
-            <a:pPr lvl="1"/>
-            <a:r>
-              <a:rPr lang="fr-FR" dirty="0"/>
-              <a:t>Apprentissage du langage </a:t>
-            </a:r>
-            <a:r>
-              <a:rPr lang="fr-FR" dirty="0" smtClean="0"/>
-              <a:t>UML</a:t>
-            </a:r>
-          </a:p>
-          <a:p>
-            <a:pPr lvl="1"/>
-            <a:r>
-              <a:rPr lang="fr-FR" dirty="0" smtClean="0"/>
-              <a:t>Apprentissage du langage Java</a:t>
-            </a:r>
-          </a:p>
-          <a:p>
-            <a:pPr lvl="1"/>
-            <a:r>
-              <a:rPr lang="fr-FR" dirty="0"/>
-              <a:t>Apprentissage du code HTML</a:t>
-            </a:r>
-          </a:p>
-          <a:p>
-            <a:pPr lvl="1"/>
-            <a:r>
-              <a:rPr lang="fr-FR" dirty="0" smtClean="0"/>
-              <a:t>Apprentissage </a:t>
-            </a:r>
-            <a:r>
-              <a:rPr lang="fr-FR" dirty="0"/>
-              <a:t>des </a:t>
-            </a:r>
-            <a:r>
-              <a:rPr lang="fr-FR" dirty="0" err="1"/>
-              <a:t>frameworks</a:t>
-            </a:r>
-            <a:r>
-              <a:rPr lang="fr-FR" dirty="0"/>
-              <a:t> </a:t>
-            </a:r>
-            <a:r>
-              <a:rPr lang="fr-FR" dirty="0" err="1"/>
-              <a:t>Spring</a:t>
-            </a:r>
-            <a:endParaRPr lang="fr-FR" dirty="0"/>
-          </a:p>
-          <a:p>
-            <a:pPr lvl="2"/>
-            <a:r>
-              <a:rPr lang="fr-FR" dirty="0" smtClean="0"/>
-              <a:t>Gestion des dépendances avec MAVEN</a:t>
-            </a:r>
-          </a:p>
-          <a:p>
-            <a:pPr lvl="2"/>
-            <a:r>
-              <a:rPr lang="fr-FR" dirty="0" smtClean="0"/>
-              <a:t>Gestion de base de donnée en langage SQL</a:t>
-            </a:r>
-          </a:p>
-          <a:p>
-            <a:pPr lvl="2"/>
-            <a:r>
-              <a:rPr lang="fr-FR" dirty="0" err="1" smtClean="0"/>
-              <a:t>Mapping</a:t>
-            </a:r>
-            <a:r>
-              <a:rPr lang="fr-FR" dirty="0" smtClean="0"/>
-              <a:t> des </a:t>
-            </a:r>
-            <a:r>
-              <a:rPr lang="fr-FR" dirty="0"/>
-              <a:t>bases de </a:t>
-            </a:r>
-            <a:r>
-              <a:rPr lang="fr-FR" dirty="0" smtClean="0"/>
-              <a:t>données relationnelles</a:t>
-            </a:r>
-            <a:endParaRPr lang="fr-FR" dirty="0"/>
-          </a:p>
-          <a:p>
-            <a:pPr lvl="2"/>
-            <a:r>
-              <a:rPr lang="fr-FR" dirty="0"/>
-              <a:t>MVC </a:t>
-            </a:r>
-            <a:endParaRPr lang="fr-FR" dirty="0" smtClean="0"/>
-          </a:p>
-          <a:p>
-            <a:pPr lvl="2"/>
-            <a:r>
-              <a:rPr lang="fr-FR" dirty="0" smtClean="0"/>
-              <a:t>Sécurité</a:t>
-            </a:r>
-          </a:p>
-          <a:p>
-            <a:pPr lvl="2"/>
-            <a:r>
-              <a:rPr lang="fr-FR" dirty="0"/>
-              <a:t>Développement collaboratif avec </a:t>
-            </a:r>
-            <a:r>
-              <a:rPr lang="fr-FR" dirty="0" smtClean="0"/>
-              <a:t>Git et GitHub</a:t>
-            </a:r>
-          </a:p>
-          <a:p>
-            <a:r>
-              <a:rPr lang="fr-FR" dirty="0" smtClean="0"/>
-              <a:t>Projet final mettant en œuvre les acquis de la formation basé sur un cahier des charges.</a:t>
-            </a:r>
-            <a:endParaRPr lang="fr-FR" dirty="0"/>
-          </a:p>
-          <a:p>
-            <a:pPr lvl="2"/>
-            <a:endParaRPr lang="fr-FR" dirty="0" smtClean="0"/>
-          </a:p>
-          <a:p>
-            <a:pPr lvl="2"/>
-            <a:endParaRPr lang="fr-FR" dirty="0"/>
-          </a:p>
-          <a:p>
-            <a:pPr lvl="2"/>
-            <a:endParaRPr lang="fr-FR" dirty="0" smtClean="0"/>
-          </a:p>
-          <a:p>
-            <a:pPr lvl="1"/>
-            <a:endParaRPr lang="fr-FR" dirty="0"/>
-          </a:p>
-        </p:txBody>
-      </p:sp>
-    </p:spTree>
-    <p:extLst>
-      <p:ext uri="{BB962C8B-B14F-4D97-AF65-F5344CB8AC3E}">
-        <p14:creationId xmlns:p14="http://schemas.microsoft.com/office/powerpoint/2010/main" val="1738298774"/>
-      </p:ext>
-    </p:extLst>
-  </p:cSld>
-  <p:clrMapOvr>
-    <a:masterClrMapping/>
-  </p:clrMapOvr>
-  <p:timing>
-    <p:tnLst>
-      <p:par>
-        <p:cTn id="1" dur="indefinite" restart="never" nodeType="tmRoot"/>
-      </p:par>
-    </p:tnLst>
-  </p:timing>
-</p:sld>
-</file>
-
-<file path=ppt/slides/slide4.xml><?xml version="1.0" encoding="utf-8"?>
-<p:sld xmlns:a="http://schemas.openxmlformats.org/drawingml/2006/main" xmlns:r="http://schemas.openxmlformats.org/officeDocument/2006/relationships" xmlns:p="http://schemas.openxmlformats.org/presentationml/2006/main">
-  <p:cSld>
-    <p:spTree>
-      <p:nvGrpSpPr>
-        <p:cNvPr id="1" name=""/>
-        <p:cNvGrpSpPr/>
-        <p:nvPr/>
-      </p:nvGrpSpPr>
-      <p:grpSpPr>
-        <a:xfrm>
-          <a:off x="0" y="0"/>
-          <a:ext cx="0" cy="0"/>
-          <a:chOff x="0" y="0"/>
-          <a:chExt cx="0" cy="0"/>
-        </a:xfrm>
-      </p:grpSpPr>
-      <p:pic>
-        <p:nvPicPr>
-          <p:cNvPr id="4" name="Image 3"/>
-          <p:cNvPicPr>
-            <a:picLocks noChangeAspect="1"/>
-          </p:cNvPicPr>
-          <p:nvPr/>
-        </p:nvPicPr>
-        <p:blipFill>
-          <a:blip r:embed="rId2" cstate="print">
-            <a:extLst>
-              <a:ext uri="{28A0092B-C50C-407E-A947-70E740481C1C}">
-                <a14:useLocalDpi xmlns:a14="http://schemas.microsoft.com/office/drawing/2010/main" val="0"/>
-              </a:ext>
-            </a:extLst>
-          </a:blip>
-          <a:stretch>
-            <a:fillRect/>
-          </a:stretch>
-        </p:blipFill>
-        <p:spPr>
-          <a:xfrm>
-            <a:off x="5580112" y="1556792"/>
-            <a:ext cx="2376264" cy="3636299"/>
-          </a:xfrm>
-          <a:prstGeom prst="rect">
-            <a:avLst/>
-          </a:prstGeom>
-          <a:ln>
-            <a:noFill/>
-          </a:ln>
-          <a:effectLst>
-            <a:softEdge rad="112500"/>
-          </a:effectLst>
-        </p:spPr>
-      </p:pic>
-      <p:sp>
-        <p:nvSpPr>
-          <p:cNvPr id="2" name="Titre 1"/>
-          <p:cNvSpPr>
-            <a:spLocks noGrp="1"/>
-          </p:cNvSpPr>
-          <p:nvPr>
-            <p:ph type="title"/>
-          </p:nvPr>
-        </p:nvSpPr>
-        <p:spPr>
-          <a:xfrm>
-            <a:off x="1945201" y="624110"/>
-            <a:ext cx="6589199" cy="644650"/>
-          </a:xfrm>
-        </p:spPr>
-        <p:txBody>
-          <a:bodyPr/>
-          <a:lstStyle/>
-          <a:p>
-            <a:r>
-              <a:rPr lang="fr-FR" dirty="0" smtClean="0"/>
-              <a:t>Analyse du besoin</a:t>
-            </a:r>
-            <a:endParaRPr lang="fr-FR" dirty="0"/>
-          </a:p>
-        </p:txBody>
-      </p:sp>
-      <p:sp>
-        <p:nvSpPr>
-          <p:cNvPr id="3" name="Espace réservé du contenu 2"/>
-          <p:cNvSpPr>
-            <a:spLocks noGrp="1"/>
-          </p:cNvSpPr>
-          <p:nvPr>
-            <p:ph idx="1"/>
-          </p:nvPr>
-        </p:nvSpPr>
-        <p:spPr>
-          <a:xfrm>
-            <a:off x="1945201" y="2852936"/>
-            <a:ext cx="6591985" cy="1439416"/>
-          </a:xfrm>
-        </p:spPr>
-        <p:txBody>
-          <a:bodyPr/>
-          <a:lstStyle/>
-          <a:p>
-            <a:r>
-              <a:rPr lang="fr-FR" dirty="0" smtClean="0"/>
-              <a:t>Capture du besoin</a:t>
-            </a:r>
-          </a:p>
-          <a:p>
-            <a:r>
-              <a:rPr lang="fr-FR" dirty="0" smtClean="0"/>
-              <a:t>Analyse du domaine</a:t>
-            </a:r>
-          </a:p>
-          <a:p>
-            <a:r>
-              <a:rPr lang="fr-FR" dirty="0" smtClean="0"/>
-              <a:t>Analyse du domaine objet</a:t>
-            </a:r>
-          </a:p>
-          <a:p>
-            <a:endParaRPr lang="fr-FR" dirty="0"/>
-          </a:p>
-        </p:txBody>
-      </p:sp>
-    </p:spTree>
-    <p:extLst>
-      <p:ext uri="{BB962C8B-B14F-4D97-AF65-F5344CB8AC3E}">
-        <p14:creationId xmlns:p14="http://schemas.microsoft.com/office/powerpoint/2010/main" val="2626397477"/>
-      </p:ext>
-    </p:extLst>
-  </p:cSld>
-  <p:clrMapOvr>
-    <a:masterClrMapping/>
-  </p:clrMapOvr>
-  <p:timing>
-    <p:tnLst>
-      <p:par>
-        <p:cTn id="1" dur="indefinite" restart="never" nodeType="tmRoot"/>
-      </p:par>
-    </p:tnLst>
-  </p:timing>
-</p:sld>
-</file>
-
-<file path=ppt/slides/slide5.xml><?xml version="1.0" encoding="utf-8"?>
-<p:sld xmlns:a="http://schemas.openxmlformats.org/drawingml/2006/main" xmlns:r="http://schemas.openxmlformats.org/officeDocument/2006/relationships" xmlns:p="http://schemas.openxmlformats.org/presentationml/2006/main">
-  <p:cSld>
-    <p:spTree>
-      <p:nvGrpSpPr>
-        <p:cNvPr id="1" name=""/>
-        <p:cNvGrpSpPr/>
-        <p:nvPr/>
-      </p:nvGrpSpPr>
-      <p:grpSpPr>
-        <a:xfrm>
-          <a:off x="0" y="0"/>
-          <a:ext cx="0" cy="0"/>
-          <a:chOff x="0" y="0"/>
-          <a:chExt cx="0" cy="0"/>
-        </a:xfrm>
-      </p:grpSpPr>
-      <p:pic>
-        <p:nvPicPr>
-          <p:cNvPr id="4" name="Image 3"/>
-          <p:cNvPicPr>
-            <a:picLocks noChangeAspect="1"/>
-          </p:cNvPicPr>
-          <p:nvPr/>
-        </p:nvPicPr>
-        <p:blipFill rotWithShape="1">
-          <a:blip r:embed="rId2" cstate="print">
-            <a:extLst>
-              <a:ext uri="{BEBA8EAE-BF5A-486C-A8C5-ECC9F3942E4B}">
-                <a14:imgProps xmlns:a14="http://schemas.microsoft.com/office/drawing/2010/main">
-                  <a14:imgLayer r:embed="rId3">
-                    <a14:imgEffect>
-                      <a14:brightnessContrast bright="20000" contrast="40000"/>
-                    </a14:imgEffect>
-                  </a14:imgLayer>
-                </a14:imgProps>
-              </a:ext>
-              <a:ext uri="{28A0092B-C50C-407E-A947-70E740481C1C}">
-                <a14:useLocalDpi xmlns:a14="http://schemas.microsoft.com/office/drawing/2010/main" val="0"/>
-              </a:ext>
-            </a:extLst>
-          </a:blip>
-          <a:srcRect l="14563" t="19291" r="9051" b="12312"/>
-          <a:stretch/>
-        </p:blipFill>
-        <p:spPr>
-          <a:xfrm>
-            <a:off x="5793933" y="1268760"/>
-            <a:ext cx="3278567" cy="1656184"/>
-          </a:xfrm>
-          <a:prstGeom prst="rect">
-            <a:avLst/>
-          </a:prstGeom>
-          <a:ln>
-            <a:noFill/>
-          </a:ln>
-          <a:effectLst>
-            <a:outerShdw blurRad="190500" algn="tl" rotWithShape="0">
-              <a:srgbClr val="000000">
-                <a:alpha val="70000"/>
-              </a:srgbClr>
-            </a:outerShdw>
-          </a:effectLst>
-        </p:spPr>
-      </p:pic>
-      <p:sp>
-        <p:nvSpPr>
-          <p:cNvPr id="2" name="Titre 1"/>
-          <p:cNvSpPr>
-            <a:spLocks noGrp="1"/>
-          </p:cNvSpPr>
-          <p:nvPr>
-            <p:ph type="title"/>
-          </p:nvPr>
-        </p:nvSpPr>
-        <p:spPr>
-          <a:xfrm>
-            <a:off x="1945201" y="624110"/>
-            <a:ext cx="6589199" cy="644650"/>
-          </a:xfrm>
-        </p:spPr>
-        <p:txBody>
-          <a:bodyPr/>
-          <a:lstStyle/>
-          <a:p>
-            <a:r>
-              <a:rPr lang="fr-FR" dirty="0" smtClean="0"/>
-              <a:t>Analyse du besoin</a:t>
-            </a:r>
-            <a:endParaRPr lang="fr-FR" dirty="0"/>
-          </a:p>
-        </p:txBody>
-      </p:sp>
-      <p:sp>
-        <p:nvSpPr>
-          <p:cNvPr id="3" name="Espace réservé du contenu 2"/>
-          <p:cNvSpPr>
-            <a:spLocks noGrp="1"/>
-          </p:cNvSpPr>
-          <p:nvPr>
-            <p:ph idx="1"/>
-          </p:nvPr>
-        </p:nvSpPr>
-        <p:spPr>
-          <a:xfrm>
-            <a:off x="1942415" y="1379570"/>
-            <a:ext cx="6591985" cy="3777622"/>
-          </a:xfrm>
-        </p:spPr>
-        <p:txBody>
-          <a:bodyPr/>
-          <a:lstStyle/>
-          <a:p>
-            <a:r>
-              <a:rPr lang="fr-FR" dirty="0" smtClean="0"/>
-              <a:t>Capture du besoin</a:t>
-            </a:r>
-          </a:p>
-          <a:p>
-            <a:pPr lvl="1"/>
-            <a:r>
-              <a:rPr lang="fr-FR" dirty="0" smtClean="0"/>
-              <a:t>Définition des Use Cases</a:t>
-            </a:r>
-          </a:p>
-          <a:p>
-            <a:pPr lvl="1"/>
-            <a:r>
-              <a:rPr lang="fr-FR" dirty="0" smtClean="0"/>
-              <a:t>Réalisation du Use Case </a:t>
-            </a:r>
-            <a:r>
-              <a:rPr lang="fr-FR" dirty="0" err="1" smtClean="0"/>
-              <a:t>Diagram</a:t>
-            </a:r>
-            <a:endParaRPr lang="fr-FR" dirty="0" smtClean="0"/>
-          </a:p>
-        </p:txBody>
-      </p:sp>
-      <p:pic>
-        <p:nvPicPr>
-          <p:cNvPr id="5" name="Image 4"/>
-          <p:cNvPicPr>
-            <a:picLocks noChangeAspect="1"/>
-          </p:cNvPicPr>
-          <p:nvPr/>
-        </p:nvPicPr>
-        <p:blipFill>
-          <a:blip r:embed="rId4">
-            <a:extLst>
-              <a:ext uri="{28A0092B-C50C-407E-A947-70E740481C1C}">
-                <a14:useLocalDpi xmlns:a14="http://schemas.microsoft.com/office/drawing/2010/main" val="0"/>
-              </a:ext>
-            </a:extLst>
-          </a:blip>
-          <a:stretch>
-            <a:fillRect/>
-          </a:stretch>
-        </p:blipFill>
-        <p:spPr>
-          <a:xfrm>
-            <a:off x="1475656" y="2492896"/>
-            <a:ext cx="4752528" cy="4233815"/>
-          </a:xfrm>
-          <a:prstGeom prst="rect">
-            <a:avLst/>
-          </a:prstGeom>
-          <a:ln>
-            <a:noFill/>
-          </a:ln>
-          <a:effectLst>
-            <a:outerShdw blurRad="190500" algn="tl" rotWithShape="0">
-              <a:srgbClr val="000000">
-                <a:alpha val="70000"/>
-              </a:srgbClr>
-            </a:outerShdw>
-          </a:effectLst>
-        </p:spPr>
-      </p:pic>
-    </p:spTree>
-    <p:extLst>
-      <p:ext uri="{BB962C8B-B14F-4D97-AF65-F5344CB8AC3E}">
-        <p14:creationId xmlns:p14="http://schemas.microsoft.com/office/powerpoint/2010/main" val="545282299"/>
-      </p:ext>
-    </p:extLst>
-  </p:cSld>
-  <p:clrMapOvr>
-    <a:masterClrMapping/>
-  </p:clrMapOvr>
-  <p:timing>
-    <p:tnLst>
-      <p:par>
-        <p:cTn id="1" dur="indefinite" restart="never" nodeType="tmRoot"/>
-      </p:par>
-    </p:tnLst>
-  </p:timing>
-</p:sld>
-</file>
-
-<file path=ppt/slides/slide6.xml><?xml version="1.0" encoding="utf-8"?>
-<p:sld xmlns:a="http://schemas.openxmlformats.org/drawingml/2006/main" xmlns:r="http://schemas.openxmlformats.org/officeDocument/2006/relationships" xmlns:p="http://schemas.openxmlformats.org/presentationml/2006/main">
-  <p:cSld>
-    <p:spTree>
-      <p:nvGrpSpPr>
-        <p:cNvPr id="1" name=""/>
-        <p:cNvGrpSpPr/>
-        <p:nvPr/>
-      </p:nvGrpSpPr>
-      <p:grpSpPr>
-        <a:xfrm>
-          <a:off x="0" y="0"/>
-          <a:ext cx="0" cy="0"/>
-          <a:chOff x="0" y="0"/>
-          <a:chExt cx="0" cy="0"/>
-        </a:xfrm>
-      </p:grpSpPr>
-      <p:sp>
-        <p:nvSpPr>
-          <p:cNvPr id="2" name="Titre 1"/>
-          <p:cNvSpPr>
-            <a:spLocks noGrp="1"/>
-          </p:cNvSpPr>
-          <p:nvPr>
-            <p:ph type="title"/>
-          </p:nvPr>
-        </p:nvSpPr>
-        <p:spPr>
-          <a:xfrm>
-            <a:off x="1945201" y="624110"/>
-            <a:ext cx="6589199" cy="644650"/>
-          </a:xfrm>
-        </p:spPr>
-        <p:txBody>
-          <a:bodyPr/>
-          <a:lstStyle/>
-          <a:p>
-            <a:r>
-              <a:rPr lang="fr-FR" dirty="0" smtClean="0"/>
-              <a:t>Analyse du besoin</a:t>
-            </a:r>
-            <a:endParaRPr lang="fr-FR" dirty="0"/>
-          </a:p>
-        </p:txBody>
-      </p:sp>
-      <p:sp>
-        <p:nvSpPr>
-          <p:cNvPr id="6" name="Espace réservé du contenu 2"/>
-          <p:cNvSpPr>
-            <a:spLocks noGrp="1"/>
-          </p:cNvSpPr>
-          <p:nvPr>
-            <p:ph idx="1"/>
-          </p:nvPr>
-        </p:nvSpPr>
-        <p:spPr>
-          <a:xfrm>
-            <a:off x="1942415" y="1379570"/>
-            <a:ext cx="6591985" cy="3777622"/>
-          </a:xfrm>
-        </p:spPr>
-        <p:txBody>
-          <a:bodyPr/>
-          <a:lstStyle/>
-          <a:p>
-            <a:r>
-              <a:rPr lang="fr-FR" dirty="0" smtClean="0"/>
-              <a:t>Analyse du domaine Objet</a:t>
-            </a:r>
-          </a:p>
-        </p:txBody>
-      </p:sp>
-      <p:pic>
-        <p:nvPicPr>
-          <p:cNvPr id="8" name="Image 7"/>
-          <p:cNvPicPr>
-            <a:picLocks noChangeAspect="1"/>
-          </p:cNvPicPr>
-          <p:nvPr/>
-        </p:nvPicPr>
-        <p:blipFill>
-          <a:blip r:embed="rId2">
-            <a:extLst>
-              <a:ext uri="{28A0092B-C50C-407E-A947-70E740481C1C}">
-                <a14:useLocalDpi xmlns:a14="http://schemas.microsoft.com/office/drawing/2010/main" val="0"/>
-              </a:ext>
-            </a:extLst>
-          </a:blip>
-          <a:stretch>
-            <a:fillRect/>
-          </a:stretch>
-        </p:blipFill>
-        <p:spPr>
-          <a:xfrm>
-            <a:off x="1942415" y="1772816"/>
-            <a:ext cx="5830804" cy="4766357"/>
-          </a:xfrm>
-          <a:prstGeom prst="rect">
-            <a:avLst/>
-          </a:prstGeom>
-          <a:ln>
-            <a:noFill/>
-          </a:ln>
-          <a:effectLst>
-            <a:outerShdw blurRad="190500" algn="tl" rotWithShape="0">
-              <a:srgbClr val="000000">
-                <a:alpha val="70000"/>
-              </a:srgbClr>
-            </a:outerShdw>
-          </a:effectLst>
-        </p:spPr>
-      </p:pic>
-    </p:spTree>
-    <p:extLst>
-      <p:ext uri="{BB962C8B-B14F-4D97-AF65-F5344CB8AC3E}">
-        <p14:creationId xmlns:p14="http://schemas.microsoft.com/office/powerpoint/2010/main" val="2580400785"/>
-      </p:ext>
-    </p:extLst>
-  </p:cSld>
-  <p:clrMapOvr>
-    <a:masterClrMapping/>
-  </p:clrMapOvr>
-  <p:timing>
-    <p:tnLst>
-      <p:par>
-        <p:cTn id="1" dur="indefinite" restart="never" nodeType="tmRoot"/>
-      </p:par>
-    </p:tnLst>
-  </p:timing>
-</p:sld>
-</file>
-
-<file path=ppt/slides/slide7.xml><?xml version="1.0" encoding="utf-8"?>
-<p:sld xmlns:a="http://schemas.openxmlformats.org/drawingml/2006/main" xmlns:r="http://schemas.openxmlformats.org/officeDocument/2006/relationships" xmlns:p="http://schemas.openxmlformats.org/presentationml/2006/main">
-  <p:cSld>
-    <p:spTree>
-      <p:nvGrpSpPr>
-        <p:cNvPr id="1" name=""/>
-        <p:cNvGrpSpPr/>
-        <p:nvPr/>
-      </p:nvGrpSpPr>
-      <p:grpSpPr>
-        <a:xfrm>
-          <a:off x="0" y="0"/>
-          <a:ext cx="0" cy="0"/>
-          <a:chOff x="0" y="0"/>
-          <a:chExt cx="0" cy="0"/>
-        </a:xfrm>
-      </p:grpSpPr>
-      <p:sp>
-        <p:nvSpPr>
-          <p:cNvPr id="2" name="Titre 1"/>
-          <p:cNvSpPr>
-            <a:spLocks noGrp="1"/>
-          </p:cNvSpPr>
-          <p:nvPr>
-            <p:ph type="title"/>
-          </p:nvPr>
-        </p:nvSpPr>
-        <p:spPr>
-          <a:xfrm>
-            <a:off x="1945201" y="624110"/>
-            <a:ext cx="6589199" cy="788666"/>
-          </a:xfrm>
-        </p:spPr>
-        <p:txBody>
-          <a:bodyPr>
-            <a:normAutofit/>
-          </a:bodyPr>
-          <a:lstStyle/>
-          <a:p>
-            <a:r>
-              <a:rPr lang="fr-FR" dirty="0" smtClean="0"/>
-              <a:t>Contraintes</a:t>
-            </a:r>
-            <a:endParaRPr lang="fr-FR" dirty="0"/>
-          </a:p>
-        </p:txBody>
-      </p:sp>
-      <p:sp>
-        <p:nvSpPr>
-          <p:cNvPr id="3" name="Espace réservé du contenu 2"/>
-          <p:cNvSpPr>
-            <a:spLocks noGrp="1"/>
-          </p:cNvSpPr>
-          <p:nvPr>
-            <p:ph idx="1"/>
-          </p:nvPr>
-        </p:nvSpPr>
-        <p:spPr/>
-        <p:txBody>
-          <a:bodyPr>
-            <a:normAutofit/>
-          </a:bodyPr>
-          <a:lstStyle/>
-          <a:p>
-            <a:r>
-              <a:rPr lang="fr-FR" dirty="0" smtClean="0"/>
-              <a:t>Contraintes</a:t>
-            </a:r>
-          </a:p>
-          <a:p>
-            <a:pPr lvl="1"/>
-            <a:r>
-              <a:rPr lang="fr-FR" dirty="0" smtClean="0"/>
-              <a:t>Temps </a:t>
-            </a:r>
-          </a:p>
-          <a:p>
-            <a:pPr lvl="2"/>
-            <a:r>
-              <a:rPr lang="fr-FR" dirty="0" smtClean="0"/>
-              <a:t>Durée pour faire le cycle complet du projet: 5 jours</a:t>
-            </a:r>
-          </a:p>
-          <a:p>
-            <a:pPr lvl="1"/>
-            <a:endParaRPr lang="fr-FR" dirty="0" smtClean="0"/>
-          </a:p>
-          <a:p>
-            <a:pPr lvl="1"/>
-            <a:r>
-              <a:rPr lang="fr-FR" dirty="0" smtClean="0"/>
-              <a:t>Techniques :</a:t>
-            </a:r>
-          </a:p>
-          <a:p>
-            <a:pPr lvl="2"/>
-            <a:r>
-              <a:rPr lang="fr-FR" dirty="0" smtClean="0"/>
-              <a:t>Projet destiné à la Java Virtual Machine</a:t>
-            </a:r>
-          </a:p>
-          <a:p>
-            <a:pPr marL="914400" lvl="2" indent="0">
-              <a:buNone/>
-            </a:pPr>
-            <a:endParaRPr lang="fr-FR" dirty="0" smtClean="0"/>
-          </a:p>
-          <a:p>
-            <a:pPr lvl="1"/>
-            <a:r>
-              <a:rPr lang="fr-FR" dirty="0" smtClean="0"/>
-              <a:t>Financières: </a:t>
-            </a:r>
-          </a:p>
-          <a:p>
-            <a:pPr lvl="2"/>
-            <a:r>
-              <a:rPr lang="fr-FR" dirty="0" smtClean="0"/>
-              <a:t>Projet non financé</a:t>
-            </a:r>
-            <a:endParaRPr lang="fr-FR" dirty="0"/>
-          </a:p>
-        </p:txBody>
-      </p:sp>
-    </p:spTree>
-    <p:extLst>
-      <p:ext uri="{BB962C8B-B14F-4D97-AF65-F5344CB8AC3E}">
-        <p14:creationId xmlns:p14="http://schemas.microsoft.com/office/powerpoint/2010/main" val="3776268605"/>
-      </p:ext>
-    </p:extLst>
-  </p:cSld>
-  <p:clrMapOvr>
-    <a:masterClrMapping/>
-  </p:clrMapOvr>
-  <p:timing>
-    <p:tnLst>
-      <p:par>
-        <p:cTn id="1" dur="indefinite" restart="never" nodeType="tmRoot"/>
-      </p:par>
-    </p:tnLst>
-  </p:timing>
-</p:sld>
-</file>
-
-<file path=ppt/slides/slide8.xml><?xml version="1.0" encoding="utf-8"?>
-<p:sld xmlns:a="http://schemas.openxmlformats.org/drawingml/2006/main" xmlns:r="http://schemas.openxmlformats.org/officeDocument/2006/relationships" xmlns:p="http://schemas.openxmlformats.org/presentationml/2006/main">
-  <p:cSld>
-    <p:spTree>
-      <p:nvGrpSpPr>
-        <p:cNvPr id="1" name=""/>
-        <p:cNvGrpSpPr/>
-        <p:nvPr/>
-      </p:nvGrpSpPr>
-      <p:grpSpPr>
-        <a:xfrm>
-          <a:off x="0" y="0"/>
-          <a:ext cx="0" cy="0"/>
-          <a:chOff x="0" y="0"/>
-          <a:chExt cx="0" cy="0"/>
-        </a:xfrm>
-      </p:grpSpPr>
-      <p:sp>
-        <p:nvSpPr>
-          <p:cNvPr id="2" name="Titre 1"/>
-          <p:cNvSpPr>
-            <a:spLocks noGrp="1"/>
-          </p:cNvSpPr>
-          <p:nvPr>
-            <p:ph type="title"/>
-          </p:nvPr>
-        </p:nvSpPr>
-        <p:spPr>
-          <a:xfrm>
-            <a:off x="1945201" y="624110"/>
-            <a:ext cx="6589199" cy="788666"/>
-          </a:xfrm>
-        </p:spPr>
-        <p:txBody>
-          <a:bodyPr/>
-          <a:lstStyle/>
-          <a:p>
-            <a:r>
-              <a:rPr lang="fr-FR" dirty="0"/>
-              <a:t>Solution technique</a:t>
-            </a:r>
-          </a:p>
-        </p:txBody>
-      </p:sp>
-      <p:sp>
-        <p:nvSpPr>
-          <p:cNvPr id="4" name="Espace réservé du contenu 2"/>
-          <p:cNvSpPr>
-            <a:spLocks noGrp="1"/>
-          </p:cNvSpPr>
-          <p:nvPr>
-            <p:ph idx="1"/>
-          </p:nvPr>
-        </p:nvSpPr>
-        <p:spPr>
-          <a:xfrm>
-            <a:off x="2552015" y="2034888"/>
-            <a:ext cx="6591985" cy="2159496"/>
-          </a:xfrm>
-        </p:spPr>
-        <p:txBody>
-          <a:bodyPr>
-            <a:normAutofit/>
-          </a:bodyPr>
-          <a:lstStyle/>
-          <a:p>
-            <a:r>
-              <a:rPr lang="fr-FR" dirty="0" smtClean="0"/>
-              <a:t>UML </a:t>
-            </a:r>
-            <a:r>
-              <a:rPr lang="fr-FR" dirty="0"/>
-              <a:t>avec </a:t>
-            </a:r>
-            <a:r>
-              <a:rPr lang="fr-FR" dirty="0" err="1" smtClean="0"/>
-              <a:t>Astah</a:t>
-            </a:r>
-            <a:endParaRPr lang="fr-FR" dirty="0" smtClean="0"/>
-          </a:p>
-          <a:p>
-            <a:r>
-              <a:rPr lang="fr-FR" dirty="0" smtClean="0"/>
-              <a:t>IDE Eclipse </a:t>
-            </a:r>
-            <a:r>
-              <a:rPr lang="fr-FR" dirty="0" err="1" smtClean="0"/>
-              <a:t>Oxygen</a:t>
-            </a:r>
-            <a:endParaRPr lang="fr-FR" dirty="0" smtClean="0"/>
-          </a:p>
-          <a:p>
-            <a:r>
-              <a:rPr lang="fr-FR" dirty="0"/>
-              <a:t>Serveur local </a:t>
-            </a:r>
-            <a:r>
-              <a:rPr lang="fr-FR" dirty="0" err="1"/>
-              <a:t>Tomcat</a:t>
-            </a:r>
-            <a:r>
-              <a:rPr lang="fr-FR" dirty="0"/>
-              <a:t> 8.5</a:t>
-            </a:r>
-          </a:p>
-          <a:p>
-            <a:r>
-              <a:rPr lang="fr-FR" dirty="0" err="1" smtClean="0"/>
-              <a:t>Git’s</a:t>
-            </a:r>
-            <a:r>
-              <a:rPr lang="fr-FR" dirty="0" smtClean="0"/>
-              <a:t> </a:t>
-            </a:r>
-            <a:r>
-              <a:rPr lang="fr-FR" dirty="0" err="1"/>
-              <a:t>remote</a:t>
-            </a:r>
-            <a:r>
-              <a:rPr lang="fr-FR" dirty="0"/>
-              <a:t> </a:t>
-            </a:r>
-            <a:r>
-              <a:rPr lang="fr-FR" dirty="0" err="1"/>
-              <a:t>repository</a:t>
-            </a:r>
-            <a:r>
-              <a:rPr lang="fr-FR" dirty="0"/>
-              <a:t> avec GitHub</a:t>
-            </a:r>
-          </a:p>
-          <a:p>
-            <a:r>
-              <a:rPr lang="fr-FR" dirty="0" err="1" smtClean="0"/>
-              <a:t>Backlog</a:t>
-            </a:r>
-            <a:r>
-              <a:rPr lang="fr-FR" dirty="0" smtClean="0"/>
-              <a:t> </a:t>
-            </a:r>
-            <a:r>
-              <a:rPr lang="fr-FR" dirty="0"/>
-              <a:t>à </a:t>
-            </a:r>
-            <a:r>
-              <a:rPr lang="fr-FR" dirty="0" smtClean="0"/>
-              <a:t>post-it au lieu d’utiliser </a:t>
-            </a:r>
-            <a:r>
-              <a:rPr lang="fr-FR" dirty="0" err="1" smtClean="0"/>
-              <a:t>Jira</a:t>
-            </a:r>
-            <a:endParaRPr lang="fr-FR" dirty="0" smtClean="0"/>
-          </a:p>
-          <a:p>
-            <a:pPr marL="914400" lvl="2" indent="0">
-              <a:buNone/>
-            </a:pPr>
-            <a:endParaRPr lang="fr-FR" dirty="0" smtClean="0"/>
           </a:p>
         </p:txBody>
       </p:sp>
@@ -9085,7 +8021,7 @@
         <p:spPr>
           <a:xfrm>
             <a:off x="1940455" y="1484784"/>
-            <a:ext cx="6591985" cy="504056"/>
+            <a:ext cx="6591985" cy="4968552"/>
           </a:xfrm>
           <a:prstGeom prst="rect">
             <a:avLst/>
@@ -9316,15 +8252,3135 @@
           <a:p>
             <a:r>
               <a:rPr lang="fr-FR" dirty="0" smtClean="0"/>
-              <a:t>Conception et développement d’une application « légère » </a:t>
-            </a:r>
-          </a:p>
-        </p:txBody>
-      </p:sp>
+              <a:t>Création des </a:t>
+            </a:r>
+            <a:r>
+              <a:rPr lang="fr-FR" dirty="0" err="1" smtClean="0"/>
+              <a:t>beans</a:t>
+            </a:r>
+            <a:endParaRPr lang="fr-FR" dirty="0" smtClean="0"/>
+          </a:p>
+          <a:p>
+            <a:r>
+              <a:rPr lang="fr-FR" dirty="0" err="1" smtClean="0"/>
+              <a:t>Mapping</a:t>
+            </a:r>
+            <a:r>
+              <a:rPr lang="fr-FR" dirty="0" smtClean="0"/>
+              <a:t> des classes en vue de la création des tables dans la </a:t>
+            </a:r>
+            <a:r>
+              <a:rPr lang="fr-FR" dirty="0" err="1" smtClean="0"/>
+              <a:t>database</a:t>
+            </a:r>
+            <a:endParaRPr lang="fr-FR" dirty="0" smtClean="0"/>
+          </a:p>
+          <a:p>
+            <a:r>
+              <a:rPr lang="fr-FR" dirty="0" smtClean="0"/>
+              <a:t>Création des DAO pour chaque table de la DB, réalisation du CRUD</a:t>
+            </a:r>
+          </a:p>
+          <a:p>
+            <a:r>
+              <a:rPr lang="fr-FR" dirty="0" smtClean="0"/>
+              <a:t>Création des contrôleurs</a:t>
+            </a:r>
+          </a:p>
+          <a:p>
+            <a:r>
+              <a:rPr lang="fr-FR" dirty="0" smtClean="0"/>
+              <a:t>Création des JSP</a:t>
+            </a:r>
+          </a:p>
+          <a:p>
+            <a:r>
+              <a:rPr lang="fr-FR" dirty="0" smtClean="0"/>
+              <a:t>Validation de données</a:t>
+            </a:r>
+          </a:p>
+          <a:p>
+            <a:r>
+              <a:rPr lang="fr-FR" dirty="0" smtClean="0"/>
+              <a:t>Validation des fonctionnalités</a:t>
+            </a:r>
+          </a:p>
+          <a:p>
+            <a:r>
+              <a:rPr lang="fr-FR" dirty="0" smtClean="0"/>
+              <a:t>Implémentation de l’authentification et de la sécurité</a:t>
+            </a:r>
+          </a:p>
+          <a:p>
+            <a:r>
+              <a:rPr lang="fr-FR" dirty="0" smtClean="0"/>
+              <a:t>Ajout de </a:t>
+            </a:r>
+            <a:r>
+              <a:rPr lang="fr-FR" dirty="0"/>
+              <a:t>cosmétique HTML pour </a:t>
+            </a:r>
+            <a:r>
+              <a:rPr lang="fr-FR" dirty="0" smtClean="0"/>
+              <a:t>apparition</a:t>
+            </a:r>
+          </a:p>
+          <a:p>
+            <a:r>
+              <a:rPr lang="fr-FR" dirty="0" smtClean="0"/>
+              <a:t>Travail collaboratif avec Git; partage, récupération et fusion du code produit par chacun pas à pas.</a:t>
+            </a:r>
+            <a:endParaRPr lang="fr-FR" dirty="0" smtClean="0"/>
+          </a:p>
+        </p:txBody>
+      </p:sp>
+    </p:spTree>
+    <p:extLst>
+      <p:ext uri="{BB962C8B-B14F-4D97-AF65-F5344CB8AC3E}">
+        <p14:creationId xmlns:p14="http://schemas.microsoft.com/office/powerpoint/2010/main" val="382261260"/>
+      </p:ext>
+    </p:extLst>
+  </p:cSld>
+  <p:clrMapOvr>
+    <a:masterClrMapping/>
+  </p:clrMapOvr>
+  <p:timing>
+    <p:tnLst>
+      <p:par>
+        <p:cTn id="1" dur="indefinite" restart="never" nodeType="tmRoot"/>
+      </p:par>
+    </p:tnLst>
+  </p:timing>
+</p:sld>
+</file>
+
+<file path=ppt/slides/slide11.xml><?xml version="1.0" encoding="utf-8"?>
+<p:sld xmlns:a="http://schemas.openxmlformats.org/drawingml/2006/main" xmlns:r="http://schemas.openxmlformats.org/officeDocument/2006/relationships" xmlns:p="http://schemas.openxmlformats.org/presentationml/2006/main">
+  <p:cSld>
+    <p:spTree>
+      <p:nvGrpSpPr>
+        <p:cNvPr id="1" name=""/>
+        <p:cNvGrpSpPr/>
+        <p:nvPr/>
+      </p:nvGrpSpPr>
+      <p:grpSpPr>
+        <a:xfrm>
+          <a:off x="0" y="0"/>
+          <a:ext cx="0" cy="0"/>
+          <a:chOff x="0" y="0"/>
+          <a:chExt cx="0" cy="0"/>
+        </a:xfrm>
+      </p:grpSpPr>
+      <p:sp>
+        <p:nvSpPr>
+          <p:cNvPr id="2" name="Titre 1"/>
+          <p:cNvSpPr>
+            <a:spLocks noGrp="1"/>
+          </p:cNvSpPr>
+          <p:nvPr>
+            <p:ph type="title"/>
+          </p:nvPr>
+        </p:nvSpPr>
+        <p:spPr>
+          <a:xfrm>
+            <a:off x="1945201" y="624110"/>
+            <a:ext cx="6589199" cy="788666"/>
+          </a:xfrm>
+        </p:spPr>
+        <p:txBody>
+          <a:bodyPr/>
+          <a:lstStyle/>
+          <a:p>
+            <a:r>
+              <a:rPr lang="fr-FR" dirty="0" smtClean="0"/>
+              <a:t>Tests</a:t>
+            </a:r>
+            <a:endParaRPr lang="fr-FR" dirty="0"/>
+          </a:p>
+        </p:txBody>
+      </p:sp>
+      <p:sp>
+        <p:nvSpPr>
+          <p:cNvPr id="5" name="Espace réservé du contenu 2"/>
+          <p:cNvSpPr txBox="1">
+            <a:spLocks/>
+          </p:cNvSpPr>
+          <p:nvPr/>
+        </p:nvSpPr>
+        <p:spPr>
+          <a:xfrm>
+            <a:off x="1940455" y="1484784"/>
+            <a:ext cx="6591985" cy="3528392"/>
+          </a:xfrm>
+          <a:prstGeom prst="rect">
+            <a:avLst/>
+          </a:prstGeom>
+        </p:spPr>
+        <p:txBody>
+          <a:bodyPr vert="horz" lIns="91440" tIns="45720" rIns="91440" bIns="45720" rtlCol="0">
+            <a:normAutofit/>
+          </a:bodyPr>
+          <a:lstStyle>
+            <a:lvl1pPr marL="342900" indent="-342900" algn="l" defTabSz="457200" rtl="0" eaLnBrk="1" latinLnBrk="0" hangingPunct="1">
+              <a:spcBef>
+                <a:spcPts val="1000"/>
+              </a:spcBef>
+              <a:spcAft>
+                <a:spcPts val="0"/>
+              </a:spcAft>
+              <a:buClr>
+                <a:schemeClr val="accent1"/>
+              </a:buClr>
+              <a:buFont typeface="Wingdings 3" charset="2"/>
+              <a:buChar char=""/>
+              <a:defRPr sz="1800" kern="1200">
+                <a:solidFill>
+                  <a:schemeClr val="tx1">
+                    <a:lumMod val="75000"/>
+                    <a:lumOff val="25000"/>
+                  </a:schemeClr>
+                </a:solidFill>
+                <a:latin typeface="+mn-lt"/>
+                <a:ea typeface="+mn-ea"/>
+                <a:cs typeface="+mn-cs"/>
+              </a:defRPr>
+            </a:lvl1pPr>
+            <a:lvl2pPr marL="742950" indent="-285750" algn="l" defTabSz="457200" rtl="0" eaLnBrk="1" latinLnBrk="0" hangingPunct="1">
+              <a:spcBef>
+                <a:spcPts val="1000"/>
+              </a:spcBef>
+              <a:spcAft>
+                <a:spcPts val="0"/>
+              </a:spcAft>
+              <a:buClr>
+                <a:schemeClr val="accent1"/>
+              </a:buClr>
+              <a:buFont typeface="Wingdings 3" charset="2"/>
+              <a:buChar char=""/>
+              <a:defRPr sz="1600" kern="1200">
+                <a:solidFill>
+                  <a:schemeClr val="tx1">
+                    <a:lumMod val="75000"/>
+                    <a:lumOff val="25000"/>
+                  </a:schemeClr>
+                </a:solidFill>
+                <a:latin typeface="+mn-lt"/>
+                <a:ea typeface="+mn-ea"/>
+                <a:cs typeface="+mn-cs"/>
+              </a:defRPr>
+            </a:lvl2pPr>
+            <a:lvl3pPr marL="1143000" indent="-228600" algn="l" defTabSz="457200" rtl="0" eaLnBrk="1" latinLnBrk="0" hangingPunct="1">
+              <a:spcBef>
+                <a:spcPts val="1000"/>
+              </a:spcBef>
+              <a:spcAft>
+                <a:spcPts val="0"/>
+              </a:spcAft>
+              <a:buClr>
+                <a:schemeClr val="accent1"/>
+              </a:buClr>
+              <a:buFont typeface="Wingdings 3" charset="2"/>
+              <a:buChar char=""/>
+              <a:defRPr sz="1400" kern="1200">
+                <a:solidFill>
+                  <a:schemeClr val="tx1">
+                    <a:lumMod val="75000"/>
+                    <a:lumOff val="25000"/>
+                  </a:schemeClr>
+                </a:solidFill>
+                <a:latin typeface="+mn-lt"/>
+                <a:ea typeface="+mn-ea"/>
+                <a:cs typeface="+mn-cs"/>
+              </a:defRPr>
+            </a:lvl3pPr>
+            <a:lvl4pPr marL="1600200" indent="-228600" algn="l" defTabSz="457200" rtl="0" eaLnBrk="1" latinLnBrk="0" hangingPunct="1">
+              <a:spcBef>
+                <a:spcPts val="1000"/>
+              </a:spcBef>
+              <a:spcAft>
+                <a:spcPts val="0"/>
+              </a:spcAft>
+              <a:buClr>
+                <a:schemeClr val="accent1"/>
+              </a:buClr>
+              <a:buFont typeface="Wingdings 3" charset="2"/>
+              <a:buChar char=""/>
+              <a:defRPr sz="1200" kern="1200">
+                <a:solidFill>
+                  <a:schemeClr val="tx1">
+                    <a:lumMod val="75000"/>
+                    <a:lumOff val="25000"/>
+                  </a:schemeClr>
+                </a:solidFill>
+                <a:latin typeface="+mn-lt"/>
+                <a:ea typeface="+mn-ea"/>
+                <a:cs typeface="+mn-cs"/>
+              </a:defRPr>
+            </a:lvl4pPr>
+            <a:lvl5pPr marL="2057400" indent="-228600" algn="l" defTabSz="457200" rtl="0" eaLnBrk="1" latinLnBrk="0" hangingPunct="1">
+              <a:spcBef>
+                <a:spcPts val="1000"/>
+              </a:spcBef>
+              <a:spcAft>
+                <a:spcPts val="0"/>
+              </a:spcAft>
+              <a:buClr>
+                <a:schemeClr val="accent1"/>
+              </a:buClr>
+              <a:buFont typeface="Wingdings 3" charset="2"/>
+              <a:buChar char=""/>
+              <a:defRPr sz="1200" kern="1200">
+                <a:solidFill>
+                  <a:schemeClr val="tx1">
+                    <a:lumMod val="75000"/>
+                    <a:lumOff val="25000"/>
+                  </a:schemeClr>
+                </a:solidFill>
+                <a:latin typeface="+mn-lt"/>
+                <a:ea typeface="+mn-ea"/>
+                <a:cs typeface="+mn-cs"/>
+              </a:defRPr>
+            </a:lvl5pPr>
+            <a:lvl6pPr marL="2514600" indent="-228600" algn="l" defTabSz="457200" rtl="0" eaLnBrk="1" latinLnBrk="0" hangingPunct="1">
+              <a:spcBef>
+                <a:spcPts val="1000"/>
+              </a:spcBef>
+              <a:spcAft>
+                <a:spcPts val="0"/>
+              </a:spcAft>
+              <a:buClr>
+                <a:schemeClr val="accent1"/>
+              </a:buClr>
+              <a:buFont typeface="Wingdings 3" charset="2"/>
+              <a:buChar char=""/>
+              <a:defRPr sz="1200" kern="1200">
+                <a:solidFill>
+                  <a:schemeClr val="tx1">
+                    <a:lumMod val="75000"/>
+                    <a:lumOff val="25000"/>
+                  </a:schemeClr>
+                </a:solidFill>
+                <a:latin typeface="+mn-lt"/>
+                <a:ea typeface="+mn-ea"/>
+                <a:cs typeface="+mn-cs"/>
+              </a:defRPr>
+            </a:lvl6pPr>
+            <a:lvl7pPr marL="2971800" indent="-228600" algn="l" defTabSz="457200" rtl="0" eaLnBrk="1" latinLnBrk="0" hangingPunct="1">
+              <a:spcBef>
+                <a:spcPts val="1000"/>
+              </a:spcBef>
+              <a:spcAft>
+                <a:spcPts val="0"/>
+              </a:spcAft>
+              <a:buClr>
+                <a:schemeClr val="accent1"/>
+              </a:buClr>
+              <a:buFont typeface="Wingdings 3" charset="2"/>
+              <a:buChar char=""/>
+              <a:defRPr sz="1200" kern="1200">
+                <a:solidFill>
+                  <a:schemeClr val="tx1">
+                    <a:lumMod val="75000"/>
+                    <a:lumOff val="25000"/>
+                  </a:schemeClr>
+                </a:solidFill>
+                <a:latin typeface="+mn-lt"/>
+                <a:ea typeface="+mn-ea"/>
+                <a:cs typeface="+mn-cs"/>
+              </a:defRPr>
+            </a:lvl7pPr>
+            <a:lvl8pPr marL="3429000" indent="-228600" algn="l" defTabSz="457200" rtl="0" eaLnBrk="1" latinLnBrk="0" hangingPunct="1">
+              <a:spcBef>
+                <a:spcPts val="1000"/>
+              </a:spcBef>
+              <a:spcAft>
+                <a:spcPts val="0"/>
+              </a:spcAft>
+              <a:buClr>
+                <a:schemeClr val="accent1"/>
+              </a:buClr>
+              <a:buFont typeface="Wingdings 3" charset="2"/>
+              <a:buChar char=""/>
+              <a:defRPr sz="1200" kern="1200">
+                <a:solidFill>
+                  <a:schemeClr val="tx1">
+                    <a:lumMod val="75000"/>
+                    <a:lumOff val="25000"/>
+                  </a:schemeClr>
+                </a:solidFill>
+                <a:latin typeface="+mn-lt"/>
+                <a:ea typeface="+mn-ea"/>
+                <a:cs typeface="+mn-cs"/>
+              </a:defRPr>
+            </a:lvl8pPr>
+            <a:lvl9pPr marL="3886200" indent="-228600" algn="l" defTabSz="457200" rtl="0" eaLnBrk="1" latinLnBrk="0" hangingPunct="1">
+              <a:spcBef>
+                <a:spcPts val="1000"/>
+              </a:spcBef>
+              <a:spcAft>
+                <a:spcPts val="0"/>
+              </a:spcAft>
+              <a:buClr>
+                <a:schemeClr val="accent1"/>
+              </a:buClr>
+              <a:buFont typeface="Wingdings 3" charset="2"/>
+              <a:buChar char=""/>
+              <a:defRPr sz="1200" kern="1200">
+                <a:solidFill>
+                  <a:schemeClr val="tx1">
+                    <a:lumMod val="75000"/>
+                    <a:lumOff val="25000"/>
+                  </a:schemeClr>
+                </a:solidFill>
+                <a:latin typeface="+mn-lt"/>
+                <a:ea typeface="+mn-ea"/>
+                <a:cs typeface="+mn-cs"/>
+              </a:defRPr>
+            </a:lvl9pPr>
+          </a:lstStyle>
+          <a:p>
+            <a:r>
+              <a:rPr lang="fr-FR" dirty="0" smtClean="0"/>
+              <a:t>Validation des fonctionnalités pas à pas</a:t>
+            </a:r>
+          </a:p>
+          <a:p>
+            <a:r>
+              <a:rPr lang="fr-FR" dirty="0" smtClean="0"/>
+              <a:t>Validation du déroulement des scénarios définis dans les Use Cases</a:t>
+            </a:r>
+          </a:p>
+          <a:p>
+            <a:r>
+              <a:rPr lang="fr-FR" dirty="0" smtClean="0"/>
+              <a:t>Validation de la sécurité par authentification</a:t>
+            </a:r>
+          </a:p>
+          <a:p>
+            <a:r>
+              <a:rPr lang="fr-FR" dirty="0" smtClean="0"/>
+              <a:t>Validation de la robustesse de l’application</a:t>
+            </a:r>
+          </a:p>
+          <a:p>
+            <a:endParaRPr lang="fr-FR" dirty="0" smtClean="0"/>
+          </a:p>
+        </p:txBody>
+      </p:sp>
+    </p:spTree>
+    <p:extLst>
+      <p:ext uri="{BB962C8B-B14F-4D97-AF65-F5344CB8AC3E}">
+        <p14:creationId xmlns:p14="http://schemas.microsoft.com/office/powerpoint/2010/main" val="2096086804"/>
+      </p:ext>
+    </p:extLst>
+  </p:cSld>
+  <p:clrMapOvr>
+    <a:masterClrMapping/>
+  </p:clrMapOvr>
+  <p:timing>
+    <p:tnLst>
+      <p:par>
+        <p:cTn id="1" dur="indefinite" restart="never" nodeType="tmRoot"/>
+      </p:par>
+    </p:tnLst>
+  </p:timing>
+</p:sld>
+</file>
+
+<file path=ppt/slides/slide12.xml><?xml version="1.0" encoding="utf-8"?>
+<p:sld xmlns:a="http://schemas.openxmlformats.org/drawingml/2006/main" xmlns:r="http://schemas.openxmlformats.org/officeDocument/2006/relationships" xmlns:p="http://schemas.openxmlformats.org/presentationml/2006/main">
+  <p:cSld>
+    <p:spTree>
+      <p:nvGrpSpPr>
+        <p:cNvPr id="1" name=""/>
+        <p:cNvGrpSpPr/>
+        <p:nvPr/>
+      </p:nvGrpSpPr>
+      <p:grpSpPr>
+        <a:xfrm>
+          <a:off x="0" y="0"/>
+          <a:ext cx="0" cy="0"/>
+          <a:chOff x="0" y="0"/>
+          <a:chExt cx="0" cy="0"/>
+        </a:xfrm>
+      </p:grpSpPr>
+      <p:sp>
+        <p:nvSpPr>
+          <p:cNvPr id="2" name="Titre 1"/>
+          <p:cNvSpPr>
+            <a:spLocks noGrp="1"/>
+          </p:cNvSpPr>
+          <p:nvPr>
+            <p:ph type="title"/>
+          </p:nvPr>
+        </p:nvSpPr>
+        <p:spPr>
+          <a:xfrm>
+            <a:off x="1945201" y="624110"/>
+            <a:ext cx="6589199" cy="788666"/>
+          </a:xfrm>
+        </p:spPr>
+        <p:txBody>
+          <a:bodyPr/>
+          <a:lstStyle/>
+          <a:p>
+            <a:r>
+              <a:rPr lang="fr-FR" dirty="0" smtClean="0"/>
+              <a:t>Conduite du projet</a:t>
+            </a:r>
+            <a:endParaRPr lang="fr-FR" dirty="0"/>
+          </a:p>
+        </p:txBody>
+      </p:sp>
+      <p:sp>
+        <p:nvSpPr>
+          <p:cNvPr id="5" name="Espace réservé du contenu 2"/>
+          <p:cNvSpPr txBox="1">
+            <a:spLocks/>
+          </p:cNvSpPr>
+          <p:nvPr/>
+        </p:nvSpPr>
+        <p:spPr>
+          <a:xfrm>
+            <a:off x="1940455" y="1484784"/>
+            <a:ext cx="6591985" cy="3528392"/>
+          </a:xfrm>
+          <a:prstGeom prst="rect">
+            <a:avLst/>
+          </a:prstGeom>
+        </p:spPr>
+        <p:txBody>
+          <a:bodyPr vert="horz" lIns="91440" tIns="45720" rIns="91440" bIns="45720" rtlCol="0">
+            <a:normAutofit/>
+          </a:bodyPr>
+          <a:lstStyle>
+            <a:lvl1pPr marL="342900" indent="-342900" algn="l" defTabSz="457200" rtl="0" eaLnBrk="1" latinLnBrk="0" hangingPunct="1">
+              <a:spcBef>
+                <a:spcPts val="1000"/>
+              </a:spcBef>
+              <a:spcAft>
+                <a:spcPts val="0"/>
+              </a:spcAft>
+              <a:buClr>
+                <a:schemeClr val="accent1"/>
+              </a:buClr>
+              <a:buFont typeface="Wingdings 3" charset="2"/>
+              <a:buChar char=""/>
+              <a:defRPr sz="1800" kern="1200">
+                <a:solidFill>
+                  <a:schemeClr val="tx1">
+                    <a:lumMod val="75000"/>
+                    <a:lumOff val="25000"/>
+                  </a:schemeClr>
+                </a:solidFill>
+                <a:latin typeface="+mn-lt"/>
+                <a:ea typeface="+mn-ea"/>
+                <a:cs typeface="+mn-cs"/>
+              </a:defRPr>
+            </a:lvl1pPr>
+            <a:lvl2pPr marL="742950" indent="-285750" algn="l" defTabSz="457200" rtl="0" eaLnBrk="1" latinLnBrk="0" hangingPunct="1">
+              <a:spcBef>
+                <a:spcPts val="1000"/>
+              </a:spcBef>
+              <a:spcAft>
+                <a:spcPts val="0"/>
+              </a:spcAft>
+              <a:buClr>
+                <a:schemeClr val="accent1"/>
+              </a:buClr>
+              <a:buFont typeface="Wingdings 3" charset="2"/>
+              <a:buChar char=""/>
+              <a:defRPr sz="1600" kern="1200">
+                <a:solidFill>
+                  <a:schemeClr val="tx1">
+                    <a:lumMod val="75000"/>
+                    <a:lumOff val="25000"/>
+                  </a:schemeClr>
+                </a:solidFill>
+                <a:latin typeface="+mn-lt"/>
+                <a:ea typeface="+mn-ea"/>
+                <a:cs typeface="+mn-cs"/>
+              </a:defRPr>
+            </a:lvl2pPr>
+            <a:lvl3pPr marL="1143000" indent="-228600" algn="l" defTabSz="457200" rtl="0" eaLnBrk="1" latinLnBrk="0" hangingPunct="1">
+              <a:spcBef>
+                <a:spcPts val="1000"/>
+              </a:spcBef>
+              <a:spcAft>
+                <a:spcPts val="0"/>
+              </a:spcAft>
+              <a:buClr>
+                <a:schemeClr val="accent1"/>
+              </a:buClr>
+              <a:buFont typeface="Wingdings 3" charset="2"/>
+              <a:buChar char=""/>
+              <a:defRPr sz="1400" kern="1200">
+                <a:solidFill>
+                  <a:schemeClr val="tx1">
+                    <a:lumMod val="75000"/>
+                    <a:lumOff val="25000"/>
+                  </a:schemeClr>
+                </a:solidFill>
+                <a:latin typeface="+mn-lt"/>
+                <a:ea typeface="+mn-ea"/>
+                <a:cs typeface="+mn-cs"/>
+              </a:defRPr>
+            </a:lvl3pPr>
+            <a:lvl4pPr marL="1600200" indent="-228600" algn="l" defTabSz="457200" rtl="0" eaLnBrk="1" latinLnBrk="0" hangingPunct="1">
+              <a:spcBef>
+                <a:spcPts val="1000"/>
+              </a:spcBef>
+              <a:spcAft>
+                <a:spcPts val="0"/>
+              </a:spcAft>
+              <a:buClr>
+                <a:schemeClr val="accent1"/>
+              </a:buClr>
+              <a:buFont typeface="Wingdings 3" charset="2"/>
+              <a:buChar char=""/>
+              <a:defRPr sz="1200" kern="1200">
+                <a:solidFill>
+                  <a:schemeClr val="tx1">
+                    <a:lumMod val="75000"/>
+                    <a:lumOff val="25000"/>
+                  </a:schemeClr>
+                </a:solidFill>
+                <a:latin typeface="+mn-lt"/>
+                <a:ea typeface="+mn-ea"/>
+                <a:cs typeface="+mn-cs"/>
+              </a:defRPr>
+            </a:lvl4pPr>
+            <a:lvl5pPr marL="2057400" indent="-228600" algn="l" defTabSz="457200" rtl="0" eaLnBrk="1" latinLnBrk="0" hangingPunct="1">
+              <a:spcBef>
+                <a:spcPts val="1000"/>
+              </a:spcBef>
+              <a:spcAft>
+                <a:spcPts val="0"/>
+              </a:spcAft>
+              <a:buClr>
+                <a:schemeClr val="accent1"/>
+              </a:buClr>
+              <a:buFont typeface="Wingdings 3" charset="2"/>
+              <a:buChar char=""/>
+              <a:defRPr sz="1200" kern="1200">
+                <a:solidFill>
+                  <a:schemeClr val="tx1">
+                    <a:lumMod val="75000"/>
+                    <a:lumOff val="25000"/>
+                  </a:schemeClr>
+                </a:solidFill>
+                <a:latin typeface="+mn-lt"/>
+                <a:ea typeface="+mn-ea"/>
+                <a:cs typeface="+mn-cs"/>
+              </a:defRPr>
+            </a:lvl5pPr>
+            <a:lvl6pPr marL="2514600" indent="-228600" algn="l" defTabSz="457200" rtl="0" eaLnBrk="1" latinLnBrk="0" hangingPunct="1">
+              <a:spcBef>
+                <a:spcPts val="1000"/>
+              </a:spcBef>
+              <a:spcAft>
+                <a:spcPts val="0"/>
+              </a:spcAft>
+              <a:buClr>
+                <a:schemeClr val="accent1"/>
+              </a:buClr>
+              <a:buFont typeface="Wingdings 3" charset="2"/>
+              <a:buChar char=""/>
+              <a:defRPr sz="1200" kern="1200">
+                <a:solidFill>
+                  <a:schemeClr val="tx1">
+                    <a:lumMod val="75000"/>
+                    <a:lumOff val="25000"/>
+                  </a:schemeClr>
+                </a:solidFill>
+                <a:latin typeface="+mn-lt"/>
+                <a:ea typeface="+mn-ea"/>
+                <a:cs typeface="+mn-cs"/>
+              </a:defRPr>
+            </a:lvl6pPr>
+            <a:lvl7pPr marL="2971800" indent="-228600" algn="l" defTabSz="457200" rtl="0" eaLnBrk="1" latinLnBrk="0" hangingPunct="1">
+              <a:spcBef>
+                <a:spcPts val="1000"/>
+              </a:spcBef>
+              <a:spcAft>
+                <a:spcPts val="0"/>
+              </a:spcAft>
+              <a:buClr>
+                <a:schemeClr val="accent1"/>
+              </a:buClr>
+              <a:buFont typeface="Wingdings 3" charset="2"/>
+              <a:buChar char=""/>
+              <a:defRPr sz="1200" kern="1200">
+                <a:solidFill>
+                  <a:schemeClr val="tx1">
+                    <a:lumMod val="75000"/>
+                    <a:lumOff val="25000"/>
+                  </a:schemeClr>
+                </a:solidFill>
+                <a:latin typeface="+mn-lt"/>
+                <a:ea typeface="+mn-ea"/>
+                <a:cs typeface="+mn-cs"/>
+              </a:defRPr>
+            </a:lvl7pPr>
+            <a:lvl8pPr marL="3429000" indent="-228600" algn="l" defTabSz="457200" rtl="0" eaLnBrk="1" latinLnBrk="0" hangingPunct="1">
+              <a:spcBef>
+                <a:spcPts val="1000"/>
+              </a:spcBef>
+              <a:spcAft>
+                <a:spcPts val="0"/>
+              </a:spcAft>
+              <a:buClr>
+                <a:schemeClr val="accent1"/>
+              </a:buClr>
+              <a:buFont typeface="Wingdings 3" charset="2"/>
+              <a:buChar char=""/>
+              <a:defRPr sz="1200" kern="1200">
+                <a:solidFill>
+                  <a:schemeClr val="tx1">
+                    <a:lumMod val="75000"/>
+                    <a:lumOff val="25000"/>
+                  </a:schemeClr>
+                </a:solidFill>
+                <a:latin typeface="+mn-lt"/>
+                <a:ea typeface="+mn-ea"/>
+                <a:cs typeface="+mn-cs"/>
+              </a:defRPr>
+            </a:lvl8pPr>
+            <a:lvl9pPr marL="3886200" indent="-228600" algn="l" defTabSz="457200" rtl="0" eaLnBrk="1" latinLnBrk="0" hangingPunct="1">
+              <a:spcBef>
+                <a:spcPts val="1000"/>
+              </a:spcBef>
+              <a:spcAft>
+                <a:spcPts val="0"/>
+              </a:spcAft>
+              <a:buClr>
+                <a:schemeClr val="accent1"/>
+              </a:buClr>
+              <a:buFont typeface="Wingdings 3" charset="2"/>
+              <a:buChar char=""/>
+              <a:defRPr sz="1200" kern="1200">
+                <a:solidFill>
+                  <a:schemeClr val="tx1">
+                    <a:lumMod val="75000"/>
+                    <a:lumOff val="25000"/>
+                  </a:schemeClr>
+                </a:solidFill>
+                <a:latin typeface="+mn-lt"/>
+                <a:ea typeface="+mn-ea"/>
+                <a:cs typeface="+mn-cs"/>
+              </a:defRPr>
+            </a:lvl9pPr>
+          </a:lstStyle>
+          <a:p>
+            <a:r>
+              <a:rPr lang="fr-FR" dirty="0" smtClean="0"/>
+              <a:t>Méthode Agile SCRUM</a:t>
+            </a:r>
+          </a:p>
+          <a:p>
+            <a:r>
+              <a:rPr lang="fr-FR" dirty="0" smtClean="0"/>
+              <a:t>Création des </a:t>
+            </a:r>
+          </a:p>
+          <a:p>
+            <a:r>
+              <a:rPr lang="fr-FR" dirty="0" smtClean="0"/>
+              <a:t>Daily meeting</a:t>
+            </a:r>
+          </a:p>
+          <a:p>
+            <a:endParaRPr lang="fr-FR" dirty="0" smtClean="0"/>
+          </a:p>
+          <a:p>
+            <a:endParaRPr lang="fr-FR" dirty="0" smtClean="0"/>
+          </a:p>
+        </p:txBody>
+      </p:sp>
+    </p:spTree>
+    <p:extLst>
+      <p:ext uri="{BB962C8B-B14F-4D97-AF65-F5344CB8AC3E}">
+        <p14:creationId xmlns:p14="http://schemas.microsoft.com/office/powerpoint/2010/main" val="2860232359"/>
+      </p:ext>
+    </p:extLst>
+  </p:cSld>
+  <p:clrMapOvr>
+    <a:masterClrMapping/>
+  </p:clrMapOvr>
+  <p:timing>
+    <p:tnLst>
+      <p:par>
+        <p:cTn id="1" dur="indefinite" restart="never" nodeType="tmRoot"/>
+      </p:par>
+    </p:tnLst>
+  </p:timing>
+</p:sld>
+</file>
+
+<file path=ppt/slides/slide2.xml><?xml version="1.0" encoding="utf-8"?>
+<p:sld xmlns:a="http://schemas.openxmlformats.org/drawingml/2006/main" xmlns:r="http://schemas.openxmlformats.org/officeDocument/2006/relationships" xmlns:p="http://schemas.openxmlformats.org/presentationml/2006/main">
+  <p:cSld>
+    <p:spTree>
+      <p:nvGrpSpPr>
+        <p:cNvPr id="1" name=""/>
+        <p:cNvGrpSpPr/>
+        <p:nvPr/>
+      </p:nvGrpSpPr>
+      <p:grpSpPr>
+        <a:xfrm>
+          <a:off x="0" y="0"/>
+          <a:ext cx="0" cy="0"/>
+          <a:chOff x="0" y="0"/>
+          <a:chExt cx="0" cy="0"/>
+        </a:xfrm>
+      </p:grpSpPr>
+      <p:sp>
+        <p:nvSpPr>
+          <p:cNvPr id="2" name="Titre 1"/>
+          <p:cNvSpPr>
+            <a:spLocks noGrp="1"/>
+          </p:cNvSpPr>
+          <p:nvPr>
+            <p:ph type="title"/>
+          </p:nvPr>
+        </p:nvSpPr>
+        <p:spPr>
+          <a:xfrm>
+            <a:off x="1945201" y="624110"/>
+            <a:ext cx="6589199" cy="788666"/>
+          </a:xfrm>
+        </p:spPr>
+        <p:txBody>
+          <a:bodyPr/>
+          <a:lstStyle/>
+          <a:p>
+            <a:r>
+              <a:rPr lang="fr-FR" dirty="0" smtClean="0"/>
+              <a:t>Conduite de la présentation</a:t>
+            </a:r>
+            <a:endParaRPr lang="fr-FR" dirty="0"/>
+          </a:p>
+        </p:txBody>
+      </p:sp>
+      <p:sp>
+        <p:nvSpPr>
+          <p:cNvPr id="3" name="Espace réservé du contenu 2"/>
+          <p:cNvSpPr>
+            <a:spLocks noGrp="1"/>
+          </p:cNvSpPr>
+          <p:nvPr>
+            <p:ph idx="1"/>
+          </p:nvPr>
+        </p:nvSpPr>
+        <p:spPr/>
+        <p:txBody>
+          <a:bodyPr>
+            <a:normAutofit/>
+          </a:bodyPr>
+          <a:lstStyle/>
+          <a:p>
+            <a:r>
+              <a:rPr lang="fr-FR" dirty="0" smtClean="0"/>
+              <a:t>Introduction</a:t>
+            </a:r>
+          </a:p>
+          <a:p>
+            <a:r>
+              <a:rPr lang="fr-FR" dirty="0" smtClean="0"/>
+              <a:t>Analyse du besoin</a:t>
+            </a:r>
+          </a:p>
+          <a:p>
+            <a:r>
+              <a:rPr lang="fr-FR" dirty="0" smtClean="0"/>
+              <a:t>Contraintes</a:t>
+            </a:r>
+          </a:p>
+          <a:p>
+            <a:r>
+              <a:rPr lang="fr-FR" dirty="0" smtClean="0"/>
+              <a:t>Solution technique</a:t>
+            </a:r>
+          </a:p>
+          <a:p>
+            <a:r>
+              <a:rPr lang="fr-FR" dirty="0" smtClean="0"/>
+              <a:t>Conception et modélisation</a:t>
+            </a:r>
+            <a:endParaRPr lang="fr-FR" dirty="0" smtClean="0"/>
+          </a:p>
+          <a:p>
+            <a:r>
+              <a:rPr lang="fr-FR" dirty="0" smtClean="0"/>
+              <a:t>Développement</a:t>
+            </a:r>
+          </a:p>
+          <a:p>
+            <a:r>
+              <a:rPr lang="fr-FR" dirty="0" smtClean="0"/>
+              <a:t>Tests</a:t>
+            </a:r>
+          </a:p>
+          <a:p>
+            <a:r>
+              <a:rPr lang="fr-FR" dirty="0"/>
+              <a:t>Conduite du projet</a:t>
+            </a:r>
+          </a:p>
+          <a:p>
+            <a:r>
+              <a:rPr lang="fr-FR" dirty="0" smtClean="0"/>
+              <a:t>Conclusion</a:t>
+            </a:r>
+            <a:endParaRPr lang="fr-FR" dirty="0"/>
+          </a:p>
+        </p:txBody>
+      </p:sp>
+    </p:spTree>
+    <p:extLst>
+      <p:ext uri="{BB962C8B-B14F-4D97-AF65-F5344CB8AC3E}">
+        <p14:creationId xmlns:p14="http://schemas.microsoft.com/office/powerpoint/2010/main" val="1835602533"/>
+      </p:ext>
+    </p:extLst>
+  </p:cSld>
+  <p:clrMapOvr>
+    <a:masterClrMapping/>
+  </p:clrMapOvr>
+  <p:timing>
+    <p:tnLst>
+      <p:par>
+        <p:cTn id="1" dur="indefinite" restart="never" nodeType="tmRoot"/>
+      </p:par>
+    </p:tnLst>
+  </p:timing>
+</p:sld>
+</file>
+
+<file path=ppt/slides/slide3.xml><?xml version="1.0" encoding="utf-8"?>
+<p:sld xmlns:a="http://schemas.openxmlformats.org/drawingml/2006/main" xmlns:r="http://schemas.openxmlformats.org/officeDocument/2006/relationships" xmlns:p="http://schemas.openxmlformats.org/presentationml/2006/main">
+  <p:cSld>
+    <p:spTree>
+      <p:nvGrpSpPr>
+        <p:cNvPr id="1" name=""/>
+        <p:cNvGrpSpPr/>
+        <p:nvPr/>
+      </p:nvGrpSpPr>
+      <p:grpSpPr>
+        <a:xfrm>
+          <a:off x="0" y="0"/>
+          <a:ext cx="0" cy="0"/>
+          <a:chOff x="0" y="0"/>
+          <a:chExt cx="0" cy="0"/>
+        </a:xfrm>
+      </p:grpSpPr>
+      <p:sp>
+        <p:nvSpPr>
+          <p:cNvPr id="2" name="Titre 1"/>
+          <p:cNvSpPr>
+            <a:spLocks noGrp="1"/>
+          </p:cNvSpPr>
+          <p:nvPr>
+            <p:ph type="title"/>
+          </p:nvPr>
+        </p:nvSpPr>
+        <p:spPr/>
+        <p:txBody>
+          <a:bodyPr/>
+          <a:lstStyle/>
+          <a:p>
+            <a:r>
+              <a:rPr lang="fr-FR" dirty="0" smtClean="0"/>
+              <a:t>Introduction</a:t>
+            </a:r>
+            <a:endParaRPr lang="fr-FR" dirty="0"/>
+          </a:p>
+        </p:txBody>
+      </p:sp>
+      <p:sp>
+        <p:nvSpPr>
+          <p:cNvPr id="3" name="Espace réservé du contenu 2"/>
+          <p:cNvSpPr>
+            <a:spLocks noGrp="1"/>
+          </p:cNvSpPr>
+          <p:nvPr>
+            <p:ph idx="1"/>
+          </p:nvPr>
+        </p:nvSpPr>
+        <p:spPr/>
+        <p:txBody>
+          <a:bodyPr>
+            <a:normAutofit fontScale="62500" lnSpcReduction="20000"/>
+          </a:bodyPr>
+          <a:lstStyle/>
+          <a:p>
+            <a:r>
+              <a:rPr lang="fr-FR" dirty="0" smtClean="0"/>
+              <a:t>Reconversion professionnelle</a:t>
+            </a:r>
+          </a:p>
+          <a:p>
+            <a:r>
+              <a:rPr lang="fr-FR" dirty="0" smtClean="0"/>
+              <a:t>Aboutissement d’une formation de 3,5 mois en informatique traitant de:</a:t>
+            </a:r>
+          </a:p>
+          <a:p>
+            <a:pPr lvl="1"/>
+            <a:r>
+              <a:rPr lang="fr-FR" dirty="0" smtClean="0"/>
+              <a:t>Conduite de projet méthode Agile SCRUM</a:t>
+            </a:r>
+          </a:p>
+          <a:p>
+            <a:pPr lvl="1"/>
+            <a:r>
+              <a:rPr lang="fr-FR" dirty="0"/>
+              <a:t>Apprentissage du langage </a:t>
+            </a:r>
+            <a:r>
+              <a:rPr lang="fr-FR" dirty="0" smtClean="0"/>
+              <a:t>UML</a:t>
+            </a:r>
+          </a:p>
+          <a:p>
+            <a:pPr lvl="1"/>
+            <a:r>
+              <a:rPr lang="fr-FR" dirty="0" smtClean="0"/>
+              <a:t>Apprentissage du langage Java</a:t>
+            </a:r>
+          </a:p>
+          <a:p>
+            <a:pPr lvl="1"/>
+            <a:r>
+              <a:rPr lang="fr-FR" dirty="0"/>
+              <a:t>Apprentissage du code HTML</a:t>
+            </a:r>
+          </a:p>
+          <a:p>
+            <a:pPr lvl="1"/>
+            <a:r>
+              <a:rPr lang="fr-FR" dirty="0" smtClean="0"/>
+              <a:t>Apprentissage </a:t>
+            </a:r>
+            <a:r>
+              <a:rPr lang="fr-FR" dirty="0"/>
+              <a:t>des </a:t>
+            </a:r>
+            <a:r>
+              <a:rPr lang="fr-FR" dirty="0" err="1"/>
+              <a:t>frameworks</a:t>
+            </a:r>
+            <a:r>
+              <a:rPr lang="fr-FR" dirty="0"/>
+              <a:t> </a:t>
+            </a:r>
+            <a:r>
+              <a:rPr lang="fr-FR" dirty="0" err="1"/>
+              <a:t>Spring</a:t>
+            </a:r>
+            <a:endParaRPr lang="fr-FR" dirty="0"/>
+          </a:p>
+          <a:p>
+            <a:pPr lvl="2"/>
+            <a:r>
+              <a:rPr lang="fr-FR" dirty="0" smtClean="0"/>
+              <a:t>Gestion des dépendances avec MAVEN</a:t>
+            </a:r>
+          </a:p>
+          <a:p>
+            <a:pPr lvl="2"/>
+            <a:r>
+              <a:rPr lang="fr-FR" dirty="0" smtClean="0"/>
+              <a:t>Gestion </a:t>
+            </a:r>
+            <a:r>
+              <a:rPr lang="fr-FR" dirty="0" smtClean="0"/>
+              <a:t>de base de donnée en langage </a:t>
+            </a:r>
+            <a:r>
+              <a:rPr lang="fr-FR" dirty="0" smtClean="0"/>
+              <a:t>SQL et avec </a:t>
+            </a:r>
+            <a:r>
+              <a:rPr lang="fr-FR" dirty="0" err="1" smtClean="0"/>
+              <a:t>Hibernate</a:t>
+            </a:r>
+            <a:endParaRPr lang="fr-FR" dirty="0" smtClean="0"/>
+          </a:p>
+          <a:p>
+            <a:pPr lvl="2"/>
+            <a:r>
+              <a:rPr lang="fr-FR" dirty="0" err="1" smtClean="0"/>
+              <a:t>Mapping</a:t>
+            </a:r>
+            <a:r>
+              <a:rPr lang="fr-FR" dirty="0" smtClean="0"/>
+              <a:t> des </a:t>
+            </a:r>
+            <a:r>
+              <a:rPr lang="fr-FR" dirty="0"/>
+              <a:t>bases de </a:t>
+            </a:r>
+            <a:r>
+              <a:rPr lang="fr-FR" dirty="0" smtClean="0"/>
+              <a:t>données relationnelles</a:t>
+            </a:r>
+            <a:endParaRPr lang="fr-FR" dirty="0"/>
+          </a:p>
+          <a:p>
+            <a:pPr lvl="2"/>
+            <a:r>
+              <a:rPr lang="fr-FR" dirty="0"/>
+              <a:t>MVC </a:t>
+            </a:r>
+            <a:endParaRPr lang="fr-FR" dirty="0" smtClean="0"/>
+          </a:p>
+          <a:p>
+            <a:pPr lvl="2"/>
+            <a:r>
+              <a:rPr lang="fr-FR" dirty="0" smtClean="0"/>
+              <a:t>Sécurité</a:t>
+            </a:r>
+          </a:p>
+          <a:p>
+            <a:pPr lvl="2"/>
+            <a:r>
+              <a:rPr lang="fr-FR" dirty="0"/>
+              <a:t>Développement collaboratif avec </a:t>
+            </a:r>
+            <a:r>
+              <a:rPr lang="fr-FR" dirty="0" smtClean="0"/>
+              <a:t>Git et GitHub</a:t>
+            </a:r>
+          </a:p>
+          <a:p>
+            <a:r>
+              <a:rPr lang="fr-FR" dirty="0" smtClean="0"/>
+              <a:t>Projet final mettant en œuvre les acquis de la formation basé sur un cahier des charges.</a:t>
+            </a:r>
+            <a:endParaRPr lang="fr-FR" dirty="0"/>
+          </a:p>
+          <a:p>
+            <a:pPr lvl="2"/>
+            <a:endParaRPr lang="fr-FR" dirty="0" smtClean="0"/>
+          </a:p>
+          <a:p>
+            <a:pPr lvl="2"/>
+            <a:endParaRPr lang="fr-FR" dirty="0"/>
+          </a:p>
+          <a:p>
+            <a:pPr lvl="2"/>
+            <a:endParaRPr lang="fr-FR" dirty="0" smtClean="0"/>
+          </a:p>
+          <a:p>
+            <a:pPr lvl="1"/>
+            <a:endParaRPr lang="fr-FR" dirty="0"/>
+          </a:p>
+        </p:txBody>
+      </p:sp>
+    </p:spTree>
+    <p:extLst>
+      <p:ext uri="{BB962C8B-B14F-4D97-AF65-F5344CB8AC3E}">
+        <p14:creationId xmlns:p14="http://schemas.microsoft.com/office/powerpoint/2010/main" val="1738298774"/>
+      </p:ext>
+    </p:extLst>
+  </p:cSld>
+  <p:clrMapOvr>
+    <a:masterClrMapping/>
+  </p:clrMapOvr>
+  <p:timing>
+    <p:tnLst>
+      <p:par>
+        <p:cTn id="1" dur="indefinite" restart="never" nodeType="tmRoot"/>
+      </p:par>
+    </p:tnLst>
+  </p:timing>
+</p:sld>
+</file>
+
+<file path=ppt/slides/slide4.xml><?xml version="1.0" encoding="utf-8"?>
+<p:sld xmlns:a="http://schemas.openxmlformats.org/drawingml/2006/main" xmlns:r="http://schemas.openxmlformats.org/officeDocument/2006/relationships" xmlns:p="http://schemas.openxmlformats.org/presentationml/2006/main">
+  <p:cSld>
+    <p:spTree>
+      <p:nvGrpSpPr>
+        <p:cNvPr id="1" name=""/>
+        <p:cNvGrpSpPr/>
+        <p:nvPr/>
+      </p:nvGrpSpPr>
+      <p:grpSpPr>
+        <a:xfrm>
+          <a:off x="0" y="0"/>
+          <a:ext cx="0" cy="0"/>
+          <a:chOff x="0" y="0"/>
+          <a:chExt cx="0" cy="0"/>
+        </a:xfrm>
+      </p:grpSpPr>
+      <p:pic>
+        <p:nvPicPr>
+          <p:cNvPr id="4" name="Image 3"/>
+          <p:cNvPicPr>
+            <a:picLocks noChangeAspect="1"/>
+          </p:cNvPicPr>
+          <p:nvPr/>
+        </p:nvPicPr>
+        <p:blipFill>
+          <a:blip r:embed="rId2" cstate="print">
+            <a:extLst>
+              <a:ext uri="{28A0092B-C50C-407E-A947-70E740481C1C}">
+                <a14:useLocalDpi xmlns:a14="http://schemas.microsoft.com/office/drawing/2010/main" val="0"/>
+              </a:ext>
+            </a:extLst>
+          </a:blip>
+          <a:stretch>
+            <a:fillRect/>
+          </a:stretch>
+        </p:blipFill>
+        <p:spPr>
+          <a:xfrm>
+            <a:off x="5580112" y="1556792"/>
+            <a:ext cx="2376264" cy="3636299"/>
+          </a:xfrm>
+          <a:prstGeom prst="rect">
+            <a:avLst/>
+          </a:prstGeom>
+          <a:ln>
+            <a:noFill/>
+          </a:ln>
+          <a:effectLst>
+            <a:softEdge rad="112500"/>
+          </a:effectLst>
+        </p:spPr>
+      </p:pic>
+      <p:sp>
+        <p:nvSpPr>
+          <p:cNvPr id="2" name="Titre 1"/>
+          <p:cNvSpPr>
+            <a:spLocks noGrp="1"/>
+          </p:cNvSpPr>
+          <p:nvPr>
+            <p:ph type="title"/>
+          </p:nvPr>
+        </p:nvSpPr>
+        <p:spPr>
+          <a:xfrm>
+            <a:off x="1945201" y="624110"/>
+            <a:ext cx="6589199" cy="644650"/>
+          </a:xfrm>
+        </p:spPr>
+        <p:txBody>
+          <a:bodyPr/>
+          <a:lstStyle/>
+          <a:p>
+            <a:r>
+              <a:rPr lang="fr-FR" dirty="0" smtClean="0"/>
+              <a:t>Analyse du besoin</a:t>
+            </a:r>
+            <a:endParaRPr lang="fr-FR" dirty="0"/>
+          </a:p>
+        </p:txBody>
+      </p:sp>
+      <p:sp>
+        <p:nvSpPr>
+          <p:cNvPr id="3" name="Espace réservé du contenu 2"/>
+          <p:cNvSpPr>
+            <a:spLocks noGrp="1"/>
+          </p:cNvSpPr>
+          <p:nvPr>
+            <p:ph idx="1"/>
+          </p:nvPr>
+        </p:nvSpPr>
+        <p:spPr>
+          <a:xfrm>
+            <a:off x="1945201" y="2852936"/>
+            <a:ext cx="6591985" cy="1439416"/>
+          </a:xfrm>
+        </p:spPr>
+        <p:txBody>
+          <a:bodyPr/>
+          <a:lstStyle/>
+          <a:p>
+            <a:r>
+              <a:rPr lang="fr-FR" dirty="0" smtClean="0"/>
+              <a:t>Capture du besoin</a:t>
+            </a:r>
+          </a:p>
+          <a:p>
+            <a:r>
+              <a:rPr lang="fr-FR" dirty="0" smtClean="0"/>
+              <a:t>Analyse du domaine</a:t>
+            </a:r>
+          </a:p>
+          <a:p>
+            <a:r>
+              <a:rPr lang="fr-FR" dirty="0" smtClean="0"/>
+              <a:t>Analyse du domaine objet</a:t>
+            </a:r>
+          </a:p>
+          <a:p>
+            <a:endParaRPr lang="fr-FR" dirty="0"/>
+          </a:p>
+        </p:txBody>
+      </p:sp>
+    </p:spTree>
+    <p:extLst>
+      <p:ext uri="{BB962C8B-B14F-4D97-AF65-F5344CB8AC3E}">
+        <p14:creationId xmlns:p14="http://schemas.microsoft.com/office/powerpoint/2010/main" val="2626397477"/>
+      </p:ext>
+    </p:extLst>
+  </p:cSld>
+  <p:clrMapOvr>
+    <a:masterClrMapping/>
+  </p:clrMapOvr>
+  <p:timing>
+    <p:tnLst>
+      <p:par>
+        <p:cTn id="1" dur="indefinite" restart="never" nodeType="tmRoot"/>
+      </p:par>
+    </p:tnLst>
+  </p:timing>
+</p:sld>
+</file>
+
+<file path=ppt/slides/slide5.xml><?xml version="1.0" encoding="utf-8"?>
+<p:sld xmlns:a="http://schemas.openxmlformats.org/drawingml/2006/main" xmlns:r="http://schemas.openxmlformats.org/officeDocument/2006/relationships" xmlns:p="http://schemas.openxmlformats.org/presentationml/2006/main">
+  <p:cSld>
+    <p:spTree>
+      <p:nvGrpSpPr>
+        <p:cNvPr id="1" name=""/>
+        <p:cNvGrpSpPr/>
+        <p:nvPr/>
+      </p:nvGrpSpPr>
+      <p:grpSpPr>
+        <a:xfrm>
+          <a:off x="0" y="0"/>
+          <a:ext cx="0" cy="0"/>
+          <a:chOff x="0" y="0"/>
+          <a:chExt cx="0" cy="0"/>
+        </a:xfrm>
+      </p:grpSpPr>
+      <p:pic>
+        <p:nvPicPr>
+          <p:cNvPr id="4" name="Image 3"/>
+          <p:cNvPicPr>
+            <a:picLocks noChangeAspect="1"/>
+          </p:cNvPicPr>
+          <p:nvPr/>
+        </p:nvPicPr>
+        <p:blipFill rotWithShape="1">
+          <a:blip r:embed="rId2" cstate="print">
+            <a:extLst>
+              <a:ext uri="{BEBA8EAE-BF5A-486C-A8C5-ECC9F3942E4B}">
+                <a14:imgProps xmlns:a14="http://schemas.microsoft.com/office/drawing/2010/main">
+                  <a14:imgLayer r:embed="rId3">
+                    <a14:imgEffect>
+                      <a14:brightnessContrast bright="20000" contrast="40000"/>
+                    </a14:imgEffect>
+                  </a14:imgLayer>
+                </a14:imgProps>
+              </a:ext>
+              <a:ext uri="{28A0092B-C50C-407E-A947-70E740481C1C}">
+                <a14:useLocalDpi xmlns:a14="http://schemas.microsoft.com/office/drawing/2010/main" val="0"/>
+              </a:ext>
+            </a:extLst>
+          </a:blip>
+          <a:srcRect l="14563" t="19291" r="9051" b="12312"/>
+          <a:stretch/>
+        </p:blipFill>
+        <p:spPr>
+          <a:xfrm>
+            <a:off x="5793933" y="1268760"/>
+            <a:ext cx="3278567" cy="1656184"/>
+          </a:xfrm>
+          <a:prstGeom prst="rect">
+            <a:avLst/>
+          </a:prstGeom>
+          <a:ln>
+            <a:noFill/>
+          </a:ln>
+          <a:effectLst>
+            <a:outerShdw blurRad="190500" algn="tl" rotWithShape="0">
+              <a:srgbClr val="000000">
+                <a:alpha val="70000"/>
+              </a:srgbClr>
+            </a:outerShdw>
+          </a:effectLst>
+        </p:spPr>
+      </p:pic>
+      <p:sp>
+        <p:nvSpPr>
+          <p:cNvPr id="2" name="Titre 1"/>
+          <p:cNvSpPr>
+            <a:spLocks noGrp="1"/>
+          </p:cNvSpPr>
+          <p:nvPr>
+            <p:ph type="title"/>
+          </p:nvPr>
+        </p:nvSpPr>
+        <p:spPr>
+          <a:xfrm>
+            <a:off x="1945201" y="624110"/>
+            <a:ext cx="6589199" cy="644650"/>
+          </a:xfrm>
+        </p:spPr>
+        <p:txBody>
+          <a:bodyPr/>
+          <a:lstStyle/>
+          <a:p>
+            <a:r>
+              <a:rPr lang="fr-FR" dirty="0" smtClean="0"/>
+              <a:t>Analyse du besoin</a:t>
+            </a:r>
+            <a:endParaRPr lang="fr-FR" dirty="0"/>
+          </a:p>
+        </p:txBody>
+      </p:sp>
+      <p:sp>
+        <p:nvSpPr>
+          <p:cNvPr id="3" name="Espace réservé du contenu 2"/>
+          <p:cNvSpPr>
+            <a:spLocks noGrp="1"/>
+          </p:cNvSpPr>
+          <p:nvPr>
+            <p:ph idx="1"/>
+          </p:nvPr>
+        </p:nvSpPr>
+        <p:spPr>
+          <a:xfrm>
+            <a:off x="1942415" y="1379570"/>
+            <a:ext cx="6591985" cy="3777622"/>
+          </a:xfrm>
+        </p:spPr>
+        <p:txBody>
+          <a:bodyPr/>
+          <a:lstStyle/>
+          <a:p>
+            <a:r>
+              <a:rPr lang="fr-FR" dirty="0" smtClean="0"/>
+              <a:t>Capture du besoin</a:t>
+            </a:r>
+          </a:p>
+          <a:p>
+            <a:pPr lvl="1"/>
+            <a:r>
+              <a:rPr lang="fr-FR" dirty="0" smtClean="0"/>
+              <a:t>Définition des Use Cases</a:t>
+            </a:r>
+          </a:p>
+          <a:p>
+            <a:pPr lvl="1"/>
+            <a:r>
+              <a:rPr lang="fr-FR" dirty="0" smtClean="0"/>
+              <a:t>Réalisation du Use Case </a:t>
+            </a:r>
+            <a:r>
+              <a:rPr lang="fr-FR" dirty="0" err="1" smtClean="0"/>
+              <a:t>Diagram</a:t>
+            </a:r>
+            <a:endParaRPr lang="fr-FR" dirty="0" smtClean="0"/>
+          </a:p>
+        </p:txBody>
+      </p:sp>
+      <p:pic>
+        <p:nvPicPr>
+          <p:cNvPr id="5" name="Image 4"/>
+          <p:cNvPicPr>
+            <a:picLocks noChangeAspect="1"/>
+          </p:cNvPicPr>
+          <p:nvPr/>
+        </p:nvPicPr>
+        <p:blipFill>
+          <a:blip r:embed="rId4">
+            <a:extLst>
+              <a:ext uri="{28A0092B-C50C-407E-A947-70E740481C1C}">
+                <a14:useLocalDpi xmlns:a14="http://schemas.microsoft.com/office/drawing/2010/main" val="0"/>
+              </a:ext>
+            </a:extLst>
+          </a:blip>
+          <a:stretch>
+            <a:fillRect/>
+          </a:stretch>
+        </p:blipFill>
+        <p:spPr>
+          <a:xfrm>
+            <a:off x="1475656" y="2492896"/>
+            <a:ext cx="4752528" cy="4233815"/>
+          </a:xfrm>
+          <a:prstGeom prst="rect">
+            <a:avLst/>
+          </a:prstGeom>
+          <a:ln>
+            <a:noFill/>
+          </a:ln>
+          <a:effectLst>
+            <a:outerShdw blurRad="190500" algn="tl" rotWithShape="0">
+              <a:srgbClr val="000000">
+                <a:alpha val="70000"/>
+              </a:srgbClr>
+            </a:outerShdw>
+          </a:effectLst>
+        </p:spPr>
+      </p:pic>
+    </p:spTree>
+    <p:extLst>
+      <p:ext uri="{BB962C8B-B14F-4D97-AF65-F5344CB8AC3E}">
+        <p14:creationId xmlns:p14="http://schemas.microsoft.com/office/powerpoint/2010/main" val="545282299"/>
+      </p:ext>
+    </p:extLst>
+  </p:cSld>
+  <p:clrMapOvr>
+    <a:masterClrMapping/>
+  </p:clrMapOvr>
+  <p:timing>
+    <p:tnLst>
+      <p:par>
+        <p:cTn id="1" dur="indefinite" restart="never" nodeType="tmRoot"/>
+      </p:par>
+    </p:tnLst>
+  </p:timing>
+</p:sld>
+</file>
+
+<file path=ppt/slides/slide6.xml><?xml version="1.0" encoding="utf-8"?>
+<p:sld xmlns:a="http://schemas.openxmlformats.org/drawingml/2006/main" xmlns:r="http://schemas.openxmlformats.org/officeDocument/2006/relationships" xmlns:p="http://schemas.openxmlformats.org/presentationml/2006/main">
+  <p:cSld>
+    <p:spTree>
+      <p:nvGrpSpPr>
+        <p:cNvPr id="1" name=""/>
+        <p:cNvGrpSpPr/>
+        <p:nvPr/>
+      </p:nvGrpSpPr>
+      <p:grpSpPr>
+        <a:xfrm>
+          <a:off x="0" y="0"/>
+          <a:ext cx="0" cy="0"/>
+          <a:chOff x="0" y="0"/>
+          <a:chExt cx="0" cy="0"/>
+        </a:xfrm>
+      </p:grpSpPr>
+      <p:sp>
+        <p:nvSpPr>
+          <p:cNvPr id="2" name="Titre 1"/>
+          <p:cNvSpPr>
+            <a:spLocks noGrp="1"/>
+          </p:cNvSpPr>
+          <p:nvPr>
+            <p:ph type="title"/>
+          </p:nvPr>
+        </p:nvSpPr>
+        <p:spPr>
+          <a:xfrm>
+            <a:off x="1945201" y="624110"/>
+            <a:ext cx="6589199" cy="644650"/>
+          </a:xfrm>
+        </p:spPr>
+        <p:txBody>
+          <a:bodyPr/>
+          <a:lstStyle/>
+          <a:p>
+            <a:r>
+              <a:rPr lang="fr-FR" dirty="0" smtClean="0"/>
+              <a:t>Analyse du besoin</a:t>
+            </a:r>
+            <a:endParaRPr lang="fr-FR" dirty="0"/>
+          </a:p>
+        </p:txBody>
+      </p:sp>
+      <p:sp>
+        <p:nvSpPr>
+          <p:cNvPr id="6" name="Espace réservé du contenu 2"/>
+          <p:cNvSpPr>
+            <a:spLocks noGrp="1"/>
+          </p:cNvSpPr>
+          <p:nvPr>
+            <p:ph idx="1"/>
+          </p:nvPr>
+        </p:nvSpPr>
+        <p:spPr>
+          <a:xfrm>
+            <a:off x="1942415" y="1379570"/>
+            <a:ext cx="6591985" cy="3777622"/>
+          </a:xfrm>
+        </p:spPr>
+        <p:txBody>
+          <a:bodyPr/>
+          <a:lstStyle/>
+          <a:p>
+            <a:r>
+              <a:rPr lang="fr-FR" dirty="0" smtClean="0"/>
+              <a:t>Analyse du domaine Objet</a:t>
+            </a:r>
+          </a:p>
+        </p:txBody>
+      </p:sp>
+      <p:pic>
+        <p:nvPicPr>
+          <p:cNvPr id="3" name="Image 2"/>
+          <p:cNvPicPr>
+            <a:picLocks noChangeAspect="1"/>
+          </p:cNvPicPr>
+          <p:nvPr/>
+        </p:nvPicPr>
+        <p:blipFill>
+          <a:blip r:embed="rId2">
+            <a:extLst>
+              <a:ext uri="{28A0092B-C50C-407E-A947-70E740481C1C}">
+                <a14:useLocalDpi xmlns:a14="http://schemas.microsoft.com/office/drawing/2010/main" val="0"/>
+              </a:ext>
+            </a:extLst>
+          </a:blip>
+          <a:stretch>
+            <a:fillRect/>
+          </a:stretch>
+        </p:blipFill>
+        <p:spPr>
+          <a:xfrm>
+            <a:off x="1259632" y="1772816"/>
+            <a:ext cx="7200800" cy="4960551"/>
+          </a:xfrm>
+          <a:prstGeom prst="rect">
+            <a:avLst/>
+          </a:prstGeom>
+          <a:ln>
+            <a:noFill/>
+          </a:ln>
+          <a:effectLst>
+            <a:outerShdw blurRad="190500" algn="tl" rotWithShape="0">
+              <a:srgbClr val="000000">
+                <a:alpha val="70000"/>
+              </a:srgbClr>
+            </a:outerShdw>
+          </a:effectLst>
+        </p:spPr>
+      </p:pic>
+      <p:sp>
+        <p:nvSpPr>
+          <p:cNvPr id="4" name="ZoneTexte 3"/>
+          <p:cNvSpPr txBox="1"/>
+          <p:nvPr/>
+        </p:nvSpPr>
+        <p:spPr>
+          <a:xfrm>
+            <a:off x="4716016" y="5373216"/>
+            <a:ext cx="3100529" cy="646331"/>
+          </a:xfrm>
+          <a:prstGeom prst="rect">
+            <a:avLst/>
+          </a:prstGeom>
+          <a:noFill/>
+        </p:spPr>
+        <p:txBody>
+          <a:bodyPr wrap="none" rtlCol="0">
+            <a:spAutoFit/>
+          </a:bodyPr>
+          <a:lstStyle/>
+          <a:p>
+            <a:r>
+              <a:rPr lang="fr-FR" dirty="0" smtClean="0">
+                <a:ln w="0"/>
+                <a:gradFill>
+                  <a:gsLst>
+                    <a:gs pos="0">
+                      <a:schemeClr val="accent5">
+                        <a:lumMod val="50000"/>
+                      </a:schemeClr>
+                    </a:gs>
+                    <a:gs pos="50000">
+                      <a:schemeClr val="accent5"/>
+                    </a:gs>
+                    <a:gs pos="100000">
+                      <a:schemeClr val="accent5">
+                        <a:lumMod val="60000"/>
+                        <a:lumOff val="40000"/>
+                      </a:schemeClr>
+                    </a:gs>
+                  </a:gsLst>
+                  <a:lin ang="5400000"/>
+                </a:gradFill>
+                <a:effectLst>
+                  <a:reflection blurRad="6350" stA="53000" endA="300" endPos="35500" dir="5400000" sy="-90000" algn="bl" rotWithShape="0"/>
+                </a:effectLst>
+              </a:rPr>
+              <a:t>Idée initiale du modèle objet</a:t>
+            </a:r>
+          </a:p>
+          <a:p>
+            <a:r>
+              <a:rPr lang="fr-FR" dirty="0" smtClean="0">
+                <a:ln w="0"/>
+                <a:gradFill>
+                  <a:gsLst>
+                    <a:gs pos="0">
+                      <a:schemeClr val="accent5">
+                        <a:lumMod val="50000"/>
+                      </a:schemeClr>
+                    </a:gs>
+                    <a:gs pos="50000">
+                      <a:schemeClr val="accent5"/>
+                    </a:gs>
+                    <a:gs pos="100000">
+                      <a:schemeClr val="accent5">
+                        <a:lumMod val="60000"/>
+                        <a:lumOff val="40000"/>
+                      </a:schemeClr>
+                    </a:gs>
+                  </a:gsLst>
+                  <a:lin ang="5400000"/>
+                </a:gradFill>
+                <a:effectLst>
+                  <a:reflection blurRad="6350" stA="53000" endA="300" endPos="35500" dir="5400000" sy="-90000" algn="bl" rotWithShape="0"/>
+                </a:effectLst>
+              </a:rPr>
+              <a:t>du projet</a:t>
+            </a:r>
+            <a:endParaRPr lang="fr-FR" dirty="0">
+              <a:ln w="0"/>
+              <a:gradFill>
+                <a:gsLst>
+                  <a:gs pos="0">
+                    <a:schemeClr val="accent5">
+                      <a:lumMod val="50000"/>
+                    </a:schemeClr>
+                  </a:gs>
+                  <a:gs pos="50000">
+                    <a:schemeClr val="accent5"/>
+                  </a:gs>
+                  <a:gs pos="100000">
+                    <a:schemeClr val="accent5">
+                      <a:lumMod val="60000"/>
+                      <a:lumOff val="40000"/>
+                    </a:schemeClr>
+                  </a:gs>
+                </a:gsLst>
+                <a:lin ang="5400000"/>
+              </a:gradFill>
+              <a:effectLst>
+                <a:reflection blurRad="6350" stA="53000" endA="300" endPos="35500" dir="5400000" sy="-90000" algn="bl" rotWithShape="0"/>
+              </a:effectLst>
+            </a:endParaRPr>
+          </a:p>
+        </p:txBody>
+      </p:sp>
+    </p:spTree>
+    <p:extLst>
+      <p:ext uri="{BB962C8B-B14F-4D97-AF65-F5344CB8AC3E}">
+        <p14:creationId xmlns:p14="http://schemas.microsoft.com/office/powerpoint/2010/main" val="2580400785"/>
+      </p:ext>
+    </p:extLst>
+  </p:cSld>
+  <p:clrMapOvr>
+    <a:masterClrMapping/>
+  </p:clrMapOvr>
+  <p:timing>
+    <p:tnLst>
+      <p:par>
+        <p:cTn id="1" dur="indefinite" restart="never" nodeType="tmRoot"/>
+      </p:par>
+    </p:tnLst>
+  </p:timing>
+</p:sld>
+</file>
+
+<file path=ppt/slides/slide7.xml><?xml version="1.0" encoding="utf-8"?>
+<p:sld xmlns:a="http://schemas.openxmlformats.org/drawingml/2006/main" xmlns:r="http://schemas.openxmlformats.org/officeDocument/2006/relationships" xmlns:p="http://schemas.openxmlformats.org/presentationml/2006/main">
+  <p:cSld>
+    <p:spTree>
+      <p:nvGrpSpPr>
+        <p:cNvPr id="1" name=""/>
+        <p:cNvGrpSpPr/>
+        <p:nvPr/>
+      </p:nvGrpSpPr>
+      <p:grpSpPr>
+        <a:xfrm>
+          <a:off x="0" y="0"/>
+          <a:ext cx="0" cy="0"/>
+          <a:chOff x="0" y="0"/>
+          <a:chExt cx="0" cy="0"/>
+        </a:xfrm>
+      </p:grpSpPr>
+      <p:sp>
+        <p:nvSpPr>
+          <p:cNvPr id="2" name="Titre 1"/>
+          <p:cNvSpPr>
+            <a:spLocks noGrp="1"/>
+          </p:cNvSpPr>
+          <p:nvPr>
+            <p:ph type="title"/>
+          </p:nvPr>
+        </p:nvSpPr>
+        <p:spPr>
+          <a:xfrm>
+            <a:off x="1945201" y="624110"/>
+            <a:ext cx="6589199" cy="788666"/>
+          </a:xfrm>
+        </p:spPr>
+        <p:txBody>
+          <a:bodyPr>
+            <a:normAutofit/>
+          </a:bodyPr>
+          <a:lstStyle/>
+          <a:p>
+            <a:r>
+              <a:rPr lang="fr-FR" dirty="0" smtClean="0"/>
+              <a:t>Contraintes</a:t>
+            </a:r>
+            <a:endParaRPr lang="fr-FR" dirty="0"/>
+          </a:p>
+        </p:txBody>
+      </p:sp>
+      <p:sp>
+        <p:nvSpPr>
+          <p:cNvPr id="3" name="Espace réservé du contenu 2"/>
+          <p:cNvSpPr>
+            <a:spLocks noGrp="1"/>
+          </p:cNvSpPr>
+          <p:nvPr>
+            <p:ph idx="1"/>
+          </p:nvPr>
+        </p:nvSpPr>
+        <p:spPr>
+          <a:xfrm>
+            <a:off x="1942415" y="1700808"/>
+            <a:ext cx="6591985" cy="2304256"/>
+          </a:xfrm>
+        </p:spPr>
+        <p:txBody>
+          <a:bodyPr>
+            <a:normAutofit/>
+          </a:bodyPr>
+          <a:lstStyle/>
+          <a:p>
+            <a:pPr lvl="1"/>
+            <a:r>
+              <a:rPr lang="fr-FR" dirty="0" smtClean="0"/>
+              <a:t>Temps </a:t>
+            </a:r>
+            <a:endParaRPr lang="fr-FR" dirty="0" smtClean="0"/>
+          </a:p>
+          <a:p>
+            <a:pPr lvl="2"/>
+            <a:r>
+              <a:rPr lang="fr-FR" dirty="0" smtClean="0"/>
+              <a:t>Durée pour faire le cycle complet du projet: 5 </a:t>
+            </a:r>
+            <a:r>
+              <a:rPr lang="fr-FR" dirty="0" smtClean="0"/>
+              <a:t>jours</a:t>
+            </a:r>
+            <a:endParaRPr lang="fr-FR" dirty="0" smtClean="0"/>
+          </a:p>
+          <a:p>
+            <a:pPr lvl="1"/>
+            <a:r>
+              <a:rPr lang="fr-FR" dirty="0" smtClean="0"/>
+              <a:t>Techniques :</a:t>
+            </a:r>
+          </a:p>
+          <a:p>
+            <a:pPr lvl="2"/>
+            <a:r>
+              <a:rPr lang="fr-FR" dirty="0" smtClean="0"/>
+              <a:t>Projet destiné à la Java Virtual </a:t>
+            </a:r>
+            <a:r>
+              <a:rPr lang="fr-FR" dirty="0" smtClean="0"/>
+              <a:t>Machine</a:t>
+            </a:r>
+            <a:endParaRPr lang="fr-FR" dirty="0" smtClean="0"/>
+          </a:p>
+          <a:p>
+            <a:pPr lvl="1"/>
+            <a:r>
+              <a:rPr lang="fr-FR" dirty="0" smtClean="0"/>
+              <a:t>Financières: </a:t>
+            </a:r>
+          </a:p>
+          <a:p>
+            <a:pPr lvl="2"/>
+            <a:r>
+              <a:rPr lang="fr-FR" dirty="0" smtClean="0"/>
+              <a:t>Projet non financé</a:t>
+            </a:r>
+            <a:endParaRPr lang="fr-FR" dirty="0"/>
+          </a:p>
+        </p:txBody>
+      </p:sp>
+      <p:sp>
+        <p:nvSpPr>
+          <p:cNvPr id="4" name="Espace réservé du contenu 2"/>
+          <p:cNvSpPr txBox="1">
+            <a:spLocks/>
+          </p:cNvSpPr>
+          <p:nvPr/>
+        </p:nvSpPr>
+        <p:spPr>
+          <a:xfrm>
+            <a:off x="4604751" y="4293096"/>
+            <a:ext cx="4287729" cy="2159496"/>
+          </a:xfrm>
+          <a:prstGeom prst="rect">
+            <a:avLst/>
+          </a:prstGeom>
+        </p:spPr>
+        <p:txBody>
+          <a:bodyPr vert="horz" lIns="91440" tIns="45720" rIns="91440" bIns="45720" rtlCol="0">
+            <a:normAutofit fontScale="92500" lnSpcReduction="10000"/>
+          </a:bodyPr>
+          <a:lstStyle>
+            <a:lvl1pPr marL="342900" indent="-342900" algn="l" defTabSz="457200" rtl="0" eaLnBrk="1" latinLnBrk="0" hangingPunct="1">
+              <a:spcBef>
+                <a:spcPts val="1000"/>
+              </a:spcBef>
+              <a:spcAft>
+                <a:spcPts val="0"/>
+              </a:spcAft>
+              <a:buClr>
+                <a:schemeClr val="accent1"/>
+              </a:buClr>
+              <a:buFont typeface="Wingdings 3" charset="2"/>
+              <a:buChar char=""/>
+              <a:defRPr sz="1800" kern="1200">
+                <a:solidFill>
+                  <a:schemeClr val="tx1">
+                    <a:lumMod val="75000"/>
+                    <a:lumOff val="25000"/>
+                  </a:schemeClr>
+                </a:solidFill>
+                <a:latin typeface="+mn-lt"/>
+                <a:ea typeface="+mn-ea"/>
+                <a:cs typeface="+mn-cs"/>
+              </a:defRPr>
+            </a:lvl1pPr>
+            <a:lvl2pPr marL="742950" indent="-285750" algn="l" defTabSz="457200" rtl="0" eaLnBrk="1" latinLnBrk="0" hangingPunct="1">
+              <a:spcBef>
+                <a:spcPts val="1000"/>
+              </a:spcBef>
+              <a:spcAft>
+                <a:spcPts val="0"/>
+              </a:spcAft>
+              <a:buClr>
+                <a:schemeClr val="accent1"/>
+              </a:buClr>
+              <a:buFont typeface="Wingdings 3" charset="2"/>
+              <a:buChar char=""/>
+              <a:defRPr sz="1600" kern="1200">
+                <a:solidFill>
+                  <a:schemeClr val="tx1">
+                    <a:lumMod val="75000"/>
+                    <a:lumOff val="25000"/>
+                  </a:schemeClr>
+                </a:solidFill>
+                <a:latin typeface="+mn-lt"/>
+                <a:ea typeface="+mn-ea"/>
+                <a:cs typeface="+mn-cs"/>
+              </a:defRPr>
+            </a:lvl2pPr>
+            <a:lvl3pPr marL="1143000" indent="-228600" algn="l" defTabSz="457200" rtl="0" eaLnBrk="1" latinLnBrk="0" hangingPunct="1">
+              <a:spcBef>
+                <a:spcPts val="1000"/>
+              </a:spcBef>
+              <a:spcAft>
+                <a:spcPts val="0"/>
+              </a:spcAft>
+              <a:buClr>
+                <a:schemeClr val="accent1"/>
+              </a:buClr>
+              <a:buFont typeface="Wingdings 3" charset="2"/>
+              <a:buChar char=""/>
+              <a:defRPr sz="1400" kern="1200">
+                <a:solidFill>
+                  <a:schemeClr val="tx1">
+                    <a:lumMod val="75000"/>
+                    <a:lumOff val="25000"/>
+                  </a:schemeClr>
+                </a:solidFill>
+                <a:latin typeface="+mn-lt"/>
+                <a:ea typeface="+mn-ea"/>
+                <a:cs typeface="+mn-cs"/>
+              </a:defRPr>
+            </a:lvl3pPr>
+            <a:lvl4pPr marL="1600200" indent="-228600" algn="l" defTabSz="457200" rtl="0" eaLnBrk="1" latinLnBrk="0" hangingPunct="1">
+              <a:spcBef>
+                <a:spcPts val="1000"/>
+              </a:spcBef>
+              <a:spcAft>
+                <a:spcPts val="0"/>
+              </a:spcAft>
+              <a:buClr>
+                <a:schemeClr val="accent1"/>
+              </a:buClr>
+              <a:buFont typeface="Wingdings 3" charset="2"/>
+              <a:buChar char=""/>
+              <a:defRPr sz="1200" kern="1200">
+                <a:solidFill>
+                  <a:schemeClr val="tx1">
+                    <a:lumMod val="75000"/>
+                    <a:lumOff val="25000"/>
+                  </a:schemeClr>
+                </a:solidFill>
+                <a:latin typeface="+mn-lt"/>
+                <a:ea typeface="+mn-ea"/>
+                <a:cs typeface="+mn-cs"/>
+              </a:defRPr>
+            </a:lvl4pPr>
+            <a:lvl5pPr marL="2057400" indent="-228600" algn="l" defTabSz="457200" rtl="0" eaLnBrk="1" latinLnBrk="0" hangingPunct="1">
+              <a:spcBef>
+                <a:spcPts val="1000"/>
+              </a:spcBef>
+              <a:spcAft>
+                <a:spcPts val="0"/>
+              </a:spcAft>
+              <a:buClr>
+                <a:schemeClr val="accent1"/>
+              </a:buClr>
+              <a:buFont typeface="Wingdings 3" charset="2"/>
+              <a:buChar char=""/>
+              <a:defRPr sz="1200" kern="1200">
+                <a:solidFill>
+                  <a:schemeClr val="tx1">
+                    <a:lumMod val="75000"/>
+                    <a:lumOff val="25000"/>
+                  </a:schemeClr>
+                </a:solidFill>
+                <a:latin typeface="+mn-lt"/>
+                <a:ea typeface="+mn-ea"/>
+                <a:cs typeface="+mn-cs"/>
+              </a:defRPr>
+            </a:lvl5pPr>
+            <a:lvl6pPr marL="2514600" indent="-228600" algn="l" defTabSz="457200" rtl="0" eaLnBrk="1" latinLnBrk="0" hangingPunct="1">
+              <a:spcBef>
+                <a:spcPts val="1000"/>
+              </a:spcBef>
+              <a:spcAft>
+                <a:spcPts val="0"/>
+              </a:spcAft>
+              <a:buClr>
+                <a:schemeClr val="accent1"/>
+              </a:buClr>
+              <a:buFont typeface="Wingdings 3" charset="2"/>
+              <a:buChar char=""/>
+              <a:defRPr sz="1200" kern="1200">
+                <a:solidFill>
+                  <a:schemeClr val="tx1">
+                    <a:lumMod val="75000"/>
+                    <a:lumOff val="25000"/>
+                  </a:schemeClr>
+                </a:solidFill>
+                <a:latin typeface="+mn-lt"/>
+                <a:ea typeface="+mn-ea"/>
+                <a:cs typeface="+mn-cs"/>
+              </a:defRPr>
+            </a:lvl6pPr>
+            <a:lvl7pPr marL="2971800" indent="-228600" algn="l" defTabSz="457200" rtl="0" eaLnBrk="1" latinLnBrk="0" hangingPunct="1">
+              <a:spcBef>
+                <a:spcPts val="1000"/>
+              </a:spcBef>
+              <a:spcAft>
+                <a:spcPts val="0"/>
+              </a:spcAft>
+              <a:buClr>
+                <a:schemeClr val="accent1"/>
+              </a:buClr>
+              <a:buFont typeface="Wingdings 3" charset="2"/>
+              <a:buChar char=""/>
+              <a:defRPr sz="1200" kern="1200">
+                <a:solidFill>
+                  <a:schemeClr val="tx1">
+                    <a:lumMod val="75000"/>
+                    <a:lumOff val="25000"/>
+                  </a:schemeClr>
+                </a:solidFill>
+                <a:latin typeface="+mn-lt"/>
+                <a:ea typeface="+mn-ea"/>
+                <a:cs typeface="+mn-cs"/>
+              </a:defRPr>
+            </a:lvl7pPr>
+            <a:lvl8pPr marL="3429000" indent="-228600" algn="l" defTabSz="457200" rtl="0" eaLnBrk="1" latinLnBrk="0" hangingPunct="1">
+              <a:spcBef>
+                <a:spcPts val="1000"/>
+              </a:spcBef>
+              <a:spcAft>
+                <a:spcPts val="0"/>
+              </a:spcAft>
+              <a:buClr>
+                <a:schemeClr val="accent1"/>
+              </a:buClr>
+              <a:buFont typeface="Wingdings 3" charset="2"/>
+              <a:buChar char=""/>
+              <a:defRPr sz="1200" kern="1200">
+                <a:solidFill>
+                  <a:schemeClr val="tx1">
+                    <a:lumMod val="75000"/>
+                    <a:lumOff val="25000"/>
+                  </a:schemeClr>
+                </a:solidFill>
+                <a:latin typeface="+mn-lt"/>
+                <a:ea typeface="+mn-ea"/>
+                <a:cs typeface="+mn-cs"/>
+              </a:defRPr>
+            </a:lvl8pPr>
+            <a:lvl9pPr marL="3886200" indent="-228600" algn="l" defTabSz="457200" rtl="0" eaLnBrk="1" latinLnBrk="0" hangingPunct="1">
+              <a:spcBef>
+                <a:spcPts val="1000"/>
+              </a:spcBef>
+              <a:spcAft>
+                <a:spcPts val="0"/>
+              </a:spcAft>
+              <a:buClr>
+                <a:schemeClr val="accent1"/>
+              </a:buClr>
+              <a:buFont typeface="Wingdings 3" charset="2"/>
+              <a:buChar char=""/>
+              <a:defRPr sz="1200" kern="1200">
+                <a:solidFill>
+                  <a:schemeClr val="tx1">
+                    <a:lumMod val="75000"/>
+                    <a:lumOff val="25000"/>
+                  </a:schemeClr>
+                </a:solidFill>
+                <a:latin typeface="+mn-lt"/>
+                <a:ea typeface="+mn-ea"/>
+                <a:cs typeface="+mn-cs"/>
+              </a:defRPr>
+            </a:lvl9pPr>
+          </a:lstStyle>
+          <a:p>
+            <a:pPr marL="0" indent="0">
+              <a:buNone/>
+            </a:pPr>
+            <a:r>
+              <a:rPr lang="fr-FR" i="1" dirty="0" smtClean="0">
+                <a:solidFill>
+                  <a:srgbClr val="0070C0"/>
+                </a:solidFill>
+              </a:rPr>
+              <a:t>Choix des outils en conséquence:</a:t>
+            </a:r>
+          </a:p>
+          <a:p>
+            <a:r>
+              <a:rPr lang="fr-FR" dirty="0" smtClean="0"/>
+              <a:t>UML avec </a:t>
+            </a:r>
+            <a:r>
+              <a:rPr lang="fr-FR" dirty="0" err="1" smtClean="0"/>
+              <a:t>Astah</a:t>
+            </a:r>
+            <a:endParaRPr lang="fr-FR" dirty="0" smtClean="0"/>
+          </a:p>
+          <a:p>
+            <a:r>
+              <a:rPr lang="fr-FR" dirty="0" smtClean="0"/>
+              <a:t>IDE Eclipse </a:t>
+            </a:r>
+            <a:r>
+              <a:rPr lang="fr-FR" dirty="0" err="1" smtClean="0"/>
+              <a:t>Oxygen</a:t>
+            </a:r>
+            <a:endParaRPr lang="fr-FR" dirty="0" smtClean="0"/>
+          </a:p>
+          <a:p>
+            <a:r>
+              <a:rPr lang="fr-FR" dirty="0" smtClean="0"/>
+              <a:t>Serveur local </a:t>
+            </a:r>
+            <a:r>
+              <a:rPr lang="fr-FR" dirty="0" err="1" smtClean="0"/>
+              <a:t>Tomcat</a:t>
+            </a:r>
+            <a:r>
+              <a:rPr lang="fr-FR" dirty="0" smtClean="0"/>
+              <a:t> 8.5</a:t>
+            </a:r>
+          </a:p>
+          <a:p>
+            <a:r>
+              <a:rPr lang="fr-FR" dirty="0" err="1" smtClean="0"/>
+              <a:t>Git’s</a:t>
+            </a:r>
+            <a:r>
+              <a:rPr lang="fr-FR" dirty="0" smtClean="0"/>
+              <a:t> </a:t>
+            </a:r>
+            <a:r>
+              <a:rPr lang="fr-FR" dirty="0" err="1" smtClean="0"/>
+              <a:t>remote</a:t>
+            </a:r>
+            <a:r>
+              <a:rPr lang="fr-FR" dirty="0" smtClean="0"/>
+              <a:t> </a:t>
+            </a:r>
+            <a:r>
+              <a:rPr lang="fr-FR" dirty="0" err="1" smtClean="0"/>
+              <a:t>repository</a:t>
+            </a:r>
+            <a:r>
+              <a:rPr lang="fr-FR" dirty="0" smtClean="0"/>
+              <a:t> avec GitHub</a:t>
+            </a:r>
+          </a:p>
+          <a:p>
+            <a:r>
+              <a:rPr lang="fr-FR" dirty="0" err="1" smtClean="0"/>
+              <a:t>Backlog</a:t>
+            </a:r>
+            <a:r>
+              <a:rPr lang="fr-FR" dirty="0" smtClean="0"/>
+              <a:t> à post-it au lieu d’utiliser </a:t>
+            </a:r>
+            <a:r>
+              <a:rPr lang="fr-FR" dirty="0" err="1" smtClean="0"/>
+              <a:t>Jira</a:t>
+            </a:r>
+            <a:endParaRPr lang="fr-FR" dirty="0" smtClean="0"/>
+          </a:p>
+          <a:p>
+            <a:pPr marL="914400" lvl="2" indent="0">
+              <a:buFont typeface="Wingdings 3" charset="2"/>
+              <a:buNone/>
+            </a:pPr>
+            <a:endParaRPr lang="fr-FR" dirty="0" smtClean="0"/>
+          </a:p>
+        </p:txBody>
+      </p:sp>
+    </p:spTree>
+    <p:extLst>
+      <p:ext uri="{BB962C8B-B14F-4D97-AF65-F5344CB8AC3E}">
+        <p14:creationId xmlns:p14="http://schemas.microsoft.com/office/powerpoint/2010/main" val="3776268605"/>
+      </p:ext>
+    </p:extLst>
+  </p:cSld>
+  <p:clrMapOvr>
+    <a:masterClrMapping/>
+  </p:clrMapOvr>
+  <p:timing>
+    <p:tnLst>
+      <p:par>
+        <p:cTn id="1" dur="indefinite" restart="never" nodeType="tmRoot"/>
+      </p:par>
+    </p:tnLst>
+  </p:timing>
+</p:sld>
+</file>
+
+<file path=ppt/slides/slide8.xml><?xml version="1.0" encoding="utf-8"?>
+<p:sld xmlns:a="http://schemas.openxmlformats.org/drawingml/2006/main" xmlns:r="http://schemas.openxmlformats.org/officeDocument/2006/relationships" xmlns:p="http://schemas.openxmlformats.org/presentationml/2006/main">
+  <p:cSld>
+    <p:spTree>
+      <p:nvGrpSpPr>
+        <p:cNvPr id="1" name=""/>
+        <p:cNvGrpSpPr/>
+        <p:nvPr/>
+      </p:nvGrpSpPr>
+      <p:grpSpPr>
+        <a:xfrm>
+          <a:off x="0" y="0"/>
+          <a:ext cx="0" cy="0"/>
+          <a:chOff x="0" y="0"/>
+          <a:chExt cx="0" cy="0"/>
+        </a:xfrm>
+      </p:grpSpPr>
+      <p:sp>
+        <p:nvSpPr>
+          <p:cNvPr id="2" name="Titre 1"/>
+          <p:cNvSpPr>
+            <a:spLocks noGrp="1"/>
+          </p:cNvSpPr>
+          <p:nvPr>
+            <p:ph type="title"/>
+          </p:nvPr>
+        </p:nvSpPr>
+        <p:spPr>
+          <a:xfrm>
+            <a:off x="1945201" y="624110"/>
+            <a:ext cx="6589199" cy="788666"/>
+          </a:xfrm>
+        </p:spPr>
+        <p:txBody>
+          <a:bodyPr/>
+          <a:lstStyle/>
+          <a:p>
+            <a:r>
+              <a:rPr lang="fr-FR" dirty="0"/>
+              <a:t>Solution technique</a:t>
+            </a:r>
+          </a:p>
+        </p:txBody>
+      </p:sp>
+      <p:sp>
+        <p:nvSpPr>
+          <p:cNvPr id="5" name="Espace réservé du contenu 2"/>
+          <p:cNvSpPr txBox="1">
+            <a:spLocks/>
+          </p:cNvSpPr>
+          <p:nvPr/>
+        </p:nvSpPr>
+        <p:spPr>
+          <a:xfrm>
+            <a:off x="1940455" y="1484784"/>
+            <a:ext cx="6591985" cy="2808312"/>
+          </a:xfrm>
+          <a:prstGeom prst="rect">
+            <a:avLst/>
+          </a:prstGeom>
+        </p:spPr>
+        <p:txBody>
+          <a:bodyPr vert="horz" lIns="91440" tIns="45720" rIns="91440" bIns="45720" rtlCol="0">
+            <a:normAutofit/>
+          </a:bodyPr>
+          <a:lstStyle>
+            <a:lvl1pPr marL="342900" indent="-342900" algn="l" defTabSz="457200" rtl="0" eaLnBrk="1" latinLnBrk="0" hangingPunct="1">
+              <a:spcBef>
+                <a:spcPts val="1000"/>
+              </a:spcBef>
+              <a:spcAft>
+                <a:spcPts val="0"/>
+              </a:spcAft>
+              <a:buClr>
+                <a:schemeClr val="accent1"/>
+              </a:buClr>
+              <a:buFont typeface="Wingdings 3" charset="2"/>
+              <a:buChar char=""/>
+              <a:defRPr sz="1800" kern="1200">
+                <a:solidFill>
+                  <a:schemeClr val="tx1">
+                    <a:lumMod val="75000"/>
+                    <a:lumOff val="25000"/>
+                  </a:schemeClr>
+                </a:solidFill>
+                <a:latin typeface="+mn-lt"/>
+                <a:ea typeface="+mn-ea"/>
+                <a:cs typeface="+mn-cs"/>
+              </a:defRPr>
+            </a:lvl1pPr>
+            <a:lvl2pPr marL="742950" indent="-285750" algn="l" defTabSz="457200" rtl="0" eaLnBrk="1" latinLnBrk="0" hangingPunct="1">
+              <a:spcBef>
+                <a:spcPts val="1000"/>
+              </a:spcBef>
+              <a:spcAft>
+                <a:spcPts val="0"/>
+              </a:spcAft>
+              <a:buClr>
+                <a:schemeClr val="accent1"/>
+              </a:buClr>
+              <a:buFont typeface="Wingdings 3" charset="2"/>
+              <a:buChar char=""/>
+              <a:defRPr sz="1600" kern="1200">
+                <a:solidFill>
+                  <a:schemeClr val="tx1">
+                    <a:lumMod val="75000"/>
+                    <a:lumOff val="25000"/>
+                  </a:schemeClr>
+                </a:solidFill>
+                <a:latin typeface="+mn-lt"/>
+                <a:ea typeface="+mn-ea"/>
+                <a:cs typeface="+mn-cs"/>
+              </a:defRPr>
+            </a:lvl2pPr>
+            <a:lvl3pPr marL="1143000" indent="-228600" algn="l" defTabSz="457200" rtl="0" eaLnBrk="1" latinLnBrk="0" hangingPunct="1">
+              <a:spcBef>
+                <a:spcPts val="1000"/>
+              </a:spcBef>
+              <a:spcAft>
+                <a:spcPts val="0"/>
+              </a:spcAft>
+              <a:buClr>
+                <a:schemeClr val="accent1"/>
+              </a:buClr>
+              <a:buFont typeface="Wingdings 3" charset="2"/>
+              <a:buChar char=""/>
+              <a:defRPr sz="1400" kern="1200">
+                <a:solidFill>
+                  <a:schemeClr val="tx1">
+                    <a:lumMod val="75000"/>
+                    <a:lumOff val="25000"/>
+                  </a:schemeClr>
+                </a:solidFill>
+                <a:latin typeface="+mn-lt"/>
+                <a:ea typeface="+mn-ea"/>
+                <a:cs typeface="+mn-cs"/>
+              </a:defRPr>
+            </a:lvl3pPr>
+            <a:lvl4pPr marL="1600200" indent="-228600" algn="l" defTabSz="457200" rtl="0" eaLnBrk="1" latinLnBrk="0" hangingPunct="1">
+              <a:spcBef>
+                <a:spcPts val="1000"/>
+              </a:spcBef>
+              <a:spcAft>
+                <a:spcPts val="0"/>
+              </a:spcAft>
+              <a:buClr>
+                <a:schemeClr val="accent1"/>
+              </a:buClr>
+              <a:buFont typeface="Wingdings 3" charset="2"/>
+              <a:buChar char=""/>
+              <a:defRPr sz="1200" kern="1200">
+                <a:solidFill>
+                  <a:schemeClr val="tx1">
+                    <a:lumMod val="75000"/>
+                    <a:lumOff val="25000"/>
+                  </a:schemeClr>
+                </a:solidFill>
+                <a:latin typeface="+mn-lt"/>
+                <a:ea typeface="+mn-ea"/>
+                <a:cs typeface="+mn-cs"/>
+              </a:defRPr>
+            </a:lvl4pPr>
+            <a:lvl5pPr marL="2057400" indent="-228600" algn="l" defTabSz="457200" rtl="0" eaLnBrk="1" latinLnBrk="0" hangingPunct="1">
+              <a:spcBef>
+                <a:spcPts val="1000"/>
+              </a:spcBef>
+              <a:spcAft>
+                <a:spcPts val="0"/>
+              </a:spcAft>
+              <a:buClr>
+                <a:schemeClr val="accent1"/>
+              </a:buClr>
+              <a:buFont typeface="Wingdings 3" charset="2"/>
+              <a:buChar char=""/>
+              <a:defRPr sz="1200" kern="1200">
+                <a:solidFill>
+                  <a:schemeClr val="tx1">
+                    <a:lumMod val="75000"/>
+                    <a:lumOff val="25000"/>
+                  </a:schemeClr>
+                </a:solidFill>
+                <a:latin typeface="+mn-lt"/>
+                <a:ea typeface="+mn-ea"/>
+                <a:cs typeface="+mn-cs"/>
+              </a:defRPr>
+            </a:lvl5pPr>
+            <a:lvl6pPr marL="2514600" indent="-228600" algn="l" defTabSz="457200" rtl="0" eaLnBrk="1" latinLnBrk="0" hangingPunct="1">
+              <a:spcBef>
+                <a:spcPts val="1000"/>
+              </a:spcBef>
+              <a:spcAft>
+                <a:spcPts val="0"/>
+              </a:spcAft>
+              <a:buClr>
+                <a:schemeClr val="accent1"/>
+              </a:buClr>
+              <a:buFont typeface="Wingdings 3" charset="2"/>
+              <a:buChar char=""/>
+              <a:defRPr sz="1200" kern="1200">
+                <a:solidFill>
+                  <a:schemeClr val="tx1">
+                    <a:lumMod val="75000"/>
+                    <a:lumOff val="25000"/>
+                  </a:schemeClr>
+                </a:solidFill>
+                <a:latin typeface="+mn-lt"/>
+                <a:ea typeface="+mn-ea"/>
+                <a:cs typeface="+mn-cs"/>
+              </a:defRPr>
+            </a:lvl6pPr>
+            <a:lvl7pPr marL="2971800" indent="-228600" algn="l" defTabSz="457200" rtl="0" eaLnBrk="1" latinLnBrk="0" hangingPunct="1">
+              <a:spcBef>
+                <a:spcPts val="1000"/>
+              </a:spcBef>
+              <a:spcAft>
+                <a:spcPts val="0"/>
+              </a:spcAft>
+              <a:buClr>
+                <a:schemeClr val="accent1"/>
+              </a:buClr>
+              <a:buFont typeface="Wingdings 3" charset="2"/>
+              <a:buChar char=""/>
+              <a:defRPr sz="1200" kern="1200">
+                <a:solidFill>
+                  <a:schemeClr val="tx1">
+                    <a:lumMod val="75000"/>
+                    <a:lumOff val="25000"/>
+                  </a:schemeClr>
+                </a:solidFill>
+                <a:latin typeface="+mn-lt"/>
+                <a:ea typeface="+mn-ea"/>
+                <a:cs typeface="+mn-cs"/>
+              </a:defRPr>
+            </a:lvl7pPr>
+            <a:lvl8pPr marL="3429000" indent="-228600" algn="l" defTabSz="457200" rtl="0" eaLnBrk="1" latinLnBrk="0" hangingPunct="1">
+              <a:spcBef>
+                <a:spcPts val="1000"/>
+              </a:spcBef>
+              <a:spcAft>
+                <a:spcPts val="0"/>
+              </a:spcAft>
+              <a:buClr>
+                <a:schemeClr val="accent1"/>
+              </a:buClr>
+              <a:buFont typeface="Wingdings 3" charset="2"/>
+              <a:buChar char=""/>
+              <a:defRPr sz="1200" kern="1200">
+                <a:solidFill>
+                  <a:schemeClr val="tx1">
+                    <a:lumMod val="75000"/>
+                    <a:lumOff val="25000"/>
+                  </a:schemeClr>
+                </a:solidFill>
+                <a:latin typeface="+mn-lt"/>
+                <a:ea typeface="+mn-ea"/>
+                <a:cs typeface="+mn-cs"/>
+              </a:defRPr>
+            </a:lvl8pPr>
+            <a:lvl9pPr marL="3886200" indent="-228600" algn="l" defTabSz="457200" rtl="0" eaLnBrk="1" latinLnBrk="0" hangingPunct="1">
+              <a:spcBef>
+                <a:spcPts val="1000"/>
+              </a:spcBef>
+              <a:spcAft>
+                <a:spcPts val="0"/>
+              </a:spcAft>
+              <a:buClr>
+                <a:schemeClr val="accent1"/>
+              </a:buClr>
+              <a:buFont typeface="Wingdings 3" charset="2"/>
+              <a:buChar char=""/>
+              <a:defRPr sz="1200" kern="1200">
+                <a:solidFill>
+                  <a:schemeClr val="tx1">
+                    <a:lumMod val="75000"/>
+                    <a:lumOff val="25000"/>
+                  </a:schemeClr>
+                </a:solidFill>
+                <a:latin typeface="+mn-lt"/>
+                <a:ea typeface="+mn-ea"/>
+                <a:cs typeface="+mn-cs"/>
+              </a:defRPr>
+            </a:lvl9pPr>
+          </a:lstStyle>
+          <a:p>
+            <a:r>
+              <a:rPr lang="fr-FR" dirty="0" smtClean="0"/>
+              <a:t>Application </a:t>
+            </a:r>
+            <a:r>
+              <a:rPr lang="fr-FR" dirty="0" smtClean="0"/>
+              <a:t>« légère </a:t>
+            </a:r>
+            <a:r>
+              <a:rPr lang="fr-FR" dirty="0" smtClean="0"/>
+              <a:t>»</a:t>
+            </a:r>
+          </a:p>
+          <a:p>
+            <a:r>
+              <a:rPr lang="fr-FR" dirty="0" smtClean="0"/>
+              <a:t>Choix du </a:t>
+            </a:r>
+            <a:r>
+              <a:rPr lang="fr-FR" dirty="0" err="1" smtClean="0"/>
+              <a:t>framework</a:t>
+            </a:r>
+            <a:r>
+              <a:rPr lang="fr-FR" dirty="0" smtClean="0"/>
+              <a:t> </a:t>
+            </a:r>
+            <a:r>
+              <a:rPr lang="fr-FR" dirty="0" err="1" smtClean="0"/>
+              <a:t>Spring</a:t>
+            </a:r>
+            <a:r>
+              <a:rPr lang="fr-FR" dirty="0" smtClean="0"/>
+              <a:t> MVC</a:t>
+            </a:r>
+            <a:endParaRPr lang="fr-FR" dirty="0" smtClean="0"/>
+          </a:p>
+          <a:p>
+            <a:endParaRPr lang="fr-FR" dirty="0" smtClean="0"/>
+          </a:p>
+        </p:txBody>
+      </p:sp>
+      <p:pic>
+        <p:nvPicPr>
+          <p:cNvPr id="6" name="Image 5"/>
+          <p:cNvPicPr>
+            <a:picLocks noChangeAspect="1"/>
+          </p:cNvPicPr>
+          <p:nvPr/>
+        </p:nvPicPr>
+        <p:blipFill>
+          <a:blip r:embed="rId2">
+            <a:extLst>
+              <a:ext uri="{28A0092B-C50C-407E-A947-70E740481C1C}">
+                <a14:useLocalDpi xmlns:a14="http://schemas.microsoft.com/office/drawing/2010/main" val="0"/>
+              </a:ext>
+            </a:extLst>
+          </a:blip>
+          <a:stretch>
+            <a:fillRect/>
+          </a:stretch>
+        </p:blipFill>
+        <p:spPr>
+          <a:xfrm>
+            <a:off x="2339752" y="2348880"/>
+            <a:ext cx="4763244" cy="3572433"/>
+          </a:xfrm>
+          <a:prstGeom prst="rect">
+            <a:avLst/>
+          </a:prstGeom>
+          <a:ln>
+            <a:noFill/>
+          </a:ln>
+          <a:effectLst>
+            <a:outerShdw blurRad="190500" algn="tl" rotWithShape="0">
+              <a:srgbClr val="000000">
+                <a:alpha val="70000"/>
+              </a:srgbClr>
+            </a:outerShdw>
+          </a:effectLst>
+        </p:spPr>
+      </p:pic>
     </p:spTree>
     <p:extLst>
       <p:ext uri="{BB962C8B-B14F-4D97-AF65-F5344CB8AC3E}">
         <p14:creationId xmlns:p14="http://schemas.microsoft.com/office/powerpoint/2010/main" val="559619718"/>
+      </p:ext>
+    </p:extLst>
+  </p:cSld>
+  <p:clrMapOvr>
+    <a:masterClrMapping/>
+  </p:clrMapOvr>
+  <p:timing>
+    <p:tnLst>
+      <p:par>
+        <p:cTn id="1" dur="indefinite" restart="never" nodeType="tmRoot"/>
+      </p:par>
+    </p:tnLst>
+  </p:timing>
+</p:sld>
+</file>
+
+<file path=ppt/slides/slide9.xml><?xml version="1.0" encoding="utf-8"?>
+<p:sld xmlns:a="http://schemas.openxmlformats.org/drawingml/2006/main" xmlns:r="http://schemas.openxmlformats.org/officeDocument/2006/relationships" xmlns:p="http://schemas.openxmlformats.org/presentationml/2006/main">
+  <p:cSld>
+    <p:spTree>
+      <p:nvGrpSpPr>
+        <p:cNvPr id="1" name=""/>
+        <p:cNvGrpSpPr/>
+        <p:nvPr/>
+      </p:nvGrpSpPr>
+      <p:grpSpPr>
+        <a:xfrm>
+          <a:off x="0" y="0"/>
+          <a:ext cx="0" cy="0"/>
+          <a:chOff x="0" y="0"/>
+          <a:chExt cx="0" cy="0"/>
+        </a:xfrm>
+      </p:grpSpPr>
+      <p:sp>
+        <p:nvSpPr>
+          <p:cNvPr id="2" name="Titre 1"/>
+          <p:cNvSpPr>
+            <a:spLocks noGrp="1"/>
+          </p:cNvSpPr>
+          <p:nvPr>
+            <p:ph type="title"/>
+          </p:nvPr>
+        </p:nvSpPr>
+        <p:spPr>
+          <a:xfrm>
+            <a:off x="1945201" y="624110"/>
+            <a:ext cx="6589199" cy="788666"/>
+          </a:xfrm>
+        </p:spPr>
+        <p:txBody>
+          <a:bodyPr/>
+          <a:lstStyle/>
+          <a:p>
+            <a:r>
+              <a:rPr lang="fr-FR" dirty="0" smtClean="0"/>
+              <a:t>Conception et modélisation</a:t>
+            </a:r>
+            <a:endParaRPr lang="fr-FR" dirty="0"/>
+          </a:p>
+        </p:txBody>
+      </p:sp>
+      <p:sp>
+        <p:nvSpPr>
+          <p:cNvPr id="5" name="Espace réservé du contenu 2"/>
+          <p:cNvSpPr txBox="1">
+            <a:spLocks/>
+          </p:cNvSpPr>
+          <p:nvPr/>
+        </p:nvSpPr>
+        <p:spPr>
+          <a:xfrm>
+            <a:off x="1940455" y="1484784"/>
+            <a:ext cx="6591985" cy="504056"/>
+          </a:xfrm>
+          <a:prstGeom prst="rect">
+            <a:avLst/>
+          </a:prstGeom>
+        </p:spPr>
+        <p:txBody>
+          <a:bodyPr vert="horz" lIns="91440" tIns="45720" rIns="91440" bIns="45720" rtlCol="0">
+            <a:normAutofit/>
+          </a:bodyPr>
+          <a:lstStyle>
+            <a:lvl1pPr marL="342900" indent="-342900" algn="l" defTabSz="457200" rtl="0" eaLnBrk="1" latinLnBrk="0" hangingPunct="1">
+              <a:spcBef>
+                <a:spcPts val="1000"/>
+              </a:spcBef>
+              <a:spcAft>
+                <a:spcPts val="0"/>
+              </a:spcAft>
+              <a:buClr>
+                <a:schemeClr val="accent1"/>
+              </a:buClr>
+              <a:buFont typeface="Wingdings 3" charset="2"/>
+              <a:buChar char=""/>
+              <a:defRPr sz="1800" kern="1200">
+                <a:solidFill>
+                  <a:schemeClr val="tx1">
+                    <a:lumMod val="75000"/>
+                    <a:lumOff val="25000"/>
+                  </a:schemeClr>
+                </a:solidFill>
+                <a:latin typeface="+mn-lt"/>
+                <a:ea typeface="+mn-ea"/>
+                <a:cs typeface="+mn-cs"/>
+              </a:defRPr>
+            </a:lvl1pPr>
+            <a:lvl2pPr marL="742950" indent="-285750" algn="l" defTabSz="457200" rtl="0" eaLnBrk="1" latinLnBrk="0" hangingPunct="1">
+              <a:spcBef>
+                <a:spcPts val="1000"/>
+              </a:spcBef>
+              <a:spcAft>
+                <a:spcPts val="0"/>
+              </a:spcAft>
+              <a:buClr>
+                <a:schemeClr val="accent1"/>
+              </a:buClr>
+              <a:buFont typeface="Wingdings 3" charset="2"/>
+              <a:buChar char=""/>
+              <a:defRPr sz="1600" kern="1200">
+                <a:solidFill>
+                  <a:schemeClr val="tx1">
+                    <a:lumMod val="75000"/>
+                    <a:lumOff val="25000"/>
+                  </a:schemeClr>
+                </a:solidFill>
+                <a:latin typeface="+mn-lt"/>
+                <a:ea typeface="+mn-ea"/>
+                <a:cs typeface="+mn-cs"/>
+              </a:defRPr>
+            </a:lvl2pPr>
+            <a:lvl3pPr marL="1143000" indent="-228600" algn="l" defTabSz="457200" rtl="0" eaLnBrk="1" latinLnBrk="0" hangingPunct="1">
+              <a:spcBef>
+                <a:spcPts val="1000"/>
+              </a:spcBef>
+              <a:spcAft>
+                <a:spcPts val="0"/>
+              </a:spcAft>
+              <a:buClr>
+                <a:schemeClr val="accent1"/>
+              </a:buClr>
+              <a:buFont typeface="Wingdings 3" charset="2"/>
+              <a:buChar char=""/>
+              <a:defRPr sz="1400" kern="1200">
+                <a:solidFill>
+                  <a:schemeClr val="tx1">
+                    <a:lumMod val="75000"/>
+                    <a:lumOff val="25000"/>
+                  </a:schemeClr>
+                </a:solidFill>
+                <a:latin typeface="+mn-lt"/>
+                <a:ea typeface="+mn-ea"/>
+                <a:cs typeface="+mn-cs"/>
+              </a:defRPr>
+            </a:lvl3pPr>
+            <a:lvl4pPr marL="1600200" indent="-228600" algn="l" defTabSz="457200" rtl="0" eaLnBrk="1" latinLnBrk="0" hangingPunct="1">
+              <a:spcBef>
+                <a:spcPts val="1000"/>
+              </a:spcBef>
+              <a:spcAft>
+                <a:spcPts val="0"/>
+              </a:spcAft>
+              <a:buClr>
+                <a:schemeClr val="accent1"/>
+              </a:buClr>
+              <a:buFont typeface="Wingdings 3" charset="2"/>
+              <a:buChar char=""/>
+              <a:defRPr sz="1200" kern="1200">
+                <a:solidFill>
+                  <a:schemeClr val="tx1">
+                    <a:lumMod val="75000"/>
+                    <a:lumOff val="25000"/>
+                  </a:schemeClr>
+                </a:solidFill>
+                <a:latin typeface="+mn-lt"/>
+                <a:ea typeface="+mn-ea"/>
+                <a:cs typeface="+mn-cs"/>
+              </a:defRPr>
+            </a:lvl4pPr>
+            <a:lvl5pPr marL="2057400" indent="-228600" algn="l" defTabSz="457200" rtl="0" eaLnBrk="1" latinLnBrk="0" hangingPunct="1">
+              <a:spcBef>
+                <a:spcPts val="1000"/>
+              </a:spcBef>
+              <a:spcAft>
+                <a:spcPts val="0"/>
+              </a:spcAft>
+              <a:buClr>
+                <a:schemeClr val="accent1"/>
+              </a:buClr>
+              <a:buFont typeface="Wingdings 3" charset="2"/>
+              <a:buChar char=""/>
+              <a:defRPr sz="1200" kern="1200">
+                <a:solidFill>
+                  <a:schemeClr val="tx1">
+                    <a:lumMod val="75000"/>
+                    <a:lumOff val="25000"/>
+                  </a:schemeClr>
+                </a:solidFill>
+                <a:latin typeface="+mn-lt"/>
+                <a:ea typeface="+mn-ea"/>
+                <a:cs typeface="+mn-cs"/>
+              </a:defRPr>
+            </a:lvl5pPr>
+            <a:lvl6pPr marL="2514600" indent="-228600" algn="l" defTabSz="457200" rtl="0" eaLnBrk="1" latinLnBrk="0" hangingPunct="1">
+              <a:spcBef>
+                <a:spcPts val="1000"/>
+              </a:spcBef>
+              <a:spcAft>
+                <a:spcPts val="0"/>
+              </a:spcAft>
+              <a:buClr>
+                <a:schemeClr val="accent1"/>
+              </a:buClr>
+              <a:buFont typeface="Wingdings 3" charset="2"/>
+              <a:buChar char=""/>
+              <a:defRPr sz="1200" kern="1200">
+                <a:solidFill>
+                  <a:schemeClr val="tx1">
+                    <a:lumMod val="75000"/>
+                    <a:lumOff val="25000"/>
+                  </a:schemeClr>
+                </a:solidFill>
+                <a:latin typeface="+mn-lt"/>
+                <a:ea typeface="+mn-ea"/>
+                <a:cs typeface="+mn-cs"/>
+              </a:defRPr>
+            </a:lvl6pPr>
+            <a:lvl7pPr marL="2971800" indent="-228600" algn="l" defTabSz="457200" rtl="0" eaLnBrk="1" latinLnBrk="0" hangingPunct="1">
+              <a:spcBef>
+                <a:spcPts val="1000"/>
+              </a:spcBef>
+              <a:spcAft>
+                <a:spcPts val="0"/>
+              </a:spcAft>
+              <a:buClr>
+                <a:schemeClr val="accent1"/>
+              </a:buClr>
+              <a:buFont typeface="Wingdings 3" charset="2"/>
+              <a:buChar char=""/>
+              <a:defRPr sz="1200" kern="1200">
+                <a:solidFill>
+                  <a:schemeClr val="tx1">
+                    <a:lumMod val="75000"/>
+                    <a:lumOff val="25000"/>
+                  </a:schemeClr>
+                </a:solidFill>
+                <a:latin typeface="+mn-lt"/>
+                <a:ea typeface="+mn-ea"/>
+                <a:cs typeface="+mn-cs"/>
+              </a:defRPr>
+            </a:lvl7pPr>
+            <a:lvl8pPr marL="3429000" indent="-228600" algn="l" defTabSz="457200" rtl="0" eaLnBrk="1" latinLnBrk="0" hangingPunct="1">
+              <a:spcBef>
+                <a:spcPts val="1000"/>
+              </a:spcBef>
+              <a:spcAft>
+                <a:spcPts val="0"/>
+              </a:spcAft>
+              <a:buClr>
+                <a:schemeClr val="accent1"/>
+              </a:buClr>
+              <a:buFont typeface="Wingdings 3" charset="2"/>
+              <a:buChar char=""/>
+              <a:defRPr sz="1200" kern="1200">
+                <a:solidFill>
+                  <a:schemeClr val="tx1">
+                    <a:lumMod val="75000"/>
+                    <a:lumOff val="25000"/>
+                  </a:schemeClr>
+                </a:solidFill>
+                <a:latin typeface="+mn-lt"/>
+                <a:ea typeface="+mn-ea"/>
+                <a:cs typeface="+mn-cs"/>
+              </a:defRPr>
+            </a:lvl8pPr>
+            <a:lvl9pPr marL="3886200" indent="-228600" algn="l" defTabSz="457200" rtl="0" eaLnBrk="1" latinLnBrk="0" hangingPunct="1">
+              <a:spcBef>
+                <a:spcPts val="1000"/>
+              </a:spcBef>
+              <a:spcAft>
+                <a:spcPts val="0"/>
+              </a:spcAft>
+              <a:buClr>
+                <a:schemeClr val="accent1"/>
+              </a:buClr>
+              <a:buFont typeface="Wingdings 3" charset="2"/>
+              <a:buChar char=""/>
+              <a:defRPr sz="1200" kern="1200">
+                <a:solidFill>
+                  <a:schemeClr val="tx1">
+                    <a:lumMod val="75000"/>
+                    <a:lumOff val="25000"/>
+                  </a:schemeClr>
+                </a:solidFill>
+                <a:latin typeface="+mn-lt"/>
+                <a:ea typeface="+mn-ea"/>
+                <a:cs typeface="+mn-cs"/>
+              </a:defRPr>
+            </a:lvl9pPr>
+          </a:lstStyle>
+          <a:p>
+            <a:r>
+              <a:rPr lang="fr-FR" dirty="0" smtClean="0"/>
+              <a:t>Conception</a:t>
+            </a:r>
+          </a:p>
+          <a:p>
+            <a:endParaRPr lang="fr-FR" dirty="0" smtClean="0"/>
+          </a:p>
+        </p:txBody>
+      </p:sp>
+      <p:grpSp>
+        <p:nvGrpSpPr>
+          <p:cNvPr id="3" name="Groupe 2"/>
+          <p:cNvGrpSpPr/>
+          <p:nvPr/>
+        </p:nvGrpSpPr>
+        <p:grpSpPr>
+          <a:xfrm>
+            <a:off x="971600" y="2479067"/>
+            <a:ext cx="4773734" cy="3902261"/>
+            <a:chOff x="971600" y="1916832"/>
+            <a:chExt cx="5830804" cy="4766357"/>
+          </a:xfrm>
+        </p:grpSpPr>
+        <p:pic>
+          <p:nvPicPr>
+            <p:cNvPr id="6" name="Image 5"/>
+            <p:cNvPicPr>
+              <a:picLocks noChangeAspect="1"/>
+            </p:cNvPicPr>
+            <p:nvPr/>
+          </p:nvPicPr>
+          <p:blipFill>
+            <a:blip r:embed="rId2">
+              <a:extLst>
+                <a:ext uri="{28A0092B-C50C-407E-A947-70E740481C1C}">
+                  <a14:useLocalDpi xmlns:a14="http://schemas.microsoft.com/office/drawing/2010/main" val="0"/>
+                </a:ext>
+              </a:extLst>
+            </a:blip>
+            <a:stretch>
+              <a:fillRect/>
+            </a:stretch>
+          </p:blipFill>
+          <p:spPr>
+            <a:xfrm>
+              <a:off x="971600" y="1916832"/>
+              <a:ext cx="5830804" cy="4766357"/>
+            </a:xfrm>
+            <a:prstGeom prst="rect">
+              <a:avLst/>
+            </a:prstGeom>
+            <a:ln>
+              <a:noFill/>
+            </a:ln>
+            <a:effectLst>
+              <a:outerShdw blurRad="190500" algn="tl" rotWithShape="0">
+                <a:srgbClr val="000000">
+                  <a:alpha val="70000"/>
+                </a:srgbClr>
+              </a:outerShdw>
+            </a:effectLst>
+          </p:spPr>
+        </p:pic>
+        <p:sp>
+          <p:nvSpPr>
+            <p:cNvPr id="7" name="ZoneTexte 6"/>
+            <p:cNvSpPr txBox="1"/>
+            <p:nvPr/>
+          </p:nvSpPr>
+          <p:spPr>
+            <a:xfrm>
+              <a:off x="2642708" y="4115659"/>
+              <a:ext cx="3095931" cy="563894"/>
+            </a:xfrm>
+            <a:prstGeom prst="rect">
+              <a:avLst/>
+            </a:prstGeom>
+            <a:noFill/>
+          </p:spPr>
+          <p:txBody>
+            <a:bodyPr wrap="none" rtlCol="0">
+              <a:spAutoFit/>
+            </a:bodyPr>
+            <a:lstStyle/>
+            <a:p>
+              <a:r>
+                <a:rPr lang="fr-FR" sz="1200" dirty="0" smtClean="0">
+                  <a:ln w="0"/>
+                  <a:gradFill>
+                    <a:gsLst>
+                      <a:gs pos="0">
+                        <a:schemeClr val="accent5">
+                          <a:lumMod val="50000"/>
+                        </a:schemeClr>
+                      </a:gs>
+                      <a:gs pos="50000">
+                        <a:schemeClr val="accent5"/>
+                      </a:gs>
+                      <a:gs pos="100000">
+                        <a:schemeClr val="accent5">
+                          <a:lumMod val="60000"/>
+                          <a:lumOff val="40000"/>
+                        </a:schemeClr>
+                      </a:gs>
+                    </a:gsLst>
+                    <a:lin ang="5400000"/>
+                  </a:gradFill>
+                  <a:effectLst>
+                    <a:reflection blurRad="6350" stA="53000" endA="300" endPos="35500" dir="5400000" sy="-90000" algn="bl" rotWithShape="0"/>
+                  </a:effectLst>
+                </a:rPr>
+                <a:t>Conception finale du modèle objet</a:t>
+              </a:r>
+            </a:p>
+            <a:p>
+              <a:r>
+                <a:rPr lang="fr-FR" sz="1200" dirty="0" smtClean="0">
+                  <a:ln w="0"/>
+                  <a:gradFill>
+                    <a:gsLst>
+                      <a:gs pos="0">
+                        <a:schemeClr val="accent5">
+                          <a:lumMod val="50000"/>
+                        </a:schemeClr>
+                      </a:gs>
+                      <a:gs pos="50000">
+                        <a:schemeClr val="accent5"/>
+                      </a:gs>
+                      <a:gs pos="100000">
+                        <a:schemeClr val="accent5">
+                          <a:lumMod val="60000"/>
+                          <a:lumOff val="40000"/>
+                        </a:schemeClr>
+                      </a:gs>
+                    </a:gsLst>
+                    <a:lin ang="5400000"/>
+                  </a:gradFill>
+                  <a:effectLst>
+                    <a:reflection blurRad="6350" stA="53000" endA="300" endPos="35500" dir="5400000" sy="-90000" algn="bl" rotWithShape="0"/>
+                  </a:effectLst>
+                </a:rPr>
+                <a:t>du projet</a:t>
+              </a:r>
+              <a:endParaRPr lang="fr-FR" sz="1200" dirty="0">
+                <a:ln w="0"/>
+                <a:gradFill>
+                  <a:gsLst>
+                    <a:gs pos="0">
+                      <a:schemeClr val="accent5">
+                        <a:lumMod val="50000"/>
+                      </a:schemeClr>
+                    </a:gs>
+                    <a:gs pos="50000">
+                      <a:schemeClr val="accent5"/>
+                    </a:gs>
+                    <a:gs pos="100000">
+                      <a:schemeClr val="accent5">
+                        <a:lumMod val="60000"/>
+                        <a:lumOff val="40000"/>
+                      </a:schemeClr>
+                    </a:gs>
+                  </a:gsLst>
+                  <a:lin ang="5400000"/>
+                </a:gradFill>
+                <a:effectLst>
+                  <a:reflection blurRad="6350" stA="53000" endA="300" endPos="35500" dir="5400000" sy="-90000" algn="bl" rotWithShape="0"/>
+                </a:effectLst>
+              </a:endParaRPr>
+            </a:p>
+          </p:txBody>
+        </p:sp>
+      </p:grpSp>
+      <p:pic>
+        <p:nvPicPr>
+          <p:cNvPr id="8" name="Image 7"/>
+          <p:cNvPicPr>
+            <a:picLocks noChangeAspect="1"/>
+          </p:cNvPicPr>
+          <p:nvPr/>
+        </p:nvPicPr>
+        <p:blipFill>
+          <a:blip r:embed="rId3"/>
+          <a:stretch>
+            <a:fillRect/>
+          </a:stretch>
+        </p:blipFill>
+        <p:spPr>
+          <a:xfrm>
+            <a:off x="6948264" y="3452824"/>
+            <a:ext cx="1695450" cy="2114550"/>
+          </a:xfrm>
+          <a:prstGeom prst="rect">
+            <a:avLst/>
+          </a:prstGeom>
+          <a:ln>
+            <a:noFill/>
+          </a:ln>
+          <a:effectLst>
+            <a:outerShdw blurRad="190500" algn="tl" rotWithShape="0">
+              <a:srgbClr val="000000">
+                <a:alpha val="70000"/>
+              </a:srgbClr>
+            </a:outerShdw>
+          </a:effectLst>
+        </p:spPr>
+      </p:pic>
+      <p:sp>
+        <p:nvSpPr>
+          <p:cNvPr id="9" name="Flèche droite 8"/>
+          <p:cNvSpPr/>
+          <p:nvPr/>
+        </p:nvSpPr>
+        <p:spPr>
+          <a:xfrm>
+            <a:off x="5868144" y="3934035"/>
+            <a:ext cx="1008112" cy="1152128"/>
+          </a:xfrm>
+          <a:prstGeom prst="rightArrow">
+            <a:avLst/>
+          </a:prstGeom>
+        </p:spPr>
+        <p:style>
+          <a:lnRef idx="1">
+            <a:schemeClr val="accent6"/>
+          </a:lnRef>
+          <a:fillRef idx="3">
+            <a:schemeClr val="accent6"/>
+          </a:fillRef>
+          <a:effectRef idx="2">
+            <a:schemeClr val="accent6"/>
+          </a:effectRef>
+          <a:fontRef idx="minor">
+            <a:schemeClr val="lt1"/>
+          </a:fontRef>
+        </p:style>
+        <p:txBody>
+          <a:bodyPr rtlCol="0" anchor="ctr"/>
+          <a:lstStyle/>
+          <a:p>
+            <a:pPr algn="ctr"/>
+            <a:endParaRPr lang="fr-FR"/>
+          </a:p>
+        </p:txBody>
+      </p:sp>
+    </p:spTree>
+    <p:extLst>
+      <p:ext uri="{BB962C8B-B14F-4D97-AF65-F5344CB8AC3E}">
+        <p14:creationId xmlns:p14="http://schemas.microsoft.com/office/powerpoint/2010/main" val="2256953653"/>
       </p:ext>
     </p:extLst>
   </p:cSld>

--- a/Présentation/Présentation WeBet_JBL.pptx
+++ b/Présentation/Présentation WeBet_JBL.pptx
@@ -13,6 +13,10 @@
     <p:sldId id="261" r:id="rId8"/>
     <p:sldId id="262" r:id="rId9"/>
     <p:sldId id="263" r:id="rId10"/>
+    <p:sldId id="264" r:id="rId11"/>
+    <p:sldId id="265" r:id="rId12"/>
+    <p:sldId id="266" r:id="rId13"/>
+    <p:sldId id="267" r:id="rId14"/>
   </p:sldIdLst>
   <p:sldSz cx="9144000" cy="6858000" type="screen4x3"/>
   <p:notesSz cx="6858000" cy="9144000"/>
@@ -128,6 +132,32 @@
     </p:ext>
   </p:extLst>
 </p:presentation>
+</file>
+
+<file path=ppt/commentAuthors.xml><?xml version="1.0" encoding="utf-8"?>
+<p:cmAuthorLst xmlns:a="http://schemas.openxmlformats.org/drawingml/2006/main" xmlns:r="http://schemas.openxmlformats.org/officeDocument/2006/relationships" xmlns:p="http://schemas.openxmlformats.org/presentationml/2006/main">
+  <p:cmAuthor id="1" name="Formation J2E" initials="FJ" lastIdx="1" clrIdx="0">
+    <p:extLst>
+      <p:ext uri="{19B8F6BF-5375-455C-9EA6-DF929625EA0E}">
+        <p15:presenceInfo xmlns:p15="http://schemas.microsoft.com/office/powerpoint/2012/main" userId="Formation J2E" providerId="None"/>
+      </p:ext>
+    </p:extLst>
+  </p:cmAuthor>
+</p:cmAuthorLst>
+</file>
+
+<file path=ppt/comments/comment1.xml><?xml version="1.0" encoding="utf-8"?>
+<p:cmLst xmlns:a="http://schemas.openxmlformats.org/drawingml/2006/main" xmlns:r="http://schemas.openxmlformats.org/officeDocument/2006/relationships" xmlns:p="http://schemas.openxmlformats.org/presentationml/2006/main">
+  <p:cm authorId="1" dt="2018-07-10T10:45:43.488" idx="1">
+    <p:pos x="5329" y="1117"/>
+    <p:text/>
+    <p:extLst>
+      <p:ext uri="{C676402C-5697-4E1C-873F-D02D1690AC5C}">
+        <p15:threadingInfo xmlns:p15="http://schemas.microsoft.com/office/powerpoint/2012/main" timeZoneBias="-120"/>
+      </p:ext>
+    </p:extLst>
+  </p:cm>
+</p:cmLst>
 </file>
 
 <file path=ppt/slideLayouts/slideLayout1.xml><?xml version="1.0" encoding="utf-8"?>
@@ -7842,7 +7872,7 @@
         <p:spPr>
           <a:xfrm>
             <a:off x="1331640" y="5877272"/>
-            <a:ext cx="6728792" cy="841648"/>
+            <a:ext cx="3024336" cy="841648"/>
           </a:xfrm>
         </p:spPr>
         <p:txBody>
@@ -7920,7 +7950,1467 @@
           </a:p>
         </p:txBody>
       </p:sp>
+      <p:sp>
+        <p:nvSpPr>
+          <p:cNvPr id="5" name="Sous-titre 2"/>
+          <p:cNvSpPr txBox="1">
+            <a:spLocks/>
+          </p:cNvSpPr>
+          <p:nvPr/>
+        </p:nvSpPr>
+        <p:spPr>
+          <a:xfrm>
+            <a:off x="5940152" y="5680003"/>
+            <a:ext cx="3024336" cy="1073576"/>
+          </a:xfrm>
+          <a:prstGeom prst="rect">
+            <a:avLst/>
+          </a:prstGeom>
+        </p:spPr>
+        <p:txBody>
+          <a:bodyPr vert="horz" lIns="91440" tIns="45720" rIns="91440" bIns="45720" rtlCol="0" anchor="t">
+            <a:normAutofit fontScale="92500" lnSpcReduction="10000"/>
+          </a:bodyPr>
+          <a:lstStyle>
+            <a:lvl1pPr marL="0" indent="0" algn="l" defTabSz="457200" rtl="0" eaLnBrk="1" latinLnBrk="0" hangingPunct="1">
+              <a:spcBef>
+                <a:spcPts val="1000"/>
+              </a:spcBef>
+              <a:spcAft>
+                <a:spcPts val="0"/>
+              </a:spcAft>
+              <a:buClr>
+                <a:schemeClr val="accent1"/>
+              </a:buClr>
+              <a:buFont typeface="Wingdings 3" charset="2"/>
+              <a:buNone/>
+              <a:defRPr sz="1800" kern="1200">
+                <a:solidFill>
+                  <a:schemeClr val="tx1">
+                    <a:lumMod val="65000"/>
+                    <a:lumOff val="35000"/>
+                  </a:schemeClr>
+                </a:solidFill>
+                <a:latin typeface="+mn-lt"/>
+                <a:ea typeface="+mn-ea"/>
+                <a:cs typeface="+mn-cs"/>
+              </a:defRPr>
+            </a:lvl1pPr>
+            <a:lvl2pPr marL="457200" indent="0" algn="ctr" defTabSz="457200" rtl="0" eaLnBrk="1" latinLnBrk="0" hangingPunct="1">
+              <a:spcBef>
+                <a:spcPts val="1000"/>
+              </a:spcBef>
+              <a:spcAft>
+                <a:spcPts val="0"/>
+              </a:spcAft>
+              <a:buClr>
+                <a:schemeClr val="accent1"/>
+              </a:buClr>
+              <a:buFont typeface="Wingdings 3" charset="2"/>
+              <a:buNone/>
+              <a:defRPr sz="1600" kern="1200">
+                <a:solidFill>
+                  <a:schemeClr val="tx1">
+                    <a:tint val="75000"/>
+                  </a:schemeClr>
+                </a:solidFill>
+                <a:latin typeface="+mn-lt"/>
+                <a:ea typeface="+mn-ea"/>
+                <a:cs typeface="+mn-cs"/>
+              </a:defRPr>
+            </a:lvl2pPr>
+            <a:lvl3pPr marL="914400" indent="0" algn="ctr" defTabSz="457200" rtl="0" eaLnBrk="1" latinLnBrk="0" hangingPunct="1">
+              <a:spcBef>
+                <a:spcPts val="1000"/>
+              </a:spcBef>
+              <a:spcAft>
+                <a:spcPts val="0"/>
+              </a:spcAft>
+              <a:buClr>
+                <a:schemeClr val="accent1"/>
+              </a:buClr>
+              <a:buFont typeface="Wingdings 3" charset="2"/>
+              <a:buNone/>
+              <a:defRPr sz="1400" kern="1200">
+                <a:solidFill>
+                  <a:schemeClr val="tx1">
+                    <a:tint val="75000"/>
+                  </a:schemeClr>
+                </a:solidFill>
+                <a:latin typeface="+mn-lt"/>
+                <a:ea typeface="+mn-ea"/>
+                <a:cs typeface="+mn-cs"/>
+              </a:defRPr>
+            </a:lvl3pPr>
+            <a:lvl4pPr marL="1371600" indent="0" algn="ctr" defTabSz="457200" rtl="0" eaLnBrk="1" latinLnBrk="0" hangingPunct="1">
+              <a:spcBef>
+                <a:spcPts val="1000"/>
+              </a:spcBef>
+              <a:spcAft>
+                <a:spcPts val="0"/>
+              </a:spcAft>
+              <a:buClr>
+                <a:schemeClr val="accent1"/>
+              </a:buClr>
+              <a:buFont typeface="Wingdings 3" charset="2"/>
+              <a:buNone/>
+              <a:defRPr sz="1200" kern="1200">
+                <a:solidFill>
+                  <a:schemeClr val="tx1">
+                    <a:tint val="75000"/>
+                  </a:schemeClr>
+                </a:solidFill>
+                <a:latin typeface="+mn-lt"/>
+                <a:ea typeface="+mn-ea"/>
+                <a:cs typeface="+mn-cs"/>
+              </a:defRPr>
+            </a:lvl4pPr>
+            <a:lvl5pPr marL="1828800" indent="0" algn="ctr" defTabSz="457200" rtl="0" eaLnBrk="1" latinLnBrk="0" hangingPunct="1">
+              <a:spcBef>
+                <a:spcPts val="1000"/>
+              </a:spcBef>
+              <a:spcAft>
+                <a:spcPts val="0"/>
+              </a:spcAft>
+              <a:buClr>
+                <a:schemeClr val="accent1"/>
+              </a:buClr>
+              <a:buFont typeface="Wingdings 3" charset="2"/>
+              <a:buNone/>
+              <a:defRPr sz="1200" kern="1200">
+                <a:solidFill>
+                  <a:schemeClr val="tx1">
+                    <a:tint val="75000"/>
+                  </a:schemeClr>
+                </a:solidFill>
+                <a:latin typeface="+mn-lt"/>
+                <a:ea typeface="+mn-ea"/>
+                <a:cs typeface="+mn-cs"/>
+              </a:defRPr>
+            </a:lvl5pPr>
+            <a:lvl6pPr marL="2286000" indent="0" algn="ctr" defTabSz="457200" rtl="0" eaLnBrk="1" latinLnBrk="0" hangingPunct="1">
+              <a:spcBef>
+                <a:spcPts val="1000"/>
+              </a:spcBef>
+              <a:spcAft>
+                <a:spcPts val="0"/>
+              </a:spcAft>
+              <a:buClr>
+                <a:schemeClr val="accent1"/>
+              </a:buClr>
+              <a:buFont typeface="Wingdings 3" charset="2"/>
+              <a:buNone/>
+              <a:defRPr sz="1200" kern="1200">
+                <a:solidFill>
+                  <a:schemeClr val="tx1">
+                    <a:tint val="75000"/>
+                  </a:schemeClr>
+                </a:solidFill>
+                <a:latin typeface="+mn-lt"/>
+                <a:ea typeface="+mn-ea"/>
+                <a:cs typeface="+mn-cs"/>
+              </a:defRPr>
+            </a:lvl6pPr>
+            <a:lvl7pPr marL="2743200" indent="0" algn="ctr" defTabSz="457200" rtl="0" eaLnBrk="1" latinLnBrk="0" hangingPunct="1">
+              <a:spcBef>
+                <a:spcPts val="1000"/>
+              </a:spcBef>
+              <a:spcAft>
+                <a:spcPts val="0"/>
+              </a:spcAft>
+              <a:buClr>
+                <a:schemeClr val="accent1"/>
+              </a:buClr>
+              <a:buFont typeface="Wingdings 3" charset="2"/>
+              <a:buNone/>
+              <a:defRPr sz="1200" kern="1200">
+                <a:solidFill>
+                  <a:schemeClr val="tx1">
+                    <a:tint val="75000"/>
+                  </a:schemeClr>
+                </a:solidFill>
+                <a:latin typeface="+mn-lt"/>
+                <a:ea typeface="+mn-ea"/>
+                <a:cs typeface="+mn-cs"/>
+              </a:defRPr>
+            </a:lvl7pPr>
+            <a:lvl8pPr marL="3200400" indent="0" algn="ctr" defTabSz="457200" rtl="0" eaLnBrk="1" latinLnBrk="0" hangingPunct="1">
+              <a:spcBef>
+                <a:spcPts val="1000"/>
+              </a:spcBef>
+              <a:spcAft>
+                <a:spcPts val="0"/>
+              </a:spcAft>
+              <a:buClr>
+                <a:schemeClr val="accent1"/>
+              </a:buClr>
+              <a:buFont typeface="Wingdings 3" charset="2"/>
+              <a:buNone/>
+              <a:defRPr sz="1200" kern="1200">
+                <a:solidFill>
+                  <a:schemeClr val="tx1">
+                    <a:tint val="75000"/>
+                  </a:schemeClr>
+                </a:solidFill>
+                <a:latin typeface="+mn-lt"/>
+                <a:ea typeface="+mn-ea"/>
+                <a:cs typeface="+mn-cs"/>
+              </a:defRPr>
+            </a:lvl8pPr>
+            <a:lvl9pPr marL="3657600" indent="0" algn="ctr" defTabSz="457200" rtl="0" eaLnBrk="1" latinLnBrk="0" hangingPunct="1">
+              <a:spcBef>
+                <a:spcPts val="1000"/>
+              </a:spcBef>
+              <a:spcAft>
+                <a:spcPts val="0"/>
+              </a:spcAft>
+              <a:buClr>
+                <a:schemeClr val="accent1"/>
+              </a:buClr>
+              <a:buFont typeface="Wingdings 3" charset="2"/>
+              <a:buNone/>
+              <a:defRPr sz="1200" kern="1200">
+                <a:solidFill>
+                  <a:schemeClr val="tx1">
+                    <a:tint val="75000"/>
+                  </a:schemeClr>
+                </a:solidFill>
+                <a:latin typeface="+mn-lt"/>
+                <a:ea typeface="+mn-ea"/>
+                <a:cs typeface="+mn-cs"/>
+              </a:defRPr>
+            </a:lvl9pPr>
+          </a:lstStyle>
+          <a:p>
+            <a:pPr algn="r"/>
+            <a:r>
+              <a:rPr lang="fr-FR" b="1" dirty="0" smtClean="0">
+                <a:ln w="9525">
+                  <a:solidFill>
+                    <a:schemeClr val="bg1"/>
+                  </a:solidFill>
+                  <a:prstDash val="solid"/>
+                </a:ln>
+                <a:solidFill>
+                  <a:srgbClr val="00B0F0"/>
+                </a:solidFill>
+                <a:effectLst>
+                  <a:outerShdw blurRad="12700" dist="38100" dir="2700000" algn="tl" rotWithShape="0">
+                    <a:schemeClr val="bg1">
+                      <a:lumMod val="50000"/>
+                    </a:schemeClr>
+                  </a:outerShdw>
+                </a:effectLst>
+              </a:rPr>
+              <a:t>Julien </a:t>
+            </a:r>
+            <a:r>
+              <a:rPr lang="fr-FR" b="1" dirty="0" err="1" smtClean="0">
+                <a:ln w="9525">
+                  <a:solidFill>
+                    <a:schemeClr val="bg1"/>
+                  </a:solidFill>
+                  <a:prstDash val="solid"/>
+                </a:ln>
+                <a:solidFill>
+                  <a:srgbClr val="00B0F0"/>
+                </a:solidFill>
+                <a:effectLst>
+                  <a:outerShdw blurRad="12700" dist="38100" dir="2700000" algn="tl" rotWithShape="0">
+                    <a:schemeClr val="bg1">
+                      <a:lumMod val="50000"/>
+                    </a:schemeClr>
+                  </a:outerShdw>
+                </a:effectLst>
+              </a:rPr>
+              <a:t>Batut</a:t>
+            </a:r>
+            <a:r>
+              <a:rPr lang="fr-FR" b="1" dirty="0" smtClean="0">
+                <a:ln w="9525">
+                  <a:solidFill>
+                    <a:schemeClr val="bg1"/>
+                  </a:solidFill>
+                  <a:prstDash val="solid"/>
+                </a:ln>
+                <a:solidFill>
+                  <a:srgbClr val="00B0F0"/>
+                </a:solidFill>
+                <a:effectLst>
+                  <a:outerShdw blurRad="12700" dist="38100" dir="2700000" algn="tl" rotWithShape="0">
+                    <a:schemeClr val="bg1">
+                      <a:lumMod val="50000"/>
+                    </a:schemeClr>
+                  </a:outerShdw>
+                </a:effectLst>
+              </a:rPr>
+              <a:t> </a:t>
+            </a:r>
+          </a:p>
+          <a:p>
+            <a:pPr algn="r"/>
+            <a:r>
+              <a:rPr lang="fr-FR" b="1" dirty="0" smtClean="0">
+                <a:ln w="9525">
+                  <a:solidFill>
+                    <a:schemeClr val="bg1"/>
+                  </a:solidFill>
+                  <a:prstDash val="solid"/>
+                </a:ln>
+                <a:solidFill>
+                  <a:srgbClr val="00B0F0"/>
+                </a:solidFill>
+                <a:effectLst>
+                  <a:outerShdw blurRad="12700" dist="38100" dir="2700000" algn="tl" rotWithShape="0">
+                    <a:schemeClr val="bg1">
+                      <a:lumMod val="50000"/>
+                    </a:schemeClr>
+                  </a:outerShdw>
+                </a:effectLst>
+              </a:rPr>
+              <a:t>Bruno </a:t>
+            </a:r>
+            <a:r>
+              <a:rPr lang="fr-FR" b="1" dirty="0" err="1" smtClean="0">
+                <a:ln w="9525">
+                  <a:solidFill>
+                    <a:schemeClr val="bg1"/>
+                  </a:solidFill>
+                  <a:prstDash val="solid"/>
+                </a:ln>
+                <a:solidFill>
+                  <a:srgbClr val="00B0F0"/>
+                </a:solidFill>
+                <a:effectLst>
+                  <a:outerShdw blurRad="12700" dist="38100" dir="2700000" algn="tl" rotWithShape="0">
+                    <a:schemeClr val="bg1">
+                      <a:lumMod val="50000"/>
+                    </a:schemeClr>
+                  </a:outerShdw>
+                </a:effectLst>
+              </a:rPr>
+              <a:t>Lasne</a:t>
+            </a:r>
+            <a:endParaRPr lang="fr-FR" b="1" dirty="0" smtClean="0">
+              <a:ln w="9525">
+                <a:solidFill>
+                  <a:schemeClr val="bg1"/>
+                </a:solidFill>
+                <a:prstDash val="solid"/>
+              </a:ln>
+              <a:solidFill>
+                <a:srgbClr val="00B0F0"/>
+              </a:solidFill>
+              <a:effectLst>
+                <a:outerShdw blurRad="12700" dist="38100" dir="2700000" algn="tl" rotWithShape="0">
+                  <a:schemeClr val="bg1">
+                    <a:lumMod val="50000"/>
+                  </a:schemeClr>
+                </a:outerShdw>
+              </a:effectLst>
+            </a:endParaRPr>
+          </a:p>
+          <a:p>
+            <a:pPr algn="r"/>
+            <a:r>
+              <a:rPr lang="fr-FR" b="1" dirty="0" smtClean="0">
+                <a:ln w="9525">
+                  <a:solidFill>
+                    <a:schemeClr val="bg1"/>
+                  </a:solidFill>
+                  <a:prstDash val="solid"/>
+                </a:ln>
+                <a:solidFill>
+                  <a:srgbClr val="00B0F0"/>
+                </a:solidFill>
+                <a:effectLst>
+                  <a:outerShdw blurRad="12700" dist="38100" dir="2700000" algn="tl" rotWithShape="0">
+                    <a:schemeClr val="bg1">
+                      <a:lumMod val="50000"/>
+                    </a:schemeClr>
+                  </a:outerShdw>
+                </a:effectLst>
+              </a:rPr>
+              <a:t>Ludovic van de Putte</a:t>
+            </a:r>
+            <a:endParaRPr lang="fr-FR" b="1" dirty="0">
+              <a:ln w="9525">
+                <a:solidFill>
+                  <a:schemeClr val="bg1"/>
+                </a:solidFill>
+                <a:prstDash val="solid"/>
+              </a:ln>
+              <a:solidFill>
+                <a:srgbClr val="00B0F0"/>
+              </a:solidFill>
+              <a:effectLst>
+                <a:outerShdw blurRad="12700" dist="38100" dir="2700000" algn="tl" rotWithShape="0">
+                  <a:schemeClr val="bg1">
+                    <a:lumMod val="50000"/>
+                  </a:schemeClr>
+                </a:outerShdw>
+              </a:effectLst>
+            </a:endParaRPr>
+          </a:p>
+        </p:txBody>
+      </p:sp>
     </p:spTree>
+    <p:extLst>
+      <p:ext uri="{BB962C8B-B14F-4D97-AF65-F5344CB8AC3E}">
+        <p14:creationId xmlns:p14="http://schemas.microsoft.com/office/powerpoint/2010/main" val="2516065564"/>
+      </p:ext>
+    </p:extLst>
+  </p:cSld>
+  <p:clrMapOvr>
+    <a:masterClrMapping/>
+  </p:clrMapOvr>
+  <p:timing>
+    <p:tnLst>
+      <p:par>
+        <p:cTn id="1" dur="indefinite" restart="never" nodeType="tmRoot"/>
+      </p:par>
+    </p:tnLst>
+  </p:timing>
+</p:sld>
+</file>
+
+<file path=ppt/slides/slide10.xml><?xml version="1.0" encoding="utf-8"?>
+<p:sld xmlns:a="http://schemas.openxmlformats.org/drawingml/2006/main" xmlns:r="http://schemas.openxmlformats.org/officeDocument/2006/relationships" xmlns:p="http://schemas.openxmlformats.org/presentationml/2006/main">
+  <p:cSld>
+    <p:spTree>
+      <p:nvGrpSpPr>
+        <p:cNvPr id="1" name=""/>
+        <p:cNvGrpSpPr/>
+        <p:nvPr/>
+      </p:nvGrpSpPr>
+      <p:grpSpPr>
+        <a:xfrm>
+          <a:off x="0" y="0"/>
+          <a:ext cx="0" cy="0"/>
+          <a:chOff x="0" y="0"/>
+          <a:chExt cx="0" cy="0"/>
+        </a:xfrm>
+      </p:grpSpPr>
+      <p:sp>
+        <p:nvSpPr>
+          <p:cNvPr id="2" name="Titre 1"/>
+          <p:cNvSpPr>
+            <a:spLocks noGrp="1"/>
+          </p:cNvSpPr>
+          <p:nvPr>
+            <p:ph type="title"/>
+          </p:nvPr>
+        </p:nvSpPr>
+        <p:spPr>
+          <a:xfrm>
+            <a:off x="1945201" y="624110"/>
+            <a:ext cx="6589199" cy="788666"/>
+          </a:xfrm>
+        </p:spPr>
+        <p:txBody>
+          <a:bodyPr/>
+          <a:lstStyle/>
+          <a:p>
+            <a:r>
+              <a:rPr lang="fr-FR" dirty="0" smtClean="0"/>
+              <a:t>Développement</a:t>
+            </a:r>
+            <a:endParaRPr lang="fr-FR" dirty="0"/>
+          </a:p>
+        </p:txBody>
+      </p:sp>
+      <p:sp>
+        <p:nvSpPr>
+          <p:cNvPr id="5" name="Espace réservé du contenu 2"/>
+          <p:cNvSpPr txBox="1">
+            <a:spLocks/>
+          </p:cNvSpPr>
+          <p:nvPr/>
+        </p:nvSpPr>
+        <p:spPr>
+          <a:xfrm>
+            <a:off x="1940455" y="1484784"/>
+            <a:ext cx="6591985" cy="4968552"/>
+          </a:xfrm>
+          <a:prstGeom prst="rect">
+            <a:avLst/>
+          </a:prstGeom>
+        </p:spPr>
+        <p:txBody>
+          <a:bodyPr vert="horz" lIns="91440" tIns="45720" rIns="91440" bIns="45720" rtlCol="0">
+            <a:normAutofit/>
+          </a:bodyPr>
+          <a:lstStyle>
+            <a:lvl1pPr marL="342900" indent="-342900" algn="l" defTabSz="457200" rtl="0" eaLnBrk="1" latinLnBrk="0" hangingPunct="1">
+              <a:spcBef>
+                <a:spcPts val="1000"/>
+              </a:spcBef>
+              <a:spcAft>
+                <a:spcPts val="0"/>
+              </a:spcAft>
+              <a:buClr>
+                <a:schemeClr val="accent1"/>
+              </a:buClr>
+              <a:buFont typeface="Wingdings 3" charset="2"/>
+              <a:buChar char=""/>
+              <a:defRPr sz="1800" kern="1200">
+                <a:solidFill>
+                  <a:schemeClr val="tx1">
+                    <a:lumMod val="75000"/>
+                    <a:lumOff val="25000"/>
+                  </a:schemeClr>
+                </a:solidFill>
+                <a:latin typeface="+mn-lt"/>
+                <a:ea typeface="+mn-ea"/>
+                <a:cs typeface="+mn-cs"/>
+              </a:defRPr>
+            </a:lvl1pPr>
+            <a:lvl2pPr marL="742950" indent="-285750" algn="l" defTabSz="457200" rtl="0" eaLnBrk="1" latinLnBrk="0" hangingPunct="1">
+              <a:spcBef>
+                <a:spcPts val="1000"/>
+              </a:spcBef>
+              <a:spcAft>
+                <a:spcPts val="0"/>
+              </a:spcAft>
+              <a:buClr>
+                <a:schemeClr val="accent1"/>
+              </a:buClr>
+              <a:buFont typeface="Wingdings 3" charset="2"/>
+              <a:buChar char=""/>
+              <a:defRPr sz="1600" kern="1200">
+                <a:solidFill>
+                  <a:schemeClr val="tx1">
+                    <a:lumMod val="75000"/>
+                    <a:lumOff val="25000"/>
+                  </a:schemeClr>
+                </a:solidFill>
+                <a:latin typeface="+mn-lt"/>
+                <a:ea typeface="+mn-ea"/>
+                <a:cs typeface="+mn-cs"/>
+              </a:defRPr>
+            </a:lvl2pPr>
+            <a:lvl3pPr marL="1143000" indent="-228600" algn="l" defTabSz="457200" rtl="0" eaLnBrk="1" latinLnBrk="0" hangingPunct="1">
+              <a:spcBef>
+                <a:spcPts val="1000"/>
+              </a:spcBef>
+              <a:spcAft>
+                <a:spcPts val="0"/>
+              </a:spcAft>
+              <a:buClr>
+                <a:schemeClr val="accent1"/>
+              </a:buClr>
+              <a:buFont typeface="Wingdings 3" charset="2"/>
+              <a:buChar char=""/>
+              <a:defRPr sz="1400" kern="1200">
+                <a:solidFill>
+                  <a:schemeClr val="tx1">
+                    <a:lumMod val="75000"/>
+                    <a:lumOff val="25000"/>
+                  </a:schemeClr>
+                </a:solidFill>
+                <a:latin typeface="+mn-lt"/>
+                <a:ea typeface="+mn-ea"/>
+                <a:cs typeface="+mn-cs"/>
+              </a:defRPr>
+            </a:lvl3pPr>
+            <a:lvl4pPr marL="1600200" indent="-228600" algn="l" defTabSz="457200" rtl="0" eaLnBrk="1" latinLnBrk="0" hangingPunct="1">
+              <a:spcBef>
+                <a:spcPts val="1000"/>
+              </a:spcBef>
+              <a:spcAft>
+                <a:spcPts val="0"/>
+              </a:spcAft>
+              <a:buClr>
+                <a:schemeClr val="accent1"/>
+              </a:buClr>
+              <a:buFont typeface="Wingdings 3" charset="2"/>
+              <a:buChar char=""/>
+              <a:defRPr sz="1200" kern="1200">
+                <a:solidFill>
+                  <a:schemeClr val="tx1">
+                    <a:lumMod val="75000"/>
+                    <a:lumOff val="25000"/>
+                  </a:schemeClr>
+                </a:solidFill>
+                <a:latin typeface="+mn-lt"/>
+                <a:ea typeface="+mn-ea"/>
+                <a:cs typeface="+mn-cs"/>
+              </a:defRPr>
+            </a:lvl4pPr>
+            <a:lvl5pPr marL="2057400" indent="-228600" algn="l" defTabSz="457200" rtl="0" eaLnBrk="1" latinLnBrk="0" hangingPunct="1">
+              <a:spcBef>
+                <a:spcPts val="1000"/>
+              </a:spcBef>
+              <a:spcAft>
+                <a:spcPts val="0"/>
+              </a:spcAft>
+              <a:buClr>
+                <a:schemeClr val="accent1"/>
+              </a:buClr>
+              <a:buFont typeface="Wingdings 3" charset="2"/>
+              <a:buChar char=""/>
+              <a:defRPr sz="1200" kern="1200">
+                <a:solidFill>
+                  <a:schemeClr val="tx1">
+                    <a:lumMod val="75000"/>
+                    <a:lumOff val="25000"/>
+                  </a:schemeClr>
+                </a:solidFill>
+                <a:latin typeface="+mn-lt"/>
+                <a:ea typeface="+mn-ea"/>
+                <a:cs typeface="+mn-cs"/>
+              </a:defRPr>
+            </a:lvl5pPr>
+            <a:lvl6pPr marL="2514600" indent="-228600" algn="l" defTabSz="457200" rtl="0" eaLnBrk="1" latinLnBrk="0" hangingPunct="1">
+              <a:spcBef>
+                <a:spcPts val="1000"/>
+              </a:spcBef>
+              <a:spcAft>
+                <a:spcPts val="0"/>
+              </a:spcAft>
+              <a:buClr>
+                <a:schemeClr val="accent1"/>
+              </a:buClr>
+              <a:buFont typeface="Wingdings 3" charset="2"/>
+              <a:buChar char=""/>
+              <a:defRPr sz="1200" kern="1200">
+                <a:solidFill>
+                  <a:schemeClr val="tx1">
+                    <a:lumMod val="75000"/>
+                    <a:lumOff val="25000"/>
+                  </a:schemeClr>
+                </a:solidFill>
+                <a:latin typeface="+mn-lt"/>
+                <a:ea typeface="+mn-ea"/>
+                <a:cs typeface="+mn-cs"/>
+              </a:defRPr>
+            </a:lvl6pPr>
+            <a:lvl7pPr marL="2971800" indent="-228600" algn="l" defTabSz="457200" rtl="0" eaLnBrk="1" latinLnBrk="0" hangingPunct="1">
+              <a:spcBef>
+                <a:spcPts val="1000"/>
+              </a:spcBef>
+              <a:spcAft>
+                <a:spcPts val="0"/>
+              </a:spcAft>
+              <a:buClr>
+                <a:schemeClr val="accent1"/>
+              </a:buClr>
+              <a:buFont typeface="Wingdings 3" charset="2"/>
+              <a:buChar char=""/>
+              <a:defRPr sz="1200" kern="1200">
+                <a:solidFill>
+                  <a:schemeClr val="tx1">
+                    <a:lumMod val="75000"/>
+                    <a:lumOff val="25000"/>
+                  </a:schemeClr>
+                </a:solidFill>
+                <a:latin typeface="+mn-lt"/>
+                <a:ea typeface="+mn-ea"/>
+                <a:cs typeface="+mn-cs"/>
+              </a:defRPr>
+            </a:lvl7pPr>
+            <a:lvl8pPr marL="3429000" indent="-228600" algn="l" defTabSz="457200" rtl="0" eaLnBrk="1" latinLnBrk="0" hangingPunct="1">
+              <a:spcBef>
+                <a:spcPts val="1000"/>
+              </a:spcBef>
+              <a:spcAft>
+                <a:spcPts val="0"/>
+              </a:spcAft>
+              <a:buClr>
+                <a:schemeClr val="accent1"/>
+              </a:buClr>
+              <a:buFont typeface="Wingdings 3" charset="2"/>
+              <a:buChar char=""/>
+              <a:defRPr sz="1200" kern="1200">
+                <a:solidFill>
+                  <a:schemeClr val="tx1">
+                    <a:lumMod val="75000"/>
+                    <a:lumOff val="25000"/>
+                  </a:schemeClr>
+                </a:solidFill>
+                <a:latin typeface="+mn-lt"/>
+                <a:ea typeface="+mn-ea"/>
+                <a:cs typeface="+mn-cs"/>
+              </a:defRPr>
+            </a:lvl8pPr>
+            <a:lvl9pPr marL="3886200" indent="-228600" algn="l" defTabSz="457200" rtl="0" eaLnBrk="1" latinLnBrk="0" hangingPunct="1">
+              <a:spcBef>
+                <a:spcPts val="1000"/>
+              </a:spcBef>
+              <a:spcAft>
+                <a:spcPts val="0"/>
+              </a:spcAft>
+              <a:buClr>
+                <a:schemeClr val="accent1"/>
+              </a:buClr>
+              <a:buFont typeface="Wingdings 3" charset="2"/>
+              <a:buChar char=""/>
+              <a:defRPr sz="1200" kern="1200">
+                <a:solidFill>
+                  <a:schemeClr val="tx1">
+                    <a:lumMod val="75000"/>
+                    <a:lumOff val="25000"/>
+                  </a:schemeClr>
+                </a:solidFill>
+                <a:latin typeface="+mn-lt"/>
+                <a:ea typeface="+mn-ea"/>
+                <a:cs typeface="+mn-cs"/>
+              </a:defRPr>
+            </a:lvl9pPr>
+          </a:lstStyle>
+          <a:p>
+            <a:r>
+              <a:rPr lang="fr-FR" dirty="0" smtClean="0"/>
+              <a:t>Création des </a:t>
+            </a:r>
+            <a:r>
+              <a:rPr lang="fr-FR" dirty="0" err="1" smtClean="0"/>
+              <a:t>beans</a:t>
+            </a:r>
+            <a:endParaRPr lang="fr-FR" dirty="0" smtClean="0"/>
+          </a:p>
+          <a:p>
+            <a:r>
+              <a:rPr lang="fr-FR" dirty="0" err="1" smtClean="0"/>
+              <a:t>Mapping</a:t>
+            </a:r>
+            <a:r>
+              <a:rPr lang="fr-FR" dirty="0" smtClean="0"/>
+              <a:t> des classes en vue de la création des tables dans la </a:t>
+            </a:r>
+            <a:r>
+              <a:rPr lang="fr-FR" dirty="0" err="1" smtClean="0"/>
+              <a:t>database</a:t>
+            </a:r>
+            <a:endParaRPr lang="fr-FR" dirty="0" smtClean="0"/>
+          </a:p>
+          <a:p>
+            <a:r>
+              <a:rPr lang="fr-FR" dirty="0" smtClean="0"/>
+              <a:t>Création des DAO pour chaque table de la DB, réalisation du CRUD</a:t>
+            </a:r>
+          </a:p>
+          <a:p>
+            <a:r>
+              <a:rPr lang="fr-FR" dirty="0" smtClean="0"/>
+              <a:t>Création des contrôleurs</a:t>
+            </a:r>
+          </a:p>
+          <a:p>
+            <a:r>
+              <a:rPr lang="fr-FR" dirty="0" smtClean="0"/>
+              <a:t>Création des JSP</a:t>
+            </a:r>
+          </a:p>
+          <a:p>
+            <a:r>
+              <a:rPr lang="fr-FR" dirty="0" smtClean="0"/>
+              <a:t>Validation de données</a:t>
+            </a:r>
+          </a:p>
+          <a:p>
+            <a:r>
+              <a:rPr lang="fr-FR" dirty="0" smtClean="0"/>
+              <a:t>Validation des fonctionnalités</a:t>
+            </a:r>
+          </a:p>
+          <a:p>
+            <a:r>
+              <a:rPr lang="fr-FR" dirty="0" smtClean="0"/>
+              <a:t>Implémentation de l’authentification et de la sécurité</a:t>
+            </a:r>
+          </a:p>
+          <a:p>
+            <a:r>
+              <a:rPr lang="fr-FR" dirty="0" smtClean="0"/>
+              <a:t>Ajout de </a:t>
+            </a:r>
+            <a:r>
+              <a:rPr lang="fr-FR" dirty="0"/>
+              <a:t>cosmétique HTML pour </a:t>
+            </a:r>
+            <a:r>
+              <a:rPr lang="fr-FR" dirty="0" smtClean="0"/>
+              <a:t>apparition</a:t>
+            </a:r>
+          </a:p>
+          <a:p>
+            <a:r>
+              <a:rPr lang="fr-FR" dirty="0" smtClean="0"/>
+              <a:t>Travail collaboratif avec Git; partage, récupération et fusion du code produit par chacun pas à pas.</a:t>
+            </a:r>
+          </a:p>
+        </p:txBody>
+      </p:sp>
+    </p:spTree>
+    <p:extLst>
+      <p:ext uri="{BB962C8B-B14F-4D97-AF65-F5344CB8AC3E}">
+        <p14:creationId xmlns:p14="http://schemas.microsoft.com/office/powerpoint/2010/main" val="1264504868"/>
+      </p:ext>
+    </p:extLst>
+  </p:cSld>
+  <p:clrMapOvr>
+    <a:masterClrMapping/>
+  </p:clrMapOvr>
+  <p:timing>
+    <p:tnLst>
+      <p:par>
+        <p:cTn id="1" dur="indefinite" restart="never" nodeType="tmRoot"/>
+      </p:par>
+    </p:tnLst>
+  </p:timing>
+</p:sld>
+</file>
+
+<file path=ppt/slides/slide11.xml><?xml version="1.0" encoding="utf-8"?>
+<p:sld xmlns:a="http://schemas.openxmlformats.org/drawingml/2006/main" xmlns:r="http://schemas.openxmlformats.org/officeDocument/2006/relationships" xmlns:p="http://schemas.openxmlformats.org/presentationml/2006/main">
+  <p:cSld>
+    <p:spTree>
+      <p:nvGrpSpPr>
+        <p:cNvPr id="1" name=""/>
+        <p:cNvGrpSpPr/>
+        <p:nvPr/>
+      </p:nvGrpSpPr>
+      <p:grpSpPr>
+        <a:xfrm>
+          <a:off x="0" y="0"/>
+          <a:ext cx="0" cy="0"/>
+          <a:chOff x="0" y="0"/>
+          <a:chExt cx="0" cy="0"/>
+        </a:xfrm>
+      </p:grpSpPr>
+      <p:sp>
+        <p:nvSpPr>
+          <p:cNvPr id="2" name="Titre 1"/>
+          <p:cNvSpPr>
+            <a:spLocks noGrp="1"/>
+          </p:cNvSpPr>
+          <p:nvPr>
+            <p:ph type="title"/>
+          </p:nvPr>
+        </p:nvSpPr>
+        <p:spPr>
+          <a:xfrm>
+            <a:off x="1945201" y="624110"/>
+            <a:ext cx="6589199" cy="788666"/>
+          </a:xfrm>
+        </p:spPr>
+        <p:txBody>
+          <a:bodyPr/>
+          <a:lstStyle/>
+          <a:p>
+            <a:r>
+              <a:rPr lang="fr-FR" dirty="0" smtClean="0"/>
+              <a:t>Tests</a:t>
+            </a:r>
+            <a:endParaRPr lang="fr-FR" dirty="0"/>
+          </a:p>
+        </p:txBody>
+      </p:sp>
+      <p:sp>
+        <p:nvSpPr>
+          <p:cNvPr id="5" name="Espace réservé du contenu 2"/>
+          <p:cNvSpPr txBox="1">
+            <a:spLocks/>
+          </p:cNvSpPr>
+          <p:nvPr/>
+        </p:nvSpPr>
+        <p:spPr>
+          <a:xfrm>
+            <a:off x="1940455" y="1484784"/>
+            <a:ext cx="6591985" cy="3528392"/>
+          </a:xfrm>
+          <a:prstGeom prst="rect">
+            <a:avLst/>
+          </a:prstGeom>
+        </p:spPr>
+        <p:txBody>
+          <a:bodyPr vert="horz" lIns="91440" tIns="45720" rIns="91440" bIns="45720" rtlCol="0">
+            <a:normAutofit/>
+          </a:bodyPr>
+          <a:lstStyle>
+            <a:lvl1pPr marL="342900" indent="-342900" algn="l" defTabSz="457200" rtl="0" eaLnBrk="1" latinLnBrk="0" hangingPunct="1">
+              <a:spcBef>
+                <a:spcPts val="1000"/>
+              </a:spcBef>
+              <a:spcAft>
+                <a:spcPts val="0"/>
+              </a:spcAft>
+              <a:buClr>
+                <a:schemeClr val="accent1"/>
+              </a:buClr>
+              <a:buFont typeface="Wingdings 3" charset="2"/>
+              <a:buChar char=""/>
+              <a:defRPr sz="1800" kern="1200">
+                <a:solidFill>
+                  <a:schemeClr val="tx1">
+                    <a:lumMod val="75000"/>
+                    <a:lumOff val="25000"/>
+                  </a:schemeClr>
+                </a:solidFill>
+                <a:latin typeface="+mn-lt"/>
+                <a:ea typeface="+mn-ea"/>
+                <a:cs typeface="+mn-cs"/>
+              </a:defRPr>
+            </a:lvl1pPr>
+            <a:lvl2pPr marL="742950" indent="-285750" algn="l" defTabSz="457200" rtl="0" eaLnBrk="1" latinLnBrk="0" hangingPunct="1">
+              <a:spcBef>
+                <a:spcPts val="1000"/>
+              </a:spcBef>
+              <a:spcAft>
+                <a:spcPts val="0"/>
+              </a:spcAft>
+              <a:buClr>
+                <a:schemeClr val="accent1"/>
+              </a:buClr>
+              <a:buFont typeface="Wingdings 3" charset="2"/>
+              <a:buChar char=""/>
+              <a:defRPr sz="1600" kern="1200">
+                <a:solidFill>
+                  <a:schemeClr val="tx1">
+                    <a:lumMod val="75000"/>
+                    <a:lumOff val="25000"/>
+                  </a:schemeClr>
+                </a:solidFill>
+                <a:latin typeface="+mn-lt"/>
+                <a:ea typeface="+mn-ea"/>
+                <a:cs typeface="+mn-cs"/>
+              </a:defRPr>
+            </a:lvl2pPr>
+            <a:lvl3pPr marL="1143000" indent="-228600" algn="l" defTabSz="457200" rtl="0" eaLnBrk="1" latinLnBrk="0" hangingPunct="1">
+              <a:spcBef>
+                <a:spcPts val="1000"/>
+              </a:spcBef>
+              <a:spcAft>
+                <a:spcPts val="0"/>
+              </a:spcAft>
+              <a:buClr>
+                <a:schemeClr val="accent1"/>
+              </a:buClr>
+              <a:buFont typeface="Wingdings 3" charset="2"/>
+              <a:buChar char=""/>
+              <a:defRPr sz="1400" kern="1200">
+                <a:solidFill>
+                  <a:schemeClr val="tx1">
+                    <a:lumMod val="75000"/>
+                    <a:lumOff val="25000"/>
+                  </a:schemeClr>
+                </a:solidFill>
+                <a:latin typeface="+mn-lt"/>
+                <a:ea typeface="+mn-ea"/>
+                <a:cs typeface="+mn-cs"/>
+              </a:defRPr>
+            </a:lvl3pPr>
+            <a:lvl4pPr marL="1600200" indent="-228600" algn="l" defTabSz="457200" rtl="0" eaLnBrk="1" latinLnBrk="0" hangingPunct="1">
+              <a:spcBef>
+                <a:spcPts val="1000"/>
+              </a:spcBef>
+              <a:spcAft>
+                <a:spcPts val="0"/>
+              </a:spcAft>
+              <a:buClr>
+                <a:schemeClr val="accent1"/>
+              </a:buClr>
+              <a:buFont typeface="Wingdings 3" charset="2"/>
+              <a:buChar char=""/>
+              <a:defRPr sz="1200" kern="1200">
+                <a:solidFill>
+                  <a:schemeClr val="tx1">
+                    <a:lumMod val="75000"/>
+                    <a:lumOff val="25000"/>
+                  </a:schemeClr>
+                </a:solidFill>
+                <a:latin typeface="+mn-lt"/>
+                <a:ea typeface="+mn-ea"/>
+                <a:cs typeface="+mn-cs"/>
+              </a:defRPr>
+            </a:lvl4pPr>
+            <a:lvl5pPr marL="2057400" indent="-228600" algn="l" defTabSz="457200" rtl="0" eaLnBrk="1" latinLnBrk="0" hangingPunct="1">
+              <a:spcBef>
+                <a:spcPts val="1000"/>
+              </a:spcBef>
+              <a:spcAft>
+                <a:spcPts val="0"/>
+              </a:spcAft>
+              <a:buClr>
+                <a:schemeClr val="accent1"/>
+              </a:buClr>
+              <a:buFont typeface="Wingdings 3" charset="2"/>
+              <a:buChar char=""/>
+              <a:defRPr sz="1200" kern="1200">
+                <a:solidFill>
+                  <a:schemeClr val="tx1">
+                    <a:lumMod val="75000"/>
+                    <a:lumOff val="25000"/>
+                  </a:schemeClr>
+                </a:solidFill>
+                <a:latin typeface="+mn-lt"/>
+                <a:ea typeface="+mn-ea"/>
+                <a:cs typeface="+mn-cs"/>
+              </a:defRPr>
+            </a:lvl5pPr>
+            <a:lvl6pPr marL="2514600" indent="-228600" algn="l" defTabSz="457200" rtl="0" eaLnBrk="1" latinLnBrk="0" hangingPunct="1">
+              <a:spcBef>
+                <a:spcPts val="1000"/>
+              </a:spcBef>
+              <a:spcAft>
+                <a:spcPts val="0"/>
+              </a:spcAft>
+              <a:buClr>
+                <a:schemeClr val="accent1"/>
+              </a:buClr>
+              <a:buFont typeface="Wingdings 3" charset="2"/>
+              <a:buChar char=""/>
+              <a:defRPr sz="1200" kern="1200">
+                <a:solidFill>
+                  <a:schemeClr val="tx1">
+                    <a:lumMod val="75000"/>
+                    <a:lumOff val="25000"/>
+                  </a:schemeClr>
+                </a:solidFill>
+                <a:latin typeface="+mn-lt"/>
+                <a:ea typeface="+mn-ea"/>
+                <a:cs typeface="+mn-cs"/>
+              </a:defRPr>
+            </a:lvl6pPr>
+            <a:lvl7pPr marL="2971800" indent="-228600" algn="l" defTabSz="457200" rtl="0" eaLnBrk="1" latinLnBrk="0" hangingPunct="1">
+              <a:spcBef>
+                <a:spcPts val="1000"/>
+              </a:spcBef>
+              <a:spcAft>
+                <a:spcPts val="0"/>
+              </a:spcAft>
+              <a:buClr>
+                <a:schemeClr val="accent1"/>
+              </a:buClr>
+              <a:buFont typeface="Wingdings 3" charset="2"/>
+              <a:buChar char=""/>
+              <a:defRPr sz="1200" kern="1200">
+                <a:solidFill>
+                  <a:schemeClr val="tx1">
+                    <a:lumMod val="75000"/>
+                    <a:lumOff val="25000"/>
+                  </a:schemeClr>
+                </a:solidFill>
+                <a:latin typeface="+mn-lt"/>
+                <a:ea typeface="+mn-ea"/>
+                <a:cs typeface="+mn-cs"/>
+              </a:defRPr>
+            </a:lvl7pPr>
+            <a:lvl8pPr marL="3429000" indent="-228600" algn="l" defTabSz="457200" rtl="0" eaLnBrk="1" latinLnBrk="0" hangingPunct="1">
+              <a:spcBef>
+                <a:spcPts val="1000"/>
+              </a:spcBef>
+              <a:spcAft>
+                <a:spcPts val="0"/>
+              </a:spcAft>
+              <a:buClr>
+                <a:schemeClr val="accent1"/>
+              </a:buClr>
+              <a:buFont typeface="Wingdings 3" charset="2"/>
+              <a:buChar char=""/>
+              <a:defRPr sz="1200" kern="1200">
+                <a:solidFill>
+                  <a:schemeClr val="tx1">
+                    <a:lumMod val="75000"/>
+                    <a:lumOff val="25000"/>
+                  </a:schemeClr>
+                </a:solidFill>
+                <a:latin typeface="+mn-lt"/>
+                <a:ea typeface="+mn-ea"/>
+                <a:cs typeface="+mn-cs"/>
+              </a:defRPr>
+            </a:lvl8pPr>
+            <a:lvl9pPr marL="3886200" indent="-228600" algn="l" defTabSz="457200" rtl="0" eaLnBrk="1" latinLnBrk="0" hangingPunct="1">
+              <a:spcBef>
+                <a:spcPts val="1000"/>
+              </a:spcBef>
+              <a:spcAft>
+                <a:spcPts val="0"/>
+              </a:spcAft>
+              <a:buClr>
+                <a:schemeClr val="accent1"/>
+              </a:buClr>
+              <a:buFont typeface="Wingdings 3" charset="2"/>
+              <a:buChar char=""/>
+              <a:defRPr sz="1200" kern="1200">
+                <a:solidFill>
+                  <a:schemeClr val="tx1">
+                    <a:lumMod val="75000"/>
+                    <a:lumOff val="25000"/>
+                  </a:schemeClr>
+                </a:solidFill>
+                <a:latin typeface="+mn-lt"/>
+                <a:ea typeface="+mn-ea"/>
+                <a:cs typeface="+mn-cs"/>
+              </a:defRPr>
+            </a:lvl9pPr>
+          </a:lstStyle>
+          <a:p>
+            <a:r>
+              <a:rPr lang="fr-FR" dirty="0" smtClean="0"/>
+              <a:t>Validation des fonctionnalités pas à pas</a:t>
+            </a:r>
+          </a:p>
+          <a:p>
+            <a:r>
+              <a:rPr lang="fr-FR" dirty="0" smtClean="0"/>
+              <a:t>Validation du déroulement des scénarios définis dans les Use Cases</a:t>
+            </a:r>
+          </a:p>
+          <a:p>
+            <a:r>
+              <a:rPr lang="fr-FR" dirty="0" smtClean="0"/>
+              <a:t>Validation de la sécurité par authentification</a:t>
+            </a:r>
+          </a:p>
+          <a:p>
+            <a:r>
+              <a:rPr lang="fr-FR" dirty="0" smtClean="0"/>
+              <a:t>Validation de la robustesse de l’application</a:t>
+            </a:r>
+          </a:p>
+          <a:p>
+            <a:endParaRPr lang="fr-FR" dirty="0" smtClean="0"/>
+          </a:p>
+        </p:txBody>
+      </p:sp>
+    </p:spTree>
+    <p:extLst>
+      <p:ext uri="{BB962C8B-B14F-4D97-AF65-F5344CB8AC3E}">
+        <p14:creationId xmlns:p14="http://schemas.microsoft.com/office/powerpoint/2010/main" val="3659551949"/>
+      </p:ext>
+    </p:extLst>
+  </p:cSld>
+  <p:clrMapOvr>
+    <a:masterClrMapping/>
+  </p:clrMapOvr>
+  <p:timing>
+    <p:tnLst>
+      <p:par>
+        <p:cTn id="1" dur="indefinite" restart="never" nodeType="tmRoot"/>
+      </p:par>
+    </p:tnLst>
+  </p:timing>
+</p:sld>
+</file>
+
+<file path=ppt/slides/slide12.xml><?xml version="1.0" encoding="utf-8"?>
+<p:sld xmlns:a="http://schemas.openxmlformats.org/drawingml/2006/main" xmlns:r="http://schemas.openxmlformats.org/officeDocument/2006/relationships" xmlns:p="http://schemas.openxmlformats.org/presentationml/2006/main">
+  <p:cSld>
+    <p:spTree>
+      <p:nvGrpSpPr>
+        <p:cNvPr id="1" name=""/>
+        <p:cNvGrpSpPr/>
+        <p:nvPr/>
+      </p:nvGrpSpPr>
+      <p:grpSpPr>
+        <a:xfrm>
+          <a:off x="0" y="0"/>
+          <a:ext cx="0" cy="0"/>
+          <a:chOff x="0" y="0"/>
+          <a:chExt cx="0" cy="0"/>
+        </a:xfrm>
+      </p:grpSpPr>
+      <p:sp>
+        <p:nvSpPr>
+          <p:cNvPr id="2" name="Titre 1"/>
+          <p:cNvSpPr>
+            <a:spLocks noGrp="1"/>
+          </p:cNvSpPr>
+          <p:nvPr>
+            <p:ph type="title"/>
+          </p:nvPr>
+        </p:nvSpPr>
+        <p:spPr>
+          <a:xfrm>
+            <a:off x="1945201" y="624110"/>
+            <a:ext cx="6589199" cy="788666"/>
+          </a:xfrm>
+        </p:spPr>
+        <p:txBody>
+          <a:bodyPr/>
+          <a:lstStyle/>
+          <a:p>
+            <a:r>
+              <a:rPr lang="fr-FR" dirty="0" smtClean="0"/>
+              <a:t>Conduite du projet</a:t>
+            </a:r>
+            <a:endParaRPr lang="fr-FR" dirty="0"/>
+          </a:p>
+        </p:txBody>
+      </p:sp>
+      <p:sp>
+        <p:nvSpPr>
+          <p:cNvPr id="5" name="Espace réservé du contenu 2"/>
+          <p:cNvSpPr txBox="1">
+            <a:spLocks/>
+          </p:cNvSpPr>
+          <p:nvPr/>
+        </p:nvSpPr>
+        <p:spPr>
+          <a:xfrm>
+            <a:off x="1940455" y="1484784"/>
+            <a:ext cx="6591985" cy="3528392"/>
+          </a:xfrm>
+          <a:prstGeom prst="rect">
+            <a:avLst/>
+          </a:prstGeom>
+        </p:spPr>
+        <p:txBody>
+          <a:bodyPr vert="horz" lIns="91440" tIns="45720" rIns="91440" bIns="45720" rtlCol="0">
+            <a:normAutofit/>
+          </a:bodyPr>
+          <a:lstStyle>
+            <a:lvl1pPr marL="342900" indent="-342900" algn="l" defTabSz="457200" rtl="0" eaLnBrk="1" latinLnBrk="0" hangingPunct="1">
+              <a:spcBef>
+                <a:spcPts val="1000"/>
+              </a:spcBef>
+              <a:spcAft>
+                <a:spcPts val="0"/>
+              </a:spcAft>
+              <a:buClr>
+                <a:schemeClr val="accent1"/>
+              </a:buClr>
+              <a:buFont typeface="Wingdings 3" charset="2"/>
+              <a:buChar char=""/>
+              <a:defRPr sz="1800" kern="1200">
+                <a:solidFill>
+                  <a:schemeClr val="tx1">
+                    <a:lumMod val="75000"/>
+                    <a:lumOff val="25000"/>
+                  </a:schemeClr>
+                </a:solidFill>
+                <a:latin typeface="+mn-lt"/>
+                <a:ea typeface="+mn-ea"/>
+                <a:cs typeface="+mn-cs"/>
+              </a:defRPr>
+            </a:lvl1pPr>
+            <a:lvl2pPr marL="742950" indent="-285750" algn="l" defTabSz="457200" rtl="0" eaLnBrk="1" latinLnBrk="0" hangingPunct="1">
+              <a:spcBef>
+                <a:spcPts val="1000"/>
+              </a:spcBef>
+              <a:spcAft>
+                <a:spcPts val="0"/>
+              </a:spcAft>
+              <a:buClr>
+                <a:schemeClr val="accent1"/>
+              </a:buClr>
+              <a:buFont typeface="Wingdings 3" charset="2"/>
+              <a:buChar char=""/>
+              <a:defRPr sz="1600" kern="1200">
+                <a:solidFill>
+                  <a:schemeClr val="tx1">
+                    <a:lumMod val="75000"/>
+                    <a:lumOff val="25000"/>
+                  </a:schemeClr>
+                </a:solidFill>
+                <a:latin typeface="+mn-lt"/>
+                <a:ea typeface="+mn-ea"/>
+                <a:cs typeface="+mn-cs"/>
+              </a:defRPr>
+            </a:lvl2pPr>
+            <a:lvl3pPr marL="1143000" indent="-228600" algn="l" defTabSz="457200" rtl="0" eaLnBrk="1" latinLnBrk="0" hangingPunct="1">
+              <a:spcBef>
+                <a:spcPts val="1000"/>
+              </a:spcBef>
+              <a:spcAft>
+                <a:spcPts val="0"/>
+              </a:spcAft>
+              <a:buClr>
+                <a:schemeClr val="accent1"/>
+              </a:buClr>
+              <a:buFont typeface="Wingdings 3" charset="2"/>
+              <a:buChar char=""/>
+              <a:defRPr sz="1400" kern="1200">
+                <a:solidFill>
+                  <a:schemeClr val="tx1">
+                    <a:lumMod val="75000"/>
+                    <a:lumOff val="25000"/>
+                  </a:schemeClr>
+                </a:solidFill>
+                <a:latin typeface="+mn-lt"/>
+                <a:ea typeface="+mn-ea"/>
+                <a:cs typeface="+mn-cs"/>
+              </a:defRPr>
+            </a:lvl3pPr>
+            <a:lvl4pPr marL="1600200" indent="-228600" algn="l" defTabSz="457200" rtl="0" eaLnBrk="1" latinLnBrk="0" hangingPunct="1">
+              <a:spcBef>
+                <a:spcPts val="1000"/>
+              </a:spcBef>
+              <a:spcAft>
+                <a:spcPts val="0"/>
+              </a:spcAft>
+              <a:buClr>
+                <a:schemeClr val="accent1"/>
+              </a:buClr>
+              <a:buFont typeface="Wingdings 3" charset="2"/>
+              <a:buChar char=""/>
+              <a:defRPr sz="1200" kern="1200">
+                <a:solidFill>
+                  <a:schemeClr val="tx1">
+                    <a:lumMod val="75000"/>
+                    <a:lumOff val="25000"/>
+                  </a:schemeClr>
+                </a:solidFill>
+                <a:latin typeface="+mn-lt"/>
+                <a:ea typeface="+mn-ea"/>
+                <a:cs typeface="+mn-cs"/>
+              </a:defRPr>
+            </a:lvl4pPr>
+            <a:lvl5pPr marL="2057400" indent="-228600" algn="l" defTabSz="457200" rtl="0" eaLnBrk="1" latinLnBrk="0" hangingPunct="1">
+              <a:spcBef>
+                <a:spcPts val="1000"/>
+              </a:spcBef>
+              <a:spcAft>
+                <a:spcPts val="0"/>
+              </a:spcAft>
+              <a:buClr>
+                <a:schemeClr val="accent1"/>
+              </a:buClr>
+              <a:buFont typeface="Wingdings 3" charset="2"/>
+              <a:buChar char=""/>
+              <a:defRPr sz="1200" kern="1200">
+                <a:solidFill>
+                  <a:schemeClr val="tx1">
+                    <a:lumMod val="75000"/>
+                    <a:lumOff val="25000"/>
+                  </a:schemeClr>
+                </a:solidFill>
+                <a:latin typeface="+mn-lt"/>
+                <a:ea typeface="+mn-ea"/>
+                <a:cs typeface="+mn-cs"/>
+              </a:defRPr>
+            </a:lvl5pPr>
+            <a:lvl6pPr marL="2514600" indent="-228600" algn="l" defTabSz="457200" rtl="0" eaLnBrk="1" latinLnBrk="0" hangingPunct="1">
+              <a:spcBef>
+                <a:spcPts val="1000"/>
+              </a:spcBef>
+              <a:spcAft>
+                <a:spcPts val="0"/>
+              </a:spcAft>
+              <a:buClr>
+                <a:schemeClr val="accent1"/>
+              </a:buClr>
+              <a:buFont typeface="Wingdings 3" charset="2"/>
+              <a:buChar char=""/>
+              <a:defRPr sz="1200" kern="1200">
+                <a:solidFill>
+                  <a:schemeClr val="tx1">
+                    <a:lumMod val="75000"/>
+                    <a:lumOff val="25000"/>
+                  </a:schemeClr>
+                </a:solidFill>
+                <a:latin typeface="+mn-lt"/>
+                <a:ea typeface="+mn-ea"/>
+                <a:cs typeface="+mn-cs"/>
+              </a:defRPr>
+            </a:lvl6pPr>
+            <a:lvl7pPr marL="2971800" indent="-228600" algn="l" defTabSz="457200" rtl="0" eaLnBrk="1" latinLnBrk="0" hangingPunct="1">
+              <a:spcBef>
+                <a:spcPts val="1000"/>
+              </a:spcBef>
+              <a:spcAft>
+                <a:spcPts val="0"/>
+              </a:spcAft>
+              <a:buClr>
+                <a:schemeClr val="accent1"/>
+              </a:buClr>
+              <a:buFont typeface="Wingdings 3" charset="2"/>
+              <a:buChar char=""/>
+              <a:defRPr sz="1200" kern="1200">
+                <a:solidFill>
+                  <a:schemeClr val="tx1">
+                    <a:lumMod val="75000"/>
+                    <a:lumOff val="25000"/>
+                  </a:schemeClr>
+                </a:solidFill>
+                <a:latin typeface="+mn-lt"/>
+                <a:ea typeface="+mn-ea"/>
+                <a:cs typeface="+mn-cs"/>
+              </a:defRPr>
+            </a:lvl7pPr>
+            <a:lvl8pPr marL="3429000" indent="-228600" algn="l" defTabSz="457200" rtl="0" eaLnBrk="1" latinLnBrk="0" hangingPunct="1">
+              <a:spcBef>
+                <a:spcPts val="1000"/>
+              </a:spcBef>
+              <a:spcAft>
+                <a:spcPts val="0"/>
+              </a:spcAft>
+              <a:buClr>
+                <a:schemeClr val="accent1"/>
+              </a:buClr>
+              <a:buFont typeface="Wingdings 3" charset="2"/>
+              <a:buChar char=""/>
+              <a:defRPr sz="1200" kern="1200">
+                <a:solidFill>
+                  <a:schemeClr val="tx1">
+                    <a:lumMod val="75000"/>
+                    <a:lumOff val="25000"/>
+                  </a:schemeClr>
+                </a:solidFill>
+                <a:latin typeface="+mn-lt"/>
+                <a:ea typeface="+mn-ea"/>
+                <a:cs typeface="+mn-cs"/>
+              </a:defRPr>
+            </a:lvl8pPr>
+            <a:lvl9pPr marL="3886200" indent="-228600" algn="l" defTabSz="457200" rtl="0" eaLnBrk="1" latinLnBrk="0" hangingPunct="1">
+              <a:spcBef>
+                <a:spcPts val="1000"/>
+              </a:spcBef>
+              <a:spcAft>
+                <a:spcPts val="0"/>
+              </a:spcAft>
+              <a:buClr>
+                <a:schemeClr val="accent1"/>
+              </a:buClr>
+              <a:buFont typeface="Wingdings 3" charset="2"/>
+              <a:buChar char=""/>
+              <a:defRPr sz="1200" kern="1200">
+                <a:solidFill>
+                  <a:schemeClr val="tx1">
+                    <a:lumMod val="75000"/>
+                    <a:lumOff val="25000"/>
+                  </a:schemeClr>
+                </a:solidFill>
+                <a:latin typeface="+mn-lt"/>
+                <a:ea typeface="+mn-ea"/>
+                <a:cs typeface="+mn-cs"/>
+              </a:defRPr>
+            </a:lvl9pPr>
+          </a:lstStyle>
+          <a:p>
+            <a:r>
+              <a:rPr lang="fr-FR" dirty="0" smtClean="0"/>
+              <a:t>Méthode Agile SCRUM</a:t>
+            </a:r>
+          </a:p>
+          <a:p>
+            <a:r>
+              <a:rPr lang="fr-FR" dirty="0" smtClean="0"/>
+              <a:t>Création des </a:t>
+            </a:r>
+          </a:p>
+          <a:p>
+            <a:r>
+              <a:rPr lang="fr-FR" dirty="0" smtClean="0"/>
+              <a:t>Daily meeting</a:t>
+            </a:r>
+          </a:p>
+          <a:p>
+            <a:endParaRPr lang="fr-FR" dirty="0" smtClean="0"/>
+          </a:p>
+          <a:p>
+            <a:endParaRPr lang="fr-FR" dirty="0" smtClean="0"/>
+          </a:p>
+        </p:txBody>
+      </p:sp>
+    </p:spTree>
+    <p:extLst>
+      <p:ext uri="{BB962C8B-B14F-4D97-AF65-F5344CB8AC3E}">
+        <p14:creationId xmlns:p14="http://schemas.microsoft.com/office/powerpoint/2010/main" val="673907175"/>
+      </p:ext>
+    </p:extLst>
   </p:cSld>
   <p:clrMapOvr>
     <a:masterClrMapping/>
@@ -7992,7 +9482,9 @@
         </p:nvSpPr>
         <p:spPr/>
         <p:txBody>
-          <a:bodyPr/>
+          <a:bodyPr>
+            <a:normAutofit/>
+          </a:bodyPr>
           <a:lstStyle/>
           <a:p>
             <a:r>
@@ -8021,7 +9513,7 @@
           <a:p>
             <a:r>
               <a:rPr lang="fr-FR" dirty="0" smtClean="0"/>
-              <a:t>Conception</a:t>
+              <a:t>Conception et modélisation</a:t>
             </a:r>
           </a:p>
           <a:p>
@@ -8034,6 +9526,12 @@
             <a:r>
               <a:rPr lang="fr-FR" dirty="0" smtClean="0"/>
               <a:t>Tests</a:t>
+            </a:r>
+          </a:p>
+          <a:p>
+            <a:r>
+              <a:rPr lang="fr-FR" dirty="0"/>
+              <a:t>Conduite du projet</a:t>
             </a:r>
           </a:p>
           <a:p>
@@ -8048,7 +9546,7 @@
     </p:spTree>
     <p:extLst>
       <p:ext uri="{BB962C8B-B14F-4D97-AF65-F5344CB8AC3E}">
-        <p14:creationId xmlns:p14="http://schemas.microsoft.com/office/powerpoint/2010/main" val="1835602533"/>
+        <p14:creationId xmlns:p14="http://schemas.microsoft.com/office/powerpoint/2010/main" val="3980933780"/>
       </p:ext>
     </p:extLst>
   </p:cSld>
@@ -8200,8 +9698,13 @@
             <a:pPr lvl="2"/>
             <a:r>
               <a:rPr lang="fr-FR" dirty="0" smtClean="0"/>
-              <a:t>Gestion de base de donnée en langage SQL</a:t>
-            </a:r>
+              <a:t>Gestion de base de donnée en langage SQL et avec </a:t>
+            </a:r>
+            <a:r>
+              <a:rPr lang="fr-FR" dirty="0" err="1" smtClean="0"/>
+              <a:t>Hibernate</a:t>
+            </a:r>
+            <a:endParaRPr lang="fr-FR" dirty="0" smtClean="0"/>
           </a:p>
           <a:p>
             <a:pPr lvl="2"/>
@@ -8277,7 +9780,7 @@
     </p:spTree>
     <p:extLst>
       <p:ext uri="{BB962C8B-B14F-4D97-AF65-F5344CB8AC3E}">
-        <p14:creationId xmlns:p14="http://schemas.microsoft.com/office/powerpoint/2010/main" val="1738298774"/>
+        <p14:creationId xmlns:p14="http://schemas.microsoft.com/office/powerpoint/2010/main" val="4287874950"/>
       </p:ext>
     </p:extLst>
   </p:cSld>
@@ -8420,7 +9923,7 @@
     </p:spTree>
     <p:extLst>
       <p:ext uri="{BB962C8B-B14F-4D97-AF65-F5344CB8AC3E}">
-        <p14:creationId xmlns:p14="http://schemas.microsoft.com/office/powerpoint/2010/main" val="2626397477"/>
+        <p14:creationId xmlns:p14="http://schemas.microsoft.com/office/powerpoint/2010/main" val="991443957"/>
       </p:ext>
     </p:extLst>
   </p:cSld>
@@ -8619,7 +10122,7 @@
     </p:spTree>
     <p:extLst>
       <p:ext uri="{BB962C8B-B14F-4D97-AF65-F5344CB8AC3E}">
-        <p14:creationId xmlns:p14="http://schemas.microsoft.com/office/powerpoint/2010/main" val="545282299"/>
+        <p14:creationId xmlns:p14="http://schemas.microsoft.com/office/powerpoint/2010/main" val="559014956"/>
       </p:ext>
     </p:extLst>
   </p:cSld>
@@ -8710,7 +10213,7 @@
       </p:sp>
       <p:pic>
         <p:nvPicPr>
-          <p:cNvPr id="8" name="Image 7"/>
+          <p:cNvPr id="3" name="Image 2"/>
           <p:cNvPicPr>
             <a:picLocks noChangeAspect="1"/>
           </p:cNvPicPr>
@@ -8730,8 +10233,8 @@
         </p:blipFill>
         <p:spPr>
           <a:xfrm>
-            <a:off x="1942415" y="1772816"/>
-            <a:ext cx="5830804" cy="4766357"/>
+            <a:off x="1259632" y="1772816"/>
+            <a:ext cx="7200800" cy="4960551"/>
           </a:xfrm>
           <a:prstGeom prst="rect">
             <a:avLst/>
@@ -8748,10 +10251,118 @@
           </a:effectLst>
         </p:spPr>
       </p:pic>
+      <p:sp>
+        <p:nvSpPr>
+          <p:cNvPr id="4" name="ZoneTexte 3"/>
+          <p:cNvSpPr txBox="1"/>
+          <p:nvPr/>
+        </p:nvSpPr>
+        <p:spPr>
+          <a:xfrm>
+            <a:off x="4716016" y="5373216"/>
+            <a:ext cx="3100529" cy="646331"/>
+          </a:xfrm>
+          <a:prstGeom prst="rect">
+            <a:avLst/>
+          </a:prstGeom>
+          <a:noFill/>
+        </p:spPr>
+        <p:txBody>
+          <a:bodyPr wrap="none" rtlCol="0">
+            <a:spAutoFit/>
+          </a:bodyPr>
+          <a:lstStyle/>
+          <a:p>
+            <a:r>
+              <a:rPr lang="fr-FR" dirty="0" smtClean="0">
+                <a:ln w="0"/>
+                <a:gradFill>
+                  <a:gsLst>
+                    <a:gs pos="0">
+                      <a:schemeClr val="accent5">
+                        <a:lumMod val="50000"/>
+                      </a:schemeClr>
+                    </a:gs>
+                    <a:gs pos="50000">
+                      <a:schemeClr val="accent5"/>
+                    </a:gs>
+                    <a:gs pos="100000">
+                      <a:schemeClr val="accent5">
+                        <a:lumMod val="60000"/>
+                        <a:lumOff val="40000"/>
+                      </a:schemeClr>
+                    </a:gs>
+                  </a:gsLst>
+                  <a:lin ang="5400000"/>
+                </a:gradFill>
+                <a:effectLst>
+                  <a:reflection blurRad="6350" stA="53000" endA="300" endPos="35500" dir="5400000" sy="-90000" algn="bl" rotWithShape="0"/>
+                </a:effectLst>
+              </a:rPr>
+              <a:t>Idée initiale du modèle objet</a:t>
+            </a:r>
+          </a:p>
+          <a:p>
+            <a:r>
+              <a:rPr lang="fr-FR" dirty="0" smtClean="0">
+                <a:ln w="0"/>
+                <a:gradFill>
+                  <a:gsLst>
+                    <a:gs pos="0">
+                      <a:schemeClr val="accent5">
+                        <a:lumMod val="50000"/>
+                      </a:schemeClr>
+                    </a:gs>
+                    <a:gs pos="50000">
+                      <a:schemeClr val="accent5"/>
+                    </a:gs>
+                    <a:gs pos="100000">
+                      <a:schemeClr val="accent5">
+                        <a:lumMod val="60000"/>
+                        <a:lumOff val="40000"/>
+                      </a:schemeClr>
+                    </a:gs>
+                  </a:gsLst>
+                  <a:lin ang="5400000"/>
+                </a:gradFill>
+                <a:effectLst>
+                  <a:reflection blurRad="6350" stA="53000" endA="300" endPos="35500" dir="5400000" sy="-90000" algn="bl" rotWithShape="0"/>
+                </a:effectLst>
+              </a:rPr>
+              <a:t>du projet</a:t>
+            </a:r>
+            <a:endParaRPr lang="fr-FR" dirty="0">
+              <a:ln w="0"/>
+              <a:gradFill>
+                <a:gsLst>
+                  <a:gs pos="0">
+                    <a:schemeClr val="accent5">
+                      <a:lumMod val="50000"/>
+                    </a:schemeClr>
+                  </a:gs>
+                  <a:gs pos="50000">
+                    <a:schemeClr val="accent5"/>
+                  </a:gs>
+                  <a:gs pos="100000">
+                    <a:schemeClr val="accent5">
+                      <a:lumMod val="60000"/>
+                      <a:lumOff val="40000"/>
+                    </a:schemeClr>
+                  </a:gs>
+                </a:gsLst>
+                <a:lin ang="5400000"/>
+              </a:gradFill>
+              <a:effectLst>
+                <a:reflection blurRad="6350" stA="53000" endA="300" endPos="35500" dir="5400000" sy="-90000" algn="bl" rotWithShape="0"/>
+              </a:effectLst>
+            </a:endParaRPr>
+          </a:p>
+        </p:txBody>
+      </p:sp>
     </p:spTree>
     <p:extLst>
       <p:ext uri="{BB962C8B-B14F-4D97-AF65-F5344CB8AC3E}">
-        <p14:creationId xmlns:p14="http://schemas.microsoft.com/office/powerpoint/2010/main" val="2580400785"/>
+        <p14:creationId xmlns:p14="http://schemas.microsoft.com/office/powerpoint/2010/main" val="3437899974"/>
       </p:ext>
     </p:extLst>
   </p:cSld>
@@ -8825,19 +10436,18 @@
             <p:ph idx="1"/>
           </p:nvPr>
         </p:nvSpPr>
-        <p:spPr/>
+        <p:spPr>
+          <a:xfrm>
+            <a:off x="1942415" y="1700808"/>
+            <a:ext cx="6591985" cy="2304256"/>
+          </a:xfrm>
+        </p:spPr>
         <p:txBody>
           <a:bodyPr>
             <a:normAutofit/>
           </a:bodyPr>
           <a:lstStyle/>
           <a:p>
-            <a:r>
-              <a:rPr lang="fr-FR" dirty="0" smtClean="0"/>
-              <a:t>Contraintes</a:t>
-            </a:r>
-          </a:p>
-          <a:p>
             <a:pPr lvl="1"/>
             <a:r>
               <a:rPr lang="fr-FR" dirty="0" smtClean="0"/>
@@ -8853,10 +10463,6 @@
           </a:p>
           <a:p>
             <a:pPr lvl="1"/>
-            <a:endParaRPr lang="fr-FR" dirty="0" smtClean="0"/>
-          </a:p>
-          <a:p>
-            <a:pPr lvl="1"/>
             <a:r>
               <a:rPr lang="fr-FR" dirty="0" smtClean="0"/>
               <a:t>Techniques :</a:t>
@@ -8870,32 +10476,364 @@
             </a:r>
           </a:p>
           <a:p>
+            <a:pPr lvl="1"/>
+            <a:r>
+              <a:rPr lang="fr-FR" dirty="0" smtClean="0"/>
+              <a:t>Financières: </a:t>
+            </a:r>
+          </a:p>
+          <a:p>
+            <a:pPr lvl="2"/>
+            <a:r>
+              <a:rPr lang="fr-FR" dirty="0" smtClean="0"/>
+              <a:t>Projet non financé</a:t>
+            </a:r>
+            <a:endParaRPr lang="fr-FR" dirty="0"/>
+          </a:p>
+        </p:txBody>
+      </p:sp>
+      <p:sp>
+        <p:nvSpPr>
+          <p:cNvPr id="4" name="Espace réservé du contenu 2"/>
+          <p:cNvSpPr txBox="1">
+            <a:spLocks/>
+          </p:cNvSpPr>
+          <p:nvPr/>
+        </p:nvSpPr>
+        <p:spPr>
+          <a:xfrm>
+            <a:off x="4604751" y="4293096"/>
+            <a:ext cx="4287729" cy="2159496"/>
+          </a:xfrm>
+          <a:prstGeom prst="rect">
+            <a:avLst/>
+          </a:prstGeom>
+        </p:spPr>
+        <p:txBody>
+          <a:bodyPr vert="horz" lIns="91440" tIns="45720" rIns="91440" bIns="45720" rtlCol="0">
+            <a:normAutofit fontScale="92500" lnSpcReduction="10000"/>
+          </a:bodyPr>
+          <a:lstStyle>
+            <a:lvl1pPr marL="342900" indent="-342900" algn="l" defTabSz="457200" rtl="0" eaLnBrk="1" latinLnBrk="0" hangingPunct="1">
+              <a:spcBef>
+                <a:spcPts val="1000"/>
+              </a:spcBef>
+              <a:spcAft>
+                <a:spcPts val="0"/>
+              </a:spcAft>
+              <a:buClr>
+                <a:schemeClr val="accent1"/>
+              </a:buClr>
+              <a:buFont typeface="Wingdings 3" charset="2"/>
+              <a:buChar char=""/>
+              <a:defRPr sz="1800" kern="1200">
+                <a:solidFill>
+                  <a:schemeClr val="tx1">
+                    <a:lumMod val="75000"/>
+                    <a:lumOff val="25000"/>
+                  </a:schemeClr>
+                </a:solidFill>
+                <a:latin typeface="+mn-lt"/>
+                <a:ea typeface="+mn-ea"/>
+                <a:cs typeface="+mn-cs"/>
+              </a:defRPr>
+            </a:lvl1pPr>
+            <a:lvl2pPr marL="742950" indent="-285750" algn="l" defTabSz="457200" rtl="0" eaLnBrk="1" latinLnBrk="0" hangingPunct="1">
+              <a:spcBef>
+                <a:spcPts val="1000"/>
+              </a:spcBef>
+              <a:spcAft>
+                <a:spcPts val="0"/>
+              </a:spcAft>
+              <a:buClr>
+                <a:schemeClr val="accent1"/>
+              </a:buClr>
+              <a:buFont typeface="Wingdings 3" charset="2"/>
+              <a:buChar char=""/>
+              <a:defRPr sz="1600" kern="1200">
+                <a:solidFill>
+                  <a:schemeClr val="tx1">
+                    <a:lumMod val="75000"/>
+                    <a:lumOff val="25000"/>
+                  </a:schemeClr>
+                </a:solidFill>
+                <a:latin typeface="+mn-lt"/>
+                <a:ea typeface="+mn-ea"/>
+                <a:cs typeface="+mn-cs"/>
+              </a:defRPr>
+            </a:lvl2pPr>
+            <a:lvl3pPr marL="1143000" indent="-228600" algn="l" defTabSz="457200" rtl="0" eaLnBrk="1" latinLnBrk="0" hangingPunct="1">
+              <a:spcBef>
+                <a:spcPts val="1000"/>
+              </a:spcBef>
+              <a:spcAft>
+                <a:spcPts val="0"/>
+              </a:spcAft>
+              <a:buClr>
+                <a:schemeClr val="accent1"/>
+              </a:buClr>
+              <a:buFont typeface="Wingdings 3" charset="2"/>
+              <a:buChar char=""/>
+              <a:defRPr sz="1400" kern="1200">
+                <a:solidFill>
+                  <a:schemeClr val="tx1">
+                    <a:lumMod val="75000"/>
+                    <a:lumOff val="25000"/>
+                  </a:schemeClr>
+                </a:solidFill>
+                <a:latin typeface="+mn-lt"/>
+                <a:ea typeface="+mn-ea"/>
+                <a:cs typeface="+mn-cs"/>
+              </a:defRPr>
+            </a:lvl3pPr>
+            <a:lvl4pPr marL="1600200" indent="-228600" algn="l" defTabSz="457200" rtl="0" eaLnBrk="1" latinLnBrk="0" hangingPunct="1">
+              <a:spcBef>
+                <a:spcPts val="1000"/>
+              </a:spcBef>
+              <a:spcAft>
+                <a:spcPts val="0"/>
+              </a:spcAft>
+              <a:buClr>
+                <a:schemeClr val="accent1"/>
+              </a:buClr>
+              <a:buFont typeface="Wingdings 3" charset="2"/>
+              <a:buChar char=""/>
+              <a:defRPr sz="1200" kern="1200">
+                <a:solidFill>
+                  <a:schemeClr val="tx1">
+                    <a:lumMod val="75000"/>
+                    <a:lumOff val="25000"/>
+                  </a:schemeClr>
+                </a:solidFill>
+                <a:latin typeface="+mn-lt"/>
+                <a:ea typeface="+mn-ea"/>
+                <a:cs typeface="+mn-cs"/>
+              </a:defRPr>
+            </a:lvl4pPr>
+            <a:lvl5pPr marL="2057400" indent="-228600" algn="l" defTabSz="457200" rtl="0" eaLnBrk="1" latinLnBrk="0" hangingPunct="1">
+              <a:spcBef>
+                <a:spcPts val="1000"/>
+              </a:spcBef>
+              <a:spcAft>
+                <a:spcPts val="0"/>
+              </a:spcAft>
+              <a:buClr>
+                <a:schemeClr val="accent1"/>
+              </a:buClr>
+              <a:buFont typeface="Wingdings 3" charset="2"/>
+              <a:buChar char=""/>
+              <a:defRPr sz="1200" kern="1200">
+                <a:solidFill>
+                  <a:schemeClr val="tx1">
+                    <a:lumMod val="75000"/>
+                    <a:lumOff val="25000"/>
+                  </a:schemeClr>
+                </a:solidFill>
+                <a:latin typeface="+mn-lt"/>
+                <a:ea typeface="+mn-ea"/>
+                <a:cs typeface="+mn-cs"/>
+              </a:defRPr>
+            </a:lvl5pPr>
+            <a:lvl6pPr marL="2514600" indent="-228600" algn="l" defTabSz="457200" rtl="0" eaLnBrk="1" latinLnBrk="0" hangingPunct="1">
+              <a:spcBef>
+                <a:spcPts val="1000"/>
+              </a:spcBef>
+              <a:spcAft>
+                <a:spcPts val="0"/>
+              </a:spcAft>
+              <a:buClr>
+                <a:schemeClr val="accent1"/>
+              </a:buClr>
+              <a:buFont typeface="Wingdings 3" charset="2"/>
+              <a:buChar char=""/>
+              <a:defRPr sz="1200" kern="1200">
+                <a:solidFill>
+                  <a:schemeClr val="tx1">
+                    <a:lumMod val="75000"/>
+                    <a:lumOff val="25000"/>
+                  </a:schemeClr>
+                </a:solidFill>
+                <a:latin typeface="+mn-lt"/>
+                <a:ea typeface="+mn-ea"/>
+                <a:cs typeface="+mn-cs"/>
+              </a:defRPr>
+            </a:lvl6pPr>
+            <a:lvl7pPr marL="2971800" indent="-228600" algn="l" defTabSz="457200" rtl="0" eaLnBrk="1" latinLnBrk="0" hangingPunct="1">
+              <a:spcBef>
+                <a:spcPts val="1000"/>
+              </a:spcBef>
+              <a:spcAft>
+                <a:spcPts val="0"/>
+              </a:spcAft>
+              <a:buClr>
+                <a:schemeClr val="accent1"/>
+              </a:buClr>
+              <a:buFont typeface="Wingdings 3" charset="2"/>
+              <a:buChar char=""/>
+              <a:defRPr sz="1200" kern="1200">
+                <a:solidFill>
+                  <a:schemeClr val="tx1">
+                    <a:lumMod val="75000"/>
+                    <a:lumOff val="25000"/>
+                  </a:schemeClr>
+                </a:solidFill>
+                <a:latin typeface="+mn-lt"/>
+                <a:ea typeface="+mn-ea"/>
+                <a:cs typeface="+mn-cs"/>
+              </a:defRPr>
+            </a:lvl7pPr>
+            <a:lvl8pPr marL="3429000" indent="-228600" algn="l" defTabSz="457200" rtl="0" eaLnBrk="1" latinLnBrk="0" hangingPunct="1">
+              <a:spcBef>
+                <a:spcPts val="1000"/>
+              </a:spcBef>
+              <a:spcAft>
+                <a:spcPts val="0"/>
+              </a:spcAft>
+              <a:buClr>
+                <a:schemeClr val="accent1"/>
+              </a:buClr>
+              <a:buFont typeface="Wingdings 3" charset="2"/>
+              <a:buChar char=""/>
+              <a:defRPr sz="1200" kern="1200">
+                <a:solidFill>
+                  <a:schemeClr val="tx1">
+                    <a:lumMod val="75000"/>
+                    <a:lumOff val="25000"/>
+                  </a:schemeClr>
+                </a:solidFill>
+                <a:latin typeface="+mn-lt"/>
+                <a:ea typeface="+mn-ea"/>
+                <a:cs typeface="+mn-cs"/>
+              </a:defRPr>
+            </a:lvl8pPr>
+            <a:lvl9pPr marL="3886200" indent="-228600" algn="l" defTabSz="457200" rtl="0" eaLnBrk="1" latinLnBrk="0" hangingPunct="1">
+              <a:spcBef>
+                <a:spcPts val="1000"/>
+              </a:spcBef>
+              <a:spcAft>
+                <a:spcPts val="0"/>
+              </a:spcAft>
+              <a:buClr>
+                <a:schemeClr val="accent1"/>
+              </a:buClr>
+              <a:buFont typeface="Wingdings 3" charset="2"/>
+              <a:buChar char=""/>
+              <a:defRPr sz="1200" kern="1200">
+                <a:solidFill>
+                  <a:schemeClr val="tx1">
+                    <a:lumMod val="75000"/>
+                    <a:lumOff val="25000"/>
+                  </a:schemeClr>
+                </a:solidFill>
+                <a:latin typeface="+mn-lt"/>
+                <a:ea typeface="+mn-ea"/>
+                <a:cs typeface="+mn-cs"/>
+              </a:defRPr>
+            </a:lvl9pPr>
+          </a:lstStyle>
+          <a:p>
+            <a:pPr marL="0" indent="0">
+              <a:buNone/>
+            </a:pPr>
+            <a:r>
+              <a:rPr lang="fr-FR" i="1" dirty="0" smtClean="0">
+                <a:solidFill>
+                  <a:srgbClr val="0070C0"/>
+                </a:solidFill>
+              </a:rPr>
+              <a:t>Choix des outils en conséquence:</a:t>
+            </a:r>
+          </a:p>
+          <a:p>
+            <a:r>
+              <a:rPr lang="fr-FR" dirty="0" smtClean="0"/>
+              <a:t>UML avec </a:t>
+            </a:r>
+            <a:r>
+              <a:rPr lang="fr-FR" dirty="0" err="1" smtClean="0"/>
+              <a:t>Astah</a:t>
+            </a:r>
+            <a:endParaRPr lang="fr-FR" dirty="0" smtClean="0"/>
+          </a:p>
+          <a:p>
+            <a:r>
+              <a:rPr lang="fr-FR" dirty="0" smtClean="0"/>
+              <a:t>IDE Eclipse </a:t>
+            </a:r>
+            <a:r>
+              <a:rPr lang="fr-FR" dirty="0" err="1" smtClean="0"/>
+              <a:t>Oxygen</a:t>
+            </a:r>
+            <a:endParaRPr lang="fr-FR" dirty="0" smtClean="0"/>
+          </a:p>
+          <a:p>
+            <a:r>
+              <a:rPr lang="fr-FR" dirty="0" smtClean="0"/>
+              <a:t>Serveur local </a:t>
+            </a:r>
+            <a:r>
+              <a:rPr lang="fr-FR" dirty="0" err="1" smtClean="0"/>
+              <a:t>Tomcat</a:t>
+            </a:r>
+            <a:r>
+              <a:rPr lang="fr-FR" dirty="0" smtClean="0"/>
+              <a:t> 8.5</a:t>
+            </a:r>
+          </a:p>
+          <a:p>
+            <a:r>
+              <a:rPr lang="fr-FR" dirty="0" err="1" smtClean="0"/>
+              <a:t>Git’s</a:t>
+            </a:r>
+            <a:r>
+              <a:rPr lang="fr-FR" dirty="0" smtClean="0"/>
+              <a:t> </a:t>
+            </a:r>
+            <a:r>
+              <a:rPr lang="fr-FR" dirty="0" err="1" smtClean="0"/>
+              <a:t>remote</a:t>
+            </a:r>
+            <a:r>
+              <a:rPr lang="fr-FR" dirty="0" smtClean="0"/>
+              <a:t> </a:t>
+            </a:r>
+            <a:r>
+              <a:rPr lang="fr-FR" dirty="0" err="1" smtClean="0"/>
+              <a:t>repository</a:t>
+            </a:r>
+            <a:r>
+              <a:rPr lang="fr-FR" dirty="0" smtClean="0"/>
+              <a:t> avec GitHub</a:t>
+            </a:r>
+          </a:p>
+          <a:p>
+            <a:r>
+              <a:rPr lang="fr-FR" dirty="0" err="1" smtClean="0"/>
+              <a:t>Backlog</a:t>
+            </a:r>
+            <a:r>
+              <a:rPr lang="fr-FR" dirty="0" smtClean="0"/>
+              <a:t> à post-it au lieu d’utiliser </a:t>
+            </a:r>
+            <a:r>
+              <a:rPr lang="fr-FR" dirty="0" err="1" smtClean="0"/>
+              <a:t>Jira</a:t>
+            </a:r>
+            <a:endParaRPr lang="fr-FR" dirty="0" smtClean="0"/>
+          </a:p>
+          <a:p>
             <a:pPr marL="914400" lvl="2" indent="0">
+              <a:buFont typeface="Wingdings 3" charset="2"/>
               <a:buNone/>
             </a:pPr>
             <a:endParaRPr lang="fr-FR" dirty="0" smtClean="0"/>
           </a:p>
-          <a:p>
-            <a:pPr lvl="1"/>
-            <a:r>
-              <a:rPr lang="fr-FR" dirty="0" smtClean="0"/>
-              <a:t>Financières: </a:t>
-            </a:r>
-          </a:p>
-          <a:p>
-            <a:pPr lvl="2"/>
-            <a:r>
-              <a:rPr lang="fr-FR" dirty="0" smtClean="0"/>
-              <a:t>Projet non financé</a:t>
-            </a:r>
-            <a:endParaRPr lang="fr-FR" dirty="0"/>
-          </a:p>
         </p:txBody>
       </p:sp>
     </p:spTree>
     <p:extLst>
       <p:ext uri="{BB962C8B-B14F-4D97-AF65-F5344CB8AC3E}">
-        <p14:creationId xmlns:p14="http://schemas.microsoft.com/office/powerpoint/2010/main" val="3776268605"/>
+        <p14:creationId xmlns:p14="http://schemas.microsoft.com/office/powerpoint/2010/main" val="2568031535"/>
       </p:ext>
     </p:extLst>
   </p:cSld>
@@ -8958,124 +10896,6 @@
       </p:sp>
       <p:sp>
         <p:nvSpPr>
-          <p:cNvPr id="4" name="Espace réservé du contenu 2"/>
-          <p:cNvSpPr>
-            <a:spLocks noGrp="1"/>
-          </p:cNvSpPr>
-          <p:nvPr>
-            <p:ph idx="1"/>
-          </p:nvPr>
-        </p:nvSpPr>
-        <p:spPr>
-          <a:xfrm>
-            <a:off x="2552015" y="2034888"/>
-            <a:ext cx="6591985" cy="2159496"/>
-          </a:xfrm>
-        </p:spPr>
-        <p:txBody>
-          <a:bodyPr>
-            <a:normAutofit/>
-          </a:bodyPr>
-          <a:lstStyle/>
-          <a:p>
-            <a:r>
-              <a:rPr lang="fr-FR" dirty="0" smtClean="0"/>
-              <a:t>UML </a:t>
-            </a:r>
-            <a:r>
-              <a:rPr lang="fr-FR" dirty="0"/>
-              <a:t>avec </a:t>
-            </a:r>
-            <a:r>
-              <a:rPr lang="fr-FR" dirty="0" err="1" smtClean="0"/>
-              <a:t>Astah</a:t>
-            </a:r>
-            <a:endParaRPr lang="fr-FR" dirty="0" smtClean="0"/>
-          </a:p>
-          <a:p>
-            <a:r>
-              <a:rPr lang="fr-FR" dirty="0" smtClean="0"/>
-              <a:t>IDE Eclipse </a:t>
-            </a:r>
-            <a:r>
-              <a:rPr lang="fr-FR" dirty="0" err="1" smtClean="0"/>
-              <a:t>Oxygen</a:t>
-            </a:r>
-            <a:endParaRPr lang="fr-FR" dirty="0" smtClean="0"/>
-          </a:p>
-          <a:p>
-            <a:r>
-              <a:rPr lang="fr-FR" dirty="0"/>
-              <a:t>Serveur local </a:t>
-            </a:r>
-            <a:r>
-              <a:rPr lang="fr-FR" dirty="0" err="1"/>
-              <a:t>Tomcat</a:t>
-            </a:r>
-            <a:r>
-              <a:rPr lang="fr-FR" dirty="0"/>
-              <a:t> 8.5</a:t>
-            </a:r>
-          </a:p>
-          <a:p>
-            <a:r>
-              <a:rPr lang="fr-FR" dirty="0" err="1" smtClean="0"/>
-              <a:t>Git’s</a:t>
-            </a:r>
-            <a:r>
-              <a:rPr lang="fr-FR" dirty="0" smtClean="0"/>
-              <a:t> </a:t>
-            </a:r>
-            <a:r>
-              <a:rPr lang="fr-FR" dirty="0" err="1"/>
-              <a:t>remote</a:t>
-            </a:r>
-            <a:r>
-              <a:rPr lang="fr-FR" dirty="0"/>
-              <a:t> </a:t>
-            </a:r>
-            <a:r>
-              <a:rPr lang="fr-FR" dirty="0" err="1"/>
-              <a:t>repository</a:t>
-            </a:r>
-            <a:r>
-              <a:rPr lang="fr-FR" dirty="0"/>
-              <a:t> avec GitHub</a:t>
-            </a:r>
-          </a:p>
-          <a:p>
-            <a:r>
-              <a:rPr lang="fr-FR" dirty="0" err="1" smtClean="0"/>
-              <a:t>Backlog</a:t>
-            </a:r>
-            <a:r>
-              <a:rPr lang="fr-FR" dirty="0" smtClean="0"/>
-              <a:t> </a:t>
-            </a:r>
-            <a:r>
-              <a:rPr lang="fr-FR" dirty="0"/>
-              <a:t>à </a:t>
-            </a:r>
-            <a:r>
-              <a:rPr lang="fr-FR" dirty="0" smtClean="0"/>
-              <a:t>post-it au lieu d’utiliser </a:t>
-            </a:r>
-            <a:r>
-              <a:rPr lang="fr-FR" dirty="0" err="1" smtClean="0"/>
-              <a:t>Jira</a:t>
-            </a:r>
-            <a:endParaRPr lang="fr-FR" dirty="0" smtClean="0"/>
-          </a:p>
-          <a:p>
-            <a:pPr marL="914400" lvl="2" indent="0">
-              <a:buNone/>
-            </a:pPr>
-            <a:endParaRPr lang="fr-FR" dirty="0" smtClean="0"/>
-          </a:p>
-        </p:txBody>
-      </p:sp>
-      <p:sp>
-        <p:nvSpPr>
           <p:cNvPr id="5" name="Espace réservé du contenu 2"/>
           <p:cNvSpPr txBox="1">
             <a:spLocks/>
@@ -9085,7 +10905,7 @@
         <p:spPr>
           <a:xfrm>
             <a:off x="1940455" y="1484784"/>
-            <a:ext cx="6591985" cy="504056"/>
+            <a:ext cx="6591985" cy="2808312"/>
           </a:xfrm>
           <a:prstGeom prst="rect">
             <a:avLst/>
@@ -9316,15 +11136,630 @@
           <a:p>
             <a:r>
               <a:rPr lang="fr-FR" dirty="0" smtClean="0"/>
-              <a:t>Conception et développement d’une application « légère » </a:t>
-            </a:r>
-          </a:p>
-        </p:txBody>
-      </p:sp>
+              <a:t>Application « légère »</a:t>
+            </a:r>
+          </a:p>
+          <a:p>
+            <a:r>
+              <a:rPr lang="fr-FR" dirty="0" smtClean="0"/>
+              <a:t>Choix du </a:t>
+            </a:r>
+            <a:r>
+              <a:rPr lang="fr-FR" dirty="0" err="1" smtClean="0"/>
+              <a:t>framework</a:t>
+            </a:r>
+            <a:r>
+              <a:rPr lang="fr-FR" dirty="0" smtClean="0"/>
+              <a:t> </a:t>
+            </a:r>
+            <a:r>
+              <a:rPr lang="fr-FR" dirty="0" err="1" smtClean="0"/>
+              <a:t>Spring</a:t>
+            </a:r>
+            <a:r>
+              <a:rPr lang="fr-FR" dirty="0" smtClean="0"/>
+              <a:t> MVC</a:t>
+            </a:r>
+          </a:p>
+          <a:p>
+            <a:endParaRPr lang="fr-FR" dirty="0" smtClean="0"/>
+          </a:p>
+        </p:txBody>
+      </p:sp>
+      <p:pic>
+        <p:nvPicPr>
+          <p:cNvPr id="6" name="Image 5"/>
+          <p:cNvPicPr>
+            <a:picLocks noChangeAspect="1"/>
+          </p:cNvPicPr>
+          <p:nvPr/>
+        </p:nvPicPr>
+        <p:blipFill>
+          <a:blip r:embed="rId2">
+            <a:extLst>
+              <a:ext uri="{28A0092B-C50C-407E-A947-70E740481C1C}">
+                <a14:useLocalDpi xmlns:a14="http://schemas.microsoft.com/office/drawing/2010/main" val="0"/>
+              </a:ext>
+            </a:extLst>
+          </a:blip>
+          <a:stretch>
+            <a:fillRect/>
+          </a:stretch>
+        </p:blipFill>
+        <p:spPr>
+          <a:xfrm>
+            <a:off x="2339752" y="2348880"/>
+            <a:ext cx="4763244" cy="3572433"/>
+          </a:xfrm>
+          <a:prstGeom prst="rect">
+            <a:avLst/>
+          </a:prstGeom>
+          <a:ln>
+            <a:noFill/>
+          </a:ln>
+          <a:effectLst>
+            <a:outerShdw blurRad="190500" algn="tl" rotWithShape="0">
+              <a:srgbClr val="000000">
+                <a:alpha val="70000"/>
+              </a:srgbClr>
+            </a:outerShdw>
+          </a:effectLst>
+        </p:spPr>
+      </p:pic>
     </p:spTree>
     <p:extLst>
       <p:ext uri="{BB962C8B-B14F-4D97-AF65-F5344CB8AC3E}">
-        <p14:creationId xmlns:p14="http://schemas.microsoft.com/office/powerpoint/2010/main" val="559619718"/>
+        <p14:creationId xmlns:p14="http://schemas.microsoft.com/office/powerpoint/2010/main" val="604451110"/>
+      </p:ext>
+    </p:extLst>
+  </p:cSld>
+  <p:clrMapOvr>
+    <a:masterClrMapping/>
+  </p:clrMapOvr>
+  <p:timing>
+    <p:tnLst>
+      <p:par>
+        <p:cTn id="1" dur="indefinite" restart="never" nodeType="tmRoot"/>
+      </p:par>
+    </p:tnLst>
+  </p:timing>
+</p:sld>
+</file>
+
+<file path=ppt/slides/slide9.xml><?xml version="1.0" encoding="utf-8"?>
+<p:sld xmlns:a="http://schemas.openxmlformats.org/drawingml/2006/main" xmlns:r="http://schemas.openxmlformats.org/officeDocument/2006/relationships" xmlns:p="http://schemas.openxmlformats.org/presentationml/2006/main">
+  <p:cSld>
+    <p:spTree>
+      <p:nvGrpSpPr>
+        <p:cNvPr id="1" name=""/>
+        <p:cNvGrpSpPr/>
+        <p:nvPr/>
+      </p:nvGrpSpPr>
+      <p:grpSpPr>
+        <a:xfrm>
+          <a:off x="0" y="0"/>
+          <a:ext cx="0" cy="0"/>
+          <a:chOff x="0" y="0"/>
+          <a:chExt cx="0" cy="0"/>
+        </a:xfrm>
+      </p:grpSpPr>
+      <p:sp>
+        <p:nvSpPr>
+          <p:cNvPr id="2" name="Titre 1"/>
+          <p:cNvSpPr>
+            <a:spLocks noGrp="1"/>
+          </p:cNvSpPr>
+          <p:nvPr>
+            <p:ph type="title"/>
+          </p:nvPr>
+        </p:nvSpPr>
+        <p:spPr>
+          <a:xfrm>
+            <a:off x="1945201" y="624110"/>
+            <a:ext cx="6589199" cy="788666"/>
+          </a:xfrm>
+        </p:spPr>
+        <p:txBody>
+          <a:bodyPr/>
+          <a:lstStyle/>
+          <a:p>
+            <a:r>
+              <a:rPr lang="fr-FR" dirty="0" smtClean="0"/>
+              <a:t>Conception et modélisation</a:t>
+            </a:r>
+            <a:endParaRPr lang="fr-FR" dirty="0"/>
+          </a:p>
+        </p:txBody>
+      </p:sp>
+      <p:sp>
+        <p:nvSpPr>
+          <p:cNvPr id="5" name="Espace réservé du contenu 2"/>
+          <p:cNvSpPr txBox="1">
+            <a:spLocks/>
+          </p:cNvSpPr>
+          <p:nvPr/>
+        </p:nvSpPr>
+        <p:spPr>
+          <a:xfrm>
+            <a:off x="1940455" y="1484784"/>
+            <a:ext cx="6591985" cy="504056"/>
+          </a:xfrm>
+          <a:prstGeom prst="rect">
+            <a:avLst/>
+          </a:prstGeom>
+        </p:spPr>
+        <p:txBody>
+          <a:bodyPr vert="horz" lIns="91440" tIns="45720" rIns="91440" bIns="45720" rtlCol="0">
+            <a:normAutofit/>
+          </a:bodyPr>
+          <a:lstStyle>
+            <a:lvl1pPr marL="342900" indent="-342900" algn="l" defTabSz="457200" rtl="0" eaLnBrk="1" latinLnBrk="0" hangingPunct="1">
+              <a:spcBef>
+                <a:spcPts val="1000"/>
+              </a:spcBef>
+              <a:spcAft>
+                <a:spcPts val="0"/>
+              </a:spcAft>
+              <a:buClr>
+                <a:schemeClr val="accent1"/>
+              </a:buClr>
+              <a:buFont typeface="Wingdings 3" charset="2"/>
+              <a:buChar char=""/>
+              <a:defRPr sz="1800" kern="1200">
+                <a:solidFill>
+                  <a:schemeClr val="tx1">
+                    <a:lumMod val="75000"/>
+                    <a:lumOff val="25000"/>
+                  </a:schemeClr>
+                </a:solidFill>
+                <a:latin typeface="+mn-lt"/>
+                <a:ea typeface="+mn-ea"/>
+                <a:cs typeface="+mn-cs"/>
+              </a:defRPr>
+            </a:lvl1pPr>
+            <a:lvl2pPr marL="742950" indent="-285750" algn="l" defTabSz="457200" rtl="0" eaLnBrk="1" latinLnBrk="0" hangingPunct="1">
+              <a:spcBef>
+                <a:spcPts val="1000"/>
+              </a:spcBef>
+              <a:spcAft>
+                <a:spcPts val="0"/>
+              </a:spcAft>
+              <a:buClr>
+                <a:schemeClr val="accent1"/>
+              </a:buClr>
+              <a:buFont typeface="Wingdings 3" charset="2"/>
+              <a:buChar char=""/>
+              <a:defRPr sz="1600" kern="1200">
+                <a:solidFill>
+                  <a:schemeClr val="tx1">
+                    <a:lumMod val="75000"/>
+                    <a:lumOff val="25000"/>
+                  </a:schemeClr>
+                </a:solidFill>
+                <a:latin typeface="+mn-lt"/>
+                <a:ea typeface="+mn-ea"/>
+                <a:cs typeface="+mn-cs"/>
+              </a:defRPr>
+            </a:lvl2pPr>
+            <a:lvl3pPr marL="1143000" indent="-228600" algn="l" defTabSz="457200" rtl="0" eaLnBrk="1" latinLnBrk="0" hangingPunct="1">
+              <a:spcBef>
+                <a:spcPts val="1000"/>
+              </a:spcBef>
+              <a:spcAft>
+                <a:spcPts val="0"/>
+              </a:spcAft>
+              <a:buClr>
+                <a:schemeClr val="accent1"/>
+              </a:buClr>
+              <a:buFont typeface="Wingdings 3" charset="2"/>
+              <a:buChar char=""/>
+              <a:defRPr sz="1400" kern="1200">
+                <a:solidFill>
+                  <a:schemeClr val="tx1">
+                    <a:lumMod val="75000"/>
+                    <a:lumOff val="25000"/>
+                  </a:schemeClr>
+                </a:solidFill>
+                <a:latin typeface="+mn-lt"/>
+                <a:ea typeface="+mn-ea"/>
+                <a:cs typeface="+mn-cs"/>
+              </a:defRPr>
+            </a:lvl3pPr>
+            <a:lvl4pPr marL="1600200" indent="-228600" algn="l" defTabSz="457200" rtl="0" eaLnBrk="1" latinLnBrk="0" hangingPunct="1">
+              <a:spcBef>
+                <a:spcPts val="1000"/>
+              </a:spcBef>
+              <a:spcAft>
+                <a:spcPts val="0"/>
+              </a:spcAft>
+              <a:buClr>
+                <a:schemeClr val="accent1"/>
+              </a:buClr>
+              <a:buFont typeface="Wingdings 3" charset="2"/>
+              <a:buChar char=""/>
+              <a:defRPr sz="1200" kern="1200">
+                <a:solidFill>
+                  <a:schemeClr val="tx1">
+                    <a:lumMod val="75000"/>
+                    <a:lumOff val="25000"/>
+                  </a:schemeClr>
+                </a:solidFill>
+                <a:latin typeface="+mn-lt"/>
+                <a:ea typeface="+mn-ea"/>
+                <a:cs typeface="+mn-cs"/>
+              </a:defRPr>
+            </a:lvl4pPr>
+            <a:lvl5pPr marL="2057400" indent="-228600" algn="l" defTabSz="457200" rtl="0" eaLnBrk="1" latinLnBrk="0" hangingPunct="1">
+              <a:spcBef>
+                <a:spcPts val="1000"/>
+              </a:spcBef>
+              <a:spcAft>
+                <a:spcPts val="0"/>
+              </a:spcAft>
+              <a:buClr>
+                <a:schemeClr val="accent1"/>
+              </a:buClr>
+              <a:buFont typeface="Wingdings 3" charset="2"/>
+              <a:buChar char=""/>
+              <a:defRPr sz="1200" kern="1200">
+                <a:solidFill>
+                  <a:schemeClr val="tx1">
+                    <a:lumMod val="75000"/>
+                    <a:lumOff val="25000"/>
+                  </a:schemeClr>
+                </a:solidFill>
+                <a:latin typeface="+mn-lt"/>
+                <a:ea typeface="+mn-ea"/>
+                <a:cs typeface="+mn-cs"/>
+              </a:defRPr>
+            </a:lvl5pPr>
+            <a:lvl6pPr marL="2514600" indent="-228600" algn="l" defTabSz="457200" rtl="0" eaLnBrk="1" latinLnBrk="0" hangingPunct="1">
+              <a:spcBef>
+                <a:spcPts val="1000"/>
+              </a:spcBef>
+              <a:spcAft>
+                <a:spcPts val="0"/>
+              </a:spcAft>
+              <a:buClr>
+                <a:schemeClr val="accent1"/>
+              </a:buClr>
+              <a:buFont typeface="Wingdings 3" charset="2"/>
+              <a:buChar char=""/>
+              <a:defRPr sz="1200" kern="1200">
+                <a:solidFill>
+                  <a:schemeClr val="tx1">
+                    <a:lumMod val="75000"/>
+                    <a:lumOff val="25000"/>
+                  </a:schemeClr>
+                </a:solidFill>
+                <a:latin typeface="+mn-lt"/>
+                <a:ea typeface="+mn-ea"/>
+                <a:cs typeface="+mn-cs"/>
+              </a:defRPr>
+            </a:lvl6pPr>
+            <a:lvl7pPr marL="2971800" indent="-228600" algn="l" defTabSz="457200" rtl="0" eaLnBrk="1" latinLnBrk="0" hangingPunct="1">
+              <a:spcBef>
+                <a:spcPts val="1000"/>
+              </a:spcBef>
+              <a:spcAft>
+                <a:spcPts val="0"/>
+              </a:spcAft>
+              <a:buClr>
+                <a:schemeClr val="accent1"/>
+              </a:buClr>
+              <a:buFont typeface="Wingdings 3" charset="2"/>
+              <a:buChar char=""/>
+              <a:defRPr sz="1200" kern="1200">
+                <a:solidFill>
+                  <a:schemeClr val="tx1">
+                    <a:lumMod val="75000"/>
+                    <a:lumOff val="25000"/>
+                  </a:schemeClr>
+                </a:solidFill>
+                <a:latin typeface="+mn-lt"/>
+                <a:ea typeface="+mn-ea"/>
+                <a:cs typeface="+mn-cs"/>
+              </a:defRPr>
+            </a:lvl7pPr>
+            <a:lvl8pPr marL="3429000" indent="-228600" algn="l" defTabSz="457200" rtl="0" eaLnBrk="1" latinLnBrk="0" hangingPunct="1">
+              <a:spcBef>
+                <a:spcPts val="1000"/>
+              </a:spcBef>
+              <a:spcAft>
+                <a:spcPts val="0"/>
+              </a:spcAft>
+              <a:buClr>
+                <a:schemeClr val="accent1"/>
+              </a:buClr>
+              <a:buFont typeface="Wingdings 3" charset="2"/>
+              <a:buChar char=""/>
+              <a:defRPr sz="1200" kern="1200">
+                <a:solidFill>
+                  <a:schemeClr val="tx1">
+                    <a:lumMod val="75000"/>
+                    <a:lumOff val="25000"/>
+                  </a:schemeClr>
+                </a:solidFill>
+                <a:latin typeface="+mn-lt"/>
+                <a:ea typeface="+mn-ea"/>
+                <a:cs typeface="+mn-cs"/>
+              </a:defRPr>
+            </a:lvl8pPr>
+            <a:lvl9pPr marL="3886200" indent="-228600" algn="l" defTabSz="457200" rtl="0" eaLnBrk="1" latinLnBrk="0" hangingPunct="1">
+              <a:spcBef>
+                <a:spcPts val="1000"/>
+              </a:spcBef>
+              <a:spcAft>
+                <a:spcPts val="0"/>
+              </a:spcAft>
+              <a:buClr>
+                <a:schemeClr val="accent1"/>
+              </a:buClr>
+              <a:buFont typeface="Wingdings 3" charset="2"/>
+              <a:buChar char=""/>
+              <a:defRPr sz="1200" kern="1200">
+                <a:solidFill>
+                  <a:schemeClr val="tx1">
+                    <a:lumMod val="75000"/>
+                    <a:lumOff val="25000"/>
+                  </a:schemeClr>
+                </a:solidFill>
+                <a:latin typeface="+mn-lt"/>
+                <a:ea typeface="+mn-ea"/>
+                <a:cs typeface="+mn-cs"/>
+              </a:defRPr>
+            </a:lvl9pPr>
+          </a:lstStyle>
+          <a:p>
+            <a:r>
+              <a:rPr lang="fr-FR" dirty="0" smtClean="0"/>
+              <a:t>Conception</a:t>
+            </a:r>
+          </a:p>
+          <a:p>
+            <a:endParaRPr lang="fr-FR" dirty="0" smtClean="0"/>
+          </a:p>
+        </p:txBody>
+      </p:sp>
+      <p:grpSp>
+        <p:nvGrpSpPr>
+          <p:cNvPr id="3" name="Groupe 2"/>
+          <p:cNvGrpSpPr/>
+          <p:nvPr/>
+        </p:nvGrpSpPr>
+        <p:grpSpPr>
+          <a:xfrm>
+            <a:off x="971600" y="2479067"/>
+            <a:ext cx="4773734" cy="3902261"/>
+            <a:chOff x="971600" y="1916832"/>
+            <a:chExt cx="5830804" cy="4766357"/>
+          </a:xfrm>
+        </p:grpSpPr>
+        <p:pic>
+          <p:nvPicPr>
+            <p:cNvPr id="6" name="Image 5"/>
+            <p:cNvPicPr>
+              <a:picLocks noChangeAspect="1"/>
+            </p:cNvPicPr>
+            <p:nvPr/>
+          </p:nvPicPr>
+          <p:blipFill>
+            <a:blip r:embed="rId2">
+              <a:extLst>
+                <a:ext uri="{28A0092B-C50C-407E-A947-70E740481C1C}">
+                  <a14:useLocalDpi xmlns:a14="http://schemas.microsoft.com/office/drawing/2010/main" val="0"/>
+                </a:ext>
+              </a:extLst>
+            </a:blip>
+            <a:stretch>
+              <a:fillRect/>
+            </a:stretch>
+          </p:blipFill>
+          <p:spPr>
+            <a:xfrm>
+              <a:off x="971600" y="1916832"/>
+              <a:ext cx="5830804" cy="4766357"/>
+            </a:xfrm>
+            <a:prstGeom prst="rect">
+              <a:avLst/>
+            </a:prstGeom>
+            <a:ln>
+              <a:noFill/>
+            </a:ln>
+            <a:effectLst>
+              <a:outerShdw blurRad="190500" algn="tl" rotWithShape="0">
+                <a:srgbClr val="000000">
+                  <a:alpha val="70000"/>
+                </a:srgbClr>
+              </a:outerShdw>
+            </a:effectLst>
+          </p:spPr>
+        </p:pic>
+        <p:sp>
+          <p:nvSpPr>
+            <p:cNvPr id="7" name="ZoneTexte 6"/>
+            <p:cNvSpPr txBox="1"/>
+            <p:nvPr/>
+          </p:nvSpPr>
+          <p:spPr>
+            <a:xfrm>
+              <a:off x="2642708" y="4115659"/>
+              <a:ext cx="3095931" cy="563894"/>
+            </a:xfrm>
+            <a:prstGeom prst="rect">
+              <a:avLst/>
+            </a:prstGeom>
+            <a:noFill/>
+          </p:spPr>
+          <p:txBody>
+            <a:bodyPr wrap="none" rtlCol="0">
+              <a:spAutoFit/>
+            </a:bodyPr>
+            <a:lstStyle/>
+            <a:p>
+              <a:r>
+                <a:rPr lang="fr-FR" sz="1200" dirty="0" smtClean="0">
+                  <a:ln w="0"/>
+                  <a:gradFill>
+                    <a:gsLst>
+                      <a:gs pos="0">
+                        <a:schemeClr val="accent5">
+                          <a:lumMod val="50000"/>
+                        </a:schemeClr>
+                      </a:gs>
+                      <a:gs pos="50000">
+                        <a:schemeClr val="accent5"/>
+                      </a:gs>
+                      <a:gs pos="100000">
+                        <a:schemeClr val="accent5">
+                          <a:lumMod val="60000"/>
+                          <a:lumOff val="40000"/>
+                        </a:schemeClr>
+                      </a:gs>
+                    </a:gsLst>
+                    <a:lin ang="5400000"/>
+                  </a:gradFill>
+                  <a:effectLst>
+                    <a:reflection blurRad="6350" stA="53000" endA="300" endPos="35500" dir="5400000" sy="-90000" algn="bl" rotWithShape="0"/>
+                  </a:effectLst>
+                </a:rPr>
+                <a:t>Conception finale du modèle objet</a:t>
+              </a:r>
+            </a:p>
+            <a:p>
+              <a:r>
+                <a:rPr lang="fr-FR" sz="1200" dirty="0" smtClean="0">
+                  <a:ln w="0"/>
+                  <a:gradFill>
+                    <a:gsLst>
+                      <a:gs pos="0">
+                        <a:schemeClr val="accent5">
+                          <a:lumMod val="50000"/>
+                        </a:schemeClr>
+                      </a:gs>
+                      <a:gs pos="50000">
+                        <a:schemeClr val="accent5"/>
+                      </a:gs>
+                      <a:gs pos="100000">
+                        <a:schemeClr val="accent5">
+                          <a:lumMod val="60000"/>
+                          <a:lumOff val="40000"/>
+                        </a:schemeClr>
+                      </a:gs>
+                    </a:gsLst>
+                    <a:lin ang="5400000"/>
+                  </a:gradFill>
+                  <a:effectLst>
+                    <a:reflection blurRad="6350" stA="53000" endA="300" endPos="35500" dir="5400000" sy="-90000" algn="bl" rotWithShape="0"/>
+                  </a:effectLst>
+                </a:rPr>
+                <a:t>du projet</a:t>
+              </a:r>
+              <a:endParaRPr lang="fr-FR" sz="1200" dirty="0">
+                <a:ln w="0"/>
+                <a:gradFill>
+                  <a:gsLst>
+                    <a:gs pos="0">
+                      <a:schemeClr val="accent5">
+                        <a:lumMod val="50000"/>
+                      </a:schemeClr>
+                    </a:gs>
+                    <a:gs pos="50000">
+                      <a:schemeClr val="accent5"/>
+                    </a:gs>
+                    <a:gs pos="100000">
+                      <a:schemeClr val="accent5">
+                        <a:lumMod val="60000"/>
+                        <a:lumOff val="40000"/>
+                      </a:schemeClr>
+                    </a:gs>
+                  </a:gsLst>
+                  <a:lin ang="5400000"/>
+                </a:gradFill>
+                <a:effectLst>
+                  <a:reflection blurRad="6350" stA="53000" endA="300" endPos="35500" dir="5400000" sy="-90000" algn="bl" rotWithShape="0"/>
+                </a:effectLst>
+              </a:endParaRPr>
+            </a:p>
+          </p:txBody>
+        </p:sp>
+      </p:grpSp>
+      <p:pic>
+        <p:nvPicPr>
+          <p:cNvPr id="8" name="Image 7"/>
+          <p:cNvPicPr>
+            <a:picLocks noChangeAspect="1"/>
+          </p:cNvPicPr>
+          <p:nvPr/>
+        </p:nvPicPr>
+        <p:blipFill>
+          <a:blip r:embed="rId3"/>
+          <a:stretch>
+            <a:fillRect/>
+          </a:stretch>
+        </p:blipFill>
+        <p:spPr>
+          <a:xfrm>
+            <a:off x="6948264" y="3452824"/>
+            <a:ext cx="1695450" cy="2114550"/>
+          </a:xfrm>
+          <a:prstGeom prst="rect">
+            <a:avLst/>
+          </a:prstGeom>
+          <a:ln>
+            <a:noFill/>
+          </a:ln>
+          <a:effectLst>
+            <a:outerShdw blurRad="190500" algn="tl" rotWithShape="0">
+              <a:srgbClr val="000000">
+                <a:alpha val="70000"/>
+              </a:srgbClr>
+            </a:outerShdw>
+          </a:effectLst>
+        </p:spPr>
+      </p:pic>
+      <p:sp>
+        <p:nvSpPr>
+          <p:cNvPr id="9" name="Flèche droite 8"/>
+          <p:cNvSpPr/>
+          <p:nvPr/>
+        </p:nvSpPr>
+        <p:spPr>
+          <a:xfrm>
+            <a:off x="5868144" y="3934035"/>
+            <a:ext cx="1008112" cy="1152128"/>
+          </a:xfrm>
+          <a:prstGeom prst="rightArrow">
+            <a:avLst/>
+          </a:prstGeom>
+        </p:spPr>
+        <p:style>
+          <a:lnRef idx="1">
+            <a:schemeClr val="accent6"/>
+          </a:lnRef>
+          <a:fillRef idx="3">
+            <a:schemeClr val="accent6"/>
+          </a:fillRef>
+          <a:effectRef idx="2">
+            <a:schemeClr val="accent6"/>
+          </a:effectRef>
+          <a:fontRef idx="minor">
+            <a:schemeClr val="lt1"/>
+          </a:fontRef>
+        </p:style>
+        <p:txBody>
+          <a:bodyPr rtlCol="0" anchor="ctr"/>
+          <a:lstStyle/>
+          <a:p>
+            <a:pPr algn="ctr"/>
+            <a:endParaRPr lang="fr-FR"/>
+          </a:p>
+        </p:txBody>
+      </p:sp>
+    </p:spTree>
+    <p:extLst>
+      <p:ext uri="{BB962C8B-B14F-4D97-AF65-F5344CB8AC3E}">
+        <p14:creationId xmlns:p14="http://schemas.microsoft.com/office/powerpoint/2010/main" val="1178076174"/>
       </p:ext>
     </p:extLst>
   </p:cSld>

--- a/Présentation/Présentation WeBet_JBL.pptx
+++ b/Présentation/Présentation WeBet_JBL.pptx
@@ -15,8 +15,12 @@
     <p:sldId id="263" r:id="rId10"/>
     <p:sldId id="264" r:id="rId11"/>
     <p:sldId id="265" r:id="rId12"/>
-    <p:sldId id="266" r:id="rId13"/>
-    <p:sldId id="267" r:id="rId14"/>
+    <p:sldId id="268" r:id="rId13"/>
+    <p:sldId id="269" r:id="rId14"/>
+    <p:sldId id="270" r:id="rId15"/>
+    <p:sldId id="271" r:id="rId16"/>
+    <p:sldId id="266" r:id="rId17"/>
+    <p:sldId id="267" r:id="rId18"/>
   </p:sldIdLst>
   <p:sldSz cx="9144000" cy="6858000" type="screen4x3"/>
   <p:notesSz cx="6858000" cy="9144000"/>
@@ -349,7 +353,7 @@
             <a:fld id="{91C81D2E-AC76-4E53-938B-CABEA8435F19}" type="datetimeFigureOut">
               <a:rPr lang="fr-FR" smtClean="0"/>
               <a:pPr/>
-              <a:t>10/07/2018</a:t>
+              <a:t>11/07/2018</a:t>
             </a:fld>
             <a:endParaRPr lang="fr-FR"/>
           </a:p>
@@ -683,7 +687,7 @@
             <a:fld id="{91C81D2E-AC76-4E53-938B-CABEA8435F19}" type="datetimeFigureOut">
               <a:rPr lang="fr-FR" smtClean="0"/>
               <a:pPr/>
-              <a:t>10/07/2018</a:t>
+              <a:t>11/07/2018</a:t>
             </a:fld>
             <a:endParaRPr lang="fr-FR"/>
           </a:p>
@@ -1084,7 +1088,7 @@
             <a:fld id="{91C81D2E-AC76-4E53-938B-CABEA8435F19}" type="datetimeFigureOut">
               <a:rPr lang="fr-FR" smtClean="0"/>
               <a:pPr/>
-              <a:t>10/07/2018</a:t>
+              <a:t>11/07/2018</a:t>
             </a:fld>
             <a:endParaRPr lang="fr-FR"/>
           </a:p>
@@ -1420,7 +1424,7 @@
             <a:fld id="{91C81D2E-AC76-4E53-938B-CABEA8435F19}" type="datetimeFigureOut">
               <a:rPr lang="fr-FR" smtClean="0"/>
               <a:pPr/>
-              <a:t>10/07/2018</a:t>
+              <a:t>11/07/2018</a:t>
             </a:fld>
             <a:endParaRPr lang="fr-FR"/>
           </a:p>
@@ -1740,7 +1744,7 @@
             <a:fld id="{91C81D2E-AC76-4E53-938B-CABEA8435F19}" type="datetimeFigureOut">
               <a:rPr lang="fr-FR" smtClean="0"/>
               <a:pPr/>
-              <a:t>10/07/2018</a:t>
+              <a:t>11/07/2018</a:t>
             </a:fld>
             <a:endParaRPr lang="fr-FR"/>
           </a:p>
@@ -2136,7 +2140,7 @@
             <a:fld id="{91C81D2E-AC76-4E53-938B-CABEA8435F19}" type="datetimeFigureOut">
               <a:rPr lang="fr-FR" smtClean="0"/>
               <a:pPr/>
-              <a:t>10/07/2018</a:t>
+              <a:t>11/07/2018</a:t>
             </a:fld>
             <a:endParaRPr lang="fr-FR"/>
           </a:p>
@@ -2393,7 +2397,7 @@
             <a:fld id="{91C81D2E-AC76-4E53-938B-CABEA8435F19}" type="datetimeFigureOut">
               <a:rPr lang="fr-FR" smtClean="0"/>
               <a:pPr/>
-              <a:t>10/07/2018</a:t>
+              <a:t>11/07/2018</a:t>
             </a:fld>
             <a:endParaRPr lang="fr-FR"/>
           </a:p>
@@ -2655,7 +2659,7 @@
             <a:fld id="{91C81D2E-AC76-4E53-938B-CABEA8435F19}" type="datetimeFigureOut">
               <a:rPr lang="fr-FR" smtClean="0"/>
               <a:pPr/>
-              <a:t>10/07/2018</a:t>
+              <a:t>11/07/2018</a:t>
             </a:fld>
             <a:endParaRPr lang="fr-FR"/>
           </a:p>
@@ -2917,7 +2921,7 @@
             <a:fld id="{91C81D2E-AC76-4E53-938B-CABEA8435F19}" type="datetimeFigureOut">
               <a:rPr lang="fr-FR" smtClean="0"/>
               <a:pPr/>
-              <a:t>10/07/2018</a:t>
+              <a:t>11/07/2018</a:t>
             </a:fld>
             <a:endParaRPr lang="fr-FR"/>
           </a:p>
@@ -3246,7 +3250,7 @@
             <a:fld id="{91C81D2E-AC76-4E53-938B-CABEA8435F19}" type="datetimeFigureOut">
               <a:rPr lang="fr-FR" smtClean="0"/>
               <a:pPr/>
-              <a:t>10/07/2018</a:t>
+              <a:t>11/07/2018</a:t>
             </a:fld>
             <a:endParaRPr lang="fr-FR"/>
           </a:p>
@@ -3569,7 +3573,7 @@
             <a:fld id="{91C81D2E-AC76-4E53-938B-CABEA8435F19}" type="datetimeFigureOut">
               <a:rPr lang="fr-FR" smtClean="0"/>
               <a:pPr/>
-              <a:t>10/07/2018</a:t>
+              <a:t>11/07/2018</a:t>
             </a:fld>
             <a:endParaRPr lang="fr-FR"/>
           </a:p>
@@ -4026,7 +4030,7 @@
             <a:fld id="{91C81D2E-AC76-4E53-938B-CABEA8435F19}" type="datetimeFigureOut">
               <a:rPr lang="fr-FR" smtClean="0"/>
               <a:pPr/>
-              <a:t>10/07/2018</a:t>
+              <a:t>11/07/2018</a:t>
             </a:fld>
             <a:endParaRPr lang="fr-FR"/>
           </a:p>
@@ -4236,7 +4240,7 @@
             <a:fld id="{91C81D2E-AC76-4E53-938B-CABEA8435F19}" type="datetimeFigureOut">
               <a:rPr lang="fr-FR" smtClean="0"/>
               <a:pPr/>
-              <a:t>10/07/2018</a:t>
+              <a:t>11/07/2018</a:t>
             </a:fld>
             <a:endParaRPr lang="fr-FR"/>
           </a:p>
@@ -4413,7 +4417,7 @@
             <a:fld id="{91C81D2E-AC76-4E53-938B-CABEA8435F19}" type="datetimeFigureOut">
               <a:rPr lang="fr-FR" smtClean="0"/>
               <a:pPr/>
-              <a:t>10/07/2018</a:t>
+              <a:t>11/07/2018</a:t>
             </a:fld>
             <a:endParaRPr lang="fr-FR"/>
           </a:p>
@@ -4746,7 +4750,7 @@
             <a:fld id="{91C81D2E-AC76-4E53-938B-CABEA8435F19}" type="datetimeFigureOut">
               <a:rPr lang="fr-FR" smtClean="0"/>
               <a:pPr/>
-              <a:t>10/07/2018</a:t>
+              <a:t>11/07/2018</a:t>
             </a:fld>
             <a:endParaRPr lang="fr-FR"/>
           </a:p>
@@ -5091,7 +5095,7 @@
             <a:fld id="{91C81D2E-AC76-4E53-938B-CABEA8435F19}" type="datetimeFigureOut">
               <a:rPr lang="fr-FR" smtClean="0"/>
               <a:pPr/>
-              <a:t>10/07/2018</a:t>
+              <a:t>11/07/2018</a:t>
             </a:fld>
             <a:endParaRPr lang="fr-FR"/>
           </a:p>
@@ -7208,7 +7212,7 @@
             <a:fld id="{91C81D2E-AC76-4E53-938B-CABEA8435F19}" type="datetimeFigureOut">
               <a:rPr lang="fr-FR" smtClean="0"/>
               <a:pPr/>
-              <a:t>10/07/2018</a:t>
+              <a:t>11/07/2018</a:t>
             </a:fld>
             <a:endParaRPr lang="fr-FR"/>
           </a:p>
@@ -8801,6 +8805,1324 @@
           <a:p>
             <a:r>
               <a:rPr lang="fr-FR" dirty="0" smtClean="0"/>
+              <a:t>Développement</a:t>
+            </a:r>
+            <a:endParaRPr lang="fr-FR" dirty="0"/>
+          </a:p>
+        </p:txBody>
+      </p:sp>
+      <p:sp>
+        <p:nvSpPr>
+          <p:cNvPr id="5" name="Espace réservé du contenu 2"/>
+          <p:cNvSpPr txBox="1">
+            <a:spLocks/>
+          </p:cNvSpPr>
+          <p:nvPr/>
+        </p:nvSpPr>
+        <p:spPr>
+          <a:xfrm>
+            <a:off x="1940455" y="1484784"/>
+            <a:ext cx="6591985" cy="4968552"/>
+          </a:xfrm>
+          <a:prstGeom prst="rect">
+            <a:avLst/>
+          </a:prstGeom>
+        </p:spPr>
+        <p:txBody>
+          <a:bodyPr vert="horz" lIns="91440" tIns="45720" rIns="91440" bIns="45720" rtlCol="0">
+            <a:normAutofit/>
+          </a:bodyPr>
+          <a:lstStyle>
+            <a:lvl1pPr marL="342900" indent="-342900" algn="l" defTabSz="457200" rtl="0" eaLnBrk="1" latinLnBrk="0" hangingPunct="1">
+              <a:spcBef>
+                <a:spcPts val="1000"/>
+              </a:spcBef>
+              <a:spcAft>
+                <a:spcPts val="0"/>
+              </a:spcAft>
+              <a:buClr>
+                <a:schemeClr val="accent1"/>
+              </a:buClr>
+              <a:buFont typeface="Wingdings 3" charset="2"/>
+              <a:buChar char=""/>
+              <a:defRPr sz="1800" kern="1200">
+                <a:solidFill>
+                  <a:schemeClr val="tx1">
+                    <a:lumMod val="75000"/>
+                    <a:lumOff val="25000"/>
+                  </a:schemeClr>
+                </a:solidFill>
+                <a:latin typeface="+mn-lt"/>
+                <a:ea typeface="+mn-ea"/>
+                <a:cs typeface="+mn-cs"/>
+              </a:defRPr>
+            </a:lvl1pPr>
+            <a:lvl2pPr marL="742950" indent="-285750" algn="l" defTabSz="457200" rtl="0" eaLnBrk="1" latinLnBrk="0" hangingPunct="1">
+              <a:spcBef>
+                <a:spcPts val="1000"/>
+              </a:spcBef>
+              <a:spcAft>
+                <a:spcPts val="0"/>
+              </a:spcAft>
+              <a:buClr>
+                <a:schemeClr val="accent1"/>
+              </a:buClr>
+              <a:buFont typeface="Wingdings 3" charset="2"/>
+              <a:buChar char=""/>
+              <a:defRPr sz="1600" kern="1200">
+                <a:solidFill>
+                  <a:schemeClr val="tx1">
+                    <a:lumMod val="75000"/>
+                    <a:lumOff val="25000"/>
+                  </a:schemeClr>
+                </a:solidFill>
+                <a:latin typeface="+mn-lt"/>
+                <a:ea typeface="+mn-ea"/>
+                <a:cs typeface="+mn-cs"/>
+              </a:defRPr>
+            </a:lvl2pPr>
+            <a:lvl3pPr marL="1143000" indent="-228600" algn="l" defTabSz="457200" rtl="0" eaLnBrk="1" latinLnBrk="0" hangingPunct="1">
+              <a:spcBef>
+                <a:spcPts val="1000"/>
+              </a:spcBef>
+              <a:spcAft>
+                <a:spcPts val="0"/>
+              </a:spcAft>
+              <a:buClr>
+                <a:schemeClr val="accent1"/>
+              </a:buClr>
+              <a:buFont typeface="Wingdings 3" charset="2"/>
+              <a:buChar char=""/>
+              <a:defRPr sz="1400" kern="1200">
+                <a:solidFill>
+                  <a:schemeClr val="tx1">
+                    <a:lumMod val="75000"/>
+                    <a:lumOff val="25000"/>
+                  </a:schemeClr>
+                </a:solidFill>
+                <a:latin typeface="+mn-lt"/>
+                <a:ea typeface="+mn-ea"/>
+                <a:cs typeface="+mn-cs"/>
+              </a:defRPr>
+            </a:lvl3pPr>
+            <a:lvl4pPr marL="1600200" indent="-228600" algn="l" defTabSz="457200" rtl="0" eaLnBrk="1" latinLnBrk="0" hangingPunct="1">
+              <a:spcBef>
+                <a:spcPts val="1000"/>
+              </a:spcBef>
+              <a:spcAft>
+                <a:spcPts val="0"/>
+              </a:spcAft>
+              <a:buClr>
+                <a:schemeClr val="accent1"/>
+              </a:buClr>
+              <a:buFont typeface="Wingdings 3" charset="2"/>
+              <a:buChar char=""/>
+              <a:defRPr sz="1200" kern="1200">
+                <a:solidFill>
+                  <a:schemeClr val="tx1">
+                    <a:lumMod val="75000"/>
+                    <a:lumOff val="25000"/>
+                  </a:schemeClr>
+                </a:solidFill>
+                <a:latin typeface="+mn-lt"/>
+                <a:ea typeface="+mn-ea"/>
+                <a:cs typeface="+mn-cs"/>
+              </a:defRPr>
+            </a:lvl4pPr>
+            <a:lvl5pPr marL="2057400" indent="-228600" algn="l" defTabSz="457200" rtl="0" eaLnBrk="1" latinLnBrk="0" hangingPunct="1">
+              <a:spcBef>
+                <a:spcPts val="1000"/>
+              </a:spcBef>
+              <a:spcAft>
+                <a:spcPts val="0"/>
+              </a:spcAft>
+              <a:buClr>
+                <a:schemeClr val="accent1"/>
+              </a:buClr>
+              <a:buFont typeface="Wingdings 3" charset="2"/>
+              <a:buChar char=""/>
+              <a:defRPr sz="1200" kern="1200">
+                <a:solidFill>
+                  <a:schemeClr val="tx1">
+                    <a:lumMod val="75000"/>
+                    <a:lumOff val="25000"/>
+                  </a:schemeClr>
+                </a:solidFill>
+                <a:latin typeface="+mn-lt"/>
+                <a:ea typeface="+mn-ea"/>
+                <a:cs typeface="+mn-cs"/>
+              </a:defRPr>
+            </a:lvl5pPr>
+            <a:lvl6pPr marL="2514600" indent="-228600" algn="l" defTabSz="457200" rtl="0" eaLnBrk="1" latinLnBrk="0" hangingPunct="1">
+              <a:spcBef>
+                <a:spcPts val="1000"/>
+              </a:spcBef>
+              <a:spcAft>
+                <a:spcPts val="0"/>
+              </a:spcAft>
+              <a:buClr>
+                <a:schemeClr val="accent1"/>
+              </a:buClr>
+              <a:buFont typeface="Wingdings 3" charset="2"/>
+              <a:buChar char=""/>
+              <a:defRPr sz="1200" kern="1200">
+                <a:solidFill>
+                  <a:schemeClr val="tx1">
+                    <a:lumMod val="75000"/>
+                    <a:lumOff val="25000"/>
+                  </a:schemeClr>
+                </a:solidFill>
+                <a:latin typeface="+mn-lt"/>
+                <a:ea typeface="+mn-ea"/>
+                <a:cs typeface="+mn-cs"/>
+              </a:defRPr>
+            </a:lvl6pPr>
+            <a:lvl7pPr marL="2971800" indent="-228600" algn="l" defTabSz="457200" rtl="0" eaLnBrk="1" latinLnBrk="0" hangingPunct="1">
+              <a:spcBef>
+                <a:spcPts val="1000"/>
+              </a:spcBef>
+              <a:spcAft>
+                <a:spcPts val="0"/>
+              </a:spcAft>
+              <a:buClr>
+                <a:schemeClr val="accent1"/>
+              </a:buClr>
+              <a:buFont typeface="Wingdings 3" charset="2"/>
+              <a:buChar char=""/>
+              <a:defRPr sz="1200" kern="1200">
+                <a:solidFill>
+                  <a:schemeClr val="tx1">
+                    <a:lumMod val="75000"/>
+                    <a:lumOff val="25000"/>
+                  </a:schemeClr>
+                </a:solidFill>
+                <a:latin typeface="+mn-lt"/>
+                <a:ea typeface="+mn-ea"/>
+                <a:cs typeface="+mn-cs"/>
+              </a:defRPr>
+            </a:lvl7pPr>
+            <a:lvl8pPr marL="3429000" indent="-228600" algn="l" defTabSz="457200" rtl="0" eaLnBrk="1" latinLnBrk="0" hangingPunct="1">
+              <a:spcBef>
+                <a:spcPts val="1000"/>
+              </a:spcBef>
+              <a:spcAft>
+                <a:spcPts val="0"/>
+              </a:spcAft>
+              <a:buClr>
+                <a:schemeClr val="accent1"/>
+              </a:buClr>
+              <a:buFont typeface="Wingdings 3" charset="2"/>
+              <a:buChar char=""/>
+              <a:defRPr sz="1200" kern="1200">
+                <a:solidFill>
+                  <a:schemeClr val="tx1">
+                    <a:lumMod val="75000"/>
+                    <a:lumOff val="25000"/>
+                  </a:schemeClr>
+                </a:solidFill>
+                <a:latin typeface="+mn-lt"/>
+                <a:ea typeface="+mn-ea"/>
+                <a:cs typeface="+mn-cs"/>
+              </a:defRPr>
+            </a:lvl8pPr>
+            <a:lvl9pPr marL="3886200" indent="-228600" algn="l" defTabSz="457200" rtl="0" eaLnBrk="1" latinLnBrk="0" hangingPunct="1">
+              <a:spcBef>
+                <a:spcPts val="1000"/>
+              </a:spcBef>
+              <a:spcAft>
+                <a:spcPts val="0"/>
+              </a:spcAft>
+              <a:buClr>
+                <a:schemeClr val="accent1"/>
+              </a:buClr>
+              <a:buFont typeface="Wingdings 3" charset="2"/>
+              <a:buChar char=""/>
+              <a:defRPr sz="1200" kern="1200">
+                <a:solidFill>
+                  <a:schemeClr val="tx1">
+                    <a:lumMod val="75000"/>
+                    <a:lumOff val="25000"/>
+                  </a:schemeClr>
+                </a:solidFill>
+                <a:latin typeface="+mn-lt"/>
+                <a:ea typeface="+mn-ea"/>
+                <a:cs typeface="+mn-cs"/>
+              </a:defRPr>
+            </a:lvl9pPr>
+          </a:lstStyle>
+          <a:p>
+            <a:endParaRPr lang="fr-FR" dirty="0" smtClean="0"/>
+          </a:p>
+        </p:txBody>
+      </p:sp>
+    </p:spTree>
+    <p:extLst>
+      <p:ext uri="{BB962C8B-B14F-4D97-AF65-F5344CB8AC3E}">
+        <p14:creationId xmlns:p14="http://schemas.microsoft.com/office/powerpoint/2010/main" val="3578843253"/>
+      </p:ext>
+    </p:extLst>
+  </p:cSld>
+  <p:clrMapOvr>
+    <a:masterClrMapping/>
+  </p:clrMapOvr>
+  <p:timing>
+    <p:tnLst>
+      <p:par>
+        <p:cTn id="1" dur="indefinite" restart="never" nodeType="tmRoot"/>
+      </p:par>
+    </p:tnLst>
+  </p:timing>
+</p:sld>
+</file>
+
+<file path=ppt/slides/slide12.xml><?xml version="1.0" encoding="utf-8"?>
+<p:sld xmlns:a="http://schemas.openxmlformats.org/drawingml/2006/main" xmlns:r="http://schemas.openxmlformats.org/officeDocument/2006/relationships" xmlns:p="http://schemas.openxmlformats.org/presentationml/2006/main">
+  <p:cSld>
+    <p:spTree>
+      <p:nvGrpSpPr>
+        <p:cNvPr id="1" name=""/>
+        <p:cNvGrpSpPr/>
+        <p:nvPr/>
+      </p:nvGrpSpPr>
+      <p:grpSpPr>
+        <a:xfrm>
+          <a:off x="0" y="0"/>
+          <a:ext cx="0" cy="0"/>
+          <a:chOff x="0" y="0"/>
+          <a:chExt cx="0" cy="0"/>
+        </a:xfrm>
+      </p:grpSpPr>
+      <p:sp>
+        <p:nvSpPr>
+          <p:cNvPr id="2" name="Titre 1"/>
+          <p:cNvSpPr>
+            <a:spLocks noGrp="1"/>
+          </p:cNvSpPr>
+          <p:nvPr>
+            <p:ph type="title"/>
+          </p:nvPr>
+        </p:nvSpPr>
+        <p:spPr>
+          <a:xfrm>
+            <a:off x="1945201" y="624110"/>
+            <a:ext cx="6589199" cy="1148706"/>
+          </a:xfrm>
+        </p:spPr>
+        <p:txBody>
+          <a:bodyPr>
+            <a:normAutofit fontScale="90000"/>
+          </a:bodyPr>
+          <a:lstStyle/>
+          <a:p>
+            <a:r>
+              <a:rPr lang="fr-FR" dirty="0" smtClean="0"/>
+              <a:t>Présentation scénario n°1 </a:t>
+            </a:r>
+            <a:br>
+              <a:rPr lang="fr-FR" dirty="0" smtClean="0"/>
+            </a:br>
+            <a:r>
+              <a:rPr lang="fr-FR" dirty="0" smtClean="0"/>
+              <a:t>	-&gt;Première visite</a:t>
+            </a:r>
+            <a:br>
+              <a:rPr lang="fr-FR" dirty="0" smtClean="0"/>
+            </a:br>
+            <a:endParaRPr lang="fr-FR" dirty="0"/>
+          </a:p>
+        </p:txBody>
+      </p:sp>
+      <p:sp>
+        <p:nvSpPr>
+          <p:cNvPr id="5" name="Espace réservé du contenu 2"/>
+          <p:cNvSpPr txBox="1">
+            <a:spLocks/>
+          </p:cNvSpPr>
+          <p:nvPr/>
+        </p:nvSpPr>
+        <p:spPr>
+          <a:xfrm>
+            <a:off x="1940455" y="1772816"/>
+            <a:ext cx="6591985" cy="4680520"/>
+          </a:xfrm>
+          <a:prstGeom prst="rect">
+            <a:avLst/>
+          </a:prstGeom>
+        </p:spPr>
+        <p:txBody>
+          <a:bodyPr vert="horz" lIns="91440" tIns="45720" rIns="91440" bIns="45720" rtlCol="0">
+            <a:normAutofit/>
+          </a:bodyPr>
+          <a:lstStyle>
+            <a:lvl1pPr marL="342900" indent="-342900" algn="l" defTabSz="457200" rtl="0" eaLnBrk="1" latinLnBrk="0" hangingPunct="1">
+              <a:spcBef>
+                <a:spcPts val="1000"/>
+              </a:spcBef>
+              <a:spcAft>
+                <a:spcPts val="0"/>
+              </a:spcAft>
+              <a:buClr>
+                <a:schemeClr val="accent1"/>
+              </a:buClr>
+              <a:buFont typeface="Wingdings 3" charset="2"/>
+              <a:buChar char=""/>
+              <a:defRPr sz="1800" kern="1200">
+                <a:solidFill>
+                  <a:schemeClr val="tx1">
+                    <a:lumMod val="75000"/>
+                    <a:lumOff val="25000"/>
+                  </a:schemeClr>
+                </a:solidFill>
+                <a:latin typeface="+mn-lt"/>
+                <a:ea typeface="+mn-ea"/>
+                <a:cs typeface="+mn-cs"/>
+              </a:defRPr>
+            </a:lvl1pPr>
+            <a:lvl2pPr marL="742950" indent="-285750" algn="l" defTabSz="457200" rtl="0" eaLnBrk="1" latinLnBrk="0" hangingPunct="1">
+              <a:spcBef>
+                <a:spcPts val="1000"/>
+              </a:spcBef>
+              <a:spcAft>
+                <a:spcPts val="0"/>
+              </a:spcAft>
+              <a:buClr>
+                <a:schemeClr val="accent1"/>
+              </a:buClr>
+              <a:buFont typeface="Wingdings 3" charset="2"/>
+              <a:buChar char=""/>
+              <a:defRPr sz="1600" kern="1200">
+                <a:solidFill>
+                  <a:schemeClr val="tx1">
+                    <a:lumMod val="75000"/>
+                    <a:lumOff val="25000"/>
+                  </a:schemeClr>
+                </a:solidFill>
+                <a:latin typeface="+mn-lt"/>
+                <a:ea typeface="+mn-ea"/>
+                <a:cs typeface="+mn-cs"/>
+              </a:defRPr>
+            </a:lvl2pPr>
+            <a:lvl3pPr marL="1143000" indent="-228600" algn="l" defTabSz="457200" rtl="0" eaLnBrk="1" latinLnBrk="0" hangingPunct="1">
+              <a:spcBef>
+                <a:spcPts val="1000"/>
+              </a:spcBef>
+              <a:spcAft>
+                <a:spcPts val="0"/>
+              </a:spcAft>
+              <a:buClr>
+                <a:schemeClr val="accent1"/>
+              </a:buClr>
+              <a:buFont typeface="Wingdings 3" charset="2"/>
+              <a:buChar char=""/>
+              <a:defRPr sz="1400" kern="1200">
+                <a:solidFill>
+                  <a:schemeClr val="tx1">
+                    <a:lumMod val="75000"/>
+                    <a:lumOff val="25000"/>
+                  </a:schemeClr>
+                </a:solidFill>
+                <a:latin typeface="+mn-lt"/>
+                <a:ea typeface="+mn-ea"/>
+                <a:cs typeface="+mn-cs"/>
+              </a:defRPr>
+            </a:lvl3pPr>
+            <a:lvl4pPr marL="1600200" indent="-228600" algn="l" defTabSz="457200" rtl="0" eaLnBrk="1" latinLnBrk="0" hangingPunct="1">
+              <a:spcBef>
+                <a:spcPts val="1000"/>
+              </a:spcBef>
+              <a:spcAft>
+                <a:spcPts val="0"/>
+              </a:spcAft>
+              <a:buClr>
+                <a:schemeClr val="accent1"/>
+              </a:buClr>
+              <a:buFont typeface="Wingdings 3" charset="2"/>
+              <a:buChar char=""/>
+              <a:defRPr sz="1200" kern="1200">
+                <a:solidFill>
+                  <a:schemeClr val="tx1">
+                    <a:lumMod val="75000"/>
+                    <a:lumOff val="25000"/>
+                  </a:schemeClr>
+                </a:solidFill>
+                <a:latin typeface="+mn-lt"/>
+                <a:ea typeface="+mn-ea"/>
+                <a:cs typeface="+mn-cs"/>
+              </a:defRPr>
+            </a:lvl4pPr>
+            <a:lvl5pPr marL="2057400" indent="-228600" algn="l" defTabSz="457200" rtl="0" eaLnBrk="1" latinLnBrk="0" hangingPunct="1">
+              <a:spcBef>
+                <a:spcPts val="1000"/>
+              </a:spcBef>
+              <a:spcAft>
+                <a:spcPts val="0"/>
+              </a:spcAft>
+              <a:buClr>
+                <a:schemeClr val="accent1"/>
+              </a:buClr>
+              <a:buFont typeface="Wingdings 3" charset="2"/>
+              <a:buChar char=""/>
+              <a:defRPr sz="1200" kern="1200">
+                <a:solidFill>
+                  <a:schemeClr val="tx1">
+                    <a:lumMod val="75000"/>
+                    <a:lumOff val="25000"/>
+                  </a:schemeClr>
+                </a:solidFill>
+                <a:latin typeface="+mn-lt"/>
+                <a:ea typeface="+mn-ea"/>
+                <a:cs typeface="+mn-cs"/>
+              </a:defRPr>
+            </a:lvl5pPr>
+            <a:lvl6pPr marL="2514600" indent="-228600" algn="l" defTabSz="457200" rtl="0" eaLnBrk="1" latinLnBrk="0" hangingPunct="1">
+              <a:spcBef>
+                <a:spcPts val="1000"/>
+              </a:spcBef>
+              <a:spcAft>
+                <a:spcPts val="0"/>
+              </a:spcAft>
+              <a:buClr>
+                <a:schemeClr val="accent1"/>
+              </a:buClr>
+              <a:buFont typeface="Wingdings 3" charset="2"/>
+              <a:buChar char=""/>
+              <a:defRPr sz="1200" kern="1200">
+                <a:solidFill>
+                  <a:schemeClr val="tx1">
+                    <a:lumMod val="75000"/>
+                    <a:lumOff val="25000"/>
+                  </a:schemeClr>
+                </a:solidFill>
+                <a:latin typeface="+mn-lt"/>
+                <a:ea typeface="+mn-ea"/>
+                <a:cs typeface="+mn-cs"/>
+              </a:defRPr>
+            </a:lvl6pPr>
+            <a:lvl7pPr marL="2971800" indent="-228600" algn="l" defTabSz="457200" rtl="0" eaLnBrk="1" latinLnBrk="0" hangingPunct="1">
+              <a:spcBef>
+                <a:spcPts val="1000"/>
+              </a:spcBef>
+              <a:spcAft>
+                <a:spcPts val="0"/>
+              </a:spcAft>
+              <a:buClr>
+                <a:schemeClr val="accent1"/>
+              </a:buClr>
+              <a:buFont typeface="Wingdings 3" charset="2"/>
+              <a:buChar char=""/>
+              <a:defRPr sz="1200" kern="1200">
+                <a:solidFill>
+                  <a:schemeClr val="tx1">
+                    <a:lumMod val="75000"/>
+                    <a:lumOff val="25000"/>
+                  </a:schemeClr>
+                </a:solidFill>
+                <a:latin typeface="+mn-lt"/>
+                <a:ea typeface="+mn-ea"/>
+                <a:cs typeface="+mn-cs"/>
+              </a:defRPr>
+            </a:lvl7pPr>
+            <a:lvl8pPr marL="3429000" indent="-228600" algn="l" defTabSz="457200" rtl="0" eaLnBrk="1" latinLnBrk="0" hangingPunct="1">
+              <a:spcBef>
+                <a:spcPts val="1000"/>
+              </a:spcBef>
+              <a:spcAft>
+                <a:spcPts val="0"/>
+              </a:spcAft>
+              <a:buClr>
+                <a:schemeClr val="accent1"/>
+              </a:buClr>
+              <a:buFont typeface="Wingdings 3" charset="2"/>
+              <a:buChar char=""/>
+              <a:defRPr sz="1200" kern="1200">
+                <a:solidFill>
+                  <a:schemeClr val="tx1">
+                    <a:lumMod val="75000"/>
+                    <a:lumOff val="25000"/>
+                  </a:schemeClr>
+                </a:solidFill>
+                <a:latin typeface="+mn-lt"/>
+                <a:ea typeface="+mn-ea"/>
+                <a:cs typeface="+mn-cs"/>
+              </a:defRPr>
+            </a:lvl8pPr>
+            <a:lvl9pPr marL="3886200" indent="-228600" algn="l" defTabSz="457200" rtl="0" eaLnBrk="1" latinLnBrk="0" hangingPunct="1">
+              <a:spcBef>
+                <a:spcPts val="1000"/>
+              </a:spcBef>
+              <a:spcAft>
+                <a:spcPts val="0"/>
+              </a:spcAft>
+              <a:buClr>
+                <a:schemeClr val="accent1"/>
+              </a:buClr>
+              <a:buFont typeface="Wingdings 3" charset="2"/>
+              <a:buChar char=""/>
+              <a:defRPr sz="1200" kern="1200">
+                <a:solidFill>
+                  <a:schemeClr val="tx1">
+                    <a:lumMod val="75000"/>
+                    <a:lumOff val="25000"/>
+                  </a:schemeClr>
+                </a:solidFill>
+                <a:latin typeface="+mn-lt"/>
+                <a:ea typeface="+mn-ea"/>
+                <a:cs typeface="+mn-cs"/>
+              </a:defRPr>
+            </a:lvl9pPr>
+          </a:lstStyle>
+          <a:p>
+            <a:r>
+              <a:rPr lang="fr-FR" dirty="0" smtClean="0"/>
+              <a:t>L’internaute se rend sur le site, il y découvre l’offre et il souhaite effectuer un pari, ce qui nécessite de s’inscrire.</a:t>
+            </a:r>
+          </a:p>
+          <a:p>
+            <a:r>
+              <a:rPr lang="fr-FR" dirty="0" smtClean="0"/>
+              <a:t>Une fois inscrit, il s’authentifie et accède à sa page personnelle afin de modifier ses données personnelles.</a:t>
+            </a:r>
+            <a:endParaRPr lang="fr-FR" dirty="0" smtClean="0"/>
+          </a:p>
+        </p:txBody>
+      </p:sp>
+    </p:spTree>
+    <p:extLst>
+      <p:ext uri="{BB962C8B-B14F-4D97-AF65-F5344CB8AC3E}">
+        <p14:creationId xmlns:p14="http://schemas.microsoft.com/office/powerpoint/2010/main" val="402914731"/>
+      </p:ext>
+    </p:extLst>
+  </p:cSld>
+  <p:clrMapOvr>
+    <a:masterClrMapping/>
+  </p:clrMapOvr>
+  <p:timing>
+    <p:tnLst>
+      <p:par>
+        <p:cTn id="1" dur="indefinite" restart="never" nodeType="tmRoot"/>
+      </p:par>
+    </p:tnLst>
+  </p:timing>
+</p:sld>
+</file>
+
+<file path=ppt/slides/slide13.xml><?xml version="1.0" encoding="utf-8"?>
+<p:sld xmlns:a="http://schemas.openxmlformats.org/drawingml/2006/main" xmlns:r="http://schemas.openxmlformats.org/officeDocument/2006/relationships" xmlns:p="http://schemas.openxmlformats.org/presentationml/2006/main">
+  <p:cSld>
+    <p:spTree>
+      <p:nvGrpSpPr>
+        <p:cNvPr id="1" name=""/>
+        <p:cNvGrpSpPr/>
+        <p:nvPr/>
+      </p:nvGrpSpPr>
+      <p:grpSpPr>
+        <a:xfrm>
+          <a:off x="0" y="0"/>
+          <a:ext cx="0" cy="0"/>
+          <a:chOff x="0" y="0"/>
+          <a:chExt cx="0" cy="0"/>
+        </a:xfrm>
+      </p:grpSpPr>
+      <p:sp>
+        <p:nvSpPr>
+          <p:cNvPr id="2" name="Titre 1"/>
+          <p:cNvSpPr>
+            <a:spLocks noGrp="1"/>
+          </p:cNvSpPr>
+          <p:nvPr>
+            <p:ph type="title"/>
+          </p:nvPr>
+        </p:nvSpPr>
+        <p:spPr>
+          <a:xfrm>
+            <a:off x="1945201" y="624110"/>
+            <a:ext cx="6589199" cy="1148706"/>
+          </a:xfrm>
+        </p:spPr>
+        <p:txBody>
+          <a:bodyPr>
+            <a:normAutofit fontScale="90000"/>
+          </a:bodyPr>
+          <a:lstStyle/>
+          <a:p>
+            <a:r>
+              <a:rPr lang="fr-FR" dirty="0" smtClean="0"/>
+              <a:t>Présentation scénario n°2 </a:t>
+            </a:r>
+            <a:br>
+              <a:rPr lang="fr-FR" dirty="0" smtClean="0"/>
+            </a:br>
+            <a:r>
+              <a:rPr lang="fr-FR" dirty="0" smtClean="0"/>
+              <a:t>	-&gt;</a:t>
+            </a:r>
+            <a:r>
+              <a:rPr lang="fr-FR" dirty="0" smtClean="0"/>
+              <a:t>Utilisation classique</a:t>
+            </a:r>
+            <a:r>
+              <a:rPr lang="fr-FR" dirty="0" smtClean="0"/>
+              <a:t/>
+            </a:r>
+            <a:br>
+              <a:rPr lang="fr-FR" dirty="0" smtClean="0"/>
+            </a:br>
+            <a:endParaRPr lang="fr-FR" dirty="0"/>
+          </a:p>
+        </p:txBody>
+      </p:sp>
+      <p:sp>
+        <p:nvSpPr>
+          <p:cNvPr id="5" name="Espace réservé du contenu 2"/>
+          <p:cNvSpPr txBox="1">
+            <a:spLocks/>
+          </p:cNvSpPr>
+          <p:nvPr/>
+        </p:nvSpPr>
+        <p:spPr>
+          <a:xfrm>
+            <a:off x="1940455" y="1772816"/>
+            <a:ext cx="6591985" cy="4680520"/>
+          </a:xfrm>
+          <a:prstGeom prst="rect">
+            <a:avLst/>
+          </a:prstGeom>
+        </p:spPr>
+        <p:txBody>
+          <a:bodyPr vert="horz" lIns="91440" tIns="45720" rIns="91440" bIns="45720" rtlCol="0">
+            <a:normAutofit/>
+          </a:bodyPr>
+          <a:lstStyle>
+            <a:lvl1pPr marL="342900" indent="-342900" algn="l" defTabSz="457200" rtl="0" eaLnBrk="1" latinLnBrk="0" hangingPunct="1">
+              <a:spcBef>
+                <a:spcPts val="1000"/>
+              </a:spcBef>
+              <a:spcAft>
+                <a:spcPts val="0"/>
+              </a:spcAft>
+              <a:buClr>
+                <a:schemeClr val="accent1"/>
+              </a:buClr>
+              <a:buFont typeface="Wingdings 3" charset="2"/>
+              <a:buChar char=""/>
+              <a:defRPr sz="1800" kern="1200">
+                <a:solidFill>
+                  <a:schemeClr val="tx1">
+                    <a:lumMod val="75000"/>
+                    <a:lumOff val="25000"/>
+                  </a:schemeClr>
+                </a:solidFill>
+                <a:latin typeface="+mn-lt"/>
+                <a:ea typeface="+mn-ea"/>
+                <a:cs typeface="+mn-cs"/>
+              </a:defRPr>
+            </a:lvl1pPr>
+            <a:lvl2pPr marL="742950" indent="-285750" algn="l" defTabSz="457200" rtl="0" eaLnBrk="1" latinLnBrk="0" hangingPunct="1">
+              <a:spcBef>
+                <a:spcPts val="1000"/>
+              </a:spcBef>
+              <a:spcAft>
+                <a:spcPts val="0"/>
+              </a:spcAft>
+              <a:buClr>
+                <a:schemeClr val="accent1"/>
+              </a:buClr>
+              <a:buFont typeface="Wingdings 3" charset="2"/>
+              <a:buChar char=""/>
+              <a:defRPr sz="1600" kern="1200">
+                <a:solidFill>
+                  <a:schemeClr val="tx1">
+                    <a:lumMod val="75000"/>
+                    <a:lumOff val="25000"/>
+                  </a:schemeClr>
+                </a:solidFill>
+                <a:latin typeface="+mn-lt"/>
+                <a:ea typeface="+mn-ea"/>
+                <a:cs typeface="+mn-cs"/>
+              </a:defRPr>
+            </a:lvl2pPr>
+            <a:lvl3pPr marL="1143000" indent="-228600" algn="l" defTabSz="457200" rtl="0" eaLnBrk="1" latinLnBrk="0" hangingPunct="1">
+              <a:spcBef>
+                <a:spcPts val="1000"/>
+              </a:spcBef>
+              <a:spcAft>
+                <a:spcPts val="0"/>
+              </a:spcAft>
+              <a:buClr>
+                <a:schemeClr val="accent1"/>
+              </a:buClr>
+              <a:buFont typeface="Wingdings 3" charset="2"/>
+              <a:buChar char=""/>
+              <a:defRPr sz="1400" kern="1200">
+                <a:solidFill>
+                  <a:schemeClr val="tx1">
+                    <a:lumMod val="75000"/>
+                    <a:lumOff val="25000"/>
+                  </a:schemeClr>
+                </a:solidFill>
+                <a:latin typeface="+mn-lt"/>
+                <a:ea typeface="+mn-ea"/>
+                <a:cs typeface="+mn-cs"/>
+              </a:defRPr>
+            </a:lvl3pPr>
+            <a:lvl4pPr marL="1600200" indent="-228600" algn="l" defTabSz="457200" rtl="0" eaLnBrk="1" latinLnBrk="0" hangingPunct="1">
+              <a:spcBef>
+                <a:spcPts val="1000"/>
+              </a:spcBef>
+              <a:spcAft>
+                <a:spcPts val="0"/>
+              </a:spcAft>
+              <a:buClr>
+                <a:schemeClr val="accent1"/>
+              </a:buClr>
+              <a:buFont typeface="Wingdings 3" charset="2"/>
+              <a:buChar char=""/>
+              <a:defRPr sz="1200" kern="1200">
+                <a:solidFill>
+                  <a:schemeClr val="tx1">
+                    <a:lumMod val="75000"/>
+                    <a:lumOff val="25000"/>
+                  </a:schemeClr>
+                </a:solidFill>
+                <a:latin typeface="+mn-lt"/>
+                <a:ea typeface="+mn-ea"/>
+                <a:cs typeface="+mn-cs"/>
+              </a:defRPr>
+            </a:lvl4pPr>
+            <a:lvl5pPr marL="2057400" indent="-228600" algn="l" defTabSz="457200" rtl="0" eaLnBrk="1" latinLnBrk="0" hangingPunct="1">
+              <a:spcBef>
+                <a:spcPts val="1000"/>
+              </a:spcBef>
+              <a:spcAft>
+                <a:spcPts val="0"/>
+              </a:spcAft>
+              <a:buClr>
+                <a:schemeClr val="accent1"/>
+              </a:buClr>
+              <a:buFont typeface="Wingdings 3" charset="2"/>
+              <a:buChar char=""/>
+              <a:defRPr sz="1200" kern="1200">
+                <a:solidFill>
+                  <a:schemeClr val="tx1">
+                    <a:lumMod val="75000"/>
+                    <a:lumOff val="25000"/>
+                  </a:schemeClr>
+                </a:solidFill>
+                <a:latin typeface="+mn-lt"/>
+                <a:ea typeface="+mn-ea"/>
+                <a:cs typeface="+mn-cs"/>
+              </a:defRPr>
+            </a:lvl5pPr>
+            <a:lvl6pPr marL="2514600" indent="-228600" algn="l" defTabSz="457200" rtl="0" eaLnBrk="1" latinLnBrk="0" hangingPunct="1">
+              <a:spcBef>
+                <a:spcPts val="1000"/>
+              </a:spcBef>
+              <a:spcAft>
+                <a:spcPts val="0"/>
+              </a:spcAft>
+              <a:buClr>
+                <a:schemeClr val="accent1"/>
+              </a:buClr>
+              <a:buFont typeface="Wingdings 3" charset="2"/>
+              <a:buChar char=""/>
+              <a:defRPr sz="1200" kern="1200">
+                <a:solidFill>
+                  <a:schemeClr val="tx1">
+                    <a:lumMod val="75000"/>
+                    <a:lumOff val="25000"/>
+                  </a:schemeClr>
+                </a:solidFill>
+                <a:latin typeface="+mn-lt"/>
+                <a:ea typeface="+mn-ea"/>
+                <a:cs typeface="+mn-cs"/>
+              </a:defRPr>
+            </a:lvl6pPr>
+            <a:lvl7pPr marL="2971800" indent="-228600" algn="l" defTabSz="457200" rtl="0" eaLnBrk="1" latinLnBrk="0" hangingPunct="1">
+              <a:spcBef>
+                <a:spcPts val="1000"/>
+              </a:spcBef>
+              <a:spcAft>
+                <a:spcPts val="0"/>
+              </a:spcAft>
+              <a:buClr>
+                <a:schemeClr val="accent1"/>
+              </a:buClr>
+              <a:buFont typeface="Wingdings 3" charset="2"/>
+              <a:buChar char=""/>
+              <a:defRPr sz="1200" kern="1200">
+                <a:solidFill>
+                  <a:schemeClr val="tx1">
+                    <a:lumMod val="75000"/>
+                    <a:lumOff val="25000"/>
+                  </a:schemeClr>
+                </a:solidFill>
+                <a:latin typeface="+mn-lt"/>
+                <a:ea typeface="+mn-ea"/>
+                <a:cs typeface="+mn-cs"/>
+              </a:defRPr>
+            </a:lvl7pPr>
+            <a:lvl8pPr marL="3429000" indent="-228600" algn="l" defTabSz="457200" rtl="0" eaLnBrk="1" latinLnBrk="0" hangingPunct="1">
+              <a:spcBef>
+                <a:spcPts val="1000"/>
+              </a:spcBef>
+              <a:spcAft>
+                <a:spcPts val="0"/>
+              </a:spcAft>
+              <a:buClr>
+                <a:schemeClr val="accent1"/>
+              </a:buClr>
+              <a:buFont typeface="Wingdings 3" charset="2"/>
+              <a:buChar char=""/>
+              <a:defRPr sz="1200" kern="1200">
+                <a:solidFill>
+                  <a:schemeClr val="tx1">
+                    <a:lumMod val="75000"/>
+                    <a:lumOff val="25000"/>
+                  </a:schemeClr>
+                </a:solidFill>
+                <a:latin typeface="+mn-lt"/>
+                <a:ea typeface="+mn-ea"/>
+                <a:cs typeface="+mn-cs"/>
+              </a:defRPr>
+            </a:lvl8pPr>
+            <a:lvl9pPr marL="3886200" indent="-228600" algn="l" defTabSz="457200" rtl="0" eaLnBrk="1" latinLnBrk="0" hangingPunct="1">
+              <a:spcBef>
+                <a:spcPts val="1000"/>
+              </a:spcBef>
+              <a:spcAft>
+                <a:spcPts val="0"/>
+              </a:spcAft>
+              <a:buClr>
+                <a:schemeClr val="accent1"/>
+              </a:buClr>
+              <a:buFont typeface="Wingdings 3" charset="2"/>
+              <a:buChar char=""/>
+              <a:defRPr sz="1200" kern="1200">
+                <a:solidFill>
+                  <a:schemeClr val="tx1">
+                    <a:lumMod val="75000"/>
+                    <a:lumOff val="25000"/>
+                  </a:schemeClr>
+                </a:solidFill>
+                <a:latin typeface="+mn-lt"/>
+                <a:ea typeface="+mn-ea"/>
+                <a:cs typeface="+mn-cs"/>
+              </a:defRPr>
+            </a:lvl9pPr>
+          </a:lstStyle>
+          <a:p>
+            <a:r>
+              <a:rPr lang="fr-FR" dirty="0" smtClean="0"/>
+              <a:t>L’internaute est un habitué du site, pour l’utiliser il s’authentifie.</a:t>
+            </a:r>
+          </a:p>
+          <a:p>
+            <a:r>
+              <a:rPr lang="fr-FR" dirty="0" smtClean="0"/>
+              <a:t>blablabla.</a:t>
+            </a:r>
+            <a:endParaRPr lang="fr-FR" dirty="0" smtClean="0"/>
+          </a:p>
+        </p:txBody>
+      </p:sp>
+    </p:spTree>
+    <p:extLst>
+      <p:ext uri="{BB962C8B-B14F-4D97-AF65-F5344CB8AC3E}">
+        <p14:creationId xmlns:p14="http://schemas.microsoft.com/office/powerpoint/2010/main" val="2226851089"/>
+      </p:ext>
+    </p:extLst>
+  </p:cSld>
+  <p:clrMapOvr>
+    <a:masterClrMapping/>
+  </p:clrMapOvr>
+  <p:timing>
+    <p:tnLst>
+      <p:par>
+        <p:cTn id="1" dur="indefinite" restart="never" nodeType="tmRoot"/>
+      </p:par>
+    </p:tnLst>
+  </p:timing>
+</p:sld>
+</file>
+
+<file path=ppt/slides/slide14.xml><?xml version="1.0" encoding="utf-8"?>
+<p:sld xmlns:a="http://schemas.openxmlformats.org/drawingml/2006/main" xmlns:r="http://schemas.openxmlformats.org/officeDocument/2006/relationships" xmlns:p="http://schemas.openxmlformats.org/presentationml/2006/main">
+  <p:cSld>
+    <p:spTree>
+      <p:nvGrpSpPr>
+        <p:cNvPr id="1" name=""/>
+        <p:cNvGrpSpPr/>
+        <p:nvPr/>
+      </p:nvGrpSpPr>
+      <p:grpSpPr>
+        <a:xfrm>
+          <a:off x="0" y="0"/>
+          <a:ext cx="0" cy="0"/>
+          <a:chOff x="0" y="0"/>
+          <a:chExt cx="0" cy="0"/>
+        </a:xfrm>
+      </p:grpSpPr>
+      <p:sp>
+        <p:nvSpPr>
+          <p:cNvPr id="2" name="Titre 1"/>
+          <p:cNvSpPr>
+            <a:spLocks noGrp="1"/>
+          </p:cNvSpPr>
+          <p:nvPr>
+            <p:ph type="title"/>
+          </p:nvPr>
+        </p:nvSpPr>
+        <p:spPr>
+          <a:xfrm>
+            <a:off x="1945201" y="624110"/>
+            <a:ext cx="6589199" cy="1148706"/>
+          </a:xfrm>
+        </p:spPr>
+        <p:txBody>
+          <a:bodyPr>
+            <a:normAutofit fontScale="90000"/>
+          </a:bodyPr>
+          <a:lstStyle/>
+          <a:p>
+            <a:r>
+              <a:rPr lang="fr-FR" dirty="0" smtClean="0"/>
+              <a:t>Présentation scénario n°3 </a:t>
+            </a:r>
+            <a:br>
+              <a:rPr lang="fr-FR" dirty="0" smtClean="0"/>
+            </a:br>
+            <a:r>
+              <a:rPr lang="fr-FR" dirty="0" smtClean="0"/>
+              <a:t>	-&gt;Administration</a:t>
+            </a:r>
+            <a:r>
+              <a:rPr lang="fr-FR" dirty="0" smtClean="0"/>
+              <a:t> du site</a:t>
+            </a:r>
+            <a:r>
+              <a:rPr lang="fr-FR" dirty="0" smtClean="0"/>
+              <a:t/>
+            </a:r>
+            <a:br>
+              <a:rPr lang="fr-FR" dirty="0" smtClean="0"/>
+            </a:br>
+            <a:endParaRPr lang="fr-FR" dirty="0"/>
+          </a:p>
+        </p:txBody>
+      </p:sp>
+      <p:sp>
+        <p:nvSpPr>
+          <p:cNvPr id="5" name="Espace réservé du contenu 2"/>
+          <p:cNvSpPr txBox="1">
+            <a:spLocks/>
+          </p:cNvSpPr>
+          <p:nvPr/>
+        </p:nvSpPr>
+        <p:spPr>
+          <a:xfrm>
+            <a:off x="1940455" y="1772816"/>
+            <a:ext cx="6591985" cy="4680520"/>
+          </a:xfrm>
+          <a:prstGeom prst="rect">
+            <a:avLst/>
+          </a:prstGeom>
+        </p:spPr>
+        <p:txBody>
+          <a:bodyPr vert="horz" lIns="91440" tIns="45720" rIns="91440" bIns="45720" rtlCol="0">
+            <a:normAutofit/>
+          </a:bodyPr>
+          <a:lstStyle>
+            <a:lvl1pPr marL="342900" indent="-342900" algn="l" defTabSz="457200" rtl="0" eaLnBrk="1" latinLnBrk="0" hangingPunct="1">
+              <a:spcBef>
+                <a:spcPts val="1000"/>
+              </a:spcBef>
+              <a:spcAft>
+                <a:spcPts val="0"/>
+              </a:spcAft>
+              <a:buClr>
+                <a:schemeClr val="accent1"/>
+              </a:buClr>
+              <a:buFont typeface="Wingdings 3" charset="2"/>
+              <a:buChar char=""/>
+              <a:defRPr sz="1800" kern="1200">
+                <a:solidFill>
+                  <a:schemeClr val="tx1">
+                    <a:lumMod val="75000"/>
+                    <a:lumOff val="25000"/>
+                  </a:schemeClr>
+                </a:solidFill>
+                <a:latin typeface="+mn-lt"/>
+                <a:ea typeface="+mn-ea"/>
+                <a:cs typeface="+mn-cs"/>
+              </a:defRPr>
+            </a:lvl1pPr>
+            <a:lvl2pPr marL="742950" indent="-285750" algn="l" defTabSz="457200" rtl="0" eaLnBrk="1" latinLnBrk="0" hangingPunct="1">
+              <a:spcBef>
+                <a:spcPts val="1000"/>
+              </a:spcBef>
+              <a:spcAft>
+                <a:spcPts val="0"/>
+              </a:spcAft>
+              <a:buClr>
+                <a:schemeClr val="accent1"/>
+              </a:buClr>
+              <a:buFont typeface="Wingdings 3" charset="2"/>
+              <a:buChar char=""/>
+              <a:defRPr sz="1600" kern="1200">
+                <a:solidFill>
+                  <a:schemeClr val="tx1">
+                    <a:lumMod val="75000"/>
+                    <a:lumOff val="25000"/>
+                  </a:schemeClr>
+                </a:solidFill>
+                <a:latin typeface="+mn-lt"/>
+                <a:ea typeface="+mn-ea"/>
+                <a:cs typeface="+mn-cs"/>
+              </a:defRPr>
+            </a:lvl2pPr>
+            <a:lvl3pPr marL="1143000" indent="-228600" algn="l" defTabSz="457200" rtl="0" eaLnBrk="1" latinLnBrk="0" hangingPunct="1">
+              <a:spcBef>
+                <a:spcPts val="1000"/>
+              </a:spcBef>
+              <a:spcAft>
+                <a:spcPts val="0"/>
+              </a:spcAft>
+              <a:buClr>
+                <a:schemeClr val="accent1"/>
+              </a:buClr>
+              <a:buFont typeface="Wingdings 3" charset="2"/>
+              <a:buChar char=""/>
+              <a:defRPr sz="1400" kern="1200">
+                <a:solidFill>
+                  <a:schemeClr val="tx1">
+                    <a:lumMod val="75000"/>
+                    <a:lumOff val="25000"/>
+                  </a:schemeClr>
+                </a:solidFill>
+                <a:latin typeface="+mn-lt"/>
+                <a:ea typeface="+mn-ea"/>
+                <a:cs typeface="+mn-cs"/>
+              </a:defRPr>
+            </a:lvl3pPr>
+            <a:lvl4pPr marL="1600200" indent="-228600" algn="l" defTabSz="457200" rtl="0" eaLnBrk="1" latinLnBrk="0" hangingPunct="1">
+              <a:spcBef>
+                <a:spcPts val="1000"/>
+              </a:spcBef>
+              <a:spcAft>
+                <a:spcPts val="0"/>
+              </a:spcAft>
+              <a:buClr>
+                <a:schemeClr val="accent1"/>
+              </a:buClr>
+              <a:buFont typeface="Wingdings 3" charset="2"/>
+              <a:buChar char=""/>
+              <a:defRPr sz="1200" kern="1200">
+                <a:solidFill>
+                  <a:schemeClr val="tx1">
+                    <a:lumMod val="75000"/>
+                    <a:lumOff val="25000"/>
+                  </a:schemeClr>
+                </a:solidFill>
+                <a:latin typeface="+mn-lt"/>
+                <a:ea typeface="+mn-ea"/>
+                <a:cs typeface="+mn-cs"/>
+              </a:defRPr>
+            </a:lvl4pPr>
+            <a:lvl5pPr marL="2057400" indent="-228600" algn="l" defTabSz="457200" rtl="0" eaLnBrk="1" latinLnBrk="0" hangingPunct="1">
+              <a:spcBef>
+                <a:spcPts val="1000"/>
+              </a:spcBef>
+              <a:spcAft>
+                <a:spcPts val="0"/>
+              </a:spcAft>
+              <a:buClr>
+                <a:schemeClr val="accent1"/>
+              </a:buClr>
+              <a:buFont typeface="Wingdings 3" charset="2"/>
+              <a:buChar char=""/>
+              <a:defRPr sz="1200" kern="1200">
+                <a:solidFill>
+                  <a:schemeClr val="tx1">
+                    <a:lumMod val="75000"/>
+                    <a:lumOff val="25000"/>
+                  </a:schemeClr>
+                </a:solidFill>
+                <a:latin typeface="+mn-lt"/>
+                <a:ea typeface="+mn-ea"/>
+                <a:cs typeface="+mn-cs"/>
+              </a:defRPr>
+            </a:lvl5pPr>
+            <a:lvl6pPr marL="2514600" indent="-228600" algn="l" defTabSz="457200" rtl="0" eaLnBrk="1" latinLnBrk="0" hangingPunct="1">
+              <a:spcBef>
+                <a:spcPts val="1000"/>
+              </a:spcBef>
+              <a:spcAft>
+                <a:spcPts val="0"/>
+              </a:spcAft>
+              <a:buClr>
+                <a:schemeClr val="accent1"/>
+              </a:buClr>
+              <a:buFont typeface="Wingdings 3" charset="2"/>
+              <a:buChar char=""/>
+              <a:defRPr sz="1200" kern="1200">
+                <a:solidFill>
+                  <a:schemeClr val="tx1">
+                    <a:lumMod val="75000"/>
+                    <a:lumOff val="25000"/>
+                  </a:schemeClr>
+                </a:solidFill>
+                <a:latin typeface="+mn-lt"/>
+                <a:ea typeface="+mn-ea"/>
+                <a:cs typeface="+mn-cs"/>
+              </a:defRPr>
+            </a:lvl6pPr>
+            <a:lvl7pPr marL="2971800" indent="-228600" algn="l" defTabSz="457200" rtl="0" eaLnBrk="1" latinLnBrk="0" hangingPunct="1">
+              <a:spcBef>
+                <a:spcPts val="1000"/>
+              </a:spcBef>
+              <a:spcAft>
+                <a:spcPts val="0"/>
+              </a:spcAft>
+              <a:buClr>
+                <a:schemeClr val="accent1"/>
+              </a:buClr>
+              <a:buFont typeface="Wingdings 3" charset="2"/>
+              <a:buChar char=""/>
+              <a:defRPr sz="1200" kern="1200">
+                <a:solidFill>
+                  <a:schemeClr val="tx1">
+                    <a:lumMod val="75000"/>
+                    <a:lumOff val="25000"/>
+                  </a:schemeClr>
+                </a:solidFill>
+                <a:latin typeface="+mn-lt"/>
+                <a:ea typeface="+mn-ea"/>
+                <a:cs typeface="+mn-cs"/>
+              </a:defRPr>
+            </a:lvl7pPr>
+            <a:lvl8pPr marL="3429000" indent="-228600" algn="l" defTabSz="457200" rtl="0" eaLnBrk="1" latinLnBrk="0" hangingPunct="1">
+              <a:spcBef>
+                <a:spcPts val="1000"/>
+              </a:spcBef>
+              <a:spcAft>
+                <a:spcPts val="0"/>
+              </a:spcAft>
+              <a:buClr>
+                <a:schemeClr val="accent1"/>
+              </a:buClr>
+              <a:buFont typeface="Wingdings 3" charset="2"/>
+              <a:buChar char=""/>
+              <a:defRPr sz="1200" kern="1200">
+                <a:solidFill>
+                  <a:schemeClr val="tx1">
+                    <a:lumMod val="75000"/>
+                    <a:lumOff val="25000"/>
+                  </a:schemeClr>
+                </a:solidFill>
+                <a:latin typeface="+mn-lt"/>
+                <a:ea typeface="+mn-ea"/>
+                <a:cs typeface="+mn-cs"/>
+              </a:defRPr>
+            </a:lvl8pPr>
+            <a:lvl9pPr marL="3886200" indent="-228600" algn="l" defTabSz="457200" rtl="0" eaLnBrk="1" latinLnBrk="0" hangingPunct="1">
+              <a:spcBef>
+                <a:spcPts val="1000"/>
+              </a:spcBef>
+              <a:spcAft>
+                <a:spcPts val="0"/>
+              </a:spcAft>
+              <a:buClr>
+                <a:schemeClr val="accent1"/>
+              </a:buClr>
+              <a:buFont typeface="Wingdings 3" charset="2"/>
+              <a:buChar char=""/>
+              <a:defRPr sz="1200" kern="1200">
+                <a:solidFill>
+                  <a:schemeClr val="tx1">
+                    <a:lumMod val="75000"/>
+                    <a:lumOff val="25000"/>
+                  </a:schemeClr>
+                </a:solidFill>
+                <a:latin typeface="+mn-lt"/>
+                <a:ea typeface="+mn-ea"/>
+                <a:cs typeface="+mn-cs"/>
+              </a:defRPr>
+            </a:lvl9pPr>
+          </a:lstStyle>
+          <a:p>
+            <a:r>
+              <a:rPr lang="fr-FR" dirty="0" smtClean="0"/>
+              <a:t>L’administrateur souhaite effectuer la mise à jour de l’offre, pour avoir accès aux outils il s’authentifie.</a:t>
+            </a:r>
+          </a:p>
+          <a:p>
+            <a:r>
+              <a:rPr lang="fr-FR" dirty="0" smtClean="0"/>
+              <a:t>blablabla.</a:t>
+            </a:r>
+            <a:endParaRPr lang="fr-FR" dirty="0" smtClean="0"/>
+          </a:p>
+        </p:txBody>
+      </p:sp>
+    </p:spTree>
+    <p:extLst>
+      <p:ext uri="{BB962C8B-B14F-4D97-AF65-F5344CB8AC3E}">
+        <p14:creationId xmlns:p14="http://schemas.microsoft.com/office/powerpoint/2010/main" val="2604419351"/>
+      </p:ext>
+    </p:extLst>
+  </p:cSld>
+  <p:clrMapOvr>
+    <a:masterClrMapping/>
+  </p:clrMapOvr>
+  <p:timing>
+    <p:tnLst>
+      <p:par>
+        <p:cTn id="1" dur="indefinite" restart="never" nodeType="tmRoot"/>
+      </p:par>
+    </p:tnLst>
+  </p:timing>
+</p:sld>
+</file>
+
+<file path=ppt/slides/slide15.xml><?xml version="1.0" encoding="utf-8"?>
+<p:sld xmlns:a="http://schemas.openxmlformats.org/drawingml/2006/main" xmlns:r="http://schemas.openxmlformats.org/officeDocument/2006/relationships" xmlns:p="http://schemas.openxmlformats.org/presentationml/2006/main">
+  <p:cSld>
+    <p:spTree>
+      <p:nvGrpSpPr>
+        <p:cNvPr id="1" name=""/>
+        <p:cNvGrpSpPr/>
+        <p:nvPr/>
+      </p:nvGrpSpPr>
+      <p:grpSpPr>
+        <a:xfrm>
+          <a:off x="0" y="0"/>
+          <a:ext cx="0" cy="0"/>
+          <a:chOff x="0" y="0"/>
+          <a:chExt cx="0" cy="0"/>
+        </a:xfrm>
+      </p:grpSpPr>
+      <p:sp>
+        <p:nvSpPr>
+          <p:cNvPr id="2" name="Titre 1"/>
+          <p:cNvSpPr>
+            <a:spLocks noGrp="1"/>
+          </p:cNvSpPr>
+          <p:nvPr>
+            <p:ph type="title"/>
+          </p:nvPr>
+        </p:nvSpPr>
+        <p:spPr>
+          <a:xfrm>
+            <a:off x="1945201" y="624110"/>
+            <a:ext cx="6589199" cy="788666"/>
+          </a:xfrm>
+        </p:spPr>
+        <p:txBody>
+          <a:bodyPr/>
+          <a:lstStyle/>
+          <a:p>
+            <a:r>
+              <a:rPr lang="fr-FR" dirty="0" smtClean="0"/>
               <a:t>Tests</a:t>
             </a:r>
             <a:endParaRPr lang="fr-FR" dirty="0"/>
@@ -9095,7 +10417,7 @@
 </p:sld>
 </file>
 
-<file path=ppt/slides/slide12.xml><?xml version="1.0" encoding="utf-8"?>
+<file path=ppt/slides/slide16.xml><?xml version="1.0" encoding="utf-8"?>
 <p:sld xmlns:a="http://schemas.openxmlformats.org/drawingml/2006/main" xmlns:r="http://schemas.openxmlformats.org/officeDocument/2006/relationships" xmlns:p="http://schemas.openxmlformats.org/presentationml/2006/main">
   <p:cSld>
     <p:spTree>

--- a/Présentation/Présentation WeBet_JBL.pptx
+++ b/Présentation/Présentation WeBet_JBL.pptx
@@ -9382,7 +9382,6 @@
               <a:rPr lang="fr-FR" dirty="0" smtClean="0"/>
               <a:t>Une fois inscrit, il s’authentifie et accède à sa page personnelle afin de modifier ses données personnelles.</a:t>
             </a:r>
-            <a:endParaRPr lang="fr-FR" dirty="0" smtClean="0"/>
           </a:p>
         </p:txBody>
       </p:sp>
@@ -9454,15 +9453,7 @@
             </a:br>
             <a:r>
               <a:rPr lang="fr-FR" dirty="0" smtClean="0"/>
-              <a:t>	-&gt;</a:t>
-            </a:r>
-            <a:r>
-              <a:rPr lang="fr-FR" dirty="0" smtClean="0"/>
-              <a:t>Utilisation classique</a:t>
-            </a:r>
-            <a:r>
-              <a:rPr lang="fr-FR" dirty="0" smtClean="0"/>
-              <a:t/>
+              <a:t>	-&gt;Utilisation classique</a:t>
             </a:r>
             <a:br>
               <a:rPr lang="fr-FR" dirty="0" smtClean="0"/>
@@ -9490,7 +9481,7 @@
         </p:spPr>
         <p:txBody>
           <a:bodyPr vert="horz" lIns="91440" tIns="45720" rIns="91440" bIns="45720" rtlCol="0">
-            <a:normAutofit/>
+            <a:normAutofit fontScale="92500"/>
           </a:bodyPr>
           <a:lstStyle>
             <a:lvl1pPr marL="342900" indent="-342900" algn="l" defTabSz="457200" rtl="0" eaLnBrk="1" latinLnBrk="0" hangingPunct="1">
@@ -9719,8 +9710,60 @@
           <a:p>
             <a:r>
               <a:rPr lang="fr-FR" dirty="0" smtClean="0"/>
-              <a:t>blablabla.</a:t>
-            </a:r>
+              <a:t>Au premier coup d’œil il voit le solde de son compte, il veut consulter la liste de ses paris pour voir lesquels lui ont rapporté de l’argent.</a:t>
+            </a:r>
+          </a:p>
+          <a:p>
+            <a:r>
+              <a:rPr lang="fr-FR" dirty="0" smtClean="0"/>
+              <a:t>Ayant récemment gagné de l’argent il décide d’augmenter sa mise sur un de ses paris n’ayant pas encore débuté, il décide également modifier un autre pari en pariant sur l’autre équipe.</a:t>
+            </a:r>
+          </a:p>
+          <a:p>
+            <a:r>
+              <a:rPr lang="fr-FR" dirty="0" smtClean="0"/>
+              <a:t>Au vu des résultats récents il décide également d’annuler un de ses paris sur une équipe peu performante.</a:t>
+            </a:r>
+          </a:p>
+          <a:p>
+            <a:r>
+              <a:rPr lang="fr-FR" dirty="0" smtClean="0"/>
+              <a:t>Il décide de réinvestir une partie de ses gains en pariant sur une nouvelle rencontre proposée par </a:t>
+            </a:r>
+            <a:r>
+              <a:rPr lang="fr-FR" dirty="0" err="1" smtClean="0"/>
+              <a:t>WeBet</a:t>
+            </a:r>
+            <a:r>
+              <a:rPr lang="fr-FR" dirty="0" smtClean="0"/>
+              <a:t>.</a:t>
+            </a:r>
+            <a:endParaRPr lang="fr-FR" dirty="0" smtClean="0"/>
+          </a:p>
+          <a:p>
+            <a:r>
+              <a:rPr lang="fr-FR" dirty="0" smtClean="0"/>
+              <a:t>Il décide de récupérer une partie de ses gains en les sortant de son portefeuille </a:t>
+            </a:r>
+            <a:r>
+              <a:rPr lang="fr-FR" dirty="0" err="1" smtClean="0"/>
+              <a:t>WeBet</a:t>
+            </a:r>
+            <a:r>
+              <a:rPr lang="fr-FR" dirty="0" smtClean="0"/>
+              <a:t>.</a:t>
+            </a:r>
+          </a:p>
+          <a:p>
+            <a:r>
+              <a:rPr lang="fr-FR" dirty="0" smtClean="0"/>
+              <a:t>Il se déconnecte et reviendra une prochaine fois.</a:t>
+            </a:r>
+          </a:p>
+          <a:p>
+            <a:endParaRPr lang="fr-FR" dirty="0" smtClean="0"/>
+          </a:p>
+          <a:p>
             <a:endParaRPr lang="fr-FR" dirty="0" smtClean="0"/>
           </a:p>
         </p:txBody>
@@ -9793,15 +9836,7 @@
             </a:br>
             <a:r>
               <a:rPr lang="fr-FR" dirty="0" smtClean="0"/>
-              <a:t>	-&gt;Administration</a:t>
-            </a:r>
-            <a:r>
-              <a:rPr lang="fr-FR" dirty="0" smtClean="0"/>
-              <a:t> du site</a:t>
-            </a:r>
-            <a:r>
-              <a:rPr lang="fr-FR" dirty="0" smtClean="0"/>
-              <a:t/>
+              <a:t>	-&gt;Administration du site</a:t>
             </a:r>
             <a:br>
               <a:rPr lang="fr-FR" dirty="0" smtClean="0"/>
@@ -10060,7 +10095,6 @@
               <a:rPr lang="fr-FR" dirty="0" smtClean="0"/>
               <a:t>blablabla.</a:t>
             </a:r>
-            <a:endParaRPr lang="fr-FR" dirty="0" smtClean="0"/>
           </a:p>
         </p:txBody>
       </p:sp>
@@ -10377,8 +10411,31 @@
           <a:p>
             <a:r>
               <a:rPr lang="fr-FR" dirty="0" smtClean="0"/>
-              <a:t>Validation du déroulement des scénarios définis dans les Use Cases</a:t>
-            </a:r>
+              <a:t>Validation du déroulement des scénarios définis dans les Use </a:t>
+            </a:r>
+            <a:r>
+              <a:rPr lang="fr-FR" dirty="0" smtClean="0"/>
+              <a:t>Cases</a:t>
+            </a:r>
+          </a:p>
+          <a:p>
+            <a:pPr lvl="1"/>
+            <a:r>
+              <a:rPr lang="fr-FR" dirty="0" smtClean="0"/>
+              <a:t>Anticipation des points d’intérêt et points complexes</a:t>
+            </a:r>
+          </a:p>
+          <a:p>
+            <a:pPr lvl="1"/>
+            <a:r>
+              <a:rPr lang="fr-FR" dirty="0" smtClean="0"/>
+              <a:t>Validation des résultats obtenus avec </a:t>
+            </a:r>
+            <a:r>
+              <a:rPr lang="fr-FR" smtClean="0"/>
+              <a:t>les prévisions</a:t>
+            </a:r>
+            <a:endParaRPr lang="fr-FR" dirty="0" smtClean="0"/>
           </a:p>
           <a:p>
             <a:r>

--- a/Présentation/Présentation WeBet_JBL.pptx
+++ b/Présentation/Présentation WeBet_JBL.pptx
@@ -15,12 +15,15 @@
     <p:sldId id="263" r:id="rId10"/>
     <p:sldId id="264" r:id="rId11"/>
     <p:sldId id="265" r:id="rId12"/>
-    <p:sldId id="268" r:id="rId13"/>
-    <p:sldId id="269" r:id="rId14"/>
-    <p:sldId id="270" r:id="rId15"/>
-    <p:sldId id="271" r:id="rId16"/>
-    <p:sldId id="266" r:id="rId17"/>
+    <p:sldId id="272" r:id="rId13"/>
+    <p:sldId id="273" r:id="rId14"/>
+    <p:sldId id="274" r:id="rId15"/>
+    <p:sldId id="266" r:id="rId16"/>
+    <p:sldId id="278" r:id="rId17"/>
     <p:sldId id="267" r:id="rId18"/>
+    <p:sldId id="275" r:id="rId19"/>
+    <p:sldId id="276" r:id="rId20"/>
+    <p:sldId id="277" r:id="rId21"/>
   </p:sldIdLst>
   <p:sldSz cx="9144000" cy="6858000" type="screen4x3"/>
   <p:notesSz cx="6858000" cy="9144000"/>
@@ -8821,8 +8824,8 @@
         </p:nvSpPr>
         <p:spPr>
           <a:xfrm>
-            <a:off x="1940455" y="1484784"/>
-            <a:ext cx="6591985" cy="4968552"/>
+            <a:off x="1940455" y="1268760"/>
+            <a:ext cx="6591985" cy="1368152"/>
           </a:xfrm>
           <a:prstGeom prst="rect">
             <a:avLst/>
@@ -8830,7 +8833,7 @@
         </p:spPr>
         <p:txBody>
           <a:bodyPr vert="horz" lIns="91440" tIns="45720" rIns="91440" bIns="45720" rtlCol="0">
-            <a:normAutofit/>
+            <a:normAutofit fontScale="85000" lnSpcReduction="10000"/>
           </a:bodyPr>
           <a:lstStyle>
             <a:lvl1pPr marL="342900" indent="-342900" algn="l" defTabSz="457200" rtl="0" eaLnBrk="1" latinLnBrk="0" hangingPunct="1">
@@ -9051,14 +9054,152 @@
             </a:lvl9pPr>
           </a:lstStyle>
           <a:p>
+            <a:r>
+              <a:rPr lang="fr-FR" dirty="0" smtClean="0"/>
+              <a:t>Création des </a:t>
+            </a:r>
+            <a:r>
+              <a:rPr lang="fr-FR" dirty="0" err="1" smtClean="0"/>
+              <a:t>beans</a:t>
+            </a:r>
             <a:endParaRPr lang="fr-FR" dirty="0" smtClean="0"/>
           </a:p>
+          <a:p>
+            <a:r>
+              <a:rPr lang="fr-FR" dirty="0"/>
+              <a:t>Création des DAO pour chaque table de la DB, réalisation du </a:t>
+            </a:r>
+            <a:r>
+              <a:rPr lang="fr-FR" dirty="0" smtClean="0"/>
+              <a:t>CRUD</a:t>
+            </a:r>
+          </a:p>
+          <a:p>
+            <a:r>
+              <a:rPr lang="fr-FR" dirty="0"/>
+              <a:t>Implémentation de l’authentification et de la </a:t>
+            </a:r>
+            <a:r>
+              <a:rPr lang="fr-FR" dirty="0" smtClean="0"/>
+              <a:t>sécurité</a:t>
+            </a:r>
+          </a:p>
+          <a:p>
+            <a:r>
+              <a:rPr lang="fr-FR" dirty="0"/>
+              <a:t>Validation de données</a:t>
+            </a:r>
+          </a:p>
+          <a:p>
+            <a:endParaRPr lang="fr-FR" dirty="0"/>
+          </a:p>
+          <a:p>
+            <a:endParaRPr lang="fr-FR" dirty="0"/>
+          </a:p>
+          <a:p>
+            <a:endParaRPr lang="fr-FR" dirty="0" smtClean="0"/>
+          </a:p>
+          <a:p>
+            <a:pPr marL="0" indent="0">
+              <a:buNone/>
+            </a:pPr>
+            <a:endParaRPr lang="fr-FR" dirty="0" smtClean="0"/>
+          </a:p>
         </p:txBody>
       </p:sp>
+      <p:pic>
+        <p:nvPicPr>
+          <p:cNvPr id="3" name="Image 2"/>
+          <p:cNvPicPr>
+            <a:picLocks noChangeAspect="1"/>
+          </p:cNvPicPr>
+          <p:nvPr/>
+        </p:nvPicPr>
+        <p:blipFill>
+          <a:blip r:embed="rId2"/>
+          <a:stretch>
+            <a:fillRect/>
+          </a:stretch>
+        </p:blipFill>
+        <p:spPr>
+          <a:xfrm>
+            <a:off x="889054" y="2579970"/>
+            <a:ext cx="2402487" cy="3972323"/>
+          </a:xfrm>
+          <a:prstGeom prst="rect">
+            <a:avLst/>
+          </a:prstGeom>
+          <a:ln>
+            <a:noFill/>
+          </a:ln>
+          <a:effectLst>
+            <a:softEdge rad="112500"/>
+          </a:effectLst>
+        </p:spPr>
+      </p:pic>
+      <p:pic>
+        <p:nvPicPr>
+          <p:cNvPr id="4" name="Image 3"/>
+          <p:cNvPicPr>
+            <a:picLocks noChangeAspect="1"/>
+          </p:cNvPicPr>
+          <p:nvPr/>
+        </p:nvPicPr>
+        <p:blipFill>
+          <a:blip r:embed="rId3"/>
+          <a:stretch>
+            <a:fillRect/>
+          </a:stretch>
+        </p:blipFill>
+        <p:spPr>
+          <a:xfrm>
+            <a:off x="3657293" y="2492896"/>
+            <a:ext cx="5003478" cy="2073236"/>
+          </a:xfrm>
+          <a:prstGeom prst="rect">
+            <a:avLst/>
+          </a:prstGeom>
+          <a:ln>
+            <a:noFill/>
+          </a:ln>
+          <a:effectLst>
+            <a:softEdge rad="112500"/>
+          </a:effectLst>
+        </p:spPr>
+      </p:pic>
+      <p:pic>
+        <p:nvPicPr>
+          <p:cNvPr id="6" name="Image 5"/>
+          <p:cNvPicPr>
+            <a:picLocks noChangeAspect="1"/>
+          </p:cNvPicPr>
+          <p:nvPr/>
+        </p:nvPicPr>
+        <p:blipFill rotWithShape="1">
+          <a:blip r:embed="rId4"/>
+          <a:srcRect r="15873"/>
+          <a:stretch/>
+        </p:blipFill>
+        <p:spPr>
+          <a:xfrm>
+            <a:off x="3419872" y="4797056"/>
+            <a:ext cx="5256584" cy="1833388"/>
+          </a:xfrm>
+          <a:prstGeom prst="rect">
+            <a:avLst/>
+          </a:prstGeom>
+          <a:ln>
+            <a:noFill/>
+          </a:ln>
+          <a:effectLst>
+            <a:softEdge rad="112500"/>
+          </a:effectLst>
+        </p:spPr>
+      </p:pic>
     </p:spTree>
     <p:extLst>
       <p:ext uri="{BB962C8B-B14F-4D97-AF65-F5344CB8AC3E}">
-        <p14:creationId xmlns:p14="http://schemas.microsoft.com/office/powerpoint/2010/main" val="3578843253"/>
+        <p14:creationId xmlns:p14="http://schemas.microsoft.com/office/powerpoint/2010/main" val="557883424"/>
       </p:ext>
     </p:extLst>
   </p:cSld>
@@ -9105,29 +9246,17 @@
         <p:spPr>
           <a:xfrm>
             <a:off x="1945201" y="624110"/>
-            <a:ext cx="6589199" cy="1148706"/>
+            <a:ext cx="6589199" cy="788666"/>
           </a:xfrm>
         </p:spPr>
         <p:txBody>
-          <a:bodyPr>
-            <a:normAutofit fontScale="90000"/>
-          </a:bodyPr>
+          <a:bodyPr/>
           <a:lstStyle/>
           <a:p>
             <a:r>
               <a:rPr lang="fr-FR" dirty="0" smtClean="0"/>
-              <a:t>Présentation scénario n°1 </a:t>
-            </a:r>
-            <a:br>
-              <a:rPr lang="fr-FR" dirty="0" smtClean="0"/>
-            </a:br>
-            <a:r>
-              <a:rPr lang="fr-FR" dirty="0" smtClean="0"/>
-              <a:t>	-&gt;Première visite</a:t>
-            </a:r>
-            <a:br>
-              <a:rPr lang="fr-FR" dirty="0" smtClean="0"/>
-            </a:br>
+              <a:t>Développement</a:t>
+            </a:r>
             <a:endParaRPr lang="fr-FR" dirty="0"/>
           </a:p>
         </p:txBody>
@@ -9142,8 +9271,8 @@
         </p:nvSpPr>
         <p:spPr>
           <a:xfrm>
-            <a:off x="1940455" y="1772816"/>
-            <a:ext cx="6591985" cy="4680520"/>
+            <a:off x="1940455" y="1484784"/>
+            <a:ext cx="6591985" cy="4968552"/>
           </a:xfrm>
           <a:prstGeom prst="rect">
             <a:avLst/>
@@ -9374,21 +9503,90 @@
           <a:p>
             <a:r>
               <a:rPr lang="fr-FR" dirty="0" smtClean="0"/>
-              <a:t>L’internaute se rend sur le site, il y découvre l’offre et il souhaite effectuer un pari, ce qui nécessite de s’inscrire.</a:t>
+              <a:t>Création des contrôleurs</a:t>
             </a:r>
           </a:p>
           <a:p>
             <a:r>
               <a:rPr lang="fr-FR" dirty="0" smtClean="0"/>
-              <a:t>Une fois inscrit, il s’authentifie et accède à sa page personnelle afin de modifier ses données personnelles.</a:t>
-            </a:r>
+              <a:t>Création </a:t>
+            </a:r>
+            <a:r>
+              <a:rPr lang="fr-FR" dirty="0" smtClean="0"/>
+              <a:t>des </a:t>
+            </a:r>
+            <a:r>
+              <a:rPr lang="fr-FR" dirty="0" smtClean="0"/>
+              <a:t>JSP</a:t>
+            </a:r>
+            <a:endParaRPr lang="fr-FR" dirty="0" smtClean="0"/>
           </a:p>
         </p:txBody>
       </p:sp>
+      <p:pic>
+        <p:nvPicPr>
+          <p:cNvPr id="3" name="Image 2"/>
+          <p:cNvPicPr>
+            <a:picLocks noChangeAspect="1"/>
+          </p:cNvPicPr>
+          <p:nvPr/>
+        </p:nvPicPr>
+        <p:blipFill>
+          <a:blip r:embed="rId2"/>
+          <a:stretch>
+            <a:fillRect/>
+          </a:stretch>
+        </p:blipFill>
+        <p:spPr>
+          <a:xfrm>
+            <a:off x="475012" y="2492896"/>
+            <a:ext cx="4761435" cy="4219364"/>
+          </a:xfrm>
+          <a:prstGeom prst="rect">
+            <a:avLst/>
+          </a:prstGeom>
+          <a:ln>
+            <a:noFill/>
+          </a:ln>
+          <a:effectLst>
+            <a:softEdge rad="112500"/>
+          </a:effectLst>
+        </p:spPr>
+      </p:pic>
+      <p:pic>
+        <p:nvPicPr>
+          <p:cNvPr id="4" name="Image 3"/>
+          <p:cNvPicPr>
+            <a:picLocks noChangeAspect="1"/>
+          </p:cNvPicPr>
+          <p:nvPr/>
+        </p:nvPicPr>
+        <p:blipFill>
+          <a:blip r:embed="rId3"/>
+          <a:stretch>
+            <a:fillRect/>
+          </a:stretch>
+        </p:blipFill>
+        <p:spPr>
+          <a:xfrm>
+            <a:off x="3779912" y="2348880"/>
+            <a:ext cx="5033251" cy="2158142"/>
+          </a:xfrm>
+          <a:prstGeom prst="rect">
+            <a:avLst/>
+          </a:prstGeom>
+          <a:ln>
+            <a:noFill/>
+          </a:ln>
+          <a:effectLst>
+            <a:softEdge rad="112500"/>
+          </a:effectLst>
+        </p:spPr>
+      </p:pic>
     </p:spTree>
     <p:extLst>
       <p:ext uri="{BB962C8B-B14F-4D97-AF65-F5344CB8AC3E}">
-        <p14:creationId xmlns:p14="http://schemas.microsoft.com/office/powerpoint/2010/main" val="402914731"/>
+        <p14:creationId xmlns:p14="http://schemas.microsoft.com/office/powerpoint/2010/main" val="2567127982"/>
       </p:ext>
     </p:extLst>
   </p:cSld>
@@ -9435,29 +9633,17 @@
         <p:spPr>
           <a:xfrm>
             <a:off x="1945201" y="624110"/>
-            <a:ext cx="6589199" cy="1148706"/>
+            <a:ext cx="6589199" cy="788666"/>
           </a:xfrm>
         </p:spPr>
         <p:txBody>
-          <a:bodyPr>
-            <a:normAutofit fontScale="90000"/>
-          </a:bodyPr>
+          <a:bodyPr/>
           <a:lstStyle/>
           <a:p>
             <a:r>
               <a:rPr lang="fr-FR" dirty="0" smtClean="0"/>
-              <a:t>Présentation scénario n°2 </a:t>
-            </a:r>
-            <a:br>
-              <a:rPr lang="fr-FR" dirty="0" smtClean="0"/>
-            </a:br>
-            <a:r>
-              <a:rPr lang="fr-FR" dirty="0" smtClean="0"/>
-              <a:t>	-&gt;Utilisation classique</a:t>
-            </a:r>
-            <a:br>
-              <a:rPr lang="fr-FR" dirty="0" smtClean="0"/>
-            </a:br>
+              <a:t>Développement</a:t>
+            </a:r>
             <a:endParaRPr lang="fr-FR" dirty="0"/>
           </a:p>
         </p:txBody>
@@ -9472,8 +9658,8 @@
         </p:nvSpPr>
         <p:spPr>
           <a:xfrm>
-            <a:off x="1940455" y="1772816"/>
-            <a:ext cx="6591985" cy="4680520"/>
+            <a:off x="1940455" y="1484784"/>
+            <a:ext cx="6591985" cy="4968552"/>
           </a:xfrm>
           <a:prstGeom prst="rect">
             <a:avLst/>
@@ -9481,7 +9667,7 @@
         </p:spPr>
         <p:txBody>
           <a:bodyPr vert="horz" lIns="91440" tIns="45720" rIns="91440" bIns="45720" rtlCol="0">
-            <a:normAutofit fontScale="92500"/>
+            <a:normAutofit/>
           </a:bodyPr>
           <a:lstStyle>
             <a:lvl1pPr marL="342900" indent="-342900" algn="l" defTabSz="457200" rtl="0" eaLnBrk="1" latinLnBrk="0" hangingPunct="1">
@@ -9704,74 +9890,79 @@
           <a:p>
             <a:r>
               <a:rPr lang="fr-FR" dirty="0" smtClean="0"/>
-              <a:t>L’internaute est un habitué du site, pour l’utiliser il s’authentifie.</a:t>
-            </a:r>
-          </a:p>
-          <a:p>
+              <a:t>Travail </a:t>
+            </a:r>
             <a:r>
               <a:rPr lang="fr-FR" dirty="0" smtClean="0"/>
-              <a:t>Au premier coup d’œil il voit le solde de son compte, il veut consulter la liste de ses paris pour voir lesquels lui ont rapporté de l’argent.</a:t>
-            </a:r>
-          </a:p>
-          <a:p>
-            <a:r>
-              <a:rPr lang="fr-FR" dirty="0" smtClean="0"/>
-              <a:t>Ayant récemment gagné de l’argent il décide d’augmenter sa mise sur un de ses paris n’ayant pas encore débuté, il décide également modifier un autre pari en pariant sur l’autre équipe.</a:t>
-            </a:r>
-          </a:p>
-          <a:p>
-            <a:r>
-              <a:rPr lang="fr-FR" dirty="0" smtClean="0"/>
-              <a:t>Au vu des résultats récents il décide également d’annuler un de ses paris sur une équipe peu performante.</a:t>
-            </a:r>
-          </a:p>
-          <a:p>
-            <a:r>
-              <a:rPr lang="fr-FR" dirty="0" smtClean="0"/>
-              <a:t>Il décide de réinvestir une partie de ses gains en pariant sur une nouvelle rencontre proposée par </a:t>
-            </a:r>
-            <a:r>
-              <a:rPr lang="fr-FR" dirty="0" err="1" smtClean="0"/>
-              <a:t>WeBet</a:t>
-            </a:r>
-            <a:r>
-              <a:rPr lang="fr-FR" dirty="0" smtClean="0"/>
-              <a:t>.</a:t>
-            </a:r>
-            <a:endParaRPr lang="fr-FR" dirty="0" smtClean="0"/>
-          </a:p>
-          <a:p>
-            <a:r>
-              <a:rPr lang="fr-FR" dirty="0" smtClean="0"/>
-              <a:t>Il décide de récupérer une partie de ses gains en les sortant de son portefeuille </a:t>
-            </a:r>
-            <a:r>
-              <a:rPr lang="fr-FR" dirty="0" err="1" smtClean="0"/>
-              <a:t>WeBet</a:t>
-            </a:r>
-            <a:r>
-              <a:rPr lang="fr-FR" dirty="0" smtClean="0"/>
-              <a:t>.</a:t>
-            </a:r>
-          </a:p>
-          <a:p>
-            <a:r>
-              <a:rPr lang="fr-FR" dirty="0" smtClean="0"/>
-              <a:t>Il se déconnecte et reviendra une prochaine fois.</a:t>
-            </a:r>
-          </a:p>
-          <a:p>
-            <a:endParaRPr lang="fr-FR" dirty="0" smtClean="0"/>
-          </a:p>
-          <a:p>
-            <a:endParaRPr lang="fr-FR" dirty="0" smtClean="0"/>
+              <a:t>collaboratif avec Git; partage, récupération et fusion du code produit par chacun pas à pas.</a:t>
+            </a:r>
           </a:p>
         </p:txBody>
       </p:sp>
+      <p:pic>
+        <p:nvPicPr>
+          <p:cNvPr id="3" name="Image 2"/>
+          <p:cNvPicPr>
+            <a:picLocks noChangeAspect="1"/>
+          </p:cNvPicPr>
+          <p:nvPr/>
+        </p:nvPicPr>
+        <p:blipFill>
+          <a:blip r:embed="rId2"/>
+          <a:stretch>
+            <a:fillRect/>
+          </a:stretch>
+        </p:blipFill>
+        <p:spPr>
+          <a:xfrm>
+            <a:off x="395536" y="2204864"/>
+            <a:ext cx="5116636" cy="2809426"/>
+          </a:xfrm>
+          <a:prstGeom prst="rect">
+            <a:avLst/>
+          </a:prstGeom>
+          <a:ln>
+            <a:noFill/>
+          </a:ln>
+          <a:effectLst>
+            <a:softEdge rad="112500"/>
+          </a:effectLst>
+        </p:spPr>
+      </p:pic>
+      <p:pic>
+        <p:nvPicPr>
+          <p:cNvPr id="4" name="Image 3"/>
+          <p:cNvPicPr>
+            <a:picLocks noChangeAspect="1"/>
+          </p:cNvPicPr>
+          <p:nvPr/>
+        </p:nvPicPr>
+        <p:blipFill>
+          <a:blip r:embed="rId3"/>
+          <a:stretch>
+            <a:fillRect/>
+          </a:stretch>
+        </p:blipFill>
+        <p:spPr>
+          <a:xfrm>
+            <a:off x="4716016" y="3264506"/>
+            <a:ext cx="4077404" cy="3499568"/>
+          </a:xfrm>
+          <a:prstGeom prst="rect">
+            <a:avLst/>
+          </a:prstGeom>
+          <a:ln>
+            <a:noFill/>
+          </a:ln>
+          <a:effectLst>
+            <a:softEdge rad="112500"/>
+          </a:effectLst>
+        </p:spPr>
+      </p:pic>
     </p:spTree>
     <p:extLst>
       <p:ext uri="{BB962C8B-B14F-4D97-AF65-F5344CB8AC3E}">
-        <p14:creationId xmlns:p14="http://schemas.microsoft.com/office/powerpoint/2010/main" val="2226851089"/>
+        <p14:creationId xmlns:p14="http://schemas.microsoft.com/office/powerpoint/2010/main" val="1617001352"/>
       </p:ext>
     </p:extLst>
   </p:cSld>
@@ -9818,29 +10009,17 @@
         <p:spPr>
           <a:xfrm>
             <a:off x="1945201" y="624110"/>
-            <a:ext cx="6589199" cy="1148706"/>
+            <a:ext cx="6589199" cy="788666"/>
           </a:xfrm>
         </p:spPr>
         <p:txBody>
-          <a:bodyPr>
-            <a:normAutofit fontScale="90000"/>
-          </a:bodyPr>
+          <a:bodyPr/>
           <a:lstStyle/>
           <a:p>
             <a:r>
               <a:rPr lang="fr-FR" dirty="0" smtClean="0"/>
-              <a:t>Présentation scénario n°3 </a:t>
-            </a:r>
-            <a:br>
-              <a:rPr lang="fr-FR" dirty="0" smtClean="0"/>
-            </a:br>
-            <a:r>
-              <a:rPr lang="fr-FR" dirty="0" smtClean="0"/>
-              <a:t>	-&gt;Administration du site</a:t>
-            </a:r>
-            <a:br>
-              <a:rPr lang="fr-FR" dirty="0" smtClean="0"/>
-            </a:br>
+              <a:t>Tests</a:t>
+            </a:r>
             <a:endParaRPr lang="fr-FR" dirty="0"/>
           </a:p>
         </p:txBody>
@@ -9855,8 +10034,8 @@
         </p:nvSpPr>
         <p:spPr>
           <a:xfrm>
-            <a:off x="1940455" y="1772816"/>
-            <a:ext cx="6591985" cy="4680520"/>
+            <a:off x="1940455" y="1484784"/>
+            <a:ext cx="6591985" cy="3528392"/>
           </a:xfrm>
           <a:prstGeom prst="rect">
             <a:avLst/>
@@ -10087,21 +10266,61 @@
           <a:p>
             <a:r>
               <a:rPr lang="fr-FR" dirty="0" smtClean="0"/>
-              <a:t>L’administrateur souhaite effectuer la mise à jour de l’offre, pour avoir accès aux outils il s’authentifie.</a:t>
+              <a:t>Validation des fonctionnalités pas à pas</a:t>
             </a:r>
           </a:p>
           <a:p>
             <a:r>
               <a:rPr lang="fr-FR" dirty="0" smtClean="0"/>
-              <a:t>blablabla.</a:t>
-            </a:r>
+              <a:t>Validation du déroulement des scénarios définis dans les Use Cases</a:t>
+            </a:r>
+          </a:p>
+          <a:p>
+            <a:pPr lvl="1"/>
+            <a:r>
+              <a:rPr lang="fr-FR" dirty="0" smtClean="0"/>
+              <a:t>Anticipation des points d’intérêt et points complexes</a:t>
+            </a:r>
+          </a:p>
+          <a:p>
+            <a:pPr lvl="1"/>
+            <a:r>
+              <a:rPr lang="fr-FR" dirty="0" smtClean="0"/>
+              <a:t>Validation des résultats obtenus avec les prévisions</a:t>
+            </a:r>
+          </a:p>
+          <a:p>
+            <a:r>
+              <a:rPr lang="fr-FR" dirty="0" smtClean="0"/>
+              <a:t>Validation de la sécurité par authentification</a:t>
+            </a:r>
+          </a:p>
+          <a:p>
+            <a:r>
+              <a:rPr lang="fr-FR" dirty="0" smtClean="0"/>
+              <a:t>Validation de la robustesse de </a:t>
+            </a:r>
+            <a:r>
+              <a:rPr lang="fr-FR" dirty="0" smtClean="0"/>
+              <a:t>l’application</a:t>
+            </a:r>
+          </a:p>
+          <a:p>
+            <a:r>
+              <a:rPr lang="fr-FR" dirty="0" smtClean="0"/>
+              <a:t>Réalisation des tests unitaires</a:t>
+            </a:r>
+            <a:endParaRPr lang="fr-FR" dirty="0" smtClean="0"/>
+          </a:p>
+          <a:p>
+            <a:endParaRPr lang="fr-FR" dirty="0" smtClean="0"/>
           </a:p>
         </p:txBody>
       </p:sp>
     </p:spTree>
     <p:extLst>
       <p:ext uri="{BB962C8B-B14F-4D97-AF65-F5344CB8AC3E}">
-        <p14:creationId xmlns:p14="http://schemas.microsoft.com/office/powerpoint/2010/main" val="2604419351"/>
+        <p14:creationId xmlns:p14="http://schemas.microsoft.com/office/powerpoint/2010/main" val="3659551949"/>
       </p:ext>
     </p:extLst>
   </p:cSld>
@@ -10163,301 +10382,50 @@
           </a:p>
         </p:txBody>
       </p:sp>
-      <p:sp>
-        <p:nvSpPr>
-          <p:cNvPr id="5" name="Espace réservé du contenu 2"/>
-          <p:cNvSpPr txBox="1">
-            <a:spLocks/>
-          </p:cNvSpPr>
+      <p:pic>
+        <p:nvPicPr>
+          <p:cNvPr id="3" name="Image 2"/>
+          <p:cNvPicPr>
+            <a:picLocks noChangeAspect="1"/>
+          </p:cNvPicPr>
           <p:nvPr/>
-        </p:nvSpPr>
+        </p:nvPicPr>
+        <p:blipFill>
+          <a:blip r:embed="rId2">
+            <a:extLst>
+              <a:ext uri="{28A0092B-C50C-407E-A947-70E740481C1C}">
+                <a14:useLocalDpi xmlns:a14="http://schemas.microsoft.com/office/drawing/2010/main" val="0"/>
+              </a:ext>
+            </a:extLst>
+          </a:blip>
+          <a:stretch>
+            <a:fillRect/>
+          </a:stretch>
+        </p:blipFill>
         <p:spPr>
           <a:xfrm>
-            <a:off x="1940455" y="1484784"/>
-            <a:ext cx="6591985" cy="3528392"/>
+            <a:off x="1475656" y="1628800"/>
+            <a:ext cx="6442348" cy="4996748"/>
           </a:xfrm>
           <a:prstGeom prst="rect">
             <a:avLst/>
           </a:prstGeom>
+          <a:ln>
+            <a:noFill/>
+          </a:ln>
+          <a:effectLst>
+            <a:outerShdw blurRad="292100" dist="139700" dir="2700000" algn="tl" rotWithShape="0">
+              <a:srgbClr val="333333">
+                <a:alpha val="65000"/>
+              </a:srgbClr>
+            </a:outerShdw>
+          </a:effectLst>
         </p:spPr>
-        <p:txBody>
-          <a:bodyPr vert="horz" lIns="91440" tIns="45720" rIns="91440" bIns="45720" rtlCol="0">
-            <a:normAutofit/>
-          </a:bodyPr>
-          <a:lstStyle>
-            <a:lvl1pPr marL="342900" indent="-342900" algn="l" defTabSz="457200" rtl="0" eaLnBrk="1" latinLnBrk="0" hangingPunct="1">
-              <a:spcBef>
-                <a:spcPts val="1000"/>
-              </a:spcBef>
-              <a:spcAft>
-                <a:spcPts val="0"/>
-              </a:spcAft>
-              <a:buClr>
-                <a:schemeClr val="accent1"/>
-              </a:buClr>
-              <a:buFont typeface="Wingdings 3" charset="2"/>
-              <a:buChar char=""/>
-              <a:defRPr sz="1800" kern="1200">
-                <a:solidFill>
-                  <a:schemeClr val="tx1">
-                    <a:lumMod val="75000"/>
-                    <a:lumOff val="25000"/>
-                  </a:schemeClr>
-                </a:solidFill>
-                <a:latin typeface="+mn-lt"/>
-                <a:ea typeface="+mn-ea"/>
-                <a:cs typeface="+mn-cs"/>
-              </a:defRPr>
-            </a:lvl1pPr>
-            <a:lvl2pPr marL="742950" indent="-285750" algn="l" defTabSz="457200" rtl="0" eaLnBrk="1" latinLnBrk="0" hangingPunct="1">
-              <a:spcBef>
-                <a:spcPts val="1000"/>
-              </a:spcBef>
-              <a:spcAft>
-                <a:spcPts val="0"/>
-              </a:spcAft>
-              <a:buClr>
-                <a:schemeClr val="accent1"/>
-              </a:buClr>
-              <a:buFont typeface="Wingdings 3" charset="2"/>
-              <a:buChar char=""/>
-              <a:defRPr sz="1600" kern="1200">
-                <a:solidFill>
-                  <a:schemeClr val="tx1">
-                    <a:lumMod val="75000"/>
-                    <a:lumOff val="25000"/>
-                  </a:schemeClr>
-                </a:solidFill>
-                <a:latin typeface="+mn-lt"/>
-                <a:ea typeface="+mn-ea"/>
-                <a:cs typeface="+mn-cs"/>
-              </a:defRPr>
-            </a:lvl2pPr>
-            <a:lvl3pPr marL="1143000" indent="-228600" algn="l" defTabSz="457200" rtl="0" eaLnBrk="1" latinLnBrk="0" hangingPunct="1">
-              <a:spcBef>
-                <a:spcPts val="1000"/>
-              </a:spcBef>
-              <a:spcAft>
-                <a:spcPts val="0"/>
-              </a:spcAft>
-              <a:buClr>
-                <a:schemeClr val="accent1"/>
-              </a:buClr>
-              <a:buFont typeface="Wingdings 3" charset="2"/>
-              <a:buChar char=""/>
-              <a:defRPr sz="1400" kern="1200">
-                <a:solidFill>
-                  <a:schemeClr val="tx1">
-                    <a:lumMod val="75000"/>
-                    <a:lumOff val="25000"/>
-                  </a:schemeClr>
-                </a:solidFill>
-                <a:latin typeface="+mn-lt"/>
-                <a:ea typeface="+mn-ea"/>
-                <a:cs typeface="+mn-cs"/>
-              </a:defRPr>
-            </a:lvl3pPr>
-            <a:lvl4pPr marL="1600200" indent="-228600" algn="l" defTabSz="457200" rtl="0" eaLnBrk="1" latinLnBrk="0" hangingPunct="1">
-              <a:spcBef>
-                <a:spcPts val="1000"/>
-              </a:spcBef>
-              <a:spcAft>
-                <a:spcPts val="0"/>
-              </a:spcAft>
-              <a:buClr>
-                <a:schemeClr val="accent1"/>
-              </a:buClr>
-              <a:buFont typeface="Wingdings 3" charset="2"/>
-              <a:buChar char=""/>
-              <a:defRPr sz="1200" kern="1200">
-                <a:solidFill>
-                  <a:schemeClr val="tx1">
-                    <a:lumMod val="75000"/>
-                    <a:lumOff val="25000"/>
-                  </a:schemeClr>
-                </a:solidFill>
-                <a:latin typeface="+mn-lt"/>
-                <a:ea typeface="+mn-ea"/>
-                <a:cs typeface="+mn-cs"/>
-              </a:defRPr>
-            </a:lvl4pPr>
-            <a:lvl5pPr marL="2057400" indent="-228600" algn="l" defTabSz="457200" rtl="0" eaLnBrk="1" latinLnBrk="0" hangingPunct="1">
-              <a:spcBef>
-                <a:spcPts val="1000"/>
-              </a:spcBef>
-              <a:spcAft>
-                <a:spcPts val="0"/>
-              </a:spcAft>
-              <a:buClr>
-                <a:schemeClr val="accent1"/>
-              </a:buClr>
-              <a:buFont typeface="Wingdings 3" charset="2"/>
-              <a:buChar char=""/>
-              <a:defRPr sz="1200" kern="1200">
-                <a:solidFill>
-                  <a:schemeClr val="tx1">
-                    <a:lumMod val="75000"/>
-                    <a:lumOff val="25000"/>
-                  </a:schemeClr>
-                </a:solidFill>
-                <a:latin typeface="+mn-lt"/>
-                <a:ea typeface="+mn-ea"/>
-                <a:cs typeface="+mn-cs"/>
-              </a:defRPr>
-            </a:lvl5pPr>
-            <a:lvl6pPr marL="2514600" indent="-228600" algn="l" defTabSz="457200" rtl="0" eaLnBrk="1" latinLnBrk="0" hangingPunct="1">
-              <a:spcBef>
-                <a:spcPts val="1000"/>
-              </a:spcBef>
-              <a:spcAft>
-                <a:spcPts val="0"/>
-              </a:spcAft>
-              <a:buClr>
-                <a:schemeClr val="accent1"/>
-              </a:buClr>
-              <a:buFont typeface="Wingdings 3" charset="2"/>
-              <a:buChar char=""/>
-              <a:defRPr sz="1200" kern="1200">
-                <a:solidFill>
-                  <a:schemeClr val="tx1">
-                    <a:lumMod val="75000"/>
-                    <a:lumOff val="25000"/>
-                  </a:schemeClr>
-                </a:solidFill>
-                <a:latin typeface="+mn-lt"/>
-                <a:ea typeface="+mn-ea"/>
-                <a:cs typeface="+mn-cs"/>
-              </a:defRPr>
-            </a:lvl6pPr>
-            <a:lvl7pPr marL="2971800" indent="-228600" algn="l" defTabSz="457200" rtl="0" eaLnBrk="1" latinLnBrk="0" hangingPunct="1">
-              <a:spcBef>
-                <a:spcPts val="1000"/>
-              </a:spcBef>
-              <a:spcAft>
-                <a:spcPts val="0"/>
-              </a:spcAft>
-              <a:buClr>
-                <a:schemeClr val="accent1"/>
-              </a:buClr>
-              <a:buFont typeface="Wingdings 3" charset="2"/>
-              <a:buChar char=""/>
-              <a:defRPr sz="1200" kern="1200">
-                <a:solidFill>
-                  <a:schemeClr val="tx1">
-                    <a:lumMod val="75000"/>
-                    <a:lumOff val="25000"/>
-                  </a:schemeClr>
-                </a:solidFill>
-                <a:latin typeface="+mn-lt"/>
-                <a:ea typeface="+mn-ea"/>
-                <a:cs typeface="+mn-cs"/>
-              </a:defRPr>
-            </a:lvl7pPr>
-            <a:lvl8pPr marL="3429000" indent="-228600" algn="l" defTabSz="457200" rtl="0" eaLnBrk="1" latinLnBrk="0" hangingPunct="1">
-              <a:spcBef>
-                <a:spcPts val="1000"/>
-              </a:spcBef>
-              <a:spcAft>
-                <a:spcPts val="0"/>
-              </a:spcAft>
-              <a:buClr>
-                <a:schemeClr val="accent1"/>
-              </a:buClr>
-              <a:buFont typeface="Wingdings 3" charset="2"/>
-              <a:buChar char=""/>
-              <a:defRPr sz="1200" kern="1200">
-                <a:solidFill>
-                  <a:schemeClr val="tx1">
-                    <a:lumMod val="75000"/>
-                    <a:lumOff val="25000"/>
-                  </a:schemeClr>
-                </a:solidFill>
-                <a:latin typeface="+mn-lt"/>
-                <a:ea typeface="+mn-ea"/>
-                <a:cs typeface="+mn-cs"/>
-              </a:defRPr>
-            </a:lvl8pPr>
-            <a:lvl9pPr marL="3886200" indent="-228600" algn="l" defTabSz="457200" rtl="0" eaLnBrk="1" latinLnBrk="0" hangingPunct="1">
-              <a:spcBef>
-                <a:spcPts val="1000"/>
-              </a:spcBef>
-              <a:spcAft>
-                <a:spcPts val="0"/>
-              </a:spcAft>
-              <a:buClr>
-                <a:schemeClr val="accent1"/>
-              </a:buClr>
-              <a:buFont typeface="Wingdings 3" charset="2"/>
-              <a:buChar char=""/>
-              <a:defRPr sz="1200" kern="1200">
-                <a:solidFill>
-                  <a:schemeClr val="tx1">
-                    <a:lumMod val="75000"/>
-                    <a:lumOff val="25000"/>
-                  </a:schemeClr>
-                </a:solidFill>
-                <a:latin typeface="+mn-lt"/>
-                <a:ea typeface="+mn-ea"/>
-                <a:cs typeface="+mn-cs"/>
-              </a:defRPr>
-            </a:lvl9pPr>
-          </a:lstStyle>
-          <a:p>
-            <a:r>
-              <a:rPr lang="fr-FR" dirty="0" smtClean="0"/>
-              <a:t>Validation des fonctionnalités pas à pas</a:t>
-            </a:r>
-          </a:p>
-          <a:p>
-            <a:r>
-              <a:rPr lang="fr-FR" dirty="0" smtClean="0"/>
-              <a:t>Validation du déroulement des scénarios définis dans les Use </a:t>
-            </a:r>
-            <a:r>
-              <a:rPr lang="fr-FR" dirty="0" smtClean="0"/>
-              <a:t>Cases</a:t>
-            </a:r>
-          </a:p>
-          <a:p>
-            <a:pPr lvl="1"/>
-            <a:r>
-              <a:rPr lang="fr-FR" dirty="0" smtClean="0"/>
-              <a:t>Anticipation des points d’intérêt et points complexes</a:t>
-            </a:r>
-          </a:p>
-          <a:p>
-            <a:pPr lvl="1"/>
-            <a:r>
-              <a:rPr lang="fr-FR" dirty="0" smtClean="0"/>
-              <a:t>Validation des résultats obtenus avec </a:t>
-            </a:r>
-            <a:r>
-              <a:rPr lang="fr-FR" smtClean="0"/>
-              <a:t>les prévisions</a:t>
-            </a:r>
-            <a:endParaRPr lang="fr-FR" dirty="0" smtClean="0"/>
-          </a:p>
-          <a:p>
-            <a:r>
-              <a:rPr lang="fr-FR" dirty="0" smtClean="0"/>
-              <a:t>Validation de la sécurité par authentification</a:t>
-            </a:r>
-          </a:p>
-          <a:p>
-            <a:r>
-              <a:rPr lang="fr-FR" dirty="0" smtClean="0"/>
-              <a:t>Validation de la robustesse de l’application</a:t>
-            </a:r>
-          </a:p>
-          <a:p>
-            <a:endParaRPr lang="fr-FR" dirty="0" smtClean="0"/>
-          </a:p>
-        </p:txBody>
-      </p:sp>
+      </p:pic>
     </p:spTree>
     <p:extLst>
       <p:ext uri="{BB962C8B-B14F-4D97-AF65-F5344CB8AC3E}">
-        <p14:creationId xmlns:p14="http://schemas.microsoft.com/office/powerpoint/2010/main" val="3659551949"/>
+        <p14:creationId xmlns:p14="http://schemas.microsoft.com/office/powerpoint/2010/main" val="1245864176"/>
       </p:ext>
     </p:extLst>
   </p:cSld>
@@ -10530,7 +10498,7 @@
         <p:spPr>
           <a:xfrm>
             <a:off x="1940455" y="1484784"/>
-            <a:ext cx="6591985" cy="3528392"/>
+            <a:ext cx="6591985" cy="4896544"/>
           </a:xfrm>
           <a:prstGeom prst="rect">
             <a:avLst/>
@@ -10761,20 +10729,82 @@
           <a:p>
             <a:r>
               <a:rPr lang="fr-FR" dirty="0" smtClean="0"/>
-              <a:t>Méthode Agile SCRUM</a:t>
-            </a:r>
-          </a:p>
-          <a:p>
+              <a:t>Méthode Agile </a:t>
+            </a:r>
             <a:r>
               <a:rPr lang="fr-FR" dirty="0" smtClean="0"/>
-              <a:t>Création des </a:t>
+              <a:t>SCRUM</a:t>
             </a:r>
           </a:p>
           <a:p>
             <a:r>
               <a:rPr lang="fr-FR" dirty="0" smtClean="0"/>
-              <a:t>Daily meeting</a:t>
-            </a:r>
+              <a:t>Identification de risques</a:t>
+            </a:r>
+          </a:p>
+          <a:p>
+            <a:pPr lvl="1"/>
+            <a:r>
+              <a:rPr lang="fr-FR" dirty="0" smtClean="0"/>
+              <a:t>Panne matériel</a:t>
+            </a:r>
+          </a:p>
+          <a:p>
+            <a:pPr lvl="1"/>
+            <a:r>
+              <a:rPr lang="fr-FR" dirty="0" smtClean="0"/>
+              <a:t>Incompatibilité de versions</a:t>
+            </a:r>
+          </a:p>
+          <a:p>
+            <a:r>
+              <a:rPr lang="fr-FR" dirty="0" smtClean="0"/>
+              <a:t>Création Back Log</a:t>
+            </a:r>
+          </a:p>
+          <a:p>
+            <a:pPr lvl="1"/>
+            <a:r>
+              <a:rPr lang="fr-FR" dirty="0" smtClean="0"/>
+              <a:t>Estimation </a:t>
+            </a:r>
+            <a:r>
+              <a:rPr lang="fr-FR" dirty="0"/>
+              <a:t>de complexité et priorités des </a:t>
+            </a:r>
+            <a:r>
+              <a:rPr lang="fr-FR" dirty="0" smtClean="0"/>
+              <a:t>tâches</a:t>
+            </a:r>
+            <a:endParaRPr lang="fr-FR" dirty="0"/>
+          </a:p>
+          <a:p>
+            <a:r>
+              <a:rPr lang="fr-FR" dirty="0" smtClean="0"/>
+              <a:t>Réalisation des Daily meeting</a:t>
+            </a:r>
+          </a:p>
+          <a:p>
+            <a:r>
+              <a:rPr lang="fr-FR" dirty="0" smtClean="0"/>
+              <a:t>Partage des tâches</a:t>
+            </a:r>
+            <a:endParaRPr lang="fr-FR" dirty="0" smtClean="0"/>
+          </a:p>
+          <a:p>
+            <a:r>
+              <a:rPr lang="fr-FR" dirty="0" smtClean="0"/>
+              <a:t>Partage </a:t>
+            </a:r>
+            <a:r>
+              <a:rPr lang="fr-FR" dirty="0" smtClean="0"/>
+              <a:t>par </a:t>
+            </a:r>
+            <a:r>
+              <a:rPr lang="fr-FR" dirty="0" err="1" smtClean="0"/>
+              <a:t>Github</a:t>
+            </a:r>
+            <a:endParaRPr lang="fr-FR" dirty="0" smtClean="0"/>
           </a:p>
           <a:p>
             <a:endParaRPr lang="fr-FR" dirty="0" smtClean="0"/>
@@ -10788,6 +10818,1108 @@
     <p:extLst>
       <p:ext uri="{BB962C8B-B14F-4D97-AF65-F5344CB8AC3E}">
         <p14:creationId xmlns:p14="http://schemas.microsoft.com/office/powerpoint/2010/main" val="673907175"/>
+      </p:ext>
+    </p:extLst>
+  </p:cSld>
+  <p:clrMapOvr>
+    <a:masterClrMapping/>
+  </p:clrMapOvr>
+  <p:timing>
+    <p:tnLst>
+      <p:par>
+        <p:cTn id="1" dur="indefinite" restart="never" nodeType="tmRoot"/>
+      </p:par>
+    </p:tnLst>
+  </p:timing>
+</p:sld>
+</file>
+
+<file path=ppt/slides/slide17.xml><?xml version="1.0" encoding="utf-8"?>
+<p:sld xmlns:a="http://schemas.openxmlformats.org/drawingml/2006/main" xmlns:r="http://schemas.openxmlformats.org/officeDocument/2006/relationships" xmlns:p="http://schemas.openxmlformats.org/presentationml/2006/main">
+  <p:cSld>
+    <p:spTree>
+      <p:nvGrpSpPr>
+        <p:cNvPr id="1" name=""/>
+        <p:cNvGrpSpPr/>
+        <p:nvPr/>
+      </p:nvGrpSpPr>
+      <p:grpSpPr>
+        <a:xfrm>
+          <a:off x="0" y="0"/>
+          <a:ext cx="0" cy="0"/>
+          <a:chOff x="0" y="0"/>
+          <a:chExt cx="0" cy="0"/>
+        </a:xfrm>
+      </p:grpSpPr>
+      <p:sp>
+        <p:nvSpPr>
+          <p:cNvPr id="2" name="Titre 1"/>
+          <p:cNvSpPr>
+            <a:spLocks noGrp="1"/>
+          </p:cNvSpPr>
+          <p:nvPr>
+            <p:ph type="title"/>
+          </p:nvPr>
+        </p:nvSpPr>
+        <p:spPr>
+          <a:xfrm>
+            <a:off x="1945201" y="624110"/>
+            <a:ext cx="6589199" cy="1148706"/>
+          </a:xfrm>
+        </p:spPr>
+        <p:txBody>
+          <a:bodyPr>
+            <a:normAutofit fontScale="90000"/>
+          </a:bodyPr>
+          <a:lstStyle/>
+          <a:p>
+            <a:r>
+              <a:rPr lang="fr-FR" dirty="0" smtClean="0"/>
+              <a:t>Présentation scénario </a:t>
+            </a:r>
+            <a:r>
+              <a:rPr lang="fr-FR" dirty="0" smtClean="0"/>
+              <a:t>n°1 </a:t>
+            </a:r>
+            <a:r>
+              <a:rPr lang="fr-FR" dirty="0" smtClean="0"/>
+              <a:t/>
+            </a:r>
+            <a:br>
+              <a:rPr lang="fr-FR" dirty="0" smtClean="0"/>
+            </a:br>
+            <a:r>
+              <a:rPr lang="fr-FR" dirty="0" smtClean="0"/>
+              <a:t>	-&gt;Administration du site</a:t>
+            </a:r>
+            <a:br>
+              <a:rPr lang="fr-FR" dirty="0" smtClean="0"/>
+            </a:br>
+            <a:endParaRPr lang="fr-FR" dirty="0"/>
+          </a:p>
+        </p:txBody>
+      </p:sp>
+      <p:sp>
+        <p:nvSpPr>
+          <p:cNvPr id="5" name="Espace réservé du contenu 2"/>
+          <p:cNvSpPr txBox="1">
+            <a:spLocks/>
+          </p:cNvSpPr>
+          <p:nvPr/>
+        </p:nvSpPr>
+        <p:spPr>
+          <a:xfrm>
+            <a:off x="1940455" y="1772816"/>
+            <a:ext cx="6591985" cy="4680520"/>
+          </a:xfrm>
+          <a:prstGeom prst="rect">
+            <a:avLst/>
+          </a:prstGeom>
+        </p:spPr>
+        <p:txBody>
+          <a:bodyPr vert="horz" lIns="91440" tIns="45720" rIns="91440" bIns="45720" rtlCol="0">
+            <a:normAutofit/>
+          </a:bodyPr>
+          <a:lstStyle>
+            <a:lvl1pPr marL="342900" indent="-342900" algn="l" defTabSz="457200" rtl="0" eaLnBrk="1" latinLnBrk="0" hangingPunct="1">
+              <a:spcBef>
+                <a:spcPts val="1000"/>
+              </a:spcBef>
+              <a:spcAft>
+                <a:spcPts val="0"/>
+              </a:spcAft>
+              <a:buClr>
+                <a:schemeClr val="accent1"/>
+              </a:buClr>
+              <a:buFont typeface="Wingdings 3" charset="2"/>
+              <a:buChar char=""/>
+              <a:defRPr sz="1800" kern="1200">
+                <a:solidFill>
+                  <a:schemeClr val="tx1">
+                    <a:lumMod val="75000"/>
+                    <a:lumOff val="25000"/>
+                  </a:schemeClr>
+                </a:solidFill>
+                <a:latin typeface="+mn-lt"/>
+                <a:ea typeface="+mn-ea"/>
+                <a:cs typeface="+mn-cs"/>
+              </a:defRPr>
+            </a:lvl1pPr>
+            <a:lvl2pPr marL="742950" indent="-285750" algn="l" defTabSz="457200" rtl="0" eaLnBrk="1" latinLnBrk="0" hangingPunct="1">
+              <a:spcBef>
+                <a:spcPts val="1000"/>
+              </a:spcBef>
+              <a:spcAft>
+                <a:spcPts val="0"/>
+              </a:spcAft>
+              <a:buClr>
+                <a:schemeClr val="accent1"/>
+              </a:buClr>
+              <a:buFont typeface="Wingdings 3" charset="2"/>
+              <a:buChar char=""/>
+              <a:defRPr sz="1600" kern="1200">
+                <a:solidFill>
+                  <a:schemeClr val="tx1">
+                    <a:lumMod val="75000"/>
+                    <a:lumOff val="25000"/>
+                  </a:schemeClr>
+                </a:solidFill>
+                <a:latin typeface="+mn-lt"/>
+                <a:ea typeface="+mn-ea"/>
+                <a:cs typeface="+mn-cs"/>
+              </a:defRPr>
+            </a:lvl2pPr>
+            <a:lvl3pPr marL="1143000" indent="-228600" algn="l" defTabSz="457200" rtl="0" eaLnBrk="1" latinLnBrk="0" hangingPunct="1">
+              <a:spcBef>
+                <a:spcPts val="1000"/>
+              </a:spcBef>
+              <a:spcAft>
+                <a:spcPts val="0"/>
+              </a:spcAft>
+              <a:buClr>
+                <a:schemeClr val="accent1"/>
+              </a:buClr>
+              <a:buFont typeface="Wingdings 3" charset="2"/>
+              <a:buChar char=""/>
+              <a:defRPr sz="1400" kern="1200">
+                <a:solidFill>
+                  <a:schemeClr val="tx1">
+                    <a:lumMod val="75000"/>
+                    <a:lumOff val="25000"/>
+                  </a:schemeClr>
+                </a:solidFill>
+                <a:latin typeface="+mn-lt"/>
+                <a:ea typeface="+mn-ea"/>
+                <a:cs typeface="+mn-cs"/>
+              </a:defRPr>
+            </a:lvl3pPr>
+            <a:lvl4pPr marL="1600200" indent="-228600" algn="l" defTabSz="457200" rtl="0" eaLnBrk="1" latinLnBrk="0" hangingPunct="1">
+              <a:spcBef>
+                <a:spcPts val="1000"/>
+              </a:spcBef>
+              <a:spcAft>
+                <a:spcPts val="0"/>
+              </a:spcAft>
+              <a:buClr>
+                <a:schemeClr val="accent1"/>
+              </a:buClr>
+              <a:buFont typeface="Wingdings 3" charset="2"/>
+              <a:buChar char=""/>
+              <a:defRPr sz="1200" kern="1200">
+                <a:solidFill>
+                  <a:schemeClr val="tx1">
+                    <a:lumMod val="75000"/>
+                    <a:lumOff val="25000"/>
+                  </a:schemeClr>
+                </a:solidFill>
+                <a:latin typeface="+mn-lt"/>
+                <a:ea typeface="+mn-ea"/>
+                <a:cs typeface="+mn-cs"/>
+              </a:defRPr>
+            </a:lvl4pPr>
+            <a:lvl5pPr marL="2057400" indent="-228600" algn="l" defTabSz="457200" rtl="0" eaLnBrk="1" latinLnBrk="0" hangingPunct="1">
+              <a:spcBef>
+                <a:spcPts val="1000"/>
+              </a:spcBef>
+              <a:spcAft>
+                <a:spcPts val="0"/>
+              </a:spcAft>
+              <a:buClr>
+                <a:schemeClr val="accent1"/>
+              </a:buClr>
+              <a:buFont typeface="Wingdings 3" charset="2"/>
+              <a:buChar char=""/>
+              <a:defRPr sz="1200" kern="1200">
+                <a:solidFill>
+                  <a:schemeClr val="tx1">
+                    <a:lumMod val="75000"/>
+                    <a:lumOff val="25000"/>
+                  </a:schemeClr>
+                </a:solidFill>
+                <a:latin typeface="+mn-lt"/>
+                <a:ea typeface="+mn-ea"/>
+                <a:cs typeface="+mn-cs"/>
+              </a:defRPr>
+            </a:lvl5pPr>
+            <a:lvl6pPr marL="2514600" indent="-228600" algn="l" defTabSz="457200" rtl="0" eaLnBrk="1" latinLnBrk="0" hangingPunct="1">
+              <a:spcBef>
+                <a:spcPts val="1000"/>
+              </a:spcBef>
+              <a:spcAft>
+                <a:spcPts val="0"/>
+              </a:spcAft>
+              <a:buClr>
+                <a:schemeClr val="accent1"/>
+              </a:buClr>
+              <a:buFont typeface="Wingdings 3" charset="2"/>
+              <a:buChar char=""/>
+              <a:defRPr sz="1200" kern="1200">
+                <a:solidFill>
+                  <a:schemeClr val="tx1">
+                    <a:lumMod val="75000"/>
+                    <a:lumOff val="25000"/>
+                  </a:schemeClr>
+                </a:solidFill>
+                <a:latin typeface="+mn-lt"/>
+                <a:ea typeface="+mn-ea"/>
+                <a:cs typeface="+mn-cs"/>
+              </a:defRPr>
+            </a:lvl6pPr>
+            <a:lvl7pPr marL="2971800" indent="-228600" algn="l" defTabSz="457200" rtl="0" eaLnBrk="1" latinLnBrk="0" hangingPunct="1">
+              <a:spcBef>
+                <a:spcPts val="1000"/>
+              </a:spcBef>
+              <a:spcAft>
+                <a:spcPts val="0"/>
+              </a:spcAft>
+              <a:buClr>
+                <a:schemeClr val="accent1"/>
+              </a:buClr>
+              <a:buFont typeface="Wingdings 3" charset="2"/>
+              <a:buChar char=""/>
+              <a:defRPr sz="1200" kern="1200">
+                <a:solidFill>
+                  <a:schemeClr val="tx1">
+                    <a:lumMod val="75000"/>
+                    <a:lumOff val="25000"/>
+                  </a:schemeClr>
+                </a:solidFill>
+                <a:latin typeface="+mn-lt"/>
+                <a:ea typeface="+mn-ea"/>
+                <a:cs typeface="+mn-cs"/>
+              </a:defRPr>
+            </a:lvl7pPr>
+            <a:lvl8pPr marL="3429000" indent="-228600" algn="l" defTabSz="457200" rtl="0" eaLnBrk="1" latinLnBrk="0" hangingPunct="1">
+              <a:spcBef>
+                <a:spcPts val="1000"/>
+              </a:spcBef>
+              <a:spcAft>
+                <a:spcPts val="0"/>
+              </a:spcAft>
+              <a:buClr>
+                <a:schemeClr val="accent1"/>
+              </a:buClr>
+              <a:buFont typeface="Wingdings 3" charset="2"/>
+              <a:buChar char=""/>
+              <a:defRPr sz="1200" kern="1200">
+                <a:solidFill>
+                  <a:schemeClr val="tx1">
+                    <a:lumMod val="75000"/>
+                    <a:lumOff val="25000"/>
+                  </a:schemeClr>
+                </a:solidFill>
+                <a:latin typeface="+mn-lt"/>
+                <a:ea typeface="+mn-ea"/>
+                <a:cs typeface="+mn-cs"/>
+              </a:defRPr>
+            </a:lvl8pPr>
+            <a:lvl9pPr marL="3886200" indent="-228600" algn="l" defTabSz="457200" rtl="0" eaLnBrk="1" latinLnBrk="0" hangingPunct="1">
+              <a:spcBef>
+                <a:spcPts val="1000"/>
+              </a:spcBef>
+              <a:spcAft>
+                <a:spcPts val="0"/>
+              </a:spcAft>
+              <a:buClr>
+                <a:schemeClr val="accent1"/>
+              </a:buClr>
+              <a:buFont typeface="Wingdings 3" charset="2"/>
+              <a:buChar char=""/>
+              <a:defRPr sz="1200" kern="1200">
+                <a:solidFill>
+                  <a:schemeClr val="tx1">
+                    <a:lumMod val="75000"/>
+                    <a:lumOff val="25000"/>
+                  </a:schemeClr>
+                </a:solidFill>
+                <a:latin typeface="+mn-lt"/>
+                <a:ea typeface="+mn-ea"/>
+                <a:cs typeface="+mn-cs"/>
+              </a:defRPr>
+            </a:lvl9pPr>
+          </a:lstStyle>
+          <a:p>
+            <a:r>
+              <a:rPr lang="fr-FR" dirty="0" smtClean="0"/>
+              <a:t>L’administrateur souhaite effectuer la mise à jour de l’offre, pour avoir accès aux outils il s’authentifie.</a:t>
+            </a:r>
+          </a:p>
+          <a:p>
+            <a:r>
+              <a:rPr lang="fr-FR" dirty="0" smtClean="0"/>
+              <a:t>Il souhaite ajouter le sport « Basket » à l’offre de </a:t>
+            </a:r>
+            <a:r>
+              <a:rPr lang="fr-FR" dirty="0" err="1" smtClean="0"/>
+              <a:t>WeBet</a:t>
+            </a:r>
+            <a:r>
+              <a:rPr lang="fr-FR" dirty="0" smtClean="0"/>
+              <a:t> et ajouter les équipes « Lakers » et « </a:t>
+            </a:r>
+            <a:r>
+              <a:rPr lang="fr-FR" dirty="0" smtClean="0"/>
+              <a:t>Bulls » </a:t>
+            </a:r>
+            <a:r>
+              <a:rPr lang="fr-FR" dirty="0" smtClean="0"/>
+              <a:t>concourantes dans ce sport et créer une rencontre sur laquelle les clients pourront parier.</a:t>
+            </a:r>
+          </a:p>
+          <a:p>
+            <a:r>
+              <a:rPr lang="fr-FR" dirty="0" smtClean="0"/>
+              <a:t>Il souhaite clôturer les rencontres passées.</a:t>
+            </a:r>
+          </a:p>
+          <a:p>
+            <a:endParaRPr lang="fr-FR" dirty="0" smtClean="0"/>
+          </a:p>
+        </p:txBody>
+      </p:sp>
+    </p:spTree>
+    <p:extLst>
+      <p:ext uri="{BB962C8B-B14F-4D97-AF65-F5344CB8AC3E}">
+        <p14:creationId xmlns:p14="http://schemas.microsoft.com/office/powerpoint/2010/main" val="4211108972"/>
+      </p:ext>
+    </p:extLst>
+  </p:cSld>
+  <p:clrMapOvr>
+    <a:masterClrMapping/>
+  </p:clrMapOvr>
+  <p:timing>
+    <p:tnLst>
+      <p:par>
+        <p:cTn id="1" dur="indefinite" restart="never" nodeType="tmRoot"/>
+      </p:par>
+    </p:tnLst>
+  </p:timing>
+</p:sld>
+</file>
+
+<file path=ppt/slides/slide18.xml><?xml version="1.0" encoding="utf-8"?>
+<p:sld xmlns:a="http://schemas.openxmlformats.org/drawingml/2006/main" xmlns:r="http://schemas.openxmlformats.org/officeDocument/2006/relationships" xmlns:p="http://schemas.openxmlformats.org/presentationml/2006/main">
+  <p:cSld>
+    <p:spTree>
+      <p:nvGrpSpPr>
+        <p:cNvPr id="1" name=""/>
+        <p:cNvGrpSpPr/>
+        <p:nvPr/>
+      </p:nvGrpSpPr>
+      <p:grpSpPr>
+        <a:xfrm>
+          <a:off x="0" y="0"/>
+          <a:ext cx="0" cy="0"/>
+          <a:chOff x="0" y="0"/>
+          <a:chExt cx="0" cy="0"/>
+        </a:xfrm>
+      </p:grpSpPr>
+      <p:sp>
+        <p:nvSpPr>
+          <p:cNvPr id="2" name="Titre 1"/>
+          <p:cNvSpPr>
+            <a:spLocks noGrp="1"/>
+          </p:cNvSpPr>
+          <p:nvPr>
+            <p:ph type="title"/>
+          </p:nvPr>
+        </p:nvSpPr>
+        <p:spPr>
+          <a:xfrm>
+            <a:off x="1945201" y="624110"/>
+            <a:ext cx="6589199" cy="1148706"/>
+          </a:xfrm>
+        </p:spPr>
+        <p:txBody>
+          <a:bodyPr>
+            <a:normAutofit fontScale="90000"/>
+          </a:bodyPr>
+          <a:lstStyle/>
+          <a:p>
+            <a:r>
+              <a:rPr lang="fr-FR" dirty="0" smtClean="0"/>
+              <a:t>Présentation scénario </a:t>
+            </a:r>
+            <a:r>
+              <a:rPr lang="fr-FR" dirty="0" smtClean="0"/>
+              <a:t>n°2 </a:t>
+            </a:r>
+            <a:r>
+              <a:rPr lang="fr-FR" dirty="0" smtClean="0"/>
+              <a:t/>
+            </a:r>
+            <a:br>
+              <a:rPr lang="fr-FR" dirty="0" smtClean="0"/>
+            </a:br>
+            <a:r>
+              <a:rPr lang="fr-FR" dirty="0" smtClean="0"/>
+              <a:t>	-&gt;Première visite</a:t>
+            </a:r>
+            <a:br>
+              <a:rPr lang="fr-FR" dirty="0" smtClean="0"/>
+            </a:br>
+            <a:endParaRPr lang="fr-FR" dirty="0"/>
+          </a:p>
+        </p:txBody>
+      </p:sp>
+      <p:sp>
+        <p:nvSpPr>
+          <p:cNvPr id="5" name="Espace réservé du contenu 2"/>
+          <p:cNvSpPr txBox="1">
+            <a:spLocks/>
+          </p:cNvSpPr>
+          <p:nvPr/>
+        </p:nvSpPr>
+        <p:spPr>
+          <a:xfrm>
+            <a:off x="1940455" y="1772816"/>
+            <a:ext cx="6591985" cy="4680520"/>
+          </a:xfrm>
+          <a:prstGeom prst="rect">
+            <a:avLst/>
+          </a:prstGeom>
+        </p:spPr>
+        <p:txBody>
+          <a:bodyPr vert="horz" lIns="91440" tIns="45720" rIns="91440" bIns="45720" rtlCol="0">
+            <a:normAutofit/>
+          </a:bodyPr>
+          <a:lstStyle>
+            <a:lvl1pPr marL="342900" indent="-342900" algn="l" defTabSz="457200" rtl="0" eaLnBrk="1" latinLnBrk="0" hangingPunct="1">
+              <a:spcBef>
+                <a:spcPts val="1000"/>
+              </a:spcBef>
+              <a:spcAft>
+                <a:spcPts val="0"/>
+              </a:spcAft>
+              <a:buClr>
+                <a:schemeClr val="accent1"/>
+              </a:buClr>
+              <a:buFont typeface="Wingdings 3" charset="2"/>
+              <a:buChar char=""/>
+              <a:defRPr sz="1800" kern="1200">
+                <a:solidFill>
+                  <a:schemeClr val="tx1">
+                    <a:lumMod val="75000"/>
+                    <a:lumOff val="25000"/>
+                  </a:schemeClr>
+                </a:solidFill>
+                <a:latin typeface="+mn-lt"/>
+                <a:ea typeface="+mn-ea"/>
+                <a:cs typeface="+mn-cs"/>
+              </a:defRPr>
+            </a:lvl1pPr>
+            <a:lvl2pPr marL="742950" indent="-285750" algn="l" defTabSz="457200" rtl="0" eaLnBrk="1" latinLnBrk="0" hangingPunct="1">
+              <a:spcBef>
+                <a:spcPts val="1000"/>
+              </a:spcBef>
+              <a:spcAft>
+                <a:spcPts val="0"/>
+              </a:spcAft>
+              <a:buClr>
+                <a:schemeClr val="accent1"/>
+              </a:buClr>
+              <a:buFont typeface="Wingdings 3" charset="2"/>
+              <a:buChar char=""/>
+              <a:defRPr sz="1600" kern="1200">
+                <a:solidFill>
+                  <a:schemeClr val="tx1">
+                    <a:lumMod val="75000"/>
+                    <a:lumOff val="25000"/>
+                  </a:schemeClr>
+                </a:solidFill>
+                <a:latin typeface="+mn-lt"/>
+                <a:ea typeface="+mn-ea"/>
+                <a:cs typeface="+mn-cs"/>
+              </a:defRPr>
+            </a:lvl2pPr>
+            <a:lvl3pPr marL="1143000" indent="-228600" algn="l" defTabSz="457200" rtl="0" eaLnBrk="1" latinLnBrk="0" hangingPunct="1">
+              <a:spcBef>
+                <a:spcPts val="1000"/>
+              </a:spcBef>
+              <a:spcAft>
+                <a:spcPts val="0"/>
+              </a:spcAft>
+              <a:buClr>
+                <a:schemeClr val="accent1"/>
+              </a:buClr>
+              <a:buFont typeface="Wingdings 3" charset="2"/>
+              <a:buChar char=""/>
+              <a:defRPr sz="1400" kern="1200">
+                <a:solidFill>
+                  <a:schemeClr val="tx1">
+                    <a:lumMod val="75000"/>
+                    <a:lumOff val="25000"/>
+                  </a:schemeClr>
+                </a:solidFill>
+                <a:latin typeface="+mn-lt"/>
+                <a:ea typeface="+mn-ea"/>
+                <a:cs typeface="+mn-cs"/>
+              </a:defRPr>
+            </a:lvl3pPr>
+            <a:lvl4pPr marL="1600200" indent="-228600" algn="l" defTabSz="457200" rtl="0" eaLnBrk="1" latinLnBrk="0" hangingPunct="1">
+              <a:spcBef>
+                <a:spcPts val="1000"/>
+              </a:spcBef>
+              <a:spcAft>
+                <a:spcPts val="0"/>
+              </a:spcAft>
+              <a:buClr>
+                <a:schemeClr val="accent1"/>
+              </a:buClr>
+              <a:buFont typeface="Wingdings 3" charset="2"/>
+              <a:buChar char=""/>
+              <a:defRPr sz="1200" kern="1200">
+                <a:solidFill>
+                  <a:schemeClr val="tx1">
+                    <a:lumMod val="75000"/>
+                    <a:lumOff val="25000"/>
+                  </a:schemeClr>
+                </a:solidFill>
+                <a:latin typeface="+mn-lt"/>
+                <a:ea typeface="+mn-ea"/>
+                <a:cs typeface="+mn-cs"/>
+              </a:defRPr>
+            </a:lvl4pPr>
+            <a:lvl5pPr marL="2057400" indent="-228600" algn="l" defTabSz="457200" rtl="0" eaLnBrk="1" latinLnBrk="0" hangingPunct="1">
+              <a:spcBef>
+                <a:spcPts val="1000"/>
+              </a:spcBef>
+              <a:spcAft>
+                <a:spcPts val="0"/>
+              </a:spcAft>
+              <a:buClr>
+                <a:schemeClr val="accent1"/>
+              </a:buClr>
+              <a:buFont typeface="Wingdings 3" charset="2"/>
+              <a:buChar char=""/>
+              <a:defRPr sz="1200" kern="1200">
+                <a:solidFill>
+                  <a:schemeClr val="tx1">
+                    <a:lumMod val="75000"/>
+                    <a:lumOff val="25000"/>
+                  </a:schemeClr>
+                </a:solidFill>
+                <a:latin typeface="+mn-lt"/>
+                <a:ea typeface="+mn-ea"/>
+                <a:cs typeface="+mn-cs"/>
+              </a:defRPr>
+            </a:lvl5pPr>
+            <a:lvl6pPr marL="2514600" indent="-228600" algn="l" defTabSz="457200" rtl="0" eaLnBrk="1" latinLnBrk="0" hangingPunct="1">
+              <a:spcBef>
+                <a:spcPts val="1000"/>
+              </a:spcBef>
+              <a:spcAft>
+                <a:spcPts val="0"/>
+              </a:spcAft>
+              <a:buClr>
+                <a:schemeClr val="accent1"/>
+              </a:buClr>
+              <a:buFont typeface="Wingdings 3" charset="2"/>
+              <a:buChar char=""/>
+              <a:defRPr sz="1200" kern="1200">
+                <a:solidFill>
+                  <a:schemeClr val="tx1">
+                    <a:lumMod val="75000"/>
+                    <a:lumOff val="25000"/>
+                  </a:schemeClr>
+                </a:solidFill>
+                <a:latin typeface="+mn-lt"/>
+                <a:ea typeface="+mn-ea"/>
+                <a:cs typeface="+mn-cs"/>
+              </a:defRPr>
+            </a:lvl6pPr>
+            <a:lvl7pPr marL="2971800" indent="-228600" algn="l" defTabSz="457200" rtl="0" eaLnBrk="1" latinLnBrk="0" hangingPunct="1">
+              <a:spcBef>
+                <a:spcPts val="1000"/>
+              </a:spcBef>
+              <a:spcAft>
+                <a:spcPts val="0"/>
+              </a:spcAft>
+              <a:buClr>
+                <a:schemeClr val="accent1"/>
+              </a:buClr>
+              <a:buFont typeface="Wingdings 3" charset="2"/>
+              <a:buChar char=""/>
+              <a:defRPr sz="1200" kern="1200">
+                <a:solidFill>
+                  <a:schemeClr val="tx1">
+                    <a:lumMod val="75000"/>
+                    <a:lumOff val="25000"/>
+                  </a:schemeClr>
+                </a:solidFill>
+                <a:latin typeface="+mn-lt"/>
+                <a:ea typeface="+mn-ea"/>
+                <a:cs typeface="+mn-cs"/>
+              </a:defRPr>
+            </a:lvl7pPr>
+            <a:lvl8pPr marL="3429000" indent="-228600" algn="l" defTabSz="457200" rtl="0" eaLnBrk="1" latinLnBrk="0" hangingPunct="1">
+              <a:spcBef>
+                <a:spcPts val="1000"/>
+              </a:spcBef>
+              <a:spcAft>
+                <a:spcPts val="0"/>
+              </a:spcAft>
+              <a:buClr>
+                <a:schemeClr val="accent1"/>
+              </a:buClr>
+              <a:buFont typeface="Wingdings 3" charset="2"/>
+              <a:buChar char=""/>
+              <a:defRPr sz="1200" kern="1200">
+                <a:solidFill>
+                  <a:schemeClr val="tx1">
+                    <a:lumMod val="75000"/>
+                    <a:lumOff val="25000"/>
+                  </a:schemeClr>
+                </a:solidFill>
+                <a:latin typeface="+mn-lt"/>
+                <a:ea typeface="+mn-ea"/>
+                <a:cs typeface="+mn-cs"/>
+              </a:defRPr>
+            </a:lvl8pPr>
+            <a:lvl9pPr marL="3886200" indent="-228600" algn="l" defTabSz="457200" rtl="0" eaLnBrk="1" latinLnBrk="0" hangingPunct="1">
+              <a:spcBef>
+                <a:spcPts val="1000"/>
+              </a:spcBef>
+              <a:spcAft>
+                <a:spcPts val="0"/>
+              </a:spcAft>
+              <a:buClr>
+                <a:schemeClr val="accent1"/>
+              </a:buClr>
+              <a:buFont typeface="Wingdings 3" charset="2"/>
+              <a:buChar char=""/>
+              <a:defRPr sz="1200" kern="1200">
+                <a:solidFill>
+                  <a:schemeClr val="tx1">
+                    <a:lumMod val="75000"/>
+                    <a:lumOff val="25000"/>
+                  </a:schemeClr>
+                </a:solidFill>
+                <a:latin typeface="+mn-lt"/>
+                <a:ea typeface="+mn-ea"/>
+                <a:cs typeface="+mn-cs"/>
+              </a:defRPr>
+            </a:lvl9pPr>
+          </a:lstStyle>
+          <a:p>
+            <a:r>
+              <a:rPr lang="fr-FR" dirty="0" smtClean="0"/>
+              <a:t>L’internaute se rend sur le site, il y découvre l’offre et il souhaite effectuer un pari, ce qui nécessite de s’inscrire.</a:t>
+            </a:r>
+          </a:p>
+          <a:p>
+            <a:r>
+              <a:rPr lang="fr-FR" dirty="0" smtClean="0"/>
+              <a:t>Une fois inscrit, il s’authentifie et accède à sa page personnelle afin de modifier ses </a:t>
+            </a:r>
+            <a:r>
+              <a:rPr lang="fr-FR" dirty="0" smtClean="0"/>
+              <a:t>données par exemple le montant maximum pour un pari et un numéro de rue.</a:t>
+            </a:r>
+          </a:p>
+          <a:p>
+            <a:r>
+              <a:rPr lang="fr-FR" dirty="0" smtClean="0"/>
+              <a:t>Il souhaite créditer son compte pour parier GROS !</a:t>
+            </a:r>
+            <a:endParaRPr lang="fr-FR" dirty="0" smtClean="0"/>
+          </a:p>
+        </p:txBody>
+      </p:sp>
+    </p:spTree>
+    <p:extLst>
+      <p:ext uri="{BB962C8B-B14F-4D97-AF65-F5344CB8AC3E}">
+        <p14:creationId xmlns:p14="http://schemas.microsoft.com/office/powerpoint/2010/main" val="171439"/>
+      </p:ext>
+    </p:extLst>
+  </p:cSld>
+  <p:clrMapOvr>
+    <a:masterClrMapping/>
+  </p:clrMapOvr>
+  <p:timing>
+    <p:tnLst>
+      <p:par>
+        <p:cTn id="1" dur="indefinite" restart="never" nodeType="tmRoot"/>
+      </p:par>
+    </p:tnLst>
+  </p:timing>
+</p:sld>
+</file>
+
+<file path=ppt/slides/slide19.xml><?xml version="1.0" encoding="utf-8"?>
+<p:sld xmlns:a="http://schemas.openxmlformats.org/drawingml/2006/main" xmlns:r="http://schemas.openxmlformats.org/officeDocument/2006/relationships" xmlns:p="http://schemas.openxmlformats.org/presentationml/2006/main">
+  <p:cSld>
+    <p:spTree>
+      <p:nvGrpSpPr>
+        <p:cNvPr id="1" name=""/>
+        <p:cNvGrpSpPr/>
+        <p:nvPr/>
+      </p:nvGrpSpPr>
+      <p:grpSpPr>
+        <a:xfrm>
+          <a:off x="0" y="0"/>
+          <a:ext cx="0" cy="0"/>
+          <a:chOff x="0" y="0"/>
+          <a:chExt cx="0" cy="0"/>
+        </a:xfrm>
+      </p:grpSpPr>
+      <p:sp>
+        <p:nvSpPr>
+          <p:cNvPr id="2" name="Titre 1"/>
+          <p:cNvSpPr>
+            <a:spLocks noGrp="1"/>
+          </p:cNvSpPr>
+          <p:nvPr>
+            <p:ph type="title"/>
+          </p:nvPr>
+        </p:nvSpPr>
+        <p:spPr>
+          <a:xfrm>
+            <a:off x="1945201" y="624110"/>
+            <a:ext cx="6589199" cy="1148706"/>
+          </a:xfrm>
+        </p:spPr>
+        <p:txBody>
+          <a:bodyPr>
+            <a:normAutofit fontScale="90000"/>
+          </a:bodyPr>
+          <a:lstStyle/>
+          <a:p>
+            <a:r>
+              <a:rPr lang="fr-FR" dirty="0" smtClean="0"/>
+              <a:t>Présentation scénario </a:t>
+            </a:r>
+            <a:r>
+              <a:rPr lang="fr-FR" dirty="0" smtClean="0"/>
+              <a:t>n°3 </a:t>
+            </a:r>
+            <a:r>
+              <a:rPr lang="fr-FR" dirty="0" smtClean="0"/>
+              <a:t/>
+            </a:r>
+            <a:br>
+              <a:rPr lang="fr-FR" dirty="0" smtClean="0"/>
+            </a:br>
+            <a:r>
+              <a:rPr lang="fr-FR" dirty="0" smtClean="0"/>
+              <a:t>	-&gt;Utilisation classique</a:t>
+            </a:r>
+            <a:br>
+              <a:rPr lang="fr-FR" dirty="0" smtClean="0"/>
+            </a:br>
+            <a:endParaRPr lang="fr-FR" dirty="0"/>
+          </a:p>
+        </p:txBody>
+      </p:sp>
+      <p:sp>
+        <p:nvSpPr>
+          <p:cNvPr id="5" name="Espace réservé du contenu 2"/>
+          <p:cNvSpPr txBox="1">
+            <a:spLocks/>
+          </p:cNvSpPr>
+          <p:nvPr/>
+        </p:nvSpPr>
+        <p:spPr>
+          <a:xfrm>
+            <a:off x="1940455" y="1772816"/>
+            <a:ext cx="6591985" cy="4680520"/>
+          </a:xfrm>
+          <a:prstGeom prst="rect">
+            <a:avLst/>
+          </a:prstGeom>
+        </p:spPr>
+        <p:txBody>
+          <a:bodyPr vert="horz" lIns="91440" tIns="45720" rIns="91440" bIns="45720" rtlCol="0">
+            <a:normAutofit fontScale="92500"/>
+          </a:bodyPr>
+          <a:lstStyle>
+            <a:lvl1pPr marL="342900" indent="-342900" algn="l" defTabSz="457200" rtl="0" eaLnBrk="1" latinLnBrk="0" hangingPunct="1">
+              <a:spcBef>
+                <a:spcPts val="1000"/>
+              </a:spcBef>
+              <a:spcAft>
+                <a:spcPts val="0"/>
+              </a:spcAft>
+              <a:buClr>
+                <a:schemeClr val="accent1"/>
+              </a:buClr>
+              <a:buFont typeface="Wingdings 3" charset="2"/>
+              <a:buChar char=""/>
+              <a:defRPr sz="1800" kern="1200">
+                <a:solidFill>
+                  <a:schemeClr val="tx1">
+                    <a:lumMod val="75000"/>
+                    <a:lumOff val="25000"/>
+                  </a:schemeClr>
+                </a:solidFill>
+                <a:latin typeface="+mn-lt"/>
+                <a:ea typeface="+mn-ea"/>
+                <a:cs typeface="+mn-cs"/>
+              </a:defRPr>
+            </a:lvl1pPr>
+            <a:lvl2pPr marL="742950" indent="-285750" algn="l" defTabSz="457200" rtl="0" eaLnBrk="1" latinLnBrk="0" hangingPunct="1">
+              <a:spcBef>
+                <a:spcPts val="1000"/>
+              </a:spcBef>
+              <a:spcAft>
+                <a:spcPts val="0"/>
+              </a:spcAft>
+              <a:buClr>
+                <a:schemeClr val="accent1"/>
+              </a:buClr>
+              <a:buFont typeface="Wingdings 3" charset="2"/>
+              <a:buChar char=""/>
+              <a:defRPr sz="1600" kern="1200">
+                <a:solidFill>
+                  <a:schemeClr val="tx1">
+                    <a:lumMod val="75000"/>
+                    <a:lumOff val="25000"/>
+                  </a:schemeClr>
+                </a:solidFill>
+                <a:latin typeface="+mn-lt"/>
+                <a:ea typeface="+mn-ea"/>
+                <a:cs typeface="+mn-cs"/>
+              </a:defRPr>
+            </a:lvl2pPr>
+            <a:lvl3pPr marL="1143000" indent="-228600" algn="l" defTabSz="457200" rtl="0" eaLnBrk="1" latinLnBrk="0" hangingPunct="1">
+              <a:spcBef>
+                <a:spcPts val="1000"/>
+              </a:spcBef>
+              <a:spcAft>
+                <a:spcPts val="0"/>
+              </a:spcAft>
+              <a:buClr>
+                <a:schemeClr val="accent1"/>
+              </a:buClr>
+              <a:buFont typeface="Wingdings 3" charset="2"/>
+              <a:buChar char=""/>
+              <a:defRPr sz="1400" kern="1200">
+                <a:solidFill>
+                  <a:schemeClr val="tx1">
+                    <a:lumMod val="75000"/>
+                    <a:lumOff val="25000"/>
+                  </a:schemeClr>
+                </a:solidFill>
+                <a:latin typeface="+mn-lt"/>
+                <a:ea typeface="+mn-ea"/>
+                <a:cs typeface="+mn-cs"/>
+              </a:defRPr>
+            </a:lvl3pPr>
+            <a:lvl4pPr marL="1600200" indent="-228600" algn="l" defTabSz="457200" rtl="0" eaLnBrk="1" latinLnBrk="0" hangingPunct="1">
+              <a:spcBef>
+                <a:spcPts val="1000"/>
+              </a:spcBef>
+              <a:spcAft>
+                <a:spcPts val="0"/>
+              </a:spcAft>
+              <a:buClr>
+                <a:schemeClr val="accent1"/>
+              </a:buClr>
+              <a:buFont typeface="Wingdings 3" charset="2"/>
+              <a:buChar char=""/>
+              <a:defRPr sz="1200" kern="1200">
+                <a:solidFill>
+                  <a:schemeClr val="tx1">
+                    <a:lumMod val="75000"/>
+                    <a:lumOff val="25000"/>
+                  </a:schemeClr>
+                </a:solidFill>
+                <a:latin typeface="+mn-lt"/>
+                <a:ea typeface="+mn-ea"/>
+                <a:cs typeface="+mn-cs"/>
+              </a:defRPr>
+            </a:lvl4pPr>
+            <a:lvl5pPr marL="2057400" indent="-228600" algn="l" defTabSz="457200" rtl="0" eaLnBrk="1" latinLnBrk="0" hangingPunct="1">
+              <a:spcBef>
+                <a:spcPts val="1000"/>
+              </a:spcBef>
+              <a:spcAft>
+                <a:spcPts val="0"/>
+              </a:spcAft>
+              <a:buClr>
+                <a:schemeClr val="accent1"/>
+              </a:buClr>
+              <a:buFont typeface="Wingdings 3" charset="2"/>
+              <a:buChar char=""/>
+              <a:defRPr sz="1200" kern="1200">
+                <a:solidFill>
+                  <a:schemeClr val="tx1">
+                    <a:lumMod val="75000"/>
+                    <a:lumOff val="25000"/>
+                  </a:schemeClr>
+                </a:solidFill>
+                <a:latin typeface="+mn-lt"/>
+                <a:ea typeface="+mn-ea"/>
+                <a:cs typeface="+mn-cs"/>
+              </a:defRPr>
+            </a:lvl5pPr>
+            <a:lvl6pPr marL="2514600" indent="-228600" algn="l" defTabSz="457200" rtl="0" eaLnBrk="1" latinLnBrk="0" hangingPunct="1">
+              <a:spcBef>
+                <a:spcPts val="1000"/>
+              </a:spcBef>
+              <a:spcAft>
+                <a:spcPts val="0"/>
+              </a:spcAft>
+              <a:buClr>
+                <a:schemeClr val="accent1"/>
+              </a:buClr>
+              <a:buFont typeface="Wingdings 3" charset="2"/>
+              <a:buChar char=""/>
+              <a:defRPr sz="1200" kern="1200">
+                <a:solidFill>
+                  <a:schemeClr val="tx1">
+                    <a:lumMod val="75000"/>
+                    <a:lumOff val="25000"/>
+                  </a:schemeClr>
+                </a:solidFill>
+                <a:latin typeface="+mn-lt"/>
+                <a:ea typeface="+mn-ea"/>
+                <a:cs typeface="+mn-cs"/>
+              </a:defRPr>
+            </a:lvl6pPr>
+            <a:lvl7pPr marL="2971800" indent="-228600" algn="l" defTabSz="457200" rtl="0" eaLnBrk="1" latinLnBrk="0" hangingPunct="1">
+              <a:spcBef>
+                <a:spcPts val="1000"/>
+              </a:spcBef>
+              <a:spcAft>
+                <a:spcPts val="0"/>
+              </a:spcAft>
+              <a:buClr>
+                <a:schemeClr val="accent1"/>
+              </a:buClr>
+              <a:buFont typeface="Wingdings 3" charset="2"/>
+              <a:buChar char=""/>
+              <a:defRPr sz="1200" kern="1200">
+                <a:solidFill>
+                  <a:schemeClr val="tx1">
+                    <a:lumMod val="75000"/>
+                    <a:lumOff val="25000"/>
+                  </a:schemeClr>
+                </a:solidFill>
+                <a:latin typeface="+mn-lt"/>
+                <a:ea typeface="+mn-ea"/>
+                <a:cs typeface="+mn-cs"/>
+              </a:defRPr>
+            </a:lvl7pPr>
+            <a:lvl8pPr marL="3429000" indent="-228600" algn="l" defTabSz="457200" rtl="0" eaLnBrk="1" latinLnBrk="0" hangingPunct="1">
+              <a:spcBef>
+                <a:spcPts val="1000"/>
+              </a:spcBef>
+              <a:spcAft>
+                <a:spcPts val="0"/>
+              </a:spcAft>
+              <a:buClr>
+                <a:schemeClr val="accent1"/>
+              </a:buClr>
+              <a:buFont typeface="Wingdings 3" charset="2"/>
+              <a:buChar char=""/>
+              <a:defRPr sz="1200" kern="1200">
+                <a:solidFill>
+                  <a:schemeClr val="tx1">
+                    <a:lumMod val="75000"/>
+                    <a:lumOff val="25000"/>
+                  </a:schemeClr>
+                </a:solidFill>
+                <a:latin typeface="+mn-lt"/>
+                <a:ea typeface="+mn-ea"/>
+                <a:cs typeface="+mn-cs"/>
+              </a:defRPr>
+            </a:lvl8pPr>
+            <a:lvl9pPr marL="3886200" indent="-228600" algn="l" defTabSz="457200" rtl="0" eaLnBrk="1" latinLnBrk="0" hangingPunct="1">
+              <a:spcBef>
+                <a:spcPts val="1000"/>
+              </a:spcBef>
+              <a:spcAft>
+                <a:spcPts val="0"/>
+              </a:spcAft>
+              <a:buClr>
+                <a:schemeClr val="accent1"/>
+              </a:buClr>
+              <a:buFont typeface="Wingdings 3" charset="2"/>
+              <a:buChar char=""/>
+              <a:defRPr sz="1200" kern="1200">
+                <a:solidFill>
+                  <a:schemeClr val="tx1">
+                    <a:lumMod val="75000"/>
+                    <a:lumOff val="25000"/>
+                  </a:schemeClr>
+                </a:solidFill>
+                <a:latin typeface="+mn-lt"/>
+                <a:ea typeface="+mn-ea"/>
+                <a:cs typeface="+mn-cs"/>
+              </a:defRPr>
+            </a:lvl9pPr>
+          </a:lstStyle>
+          <a:p>
+            <a:r>
+              <a:rPr lang="fr-FR" dirty="0" smtClean="0"/>
+              <a:t>L’internaute est un habitué du site, pour l’utiliser il s’authentifie.</a:t>
+            </a:r>
+          </a:p>
+          <a:p>
+            <a:r>
+              <a:rPr lang="fr-FR" dirty="0" smtClean="0"/>
+              <a:t>Au premier coup d’œil il voit le solde de son compte, il veut consulter la liste de ses paris pour voir lesquels lui ont rapporté de l’argent.</a:t>
+            </a:r>
+          </a:p>
+          <a:p>
+            <a:r>
+              <a:rPr lang="fr-FR" dirty="0" smtClean="0"/>
+              <a:t>Ayant récemment gagné de l’argent il décide d’augmenter sa mise sur un de ses paris n’ayant pas encore débuté, il décide également modifier un autre pari en pariant sur l’autre équipe.</a:t>
+            </a:r>
+          </a:p>
+          <a:p>
+            <a:r>
+              <a:rPr lang="fr-FR" dirty="0" smtClean="0"/>
+              <a:t>Au vu des résultats récents il décide également d’annuler un de ses paris sur une équipe peu performante.</a:t>
+            </a:r>
+          </a:p>
+          <a:p>
+            <a:r>
+              <a:rPr lang="fr-FR" dirty="0" smtClean="0"/>
+              <a:t>Il décide de réinvestir une partie de ses gains en pariant sur une nouvelle rencontre proposée par </a:t>
+            </a:r>
+            <a:r>
+              <a:rPr lang="fr-FR" dirty="0" err="1" smtClean="0"/>
+              <a:t>WeBet</a:t>
+            </a:r>
+            <a:r>
+              <a:rPr lang="fr-FR" dirty="0" smtClean="0"/>
+              <a:t>.</a:t>
+            </a:r>
+          </a:p>
+          <a:p>
+            <a:r>
+              <a:rPr lang="fr-FR" dirty="0" smtClean="0"/>
+              <a:t>Il décide de récupérer une partie de ses gains en les sortant de son portefeuille </a:t>
+            </a:r>
+            <a:r>
+              <a:rPr lang="fr-FR" dirty="0" err="1" smtClean="0"/>
+              <a:t>WeBet</a:t>
+            </a:r>
+            <a:r>
+              <a:rPr lang="fr-FR" dirty="0" smtClean="0"/>
+              <a:t>.</a:t>
+            </a:r>
+          </a:p>
+          <a:p>
+            <a:r>
+              <a:rPr lang="fr-FR" dirty="0" smtClean="0"/>
+              <a:t>Il se déconnecte et reviendra une prochaine fois.</a:t>
+            </a:r>
+          </a:p>
+          <a:p>
+            <a:endParaRPr lang="fr-FR" dirty="0" smtClean="0"/>
+          </a:p>
+          <a:p>
+            <a:endParaRPr lang="fr-FR" dirty="0" smtClean="0"/>
+          </a:p>
+        </p:txBody>
+      </p:sp>
+    </p:spTree>
+    <p:extLst>
+      <p:ext uri="{BB962C8B-B14F-4D97-AF65-F5344CB8AC3E}">
+        <p14:creationId xmlns:p14="http://schemas.microsoft.com/office/powerpoint/2010/main" val="3269880993"/>
       </p:ext>
     </p:extLst>
   </p:cSld>
@@ -10898,26 +12030,39 @@
           <a:p>
             <a:r>
               <a:rPr lang="fr-FR" dirty="0" smtClean="0"/>
-              <a:t>Développement</a:t>
-            </a:r>
-          </a:p>
-          <a:p>
+              <a:t>Développement Tests</a:t>
+            </a:r>
+            <a:endParaRPr lang="fr-FR" dirty="0" smtClean="0"/>
+          </a:p>
+          <a:p>
+            <a:r>
+              <a:rPr lang="fr-FR" dirty="0"/>
+              <a:t>Conduite du </a:t>
+            </a:r>
             <a:r>
               <a:rPr lang="fr-FR" dirty="0" smtClean="0"/>
-              <a:t>Tests</a:t>
-            </a:r>
-          </a:p>
-          <a:p>
+              <a:t>projet</a:t>
+            </a:r>
+          </a:p>
+          <a:p>
+            <a:r>
+              <a:rPr lang="fr-FR" dirty="0" smtClean="0"/>
+              <a:t>Présentation </a:t>
+            </a:r>
             <a:r>
               <a:rPr lang="fr-FR" dirty="0"/>
-              <a:t>Conduite du projet</a:t>
-            </a:r>
+              <a:t>de scénarios</a:t>
+            </a:r>
+            <a:endParaRPr lang="fr-FR" dirty="0"/>
           </a:p>
           <a:p>
             <a:r>
               <a:rPr lang="fr-FR" dirty="0" smtClean="0"/>
               <a:t>Conclusion</a:t>
             </a:r>
+            <a:endParaRPr lang="fr-FR" dirty="0"/>
+          </a:p>
+          <a:p>
             <a:endParaRPr lang="fr-FR" dirty="0"/>
           </a:p>
         </p:txBody>
@@ -10992,10 +12137,15 @@
             <p:ph idx="1"/>
           </p:nvPr>
         </p:nvSpPr>
-        <p:spPr/>
+        <p:spPr>
+          <a:xfrm>
+            <a:off x="1942415" y="1340768"/>
+            <a:ext cx="6878057" cy="5400600"/>
+          </a:xfrm>
+        </p:spPr>
         <p:txBody>
           <a:bodyPr>
-            <a:normAutofit fontScale="62500" lnSpcReduction="20000"/>
+            <a:normAutofit lnSpcReduction="10000"/>
           </a:bodyPr>
           <a:lstStyle/>
           <a:p>
@@ -11269,8 +12419,8 @@
         </p:nvSpPr>
         <p:spPr>
           <a:xfrm>
-            <a:off x="1945201" y="2852936"/>
-            <a:ext cx="6591985" cy="1439416"/>
+            <a:off x="1945201" y="3356992"/>
+            <a:ext cx="6591985" cy="1008112"/>
           </a:xfrm>
         </p:spPr>
         <p:txBody>
@@ -11285,13 +12435,11 @@
           <a:p>
             <a:r>
               <a:rPr lang="fr-FR" dirty="0" smtClean="0"/>
-              <a:t>Analyse du domaine</a:t>
-            </a:r>
-          </a:p>
-          <a:p>
+              <a:t>Analyse </a:t>
+            </a:r>
             <a:r>
               <a:rPr lang="fr-FR" dirty="0" smtClean="0"/>
-              <a:t>Analyse du domaine objet</a:t>
+              <a:t>du domaine objet</a:t>
             </a:r>
           </a:p>
           <a:p>
@@ -11498,6 +12646,278 @@
           </a:effectLst>
         </p:spPr>
       </p:pic>
+      <p:sp>
+        <p:nvSpPr>
+          <p:cNvPr id="6" name="Espace réservé du contenu 2"/>
+          <p:cNvSpPr txBox="1">
+            <a:spLocks/>
+          </p:cNvSpPr>
+          <p:nvPr/>
+        </p:nvSpPr>
+        <p:spPr>
+          <a:xfrm>
+            <a:off x="6397817" y="4221088"/>
+            <a:ext cx="2772975" cy="1368152"/>
+          </a:xfrm>
+          <a:prstGeom prst="rect">
+            <a:avLst/>
+          </a:prstGeom>
+        </p:spPr>
+        <p:txBody>
+          <a:bodyPr vert="horz" lIns="91440" tIns="45720" rIns="91440" bIns="45720" rtlCol="0">
+            <a:normAutofit fontScale="92500" lnSpcReduction="10000"/>
+          </a:bodyPr>
+          <a:lstStyle>
+            <a:lvl1pPr marL="342900" indent="-342900" algn="l" defTabSz="457200" rtl="0" eaLnBrk="1" latinLnBrk="0" hangingPunct="1">
+              <a:spcBef>
+                <a:spcPts val="1000"/>
+              </a:spcBef>
+              <a:spcAft>
+                <a:spcPts val="0"/>
+              </a:spcAft>
+              <a:buClr>
+                <a:schemeClr val="accent1"/>
+              </a:buClr>
+              <a:buFont typeface="Wingdings 3" charset="2"/>
+              <a:buChar char=""/>
+              <a:defRPr sz="1800" kern="1200">
+                <a:solidFill>
+                  <a:schemeClr val="tx1">
+                    <a:lumMod val="75000"/>
+                    <a:lumOff val="25000"/>
+                  </a:schemeClr>
+                </a:solidFill>
+                <a:latin typeface="+mn-lt"/>
+                <a:ea typeface="+mn-ea"/>
+                <a:cs typeface="+mn-cs"/>
+              </a:defRPr>
+            </a:lvl1pPr>
+            <a:lvl2pPr marL="742950" indent="-285750" algn="l" defTabSz="457200" rtl="0" eaLnBrk="1" latinLnBrk="0" hangingPunct="1">
+              <a:spcBef>
+                <a:spcPts val="1000"/>
+              </a:spcBef>
+              <a:spcAft>
+                <a:spcPts val="0"/>
+              </a:spcAft>
+              <a:buClr>
+                <a:schemeClr val="accent1"/>
+              </a:buClr>
+              <a:buFont typeface="Wingdings 3" charset="2"/>
+              <a:buChar char=""/>
+              <a:defRPr sz="1600" kern="1200">
+                <a:solidFill>
+                  <a:schemeClr val="tx1">
+                    <a:lumMod val="75000"/>
+                    <a:lumOff val="25000"/>
+                  </a:schemeClr>
+                </a:solidFill>
+                <a:latin typeface="+mn-lt"/>
+                <a:ea typeface="+mn-ea"/>
+                <a:cs typeface="+mn-cs"/>
+              </a:defRPr>
+            </a:lvl2pPr>
+            <a:lvl3pPr marL="1143000" indent="-228600" algn="l" defTabSz="457200" rtl="0" eaLnBrk="1" latinLnBrk="0" hangingPunct="1">
+              <a:spcBef>
+                <a:spcPts val="1000"/>
+              </a:spcBef>
+              <a:spcAft>
+                <a:spcPts val="0"/>
+              </a:spcAft>
+              <a:buClr>
+                <a:schemeClr val="accent1"/>
+              </a:buClr>
+              <a:buFont typeface="Wingdings 3" charset="2"/>
+              <a:buChar char=""/>
+              <a:defRPr sz="1400" kern="1200">
+                <a:solidFill>
+                  <a:schemeClr val="tx1">
+                    <a:lumMod val="75000"/>
+                    <a:lumOff val="25000"/>
+                  </a:schemeClr>
+                </a:solidFill>
+                <a:latin typeface="+mn-lt"/>
+                <a:ea typeface="+mn-ea"/>
+                <a:cs typeface="+mn-cs"/>
+              </a:defRPr>
+            </a:lvl3pPr>
+            <a:lvl4pPr marL="1600200" indent="-228600" algn="l" defTabSz="457200" rtl="0" eaLnBrk="1" latinLnBrk="0" hangingPunct="1">
+              <a:spcBef>
+                <a:spcPts val="1000"/>
+              </a:spcBef>
+              <a:spcAft>
+                <a:spcPts val="0"/>
+              </a:spcAft>
+              <a:buClr>
+                <a:schemeClr val="accent1"/>
+              </a:buClr>
+              <a:buFont typeface="Wingdings 3" charset="2"/>
+              <a:buChar char=""/>
+              <a:defRPr sz="1200" kern="1200">
+                <a:solidFill>
+                  <a:schemeClr val="tx1">
+                    <a:lumMod val="75000"/>
+                    <a:lumOff val="25000"/>
+                  </a:schemeClr>
+                </a:solidFill>
+                <a:latin typeface="+mn-lt"/>
+                <a:ea typeface="+mn-ea"/>
+                <a:cs typeface="+mn-cs"/>
+              </a:defRPr>
+            </a:lvl4pPr>
+            <a:lvl5pPr marL="2057400" indent="-228600" algn="l" defTabSz="457200" rtl="0" eaLnBrk="1" latinLnBrk="0" hangingPunct="1">
+              <a:spcBef>
+                <a:spcPts val="1000"/>
+              </a:spcBef>
+              <a:spcAft>
+                <a:spcPts val="0"/>
+              </a:spcAft>
+              <a:buClr>
+                <a:schemeClr val="accent1"/>
+              </a:buClr>
+              <a:buFont typeface="Wingdings 3" charset="2"/>
+              <a:buChar char=""/>
+              <a:defRPr sz="1200" kern="1200">
+                <a:solidFill>
+                  <a:schemeClr val="tx1">
+                    <a:lumMod val="75000"/>
+                    <a:lumOff val="25000"/>
+                  </a:schemeClr>
+                </a:solidFill>
+                <a:latin typeface="+mn-lt"/>
+                <a:ea typeface="+mn-ea"/>
+                <a:cs typeface="+mn-cs"/>
+              </a:defRPr>
+            </a:lvl5pPr>
+            <a:lvl6pPr marL="2514600" indent="-228600" algn="l" defTabSz="457200" rtl="0" eaLnBrk="1" latinLnBrk="0" hangingPunct="1">
+              <a:spcBef>
+                <a:spcPts val="1000"/>
+              </a:spcBef>
+              <a:spcAft>
+                <a:spcPts val="0"/>
+              </a:spcAft>
+              <a:buClr>
+                <a:schemeClr val="accent1"/>
+              </a:buClr>
+              <a:buFont typeface="Wingdings 3" charset="2"/>
+              <a:buChar char=""/>
+              <a:defRPr sz="1200" kern="1200">
+                <a:solidFill>
+                  <a:schemeClr val="tx1">
+                    <a:lumMod val="75000"/>
+                    <a:lumOff val="25000"/>
+                  </a:schemeClr>
+                </a:solidFill>
+                <a:latin typeface="+mn-lt"/>
+                <a:ea typeface="+mn-ea"/>
+                <a:cs typeface="+mn-cs"/>
+              </a:defRPr>
+            </a:lvl6pPr>
+            <a:lvl7pPr marL="2971800" indent="-228600" algn="l" defTabSz="457200" rtl="0" eaLnBrk="1" latinLnBrk="0" hangingPunct="1">
+              <a:spcBef>
+                <a:spcPts val="1000"/>
+              </a:spcBef>
+              <a:spcAft>
+                <a:spcPts val="0"/>
+              </a:spcAft>
+              <a:buClr>
+                <a:schemeClr val="accent1"/>
+              </a:buClr>
+              <a:buFont typeface="Wingdings 3" charset="2"/>
+              <a:buChar char=""/>
+              <a:defRPr sz="1200" kern="1200">
+                <a:solidFill>
+                  <a:schemeClr val="tx1">
+                    <a:lumMod val="75000"/>
+                    <a:lumOff val="25000"/>
+                  </a:schemeClr>
+                </a:solidFill>
+                <a:latin typeface="+mn-lt"/>
+                <a:ea typeface="+mn-ea"/>
+                <a:cs typeface="+mn-cs"/>
+              </a:defRPr>
+            </a:lvl7pPr>
+            <a:lvl8pPr marL="3429000" indent="-228600" algn="l" defTabSz="457200" rtl="0" eaLnBrk="1" latinLnBrk="0" hangingPunct="1">
+              <a:spcBef>
+                <a:spcPts val="1000"/>
+              </a:spcBef>
+              <a:spcAft>
+                <a:spcPts val="0"/>
+              </a:spcAft>
+              <a:buClr>
+                <a:schemeClr val="accent1"/>
+              </a:buClr>
+              <a:buFont typeface="Wingdings 3" charset="2"/>
+              <a:buChar char=""/>
+              <a:defRPr sz="1200" kern="1200">
+                <a:solidFill>
+                  <a:schemeClr val="tx1">
+                    <a:lumMod val="75000"/>
+                    <a:lumOff val="25000"/>
+                  </a:schemeClr>
+                </a:solidFill>
+                <a:latin typeface="+mn-lt"/>
+                <a:ea typeface="+mn-ea"/>
+                <a:cs typeface="+mn-cs"/>
+              </a:defRPr>
+            </a:lvl8pPr>
+            <a:lvl9pPr marL="3886200" indent="-228600" algn="l" defTabSz="457200" rtl="0" eaLnBrk="1" latinLnBrk="0" hangingPunct="1">
+              <a:spcBef>
+                <a:spcPts val="1000"/>
+              </a:spcBef>
+              <a:spcAft>
+                <a:spcPts val="0"/>
+              </a:spcAft>
+              <a:buClr>
+                <a:schemeClr val="accent1"/>
+              </a:buClr>
+              <a:buFont typeface="Wingdings 3" charset="2"/>
+              <a:buChar char=""/>
+              <a:defRPr sz="1200" kern="1200">
+                <a:solidFill>
+                  <a:schemeClr val="tx1">
+                    <a:lumMod val="75000"/>
+                    <a:lumOff val="25000"/>
+                  </a:schemeClr>
+                </a:solidFill>
+                <a:latin typeface="+mn-lt"/>
+                <a:ea typeface="+mn-ea"/>
+                <a:cs typeface="+mn-cs"/>
+              </a:defRPr>
+            </a:lvl9pPr>
+          </a:lstStyle>
+          <a:p>
+            <a:pPr marL="0" indent="0">
+              <a:buNone/>
+            </a:pPr>
+            <a:r>
+              <a:rPr lang="fr-FR" u="sng" dirty="0" smtClean="0"/>
+              <a:t>Identification des acteurs:</a:t>
+            </a:r>
+          </a:p>
+          <a:p>
+            <a:pPr lvl="1"/>
+            <a:r>
+              <a:rPr lang="fr-FR" dirty="0" smtClean="0"/>
+              <a:t>User</a:t>
+            </a:r>
+          </a:p>
+          <a:p>
+            <a:pPr lvl="1"/>
+            <a:r>
+              <a:rPr lang="fr-FR" dirty="0" smtClean="0"/>
+              <a:t>Admin</a:t>
+            </a:r>
+          </a:p>
+          <a:p>
+            <a:pPr lvl="1"/>
+            <a:r>
+              <a:rPr lang="fr-FR" dirty="0" smtClean="0"/>
+              <a:t>Prospect</a:t>
+            </a:r>
+            <a:endParaRPr lang="fr-FR" dirty="0" smtClean="0"/>
+          </a:p>
+        </p:txBody>
+      </p:sp>
     </p:spTree>
     <p:extLst>
       <p:ext uri="{BB962C8B-B14F-4D97-AF65-F5344CB8AC3E}">
@@ -11851,8 +13271,13 @@
             <a:pPr lvl="2"/>
             <a:r>
               <a:rPr lang="fr-FR" dirty="0" smtClean="0"/>
-              <a:t>Projet destiné à la Java Virtual Machine</a:t>
-            </a:r>
+              <a:t>Projet </a:t>
+            </a:r>
+            <a:r>
+              <a:rPr lang="fr-FR" dirty="0" smtClean="0"/>
+              <a:t>orienté objet Java JEE</a:t>
+            </a:r>
+            <a:endParaRPr lang="fr-FR" dirty="0" smtClean="0"/>
           </a:p>
           <a:p>
             <a:pPr lvl="1"/>
@@ -12120,7 +13545,15 @@
                   <a:srgbClr val="0070C0"/>
                 </a:solidFill>
               </a:rPr>
-              <a:t>Choix des outils en conséquence:</a:t>
+              <a:t>Choix des </a:t>
+            </a:r>
+            <a:r>
+              <a:rPr lang="fr-FR" i="1" dirty="0" smtClean="0">
+                <a:solidFill>
+                  <a:srgbClr val="0070C0"/>
+                </a:solidFill>
+              </a:rPr>
+              <a:t>outils:</a:t>
             </a:r>
           </a:p>
           <a:p>
@@ -12137,7 +13570,11 @@
           <a:p>
             <a:r>
               <a:rPr lang="fr-FR" dirty="0" smtClean="0"/>
-              <a:t>IDE Eclipse </a:t>
+              <a:t>IDE </a:t>
+            </a:r>
+            <a:r>
+              <a:rPr lang="fr-FR" dirty="0" smtClean="0"/>
+              <a:t>Eclipse </a:t>
             </a:r>
             <a:r>
               <a:rPr lang="fr-FR" dirty="0" err="1" smtClean="0"/>
@@ -12515,7 +13952,15 @@
           <a:p>
             <a:r>
               <a:rPr lang="fr-FR" dirty="0" smtClean="0"/>
-              <a:t>Application « légère »</a:t>
+              <a:t>Application « </a:t>
+            </a:r>
+            <a:r>
+              <a:rPr lang="fr-FR" dirty="0" smtClean="0"/>
+              <a:t>client léger</a:t>
+            </a:r>
+            <a:r>
+              <a:rPr lang="fr-FR" dirty="0" smtClean="0"/>
+              <a:t> »</a:t>
             </a:r>
           </a:p>
           <a:p>

--- a/Présentation/Présentation WeBet_JBL.pptx
+++ b/Présentation/Présentation WeBet_JBL.pptx
@@ -153,20 +153,6 @@
 </p:cmAuthorLst>
 </file>
 
-<file path=ppt/comments/comment1.xml><?xml version="1.0" encoding="utf-8"?>
-<p:cmLst xmlns:a="http://schemas.openxmlformats.org/drawingml/2006/main" xmlns:r="http://schemas.openxmlformats.org/officeDocument/2006/relationships" xmlns:p="http://schemas.openxmlformats.org/presentationml/2006/main">
-  <p:cm authorId="1" dt="2018-07-10T10:45:43.488" idx="1">
-    <p:pos x="5329" y="1117"/>
-    <p:text/>
-    <p:extLst>
-      <p:ext uri="{C676402C-5697-4E1C-873F-D02D1690AC5C}">
-        <p15:threadingInfo xmlns:p15="http://schemas.microsoft.com/office/powerpoint/2012/main" timeZoneBias="-120"/>
-      </p:ext>
-    </p:extLst>
-  </p:cm>
-</p:cmLst>
-</file>
-
 <file path=ppt/slideLayouts/slideLayout1.xml><?xml version="1.0" encoding="utf-8"?>
 <p:sldLayout xmlns:a="http://schemas.openxmlformats.org/drawingml/2006/main" xmlns:r="http://schemas.openxmlformats.org/officeDocument/2006/relationships" xmlns:p="http://schemas.openxmlformats.org/presentationml/2006/main" type="title" preserve="1">
   <p:cSld name="Diapositive de titre">
@@ -211,7 +197,7 @@
           </a:lstStyle>
           <a:p>
             <a:r>
-              <a:rPr lang="fr-FR" smtClean="0"/>
+              <a:rPr lang="fr-FR"/>
               <a:t>Modifiez le style du titre</a:t>
             </a:r>
             <a:endParaRPr lang="en-US" dirty="0"/>
@@ -331,7 +317,7 @@
           </a:lstStyle>
           <a:p>
             <a:r>
-              <a:rPr lang="fr-FR" smtClean="0"/>
+              <a:rPr lang="fr-FR"/>
               <a:t>Modifier le style des sous-titres du masque</a:t>
             </a:r>
             <a:endParaRPr lang="en-US" dirty="0"/>
@@ -356,7 +342,7 @@
             <a:fld id="{91C81D2E-AC76-4E53-938B-CABEA8435F19}" type="datetimeFigureOut">
               <a:rPr lang="fr-FR" smtClean="0"/>
               <a:pPr/>
-              <a:t>11/07/2018</a:t>
+              <a:t>12/07/2018</a:t>
             </a:fld>
             <a:endParaRPr lang="fr-FR"/>
           </a:p>
@@ -543,7 +529,7 @@
           </a:lstStyle>
           <a:p>
             <a:r>
-              <a:rPr lang="fr-FR" smtClean="0"/>
+              <a:rPr lang="fr-FR"/>
               <a:t>Modifiez le style du titre</a:t>
             </a:r>
             <a:endParaRPr lang="en-US" dirty="0"/>
@@ -666,7 +652,7 @@
           <a:p>
             <a:pPr lvl="0"/>
             <a:r>
-              <a:rPr lang="fr-FR" smtClean="0"/>
+              <a:rPr lang="fr-FR"/>
               <a:t>Modifier les styles du texte du masque</a:t>
             </a:r>
           </a:p>
@@ -690,7 +676,7 @@
             <a:fld id="{91C81D2E-AC76-4E53-938B-CABEA8435F19}" type="datetimeFigureOut">
               <a:rPr lang="fr-FR" smtClean="0"/>
               <a:pPr/>
-              <a:t>11/07/2018</a:t>
+              <a:t>12/07/2018</a:t>
             </a:fld>
             <a:endParaRPr lang="fr-FR"/>
           </a:p>
@@ -881,7 +867,7 @@
           </a:lstStyle>
           <a:p>
             <a:r>
-              <a:rPr lang="fr-FR" smtClean="0"/>
+              <a:rPr lang="fr-FR"/>
               <a:t>Modifiez le style du titre</a:t>
             </a:r>
             <a:endParaRPr lang="en-US" dirty="0"/>
@@ -945,7 +931,7 @@
           <a:p>
             <a:pPr lvl="0"/>
             <a:r>
-              <a:rPr lang="fr-FR" smtClean="0"/>
+              <a:rPr lang="fr-FR"/>
               <a:t>Modifier les styles du texte du masque</a:t>
             </a:r>
           </a:p>
@@ -1067,7 +1053,7 @@
           <a:p>
             <a:pPr lvl="0"/>
             <a:r>
-              <a:rPr lang="fr-FR" smtClean="0"/>
+              <a:rPr lang="fr-FR"/>
               <a:t>Modifier les styles du texte du masque</a:t>
             </a:r>
           </a:p>
@@ -1091,7 +1077,7 @@
             <a:fld id="{91C81D2E-AC76-4E53-938B-CABEA8435F19}" type="datetimeFigureOut">
               <a:rPr lang="fr-FR" smtClean="0"/>
               <a:pPr/>
-              <a:t>11/07/2018</a:t>
+              <a:t>12/07/2018</a:t>
             </a:fld>
             <a:endParaRPr lang="fr-FR"/>
           </a:p>
@@ -1358,7 +1344,7 @@
           </a:lstStyle>
           <a:p>
             <a:r>
-              <a:rPr lang="fr-FR" smtClean="0"/>
+              <a:rPr lang="fr-FR"/>
               <a:t>Modifiez le style du titre</a:t>
             </a:r>
             <a:endParaRPr lang="en-US" dirty="0"/>
@@ -1403,7 +1389,7 @@
               <a:buNone/>
             </a:pPr>
             <a:r>
-              <a:rPr lang="fr-FR" smtClean="0"/>
+              <a:rPr lang="fr-FR"/>
               <a:t>Modifier les styles du texte du masque</a:t>
             </a:r>
           </a:p>
@@ -1427,7 +1413,7 @@
             <a:fld id="{91C81D2E-AC76-4E53-938B-CABEA8435F19}" type="datetimeFigureOut">
               <a:rPr lang="fr-FR" smtClean="0"/>
               <a:pPr/>
-              <a:t>11/07/2018</a:t>
+              <a:t>12/07/2018</a:t>
             </a:fld>
             <a:endParaRPr lang="fr-FR"/>
           </a:p>
@@ -1618,7 +1604,7 @@
           </a:lstStyle>
           <a:p>
             <a:r>
-              <a:rPr lang="fr-FR" smtClean="0"/>
+              <a:rPr lang="fr-FR"/>
               <a:t>Modifiez le style du titre</a:t>
             </a:r>
             <a:endParaRPr lang="en-US" dirty="0"/>
@@ -1679,7 +1665,7 @@
           <a:p>
             <a:pPr lvl="0"/>
             <a:r>
-              <a:rPr lang="fr-FR" smtClean="0"/>
+              <a:rPr lang="fr-FR"/>
               <a:t>Modifier les styles du texte du masque</a:t>
             </a:r>
           </a:p>
@@ -1723,7 +1709,7 @@
               <a:buNone/>
             </a:pPr>
             <a:r>
-              <a:rPr lang="fr-FR" smtClean="0"/>
+              <a:rPr lang="fr-FR"/>
               <a:t>Modifier les styles du texte du masque</a:t>
             </a:r>
           </a:p>
@@ -1747,7 +1733,7 @@
             <a:fld id="{91C81D2E-AC76-4E53-938B-CABEA8435F19}" type="datetimeFigureOut">
               <a:rPr lang="fr-FR" smtClean="0"/>
               <a:pPr/>
-              <a:t>11/07/2018</a:t>
+              <a:t>12/07/2018</a:t>
             </a:fld>
             <a:endParaRPr lang="fr-FR"/>
           </a:p>
@@ -2014,7 +2000,7 @@
           </a:lstStyle>
           <a:p>
             <a:r>
-              <a:rPr lang="fr-FR" smtClean="0"/>
+              <a:rPr lang="fr-FR"/>
               <a:t>Modifiez le style du titre</a:t>
             </a:r>
             <a:endParaRPr lang="en-US" dirty="0"/>
@@ -2075,7 +2061,7 @@
           <a:p>
             <a:pPr lvl="0"/>
             <a:r>
-              <a:rPr lang="fr-FR" smtClean="0"/>
+              <a:rPr lang="fr-FR"/>
               <a:t>Modifier les styles du texte du masque</a:t>
             </a:r>
           </a:p>
@@ -2119,7 +2105,7 @@
               <a:buNone/>
             </a:pPr>
             <a:r>
-              <a:rPr lang="fr-FR" smtClean="0"/>
+              <a:rPr lang="fr-FR"/>
               <a:t>Modifier les styles du texte du masque</a:t>
             </a:r>
           </a:p>
@@ -2143,7 +2129,7 @@
             <a:fld id="{91C81D2E-AC76-4E53-938B-CABEA8435F19}" type="datetimeFigureOut">
               <a:rPr lang="fr-FR" smtClean="0"/>
               <a:pPr/>
-              <a:t>11/07/2018</a:t>
+              <a:t>12/07/2018</a:t>
             </a:fld>
             <a:endParaRPr lang="fr-FR"/>
           </a:p>
@@ -2323,7 +2309,7 @@
           <a:lstStyle/>
           <a:p>
             <a:r>
-              <a:rPr lang="fr-FR" smtClean="0"/>
+              <a:rPr lang="fr-FR"/>
               <a:t>Modifiez le style du titre</a:t>
             </a:r>
             <a:endParaRPr lang="en-US" dirty="0"/>
@@ -2347,35 +2333,35 @@
           <a:p>
             <a:pPr lvl="0"/>
             <a:r>
-              <a:rPr lang="fr-FR" smtClean="0"/>
+              <a:rPr lang="fr-FR"/>
               <a:t>Modifier les styles du texte du masque</a:t>
             </a:r>
           </a:p>
           <a:p>
             <a:pPr lvl="1"/>
             <a:r>
-              <a:rPr lang="fr-FR" smtClean="0"/>
+              <a:rPr lang="fr-FR"/>
               <a:t>Deuxième niveau</a:t>
             </a:r>
           </a:p>
           <a:p>
             <a:pPr lvl="2"/>
             <a:r>
-              <a:rPr lang="fr-FR" smtClean="0"/>
+              <a:rPr lang="fr-FR"/>
               <a:t>Troisième niveau</a:t>
             </a:r>
           </a:p>
           <a:p>
             <a:pPr lvl="3"/>
             <a:r>
-              <a:rPr lang="fr-FR" smtClean="0"/>
+              <a:rPr lang="fr-FR"/>
               <a:t>Quatrième niveau</a:t>
             </a:r>
           </a:p>
           <a:p>
             <a:pPr lvl="4"/>
             <a:r>
-              <a:rPr lang="fr-FR" smtClean="0"/>
+              <a:rPr lang="fr-FR"/>
               <a:t>Cinquième niveau</a:t>
             </a:r>
             <a:endParaRPr lang="en-US" dirty="0"/>
@@ -2400,7 +2386,7 @@
             <a:fld id="{91C81D2E-AC76-4E53-938B-CABEA8435F19}" type="datetimeFigureOut">
               <a:rPr lang="fr-FR" smtClean="0"/>
               <a:pPr/>
-              <a:t>11/07/2018</a:t>
+              <a:t>12/07/2018</a:t>
             </a:fld>
             <a:endParaRPr lang="fr-FR"/>
           </a:p>
@@ -2580,7 +2566,7 @@
           <a:lstStyle/>
           <a:p>
             <a:r>
-              <a:rPr lang="fr-FR" smtClean="0"/>
+              <a:rPr lang="fr-FR"/>
               <a:t>Modifiez le style du titre</a:t>
             </a:r>
             <a:endParaRPr lang="en-US" dirty="0"/>
@@ -2609,35 +2595,35 @@
           <a:p>
             <a:pPr lvl="0"/>
             <a:r>
-              <a:rPr lang="fr-FR" smtClean="0"/>
+              <a:rPr lang="fr-FR"/>
               <a:t>Modifier les styles du texte du masque</a:t>
             </a:r>
           </a:p>
           <a:p>
             <a:pPr lvl="1"/>
             <a:r>
-              <a:rPr lang="fr-FR" smtClean="0"/>
+              <a:rPr lang="fr-FR"/>
               <a:t>Deuxième niveau</a:t>
             </a:r>
           </a:p>
           <a:p>
             <a:pPr lvl="2"/>
             <a:r>
-              <a:rPr lang="fr-FR" smtClean="0"/>
+              <a:rPr lang="fr-FR"/>
               <a:t>Troisième niveau</a:t>
             </a:r>
           </a:p>
           <a:p>
             <a:pPr lvl="3"/>
             <a:r>
-              <a:rPr lang="fr-FR" smtClean="0"/>
+              <a:rPr lang="fr-FR"/>
               <a:t>Quatrième niveau</a:t>
             </a:r>
           </a:p>
           <a:p>
             <a:pPr lvl="4"/>
             <a:r>
-              <a:rPr lang="fr-FR" smtClean="0"/>
+              <a:rPr lang="fr-FR"/>
               <a:t>Cinquième niveau</a:t>
             </a:r>
             <a:endParaRPr lang="en-US" dirty="0"/>
@@ -2662,7 +2648,7 @@
             <a:fld id="{91C81D2E-AC76-4E53-938B-CABEA8435F19}" type="datetimeFigureOut">
               <a:rPr lang="fr-FR" smtClean="0"/>
               <a:pPr/>
-              <a:t>11/07/2018</a:t>
+              <a:t>12/07/2018</a:t>
             </a:fld>
             <a:endParaRPr lang="fr-FR"/>
           </a:p>
@@ -2842,7 +2828,7 @@
           <a:lstStyle/>
           <a:p>
             <a:r>
-              <a:rPr lang="fr-FR" smtClean="0"/>
+              <a:rPr lang="fr-FR"/>
               <a:t>Modifiez le style du titre</a:t>
             </a:r>
             <a:endParaRPr lang="en-US" dirty="0"/>
@@ -2871,35 +2857,35 @@
           <a:p>
             <a:pPr lvl="0"/>
             <a:r>
-              <a:rPr lang="fr-FR" smtClean="0"/>
+              <a:rPr lang="fr-FR"/>
               <a:t>Modifier les styles du texte du masque</a:t>
             </a:r>
           </a:p>
           <a:p>
             <a:pPr lvl="1"/>
             <a:r>
-              <a:rPr lang="fr-FR" smtClean="0"/>
+              <a:rPr lang="fr-FR"/>
               <a:t>Deuxième niveau</a:t>
             </a:r>
           </a:p>
           <a:p>
             <a:pPr lvl="2"/>
             <a:r>
-              <a:rPr lang="fr-FR" smtClean="0"/>
+              <a:rPr lang="fr-FR"/>
               <a:t>Troisième niveau</a:t>
             </a:r>
           </a:p>
           <a:p>
             <a:pPr lvl="3"/>
             <a:r>
-              <a:rPr lang="fr-FR" smtClean="0"/>
+              <a:rPr lang="fr-FR"/>
               <a:t>Quatrième niveau</a:t>
             </a:r>
           </a:p>
           <a:p>
             <a:pPr lvl="4"/>
             <a:r>
-              <a:rPr lang="fr-FR" smtClean="0"/>
+              <a:rPr lang="fr-FR"/>
               <a:t>Cinquième niveau</a:t>
             </a:r>
             <a:endParaRPr lang="en-US" dirty="0"/>
@@ -2924,7 +2910,7 @@
             <a:fld id="{91C81D2E-AC76-4E53-938B-CABEA8435F19}" type="datetimeFigureOut">
               <a:rPr lang="fr-FR" smtClean="0"/>
               <a:pPr/>
-              <a:t>11/07/2018</a:t>
+              <a:t>12/07/2018</a:t>
             </a:fld>
             <a:endParaRPr lang="fr-FR"/>
           </a:p>
@@ -3108,7 +3094,7 @@
           </a:lstStyle>
           <a:p>
             <a:r>
-              <a:rPr lang="fr-FR" smtClean="0"/>
+              <a:rPr lang="fr-FR"/>
               <a:t>Modifiez le style du titre</a:t>
             </a:r>
             <a:endParaRPr lang="en-US" dirty="0"/>
@@ -3229,7 +3215,7 @@
           <a:p>
             <a:pPr lvl="0"/>
             <a:r>
-              <a:rPr lang="fr-FR" smtClean="0"/>
+              <a:rPr lang="fr-FR"/>
               <a:t>Modifier les styles du texte du masque</a:t>
             </a:r>
           </a:p>
@@ -3253,7 +3239,7 @@
             <a:fld id="{91C81D2E-AC76-4E53-938B-CABEA8435F19}" type="datetimeFigureOut">
               <a:rPr lang="fr-FR" smtClean="0"/>
               <a:pPr/>
-              <a:t>11/07/2018</a:t>
+              <a:t>12/07/2018</a:t>
             </a:fld>
             <a:endParaRPr lang="fr-FR"/>
           </a:p>
@@ -3433,7 +3419,7 @@
           <a:lstStyle/>
           <a:p>
             <a:r>
-              <a:rPr lang="fr-FR" smtClean="0"/>
+              <a:rPr lang="fr-FR"/>
               <a:t>Modifiez le style du titre</a:t>
             </a:r>
             <a:endParaRPr lang="en-US" dirty="0"/>
@@ -3464,35 +3450,35 @@
           <a:p>
             <a:pPr lvl="0"/>
             <a:r>
-              <a:rPr lang="fr-FR" smtClean="0"/>
+              <a:rPr lang="fr-FR"/>
               <a:t>Modifier les styles du texte du masque</a:t>
             </a:r>
           </a:p>
           <a:p>
             <a:pPr lvl="1"/>
             <a:r>
-              <a:rPr lang="fr-FR" smtClean="0"/>
+              <a:rPr lang="fr-FR"/>
               <a:t>Deuxième niveau</a:t>
             </a:r>
           </a:p>
           <a:p>
             <a:pPr lvl="2"/>
             <a:r>
-              <a:rPr lang="fr-FR" smtClean="0"/>
+              <a:rPr lang="fr-FR"/>
               <a:t>Troisième niveau</a:t>
             </a:r>
           </a:p>
           <a:p>
             <a:pPr lvl="3"/>
             <a:r>
-              <a:rPr lang="fr-FR" smtClean="0"/>
+              <a:rPr lang="fr-FR"/>
               <a:t>Quatrième niveau</a:t>
             </a:r>
           </a:p>
           <a:p>
             <a:pPr lvl="4"/>
             <a:r>
-              <a:rPr lang="fr-FR" smtClean="0"/>
+              <a:rPr lang="fr-FR"/>
               <a:t>Cinquième niveau</a:t>
             </a:r>
             <a:endParaRPr lang="en-US" dirty="0"/>
@@ -3523,35 +3509,35 @@
           <a:p>
             <a:pPr lvl="0"/>
             <a:r>
-              <a:rPr lang="fr-FR" smtClean="0"/>
+              <a:rPr lang="fr-FR"/>
               <a:t>Modifier les styles du texte du masque</a:t>
             </a:r>
           </a:p>
           <a:p>
             <a:pPr lvl="1"/>
             <a:r>
-              <a:rPr lang="fr-FR" smtClean="0"/>
+              <a:rPr lang="fr-FR"/>
               <a:t>Deuxième niveau</a:t>
             </a:r>
           </a:p>
           <a:p>
             <a:pPr lvl="2"/>
             <a:r>
-              <a:rPr lang="fr-FR" smtClean="0"/>
+              <a:rPr lang="fr-FR"/>
               <a:t>Troisième niveau</a:t>
             </a:r>
           </a:p>
           <a:p>
             <a:pPr lvl="3"/>
             <a:r>
-              <a:rPr lang="fr-FR" smtClean="0"/>
+              <a:rPr lang="fr-FR"/>
               <a:t>Quatrième niveau</a:t>
             </a:r>
           </a:p>
           <a:p>
             <a:pPr lvl="4"/>
             <a:r>
-              <a:rPr lang="fr-FR" smtClean="0"/>
+              <a:rPr lang="fr-FR"/>
               <a:t>Cinquième niveau</a:t>
             </a:r>
             <a:endParaRPr lang="en-US" dirty="0"/>
@@ -3576,7 +3562,7 @@
             <a:fld id="{91C81D2E-AC76-4E53-938B-CABEA8435F19}" type="datetimeFigureOut">
               <a:rPr lang="fr-FR" smtClean="0"/>
               <a:pPr/>
-              <a:t>11/07/2018</a:t>
+              <a:t>12/07/2018</a:t>
             </a:fld>
             <a:endParaRPr lang="fr-FR"/>
           </a:p>
@@ -3756,7 +3742,7 @@
           <a:lstStyle/>
           <a:p>
             <a:r>
-              <a:rPr lang="fr-FR" smtClean="0"/>
+              <a:rPr lang="fr-FR"/>
               <a:t>Modifiez le style du titre</a:t>
             </a:r>
             <a:endParaRPr lang="en-US" dirty="0"/>
@@ -3824,7 +3810,7 @@
           <a:p>
             <a:pPr lvl="0"/>
             <a:r>
-              <a:rPr lang="fr-FR" smtClean="0"/>
+              <a:rPr lang="fr-FR"/>
               <a:t>Modifier les styles du texte du masque</a:t>
             </a:r>
           </a:p>
@@ -3854,35 +3840,35 @@
           <a:p>
             <a:pPr lvl="0"/>
             <a:r>
-              <a:rPr lang="fr-FR" smtClean="0"/>
+              <a:rPr lang="fr-FR"/>
               <a:t>Modifier les styles du texte du masque</a:t>
             </a:r>
           </a:p>
           <a:p>
             <a:pPr lvl="1"/>
             <a:r>
-              <a:rPr lang="fr-FR" smtClean="0"/>
+              <a:rPr lang="fr-FR"/>
               <a:t>Deuxième niveau</a:t>
             </a:r>
           </a:p>
           <a:p>
             <a:pPr lvl="2"/>
             <a:r>
-              <a:rPr lang="fr-FR" smtClean="0"/>
+              <a:rPr lang="fr-FR"/>
               <a:t>Troisième niveau</a:t>
             </a:r>
           </a:p>
           <a:p>
             <a:pPr lvl="3"/>
             <a:r>
-              <a:rPr lang="fr-FR" smtClean="0"/>
+              <a:rPr lang="fr-FR"/>
               <a:t>Quatrième niveau</a:t>
             </a:r>
           </a:p>
           <a:p>
             <a:pPr lvl="4"/>
             <a:r>
-              <a:rPr lang="fr-FR" smtClean="0"/>
+              <a:rPr lang="fr-FR"/>
               <a:t>Cinquième niveau</a:t>
             </a:r>
             <a:endParaRPr lang="en-US" dirty="0"/>
@@ -3950,7 +3936,7 @@
           <a:p>
             <a:pPr lvl="0"/>
             <a:r>
-              <a:rPr lang="fr-FR" smtClean="0"/>
+              <a:rPr lang="fr-FR"/>
               <a:t>Modifier les styles du texte du masque</a:t>
             </a:r>
           </a:p>
@@ -3980,35 +3966,35 @@
           <a:p>
             <a:pPr lvl="0"/>
             <a:r>
-              <a:rPr lang="fr-FR" smtClean="0"/>
+              <a:rPr lang="fr-FR"/>
               <a:t>Modifier les styles du texte du masque</a:t>
             </a:r>
           </a:p>
           <a:p>
             <a:pPr lvl="1"/>
             <a:r>
-              <a:rPr lang="fr-FR" smtClean="0"/>
+              <a:rPr lang="fr-FR"/>
               <a:t>Deuxième niveau</a:t>
             </a:r>
           </a:p>
           <a:p>
             <a:pPr lvl="2"/>
             <a:r>
-              <a:rPr lang="fr-FR" smtClean="0"/>
+              <a:rPr lang="fr-FR"/>
               <a:t>Troisième niveau</a:t>
             </a:r>
           </a:p>
           <a:p>
             <a:pPr lvl="3"/>
             <a:r>
-              <a:rPr lang="fr-FR" smtClean="0"/>
+              <a:rPr lang="fr-FR"/>
               <a:t>Quatrième niveau</a:t>
             </a:r>
           </a:p>
           <a:p>
             <a:pPr lvl="4"/>
             <a:r>
-              <a:rPr lang="fr-FR" smtClean="0"/>
+              <a:rPr lang="fr-FR"/>
               <a:t>Cinquième niveau</a:t>
             </a:r>
             <a:endParaRPr lang="en-US" dirty="0"/>
@@ -4033,7 +4019,7 @@
             <a:fld id="{91C81D2E-AC76-4E53-938B-CABEA8435F19}" type="datetimeFigureOut">
               <a:rPr lang="fr-FR" smtClean="0"/>
               <a:pPr/>
-              <a:t>11/07/2018</a:t>
+              <a:t>12/07/2018</a:t>
             </a:fld>
             <a:endParaRPr lang="fr-FR"/>
           </a:p>
@@ -4218,7 +4204,7 @@
           <a:lstStyle/>
           <a:p>
             <a:r>
-              <a:rPr lang="fr-FR" smtClean="0"/>
+              <a:rPr lang="fr-FR"/>
               <a:t>Modifiez le style du titre</a:t>
             </a:r>
             <a:endParaRPr lang="en-US" dirty="0"/>
@@ -4243,7 +4229,7 @@
             <a:fld id="{91C81D2E-AC76-4E53-938B-CABEA8435F19}" type="datetimeFigureOut">
               <a:rPr lang="fr-FR" smtClean="0"/>
               <a:pPr/>
-              <a:t>11/07/2018</a:t>
+              <a:t>12/07/2018</a:t>
             </a:fld>
             <a:endParaRPr lang="fr-FR"/>
           </a:p>
@@ -4420,7 +4406,7 @@
             <a:fld id="{91C81D2E-AC76-4E53-938B-CABEA8435F19}" type="datetimeFigureOut">
               <a:rPr lang="fr-FR" smtClean="0"/>
               <a:pPr/>
-              <a:t>11/07/2018</a:t>
+              <a:t>12/07/2018</a:t>
             </a:fld>
             <a:endParaRPr lang="fr-FR"/>
           </a:p>
@@ -4604,7 +4590,7 @@
           </a:lstStyle>
           <a:p>
             <a:r>
-              <a:rPr lang="fr-FR" smtClean="0"/>
+              <a:rPr lang="fr-FR"/>
               <a:t>Modifiez le style du titre</a:t>
             </a:r>
             <a:endParaRPr lang="en-US" dirty="0"/>
@@ -4635,35 +4621,35 @@
           <a:p>
             <a:pPr lvl="0"/>
             <a:r>
-              <a:rPr lang="fr-FR" smtClean="0"/>
+              <a:rPr lang="fr-FR"/>
               <a:t>Modifier les styles du texte du masque</a:t>
             </a:r>
           </a:p>
           <a:p>
             <a:pPr lvl="1"/>
             <a:r>
-              <a:rPr lang="fr-FR" smtClean="0"/>
+              <a:rPr lang="fr-FR"/>
               <a:t>Deuxième niveau</a:t>
             </a:r>
           </a:p>
           <a:p>
             <a:pPr lvl="2"/>
             <a:r>
-              <a:rPr lang="fr-FR" smtClean="0"/>
+              <a:rPr lang="fr-FR"/>
               <a:t>Troisième niveau</a:t>
             </a:r>
           </a:p>
           <a:p>
             <a:pPr lvl="3"/>
             <a:r>
-              <a:rPr lang="fr-FR" smtClean="0"/>
+              <a:rPr lang="fr-FR"/>
               <a:t>Quatrième niveau</a:t>
             </a:r>
           </a:p>
           <a:p>
             <a:pPr lvl="4"/>
             <a:r>
-              <a:rPr lang="fr-FR" smtClean="0"/>
+              <a:rPr lang="fr-FR"/>
               <a:t>Cinquième niveau</a:t>
             </a:r>
             <a:endParaRPr lang="en-US" dirty="0"/>
@@ -4729,7 +4715,7 @@
           <a:p>
             <a:pPr lvl="0"/>
             <a:r>
-              <a:rPr lang="fr-FR" smtClean="0"/>
+              <a:rPr lang="fr-FR"/>
               <a:t>Modifier les styles du texte du masque</a:t>
             </a:r>
           </a:p>
@@ -4753,7 +4739,7 @@
             <a:fld id="{91C81D2E-AC76-4E53-938B-CABEA8435F19}" type="datetimeFigureOut">
               <a:rPr lang="fr-FR" smtClean="0"/>
               <a:pPr/>
-              <a:t>11/07/2018</a:t>
+              <a:t>12/07/2018</a:t>
             </a:fld>
             <a:endParaRPr lang="fr-FR"/>
           </a:p>
@@ -4939,7 +4925,7 @@
           </a:lstStyle>
           <a:p>
             <a:r>
-              <a:rPr lang="fr-FR" smtClean="0"/>
+              <a:rPr lang="fr-FR"/>
               <a:t>Modifiez le style du titre</a:t>
             </a:r>
             <a:endParaRPr lang="en-US" dirty="0"/>
@@ -5006,7 +4992,7 @@
           </a:lstStyle>
           <a:p>
             <a:r>
-              <a:rPr lang="fr-FR" smtClean="0"/>
+              <a:rPr lang="fr-FR"/>
               <a:t>Cliquez sur l'icône pour ajouter une image</a:t>
             </a:r>
             <a:endParaRPr lang="en-US" dirty="0"/>
@@ -5074,7 +5060,7 @@
           <a:p>
             <a:pPr lvl="0"/>
             <a:r>
-              <a:rPr lang="fr-FR" smtClean="0"/>
+              <a:rPr lang="fr-FR"/>
               <a:t>Modifier les styles du texte du masque</a:t>
             </a:r>
           </a:p>
@@ -5098,7 +5084,7 @@
             <a:fld id="{91C81D2E-AC76-4E53-938B-CABEA8435F19}" type="datetimeFigureOut">
               <a:rPr lang="fr-FR" smtClean="0"/>
               <a:pPr/>
-              <a:t>11/07/2018</a:t>
+              <a:t>12/07/2018</a:t>
             </a:fld>
             <a:endParaRPr lang="fr-FR"/>
           </a:p>
@@ -7110,7 +7096,7 @@
           <a:lstStyle/>
           <a:p>
             <a:r>
-              <a:rPr lang="fr-FR" smtClean="0"/>
+              <a:rPr lang="fr-FR"/>
               <a:t>Modifiez le style du titre</a:t>
             </a:r>
             <a:endParaRPr lang="en-US" dirty="0"/>
@@ -7144,35 +7130,35 @@
           <a:p>
             <a:pPr lvl="0"/>
             <a:r>
-              <a:rPr lang="fr-FR" smtClean="0"/>
+              <a:rPr lang="fr-FR"/>
               <a:t>Modifier les styles du texte du masque</a:t>
             </a:r>
           </a:p>
           <a:p>
             <a:pPr lvl="1"/>
             <a:r>
-              <a:rPr lang="fr-FR" smtClean="0"/>
+              <a:rPr lang="fr-FR"/>
               <a:t>Deuxième niveau</a:t>
             </a:r>
           </a:p>
           <a:p>
             <a:pPr lvl="2"/>
             <a:r>
-              <a:rPr lang="fr-FR" smtClean="0"/>
+              <a:rPr lang="fr-FR"/>
               <a:t>Troisième niveau</a:t>
             </a:r>
           </a:p>
           <a:p>
             <a:pPr lvl="3"/>
             <a:r>
-              <a:rPr lang="fr-FR" smtClean="0"/>
+              <a:rPr lang="fr-FR"/>
               <a:t>Quatrième niveau</a:t>
             </a:r>
           </a:p>
           <a:p>
             <a:pPr lvl="4"/>
             <a:r>
-              <a:rPr lang="fr-FR" smtClean="0"/>
+              <a:rPr lang="fr-FR"/>
               <a:t>Cinquième niveau</a:t>
             </a:r>
             <a:endParaRPr lang="en-US" dirty="0"/>
@@ -7215,7 +7201,7 @@
             <a:fld id="{91C81D2E-AC76-4E53-938B-CABEA8435F19}" type="datetimeFigureOut">
               <a:rPr lang="fr-FR" smtClean="0"/>
               <a:pPr/>
-              <a:t>11/07/2018</a:t>
+              <a:t>12/07/2018</a:t>
             </a:fld>
             <a:endParaRPr lang="fr-FR"/>
           </a:p>
@@ -7784,7 +7770,7 @@
           <a:p>
             <a:pPr algn="l"/>
             <a:r>
-              <a:rPr lang="fr-FR" b="1" dirty="0" smtClean="0">
+              <a:rPr lang="fr-FR" b="1" dirty="0">
                 <a:ln w="10160">
                   <a:solidFill>
                     <a:schemeClr val="accent5"/>
@@ -7805,7 +7791,7 @@
               <a:t>Présentation site de pari </a:t>
             </a:r>
             <a:br>
-              <a:rPr lang="fr-FR" b="1" dirty="0" smtClean="0">
+              <a:rPr lang="fr-FR" b="1" dirty="0">
                 <a:ln w="10160">
                   <a:solidFill>
                     <a:schemeClr val="accent5"/>
@@ -7825,7 +7811,7 @@
               </a:rPr>
             </a:br>
             <a:r>
-              <a:rPr lang="fr-FR" b="1" dirty="0" smtClean="0">
+              <a:rPr lang="fr-FR" b="1" dirty="0">
                 <a:ln w="10160">
                   <a:solidFill>
                     <a:schemeClr val="accent5"/>
@@ -7845,24 +7831,6 @@
               </a:rPr>
               <a:t>WeBet</a:t>
             </a:r>
-            <a:endParaRPr lang="fr-FR" b="1" dirty="0">
-              <a:ln w="10160">
-                <a:solidFill>
-                  <a:schemeClr val="accent5"/>
-                </a:solidFill>
-                <a:prstDash val="solid"/>
-              </a:ln>
-              <a:solidFill>
-                <a:srgbClr val="FFFFFF"/>
-              </a:solidFill>
-              <a:effectLst>
-                <a:outerShdw blurRad="38100" dist="22860" dir="5400000" algn="tl" rotWithShape="0">
-                  <a:srgbClr val="000000">
-                    <a:alpha val="30000"/>
-                  </a:srgbClr>
-                </a:outerShdw>
-              </a:effectLst>
-            </a:endParaRPr>
           </a:p>
         </p:txBody>
       </p:sp>
@@ -7907,33 +7875,12 @@
                   </a:outerShdw>
                 </a:effectLst>
               </a:rPr>
-              <a:t>Projet final formation </a:t>
-            </a:r>
-            <a:r>
-              <a:rPr lang="fr-FR" b="1" dirty="0" smtClean="0">
-                <a:ln w="10160">
-                  <a:solidFill>
-                    <a:schemeClr val="accent5"/>
-                  </a:solidFill>
-                  <a:prstDash val="solid"/>
-                </a:ln>
-                <a:solidFill>
-                  <a:srgbClr val="FFFFFF"/>
-                </a:solidFill>
-                <a:effectLst>
-                  <a:outerShdw blurRad="38100" dist="22860" dir="5400000" algn="tl" rotWithShape="0">
-                    <a:srgbClr val="000000">
-                      <a:alpha val="30000"/>
-                    </a:srgbClr>
-                  </a:outerShdw>
-                </a:effectLst>
-              </a:rPr>
-              <a:t>Java</a:t>
-            </a:r>
-          </a:p>
-          <a:p>
-            <a:r>
-              <a:rPr lang="fr-FR" b="1" dirty="0" smtClean="0">
+              <a:t>Projet final formation Java</a:t>
+            </a:r>
+          </a:p>
+          <a:p>
+            <a:r>
+              <a:rPr lang="fr-FR" b="1" dirty="0">
                 <a:ln w="10160">
                   <a:solidFill>
                     <a:schemeClr val="accent5"/>
@@ -8191,7 +8138,7 @@
           <a:p>
             <a:pPr algn="r"/>
             <a:r>
-              <a:rPr lang="fr-FR" b="1" dirty="0" smtClean="0">
+              <a:rPr lang="fr-FR" b="1" dirty="0">
                 <a:ln w="9525">
                   <a:solidFill>
                     <a:schemeClr val="bg1"/>
@@ -8212,7 +8159,7 @@
               <a:t>Julien </a:t>
             </a:r>
             <a:r>
-              <a:rPr lang="fr-FR" b="1" dirty="0" err="1" smtClean="0">
+              <a:rPr lang="fr-FR" b="1" dirty="0" err="1">
                 <a:ln w="9525">
                   <a:solidFill>
                     <a:schemeClr val="bg1"/>
@@ -8233,7 +8180,7 @@
               <a:t>Batut</a:t>
             </a:r>
             <a:r>
-              <a:rPr lang="fr-FR" b="1" dirty="0" smtClean="0">
+              <a:rPr lang="fr-FR" b="1" dirty="0">
                 <a:ln w="9525">
                   <a:solidFill>
                     <a:schemeClr val="bg1"/>
@@ -8257,7 +8204,7 @@
           <a:p>
             <a:pPr algn="r"/>
             <a:r>
-              <a:rPr lang="fr-FR" b="1" dirty="0" smtClean="0">
+              <a:rPr lang="fr-FR" b="1" dirty="0">
                 <a:ln w="9525">
                   <a:solidFill>
                     <a:schemeClr val="bg1"/>
@@ -8278,7 +8225,7 @@
               <a:t>Bruno </a:t>
             </a:r>
             <a:r>
-              <a:rPr lang="fr-FR" b="1" dirty="0" err="1" smtClean="0">
+              <a:rPr lang="fr-FR" b="1" dirty="0" err="1">
                 <a:ln w="9525">
                   <a:solidFill>
                     <a:schemeClr val="bg1"/>
@@ -8298,7 +8245,7 @@
               </a:rPr>
               <a:t>Lasne</a:t>
             </a:r>
-            <a:endParaRPr lang="fr-FR" b="1" dirty="0" smtClean="0">
+            <a:endParaRPr lang="fr-FR" b="1" dirty="0">
               <a:ln w="9525">
                 <a:solidFill>
                   <a:schemeClr val="bg1"/>
@@ -8320,7 +8267,7 @@
           <a:p>
             <a:pPr algn="r"/>
             <a:r>
-              <a:rPr lang="fr-FR" b="1" dirty="0" smtClean="0">
+              <a:rPr lang="fr-FR" b="1" dirty="0">
                 <a:ln w="9525">
                   <a:solidFill>
                     <a:schemeClr val="bg1"/>
@@ -8340,24 +8287,6 @@
               </a:rPr>
               <a:t>Ludovic van de Putte</a:t>
             </a:r>
-            <a:endParaRPr lang="fr-FR" b="1" dirty="0">
-              <a:ln w="9525">
-                <a:solidFill>
-                  <a:schemeClr val="bg1"/>
-                </a:solidFill>
-                <a:prstDash val="solid"/>
-              </a:ln>
-              <a:solidFill>
-                <a:srgbClr val="00B0F0"/>
-              </a:solidFill>
-              <a:effectLst>
-                <a:outerShdw blurRad="12700" dist="38100" dir="2700000" algn="tl" rotWithShape="0">
-                  <a:schemeClr val="bg1">
-                    <a:lumMod val="50000"/>
-                  </a:schemeClr>
-                </a:outerShdw>
-              </a:effectLst>
-            </a:endParaRPr>
           </a:p>
         </p:txBody>
       </p:sp>
@@ -8371,13 +8300,6 @@
   <p:clrMapOvr>
     <a:masterClrMapping/>
   </p:clrMapOvr>
-  <p:timing>
-    <p:tnLst>
-      <p:par>
-        <p:cTn id="1" dur="indefinite" restart="never" nodeType="tmRoot"/>
-      </p:par>
-    </p:tnLst>
-  </p:timing>
 </p:sld>
 </file>
 
@@ -8419,10 +8341,9 @@
           <a:lstStyle/>
           <a:p>
             <a:r>
-              <a:rPr lang="fr-FR" dirty="0" smtClean="0"/>
+              <a:rPr lang="fr-FR" dirty="0"/>
               <a:t>Développement</a:t>
             </a:r>
-            <a:endParaRPr lang="fr-FR" dirty="0"/>
           </a:p>
         </p:txBody>
       </p:sp>
@@ -8667,83 +8588,75 @@
           </a:lstStyle>
           <a:p>
             <a:r>
-              <a:rPr lang="fr-FR" dirty="0" smtClean="0"/>
+              <a:rPr lang="fr-FR" dirty="0"/>
               <a:t>Création des </a:t>
             </a:r>
             <a:r>
-              <a:rPr lang="fr-FR" dirty="0" err="1" smtClean="0"/>
+              <a:rPr lang="fr-FR" dirty="0" err="1"/>
               <a:t>beans</a:t>
             </a:r>
-            <a:endParaRPr lang="fr-FR" dirty="0" smtClean="0"/>
-          </a:p>
-          <a:p>
-            <a:r>
-              <a:rPr lang="fr-FR" dirty="0" err="1" smtClean="0"/>
+            <a:endParaRPr lang="fr-FR" dirty="0"/>
+          </a:p>
+          <a:p>
+            <a:r>
+              <a:rPr lang="fr-FR" dirty="0" err="1"/>
               <a:t>Mapping</a:t>
             </a:r>
             <a:r>
-              <a:rPr lang="fr-FR" dirty="0" smtClean="0"/>
+              <a:rPr lang="fr-FR" dirty="0"/>
               <a:t> des classes en vue de la création des tables dans la </a:t>
             </a:r>
             <a:r>
-              <a:rPr lang="fr-FR" dirty="0" err="1" smtClean="0"/>
+              <a:rPr lang="fr-FR" dirty="0" err="1"/>
               <a:t>database</a:t>
             </a:r>
-            <a:endParaRPr lang="fr-FR" dirty="0" smtClean="0"/>
-          </a:p>
-          <a:p>
-            <a:r>
-              <a:rPr lang="fr-FR" dirty="0" smtClean="0"/>
+            <a:endParaRPr lang="fr-FR" dirty="0"/>
+          </a:p>
+          <a:p>
+            <a:r>
+              <a:rPr lang="fr-FR" dirty="0"/>
               <a:t>Création des DAO pour chaque table de la DB, réalisation du CRUD</a:t>
             </a:r>
           </a:p>
           <a:p>
             <a:r>
-              <a:rPr lang="fr-FR" dirty="0" smtClean="0"/>
+              <a:rPr lang="fr-FR" dirty="0"/>
               <a:t>Création des contrôleurs</a:t>
             </a:r>
           </a:p>
           <a:p>
             <a:r>
-              <a:rPr lang="fr-FR" dirty="0" smtClean="0"/>
+              <a:rPr lang="fr-FR" dirty="0"/>
               <a:t>Création des JSP</a:t>
             </a:r>
           </a:p>
           <a:p>
             <a:r>
-              <a:rPr lang="fr-FR" dirty="0" smtClean="0"/>
+              <a:rPr lang="fr-FR" dirty="0"/>
               <a:t>Validation de données</a:t>
             </a:r>
           </a:p>
           <a:p>
             <a:r>
-              <a:rPr lang="fr-FR" dirty="0" smtClean="0"/>
+              <a:rPr lang="fr-FR" dirty="0"/>
               <a:t>Validation des fonctionnalités</a:t>
             </a:r>
           </a:p>
           <a:p>
             <a:r>
-              <a:rPr lang="fr-FR" dirty="0" smtClean="0"/>
+              <a:rPr lang="fr-FR" dirty="0"/>
               <a:t>Implémentation de l’authentification et de la sécurité</a:t>
             </a:r>
           </a:p>
           <a:p>
             <a:r>
-              <a:rPr lang="fr-FR" dirty="0" smtClean="0"/>
-              <a:t>Ajout de </a:t>
-            </a:r>
-            <a:r>
               <a:rPr lang="fr-FR" dirty="0"/>
-              <a:t>cosmétique HTML pour </a:t>
-            </a:r>
-            <a:r>
-              <a:rPr lang="fr-FR" dirty="0" smtClean="0"/>
-              <a:t>apparition</a:t>
-            </a:r>
-          </a:p>
-          <a:p>
-            <a:r>
-              <a:rPr lang="fr-FR" dirty="0" smtClean="0"/>
+              <a:t>Ajout de cosmétique HTML pour apparition</a:t>
+            </a:r>
+          </a:p>
+          <a:p>
+            <a:r>
+              <a:rPr lang="fr-FR" dirty="0"/>
               <a:t>Travail collaboratif avec Git; partage, récupération et fusion du code produit par chacun pas à pas.</a:t>
             </a:r>
           </a:p>
@@ -8759,13 +8672,6 @@
   <p:clrMapOvr>
     <a:masterClrMapping/>
   </p:clrMapOvr>
-  <p:timing>
-    <p:tnLst>
-      <p:par>
-        <p:cTn id="1" dur="indefinite" restart="never" nodeType="tmRoot"/>
-      </p:par>
-    </p:tnLst>
-  </p:timing>
 </p:sld>
 </file>
 
@@ -8807,10 +8713,9 @@
           <a:lstStyle/>
           <a:p>
             <a:r>
-              <a:rPr lang="fr-FR" dirty="0" smtClean="0"/>
+              <a:rPr lang="fr-FR" dirty="0"/>
               <a:t>Développement</a:t>
             </a:r>
-            <a:endParaRPr lang="fr-FR" dirty="0"/>
           </a:p>
         </p:txBody>
       </p:sp>
@@ -9055,33 +8960,25 @@
           </a:lstStyle>
           <a:p>
             <a:r>
-              <a:rPr lang="fr-FR" dirty="0" smtClean="0"/>
+              <a:rPr lang="fr-FR" dirty="0"/>
               <a:t>Création des </a:t>
             </a:r>
             <a:r>
-              <a:rPr lang="fr-FR" dirty="0" err="1" smtClean="0"/>
+              <a:rPr lang="fr-FR" dirty="0" err="1"/>
               <a:t>beans</a:t>
             </a:r>
-            <a:endParaRPr lang="fr-FR" dirty="0" smtClean="0"/>
+            <a:endParaRPr lang="fr-FR" dirty="0"/>
           </a:p>
           <a:p>
             <a:r>
               <a:rPr lang="fr-FR" dirty="0"/>
-              <a:t>Création des DAO pour chaque table de la DB, réalisation du </a:t>
-            </a:r>
-            <a:r>
-              <a:rPr lang="fr-FR" dirty="0" smtClean="0"/>
-              <a:t>CRUD</a:t>
+              <a:t>Création des DAO pour chaque table de la DB, réalisation du CRUD</a:t>
             </a:r>
           </a:p>
           <a:p>
             <a:r>
               <a:rPr lang="fr-FR" dirty="0"/>
-              <a:t>Implémentation de l’authentification et de la </a:t>
-            </a:r>
-            <a:r>
-              <a:rPr lang="fr-FR" dirty="0" smtClean="0"/>
-              <a:t>sécurité</a:t>
+              <a:t>Implémentation de l’authentification et de la sécurité</a:t>
             </a:r>
           </a:p>
           <a:p>
@@ -9097,13 +8994,13 @@
             <a:endParaRPr lang="fr-FR" dirty="0"/>
           </a:p>
           <a:p>
-            <a:endParaRPr lang="fr-FR" dirty="0" smtClean="0"/>
+            <a:endParaRPr lang="fr-FR" dirty="0"/>
           </a:p>
           <a:p>
             <a:pPr marL="0" indent="0">
               <a:buNone/>
             </a:pPr>
-            <a:endParaRPr lang="fr-FR" dirty="0" smtClean="0"/>
+            <a:endParaRPr lang="fr-FR" dirty="0"/>
           </a:p>
         </p:txBody>
       </p:sp>
@@ -9206,13 +9103,6 @@
   <p:clrMapOvr>
     <a:masterClrMapping/>
   </p:clrMapOvr>
-  <p:timing>
-    <p:tnLst>
-      <p:par>
-        <p:cTn id="1" dur="indefinite" restart="never" nodeType="tmRoot"/>
-      </p:par>
-    </p:tnLst>
-  </p:timing>
 </p:sld>
 </file>
 
@@ -9254,10 +9144,9 @@
           <a:lstStyle/>
           <a:p>
             <a:r>
-              <a:rPr lang="fr-FR" dirty="0" smtClean="0"/>
+              <a:rPr lang="fr-FR" dirty="0"/>
               <a:t>Développement</a:t>
             </a:r>
-            <a:endParaRPr lang="fr-FR" dirty="0"/>
           </a:p>
         </p:txBody>
       </p:sp>
@@ -9502,24 +9391,15 @@
           </a:lstStyle>
           <a:p>
             <a:r>
-              <a:rPr lang="fr-FR" dirty="0" smtClean="0"/>
+              <a:rPr lang="fr-FR" dirty="0"/>
               <a:t>Création des contrôleurs</a:t>
             </a:r>
           </a:p>
           <a:p>
             <a:r>
-              <a:rPr lang="fr-FR" dirty="0" smtClean="0"/>
-              <a:t>Création </a:t>
-            </a:r>
-            <a:r>
-              <a:rPr lang="fr-FR" dirty="0" smtClean="0"/>
-              <a:t>des </a:t>
-            </a:r>
-            <a:r>
-              <a:rPr lang="fr-FR" dirty="0" smtClean="0"/>
-              <a:t>JSP</a:t>
-            </a:r>
-            <a:endParaRPr lang="fr-FR" dirty="0" smtClean="0"/>
+              <a:rPr lang="fr-FR" dirty="0"/>
+              <a:t>Création des JSP</a:t>
+            </a:r>
           </a:p>
         </p:txBody>
       </p:sp>
@@ -9593,13 +9473,6 @@
   <p:clrMapOvr>
     <a:masterClrMapping/>
   </p:clrMapOvr>
-  <p:timing>
-    <p:tnLst>
-      <p:par>
-        <p:cTn id="1" dur="indefinite" restart="never" nodeType="tmRoot"/>
-      </p:par>
-    </p:tnLst>
-  </p:timing>
 </p:sld>
 </file>
 
@@ -9641,10 +9514,9 @@
           <a:lstStyle/>
           <a:p>
             <a:r>
-              <a:rPr lang="fr-FR" dirty="0" smtClean="0"/>
+              <a:rPr lang="fr-FR" dirty="0"/>
               <a:t>Développement</a:t>
             </a:r>
-            <a:endParaRPr lang="fr-FR" dirty="0"/>
           </a:p>
         </p:txBody>
       </p:sp>
@@ -9889,12 +9761,8 @@
           </a:lstStyle>
           <a:p>
             <a:r>
-              <a:rPr lang="fr-FR" dirty="0" smtClean="0"/>
-              <a:t>Travail </a:t>
-            </a:r>
-            <a:r>
-              <a:rPr lang="fr-FR" dirty="0" smtClean="0"/>
-              <a:t>collaboratif avec Git; partage, récupération et fusion du code produit par chacun pas à pas.</a:t>
+              <a:rPr lang="fr-FR" dirty="0"/>
+              <a:t>Travail collaboratif avec Git; partage, récupération et fusion du code produit par chacun pas à pas.</a:t>
             </a:r>
           </a:p>
         </p:txBody>
@@ -9969,13 +9837,6 @@
   <p:clrMapOvr>
     <a:masterClrMapping/>
   </p:clrMapOvr>
-  <p:timing>
-    <p:tnLst>
-      <p:par>
-        <p:cTn id="1" dur="indefinite" restart="never" nodeType="tmRoot"/>
-      </p:par>
-    </p:tnLst>
-  </p:timing>
 </p:sld>
 </file>
 
@@ -10017,10 +9878,9 @@
           <a:lstStyle/>
           <a:p>
             <a:r>
-              <a:rPr lang="fr-FR" dirty="0" smtClean="0"/>
+              <a:rPr lang="fr-FR" dirty="0"/>
               <a:t>Tests</a:t>
             </a:r>
-            <a:endParaRPr lang="fr-FR" dirty="0"/>
           </a:p>
         </p:txBody>
       </p:sp>
@@ -10265,55 +10125,55 @@
           </a:lstStyle>
           <a:p>
             <a:r>
-              <a:rPr lang="fr-FR" dirty="0" smtClean="0"/>
+              <a:rPr lang="fr-FR" dirty="0"/>
               <a:t>Validation des fonctionnalités pas à pas</a:t>
             </a:r>
           </a:p>
           <a:p>
             <a:r>
-              <a:rPr lang="fr-FR" dirty="0" smtClean="0"/>
-              <a:t>Validation du déroulement des scénarios définis dans les Use Cases</a:t>
-            </a:r>
+              <a:rPr lang="fr-FR" dirty="0"/>
+              <a:t>Validation du déroulement des scénarios définis dans les </a:t>
+            </a:r>
+            <a:r>
+              <a:rPr lang="fr-FR"/>
+              <a:t>User Stories</a:t>
+            </a:r>
+            <a:endParaRPr lang="fr-FR" dirty="0"/>
           </a:p>
           <a:p>
             <a:pPr lvl="1"/>
             <a:r>
-              <a:rPr lang="fr-FR" dirty="0" smtClean="0"/>
+              <a:rPr lang="fr-FR" dirty="0"/>
               <a:t>Anticipation des points d’intérêt et points complexes</a:t>
             </a:r>
           </a:p>
           <a:p>
             <a:pPr lvl="1"/>
             <a:r>
-              <a:rPr lang="fr-FR" dirty="0" smtClean="0"/>
+              <a:rPr lang="fr-FR" dirty="0"/>
               <a:t>Validation des résultats obtenus avec les prévisions</a:t>
             </a:r>
           </a:p>
           <a:p>
             <a:r>
-              <a:rPr lang="fr-FR" dirty="0" smtClean="0"/>
+              <a:rPr lang="fr-FR" dirty="0"/>
               <a:t>Validation de la sécurité par authentification</a:t>
             </a:r>
           </a:p>
           <a:p>
             <a:r>
-              <a:rPr lang="fr-FR" dirty="0" smtClean="0"/>
-              <a:t>Validation de la robustesse de </a:t>
-            </a:r>
-            <a:r>
-              <a:rPr lang="fr-FR" dirty="0" smtClean="0"/>
-              <a:t>l’application</a:t>
-            </a:r>
-          </a:p>
-          <a:p>
-            <a:r>
-              <a:rPr lang="fr-FR" dirty="0" smtClean="0"/>
+              <a:rPr lang="fr-FR" dirty="0"/>
+              <a:t>Validation de la robustesse de l’application</a:t>
+            </a:r>
+          </a:p>
+          <a:p>
+            <a:r>
+              <a:rPr lang="fr-FR" dirty="0"/>
               <a:t>Réalisation des tests unitaires</a:t>
             </a:r>
-            <a:endParaRPr lang="fr-FR" dirty="0" smtClean="0"/>
-          </a:p>
-          <a:p>
-            <a:endParaRPr lang="fr-FR" dirty="0" smtClean="0"/>
+          </a:p>
+          <a:p>
+            <a:endParaRPr lang="fr-FR" dirty="0"/>
           </a:p>
         </p:txBody>
       </p:sp>
@@ -10327,13 +10187,6 @@
   <p:clrMapOvr>
     <a:masterClrMapping/>
   </p:clrMapOvr>
-  <p:timing>
-    <p:tnLst>
-      <p:par>
-        <p:cTn id="1" dur="indefinite" restart="never" nodeType="tmRoot"/>
-      </p:par>
-    </p:tnLst>
-  </p:timing>
 </p:sld>
 </file>
 
@@ -10375,10 +10228,9 @@
           <a:lstStyle/>
           <a:p>
             <a:r>
-              <a:rPr lang="fr-FR" dirty="0" smtClean="0"/>
+              <a:rPr lang="fr-FR" dirty="0"/>
               <a:t>Tests</a:t>
             </a:r>
-            <a:endParaRPr lang="fr-FR" dirty="0"/>
           </a:p>
         </p:txBody>
       </p:sp>
@@ -10432,13 +10284,6 @@
   <p:clrMapOvr>
     <a:masterClrMapping/>
   </p:clrMapOvr>
-  <p:timing>
-    <p:tnLst>
-      <p:par>
-        <p:cTn id="1" dur="indefinite" restart="never" nodeType="tmRoot"/>
-      </p:par>
-    </p:tnLst>
-  </p:timing>
 </p:sld>
 </file>
 
@@ -10480,10 +10325,9 @@
           <a:lstStyle/>
           <a:p>
             <a:r>
-              <a:rPr lang="fr-FR" dirty="0" smtClean="0"/>
+              <a:rPr lang="fr-FR" dirty="0"/>
               <a:t>Conduite du projet</a:t>
             </a:r>
-            <a:endParaRPr lang="fr-FR" dirty="0"/>
           </a:p>
         </p:txBody>
       </p:sp>
@@ -10728,89 +10572,71 @@
           </a:lstStyle>
           <a:p>
             <a:r>
-              <a:rPr lang="fr-FR" dirty="0" smtClean="0"/>
-              <a:t>Méthode Agile </a:t>
-            </a:r>
-            <a:r>
-              <a:rPr lang="fr-FR" dirty="0" smtClean="0"/>
-              <a:t>SCRUM</a:t>
-            </a:r>
-          </a:p>
-          <a:p>
-            <a:r>
-              <a:rPr lang="fr-FR" dirty="0" smtClean="0"/>
+              <a:rPr lang="fr-FR" dirty="0"/>
+              <a:t>Méthode Agile SCRUM</a:t>
+            </a:r>
+          </a:p>
+          <a:p>
+            <a:r>
+              <a:rPr lang="fr-FR" dirty="0"/>
               <a:t>Identification de risques</a:t>
             </a:r>
           </a:p>
           <a:p>
             <a:pPr lvl="1"/>
             <a:r>
-              <a:rPr lang="fr-FR" dirty="0" smtClean="0"/>
+              <a:rPr lang="fr-FR" dirty="0"/>
               <a:t>Panne matériel</a:t>
             </a:r>
           </a:p>
           <a:p>
             <a:pPr lvl="1"/>
             <a:r>
-              <a:rPr lang="fr-FR" dirty="0" smtClean="0"/>
+              <a:rPr lang="fr-FR" dirty="0"/>
               <a:t>Incompatibilité de versions</a:t>
             </a:r>
           </a:p>
           <a:p>
             <a:r>
-              <a:rPr lang="fr-FR" dirty="0" smtClean="0"/>
+              <a:rPr lang="fr-FR" dirty="0"/>
               <a:t>Création Back Log</a:t>
             </a:r>
           </a:p>
           <a:p>
             <a:pPr lvl="1"/>
             <a:r>
-              <a:rPr lang="fr-FR" dirty="0" smtClean="0"/>
-              <a:t>Estimation </a:t>
-            </a:r>
-            <a:r>
               <a:rPr lang="fr-FR" dirty="0"/>
-              <a:t>de complexité et priorités des </a:t>
-            </a:r>
-            <a:r>
-              <a:rPr lang="fr-FR" dirty="0" smtClean="0"/>
-              <a:t>tâches</a:t>
+              <a:t>Estimation de complexité et priorités des tâches</a:t>
+            </a:r>
+          </a:p>
+          <a:p>
+            <a:r>
+              <a:rPr lang="fr-FR" dirty="0"/>
+              <a:t>Réalisation des Daily meeting</a:t>
+            </a:r>
+          </a:p>
+          <a:p>
+            <a:r>
+              <a:rPr lang="fr-FR" dirty="0"/>
+              <a:t>Partage des tâches</a:t>
+            </a:r>
+          </a:p>
+          <a:p>
+            <a:r>
+              <a:rPr lang="fr-FR" dirty="0"/>
+              <a:t>Partage par </a:t>
+            </a:r>
+            <a:r>
+              <a:rPr lang="fr-FR" dirty="0" err="1"/>
+              <a:t>Github</a:t>
             </a:r>
             <a:endParaRPr lang="fr-FR" dirty="0"/>
           </a:p>
           <a:p>
-            <a:r>
-              <a:rPr lang="fr-FR" dirty="0" smtClean="0"/>
-              <a:t>Réalisation des Daily meeting</a:t>
-            </a:r>
-          </a:p>
-          <a:p>
-            <a:r>
-              <a:rPr lang="fr-FR" dirty="0" smtClean="0"/>
-              <a:t>Partage des tâches</a:t>
-            </a:r>
-            <a:endParaRPr lang="fr-FR" dirty="0" smtClean="0"/>
-          </a:p>
-          <a:p>
-            <a:r>
-              <a:rPr lang="fr-FR" dirty="0" smtClean="0"/>
-              <a:t>Partage </a:t>
-            </a:r>
-            <a:r>
-              <a:rPr lang="fr-FR" dirty="0" smtClean="0"/>
-              <a:t>par </a:t>
-            </a:r>
-            <a:r>
-              <a:rPr lang="fr-FR" dirty="0" err="1" smtClean="0"/>
-              <a:t>Github</a:t>
-            </a:r>
-            <a:endParaRPr lang="fr-FR" dirty="0" smtClean="0"/>
-          </a:p>
-          <a:p>
-            <a:endParaRPr lang="fr-FR" dirty="0" smtClean="0"/>
-          </a:p>
-          <a:p>
-            <a:endParaRPr lang="fr-FR" dirty="0" smtClean="0"/>
+            <a:endParaRPr lang="fr-FR" dirty="0"/>
+          </a:p>
+          <a:p>
+            <a:endParaRPr lang="fr-FR" dirty="0"/>
           </a:p>
         </p:txBody>
       </p:sp>
@@ -10824,13 +10650,6 @@
   <p:clrMapOvr>
     <a:masterClrMapping/>
   </p:clrMapOvr>
-  <p:timing>
-    <p:tnLst>
-      <p:par>
-        <p:cTn id="1" dur="indefinite" restart="never" nodeType="tmRoot"/>
-      </p:par>
-    </p:tnLst>
-  </p:timing>
 </p:sld>
 </file>
 
@@ -10874,26 +10693,18 @@
           <a:lstStyle/>
           <a:p>
             <a:r>
-              <a:rPr lang="fr-FR" dirty="0" smtClean="0"/>
-              <a:t>Présentation scénario </a:t>
-            </a:r>
-            <a:r>
-              <a:rPr lang="fr-FR" dirty="0" smtClean="0"/>
-              <a:t>n°1 </a:t>
-            </a:r>
-            <a:r>
-              <a:rPr lang="fr-FR" dirty="0" smtClean="0"/>
-              <a:t/>
+              <a:rPr lang="fr-FR" dirty="0"/>
+              <a:t>Présentation scénario n°1 </a:t>
             </a:r>
             <a:br>
-              <a:rPr lang="fr-FR" dirty="0" smtClean="0"/>
+              <a:rPr lang="fr-FR" dirty="0"/>
             </a:br>
             <a:r>
-              <a:rPr lang="fr-FR" dirty="0" smtClean="0"/>
+              <a:rPr lang="fr-FR" dirty="0"/>
               <a:t>	-&gt;Administration du site</a:t>
             </a:r>
             <a:br>
-              <a:rPr lang="fr-FR" dirty="0" smtClean="0"/>
+              <a:rPr lang="fr-FR" dirty="0"/>
             </a:br>
             <a:endParaRPr lang="fr-FR" dirty="0"/>
           </a:p>
@@ -11140,40 +10951,32 @@
           </a:lstStyle>
           <a:p>
             <a:r>
-              <a:rPr lang="fr-FR" dirty="0" smtClean="0"/>
+              <a:rPr lang="fr-FR" dirty="0"/>
               <a:t>L’administrateur souhaite effectuer la mise à jour de l’offre, pour avoir accès aux outils il s’authentifie.</a:t>
             </a:r>
           </a:p>
           <a:p>
             <a:r>
-              <a:rPr lang="fr-FR" dirty="0" smtClean="0"/>
+              <a:rPr lang="fr-FR" dirty="0"/>
               <a:t>Il souhaite ajouter le sport « Basket » à l’offre de </a:t>
             </a:r>
             <a:r>
-              <a:rPr lang="fr-FR" dirty="0" err="1" smtClean="0"/>
+              <a:rPr lang="fr-FR" dirty="0" err="1"/>
               <a:t>WeBet</a:t>
             </a:r>
             <a:r>
-              <a:rPr lang="fr-FR" dirty="0" smtClean="0"/>
-              <a:t> et ajouter les équipes « Lakers » et « </a:t>
-            </a:r>
-            <a:r>
-              <a:rPr lang="fr-FR" dirty="0" smtClean="0"/>
-              <a:t>Bulls » </a:t>
-            </a:r>
-            <a:r>
-              <a:rPr lang="fr-FR" dirty="0" smtClean="0"/>
-              <a:t>concourantes dans ce sport et créer une rencontre sur laquelle les clients pourront parier.</a:t>
-            </a:r>
-          </a:p>
-          <a:p>
-            <a:r>
-              <a:rPr lang="fr-FR" dirty="0" smtClean="0"/>
+              <a:rPr lang="fr-FR" dirty="0"/>
+              <a:t> et ajouter les équipes « Lakers » et « Bulls » concourantes dans ce sport et créer une rencontre sur laquelle les clients pourront parier.</a:t>
+            </a:r>
+          </a:p>
+          <a:p>
+            <a:r>
+              <a:rPr lang="fr-FR" dirty="0"/>
               <a:t>Il souhaite clôturer les rencontres passées.</a:t>
             </a:r>
           </a:p>
           <a:p>
-            <a:endParaRPr lang="fr-FR" dirty="0" smtClean="0"/>
+            <a:endParaRPr lang="fr-FR" dirty="0"/>
           </a:p>
         </p:txBody>
       </p:sp>
@@ -11187,13 +10990,6 @@
   <p:clrMapOvr>
     <a:masterClrMapping/>
   </p:clrMapOvr>
-  <p:timing>
-    <p:tnLst>
-      <p:par>
-        <p:cTn id="1" dur="indefinite" restart="never" nodeType="tmRoot"/>
-      </p:par>
-    </p:tnLst>
-  </p:timing>
 </p:sld>
 </file>
 
@@ -11237,26 +11033,18 @@
           <a:lstStyle/>
           <a:p>
             <a:r>
-              <a:rPr lang="fr-FR" dirty="0" smtClean="0"/>
-              <a:t>Présentation scénario </a:t>
-            </a:r>
-            <a:r>
-              <a:rPr lang="fr-FR" dirty="0" smtClean="0"/>
-              <a:t>n°2 </a:t>
-            </a:r>
-            <a:r>
-              <a:rPr lang="fr-FR" dirty="0" smtClean="0"/>
-              <a:t/>
+              <a:rPr lang="fr-FR" dirty="0"/>
+              <a:t>Présentation scénario n°2 </a:t>
             </a:r>
             <a:br>
-              <a:rPr lang="fr-FR" dirty="0" smtClean="0"/>
+              <a:rPr lang="fr-FR" dirty="0"/>
             </a:br>
             <a:r>
-              <a:rPr lang="fr-FR" dirty="0" smtClean="0"/>
+              <a:rPr lang="fr-FR" dirty="0"/>
               <a:t>	-&gt;Première visite</a:t>
             </a:r>
             <a:br>
-              <a:rPr lang="fr-FR" dirty="0" smtClean="0"/>
+              <a:rPr lang="fr-FR" dirty="0"/>
             </a:br>
             <a:endParaRPr lang="fr-FR" dirty="0"/>
           </a:p>
@@ -11503,26 +11291,21 @@
           </a:lstStyle>
           <a:p>
             <a:r>
-              <a:rPr lang="fr-FR" dirty="0" smtClean="0"/>
+              <a:rPr lang="fr-FR" dirty="0"/>
               <a:t>L’internaute se rend sur le site, il y découvre l’offre et il souhaite effectuer un pari, ce qui nécessite de s’inscrire.</a:t>
             </a:r>
           </a:p>
           <a:p>
             <a:r>
-              <a:rPr lang="fr-FR" dirty="0" smtClean="0"/>
-              <a:t>Une fois inscrit, il s’authentifie et accède à sa page personnelle afin de modifier ses </a:t>
-            </a:r>
-            <a:r>
-              <a:rPr lang="fr-FR" dirty="0" smtClean="0"/>
-              <a:t>données par exemple le montant maximum pour un pari et un numéro de rue.</a:t>
-            </a:r>
-          </a:p>
-          <a:p>
-            <a:r>
-              <a:rPr lang="fr-FR" dirty="0" smtClean="0"/>
+              <a:rPr lang="fr-FR" dirty="0"/>
+              <a:t>Une fois inscrit, il s’authentifie et accède à sa page personnelle afin de modifier ses données par exemple le montant maximum pour un pari et un numéro de rue.</a:t>
+            </a:r>
+          </a:p>
+          <a:p>
+            <a:r>
+              <a:rPr lang="fr-FR" dirty="0"/>
               <a:t>Il souhaite créditer son compte pour parier GROS !</a:t>
             </a:r>
-            <a:endParaRPr lang="fr-FR" dirty="0" smtClean="0"/>
           </a:p>
         </p:txBody>
       </p:sp>
@@ -11536,13 +11319,6 @@
   <p:clrMapOvr>
     <a:masterClrMapping/>
   </p:clrMapOvr>
-  <p:timing>
-    <p:tnLst>
-      <p:par>
-        <p:cTn id="1" dur="indefinite" restart="never" nodeType="tmRoot"/>
-      </p:par>
-    </p:tnLst>
-  </p:timing>
 </p:sld>
 </file>
 
@@ -11586,26 +11362,18 @@
           <a:lstStyle/>
           <a:p>
             <a:r>
-              <a:rPr lang="fr-FR" dirty="0" smtClean="0"/>
-              <a:t>Présentation scénario </a:t>
-            </a:r>
-            <a:r>
-              <a:rPr lang="fr-FR" dirty="0" smtClean="0"/>
-              <a:t>n°3 </a:t>
-            </a:r>
-            <a:r>
-              <a:rPr lang="fr-FR" dirty="0" smtClean="0"/>
-              <a:t/>
+              <a:rPr lang="fr-FR" dirty="0"/>
+              <a:t>Présentation scénario n°3 </a:t>
             </a:r>
             <a:br>
-              <a:rPr lang="fr-FR" dirty="0" smtClean="0"/>
+              <a:rPr lang="fr-FR" dirty="0"/>
             </a:br>
             <a:r>
-              <a:rPr lang="fr-FR" dirty="0" smtClean="0"/>
+              <a:rPr lang="fr-FR" dirty="0"/>
               <a:t>	-&gt;Utilisation classique</a:t>
             </a:r>
             <a:br>
-              <a:rPr lang="fr-FR" dirty="0" smtClean="0"/>
+              <a:rPr lang="fr-FR" dirty="0"/>
             </a:br>
             <a:endParaRPr lang="fr-FR" dirty="0"/>
           </a:p>
@@ -11852,67 +11620,67 @@
           </a:lstStyle>
           <a:p>
             <a:r>
-              <a:rPr lang="fr-FR" dirty="0" smtClean="0"/>
+              <a:rPr lang="fr-FR" dirty="0"/>
               <a:t>L’internaute est un habitué du site, pour l’utiliser il s’authentifie.</a:t>
             </a:r>
           </a:p>
           <a:p>
             <a:r>
-              <a:rPr lang="fr-FR" dirty="0" smtClean="0"/>
+              <a:rPr lang="fr-FR" dirty="0"/>
               <a:t>Au premier coup d’œil il voit le solde de son compte, il veut consulter la liste de ses paris pour voir lesquels lui ont rapporté de l’argent.</a:t>
             </a:r>
           </a:p>
           <a:p>
             <a:r>
-              <a:rPr lang="fr-FR" dirty="0" smtClean="0"/>
+              <a:rPr lang="fr-FR" dirty="0"/>
               <a:t>Ayant récemment gagné de l’argent il décide d’augmenter sa mise sur un de ses paris n’ayant pas encore débuté, il décide également modifier un autre pari en pariant sur l’autre équipe.</a:t>
             </a:r>
           </a:p>
           <a:p>
             <a:r>
-              <a:rPr lang="fr-FR" dirty="0" smtClean="0"/>
+              <a:rPr lang="fr-FR" dirty="0"/>
               <a:t>Au vu des résultats récents il décide également d’annuler un de ses paris sur une équipe peu performante.</a:t>
             </a:r>
           </a:p>
           <a:p>
             <a:r>
-              <a:rPr lang="fr-FR" dirty="0" smtClean="0"/>
+              <a:rPr lang="fr-FR" dirty="0"/>
               <a:t>Il décide de réinvestir une partie de ses gains en pariant sur une nouvelle rencontre proposée par </a:t>
             </a:r>
             <a:r>
-              <a:rPr lang="fr-FR" dirty="0" err="1" smtClean="0"/>
+              <a:rPr lang="fr-FR" dirty="0" err="1"/>
               <a:t>WeBet</a:t>
             </a:r>
             <a:r>
-              <a:rPr lang="fr-FR" dirty="0" smtClean="0"/>
+              <a:rPr lang="fr-FR" dirty="0"/>
               <a:t>.</a:t>
             </a:r>
           </a:p>
           <a:p>
             <a:r>
-              <a:rPr lang="fr-FR" dirty="0" smtClean="0"/>
+              <a:rPr lang="fr-FR" dirty="0"/>
               <a:t>Il décide de récupérer une partie de ses gains en les sortant de son portefeuille </a:t>
             </a:r>
             <a:r>
-              <a:rPr lang="fr-FR" dirty="0" err="1" smtClean="0"/>
+              <a:rPr lang="fr-FR" dirty="0" err="1"/>
               <a:t>WeBet</a:t>
             </a:r>
             <a:r>
-              <a:rPr lang="fr-FR" dirty="0" smtClean="0"/>
+              <a:rPr lang="fr-FR" dirty="0"/>
               <a:t>.</a:t>
             </a:r>
           </a:p>
           <a:p>
             <a:r>
-              <a:rPr lang="fr-FR" dirty="0" smtClean="0"/>
+              <a:rPr lang="fr-FR" dirty="0"/>
               <a:t>Il se déconnecte et reviendra une prochaine fois.</a:t>
             </a:r>
           </a:p>
           <a:p>
-            <a:endParaRPr lang="fr-FR" dirty="0" smtClean="0"/>
-          </a:p>
-          <a:p>
-            <a:endParaRPr lang="fr-FR" dirty="0" smtClean="0"/>
+            <a:endParaRPr lang="fr-FR" dirty="0"/>
+          </a:p>
+          <a:p>
+            <a:endParaRPr lang="fr-FR" dirty="0"/>
           </a:p>
         </p:txBody>
       </p:sp>
@@ -11926,13 +11694,6 @@
   <p:clrMapOvr>
     <a:masterClrMapping/>
   </p:clrMapOvr>
-  <p:timing>
-    <p:tnLst>
-      <p:par>
-        <p:cTn id="1" dur="indefinite" restart="never" nodeType="tmRoot"/>
-      </p:par>
-    </p:tnLst>
-  </p:timing>
 </p:sld>
 </file>
 
@@ -11974,10 +11735,9 @@
           <a:lstStyle/>
           <a:p>
             <a:r>
-              <a:rPr lang="fr-FR" dirty="0" smtClean="0"/>
+              <a:rPr lang="fr-FR" dirty="0"/>
               <a:t>Conduite de la présentation</a:t>
             </a:r>
-            <a:endParaRPr lang="fr-FR" dirty="0"/>
           </a:p>
         </p:txBody>
       </p:sp>
@@ -11999,68 +11759,57 @@
           <a:lstStyle/>
           <a:p>
             <a:r>
-              <a:rPr lang="fr-FR" dirty="0" smtClean="0"/>
+              <a:rPr lang="fr-FR" dirty="0"/>
               <a:t>Introduction</a:t>
             </a:r>
           </a:p>
           <a:p>
             <a:r>
-              <a:rPr lang="fr-FR" dirty="0" smtClean="0"/>
+              <a:rPr lang="fr-FR" dirty="0"/>
               <a:t>Analyse du besoin</a:t>
             </a:r>
           </a:p>
           <a:p>
             <a:r>
-              <a:rPr lang="fr-FR" dirty="0" smtClean="0"/>
+              <a:rPr lang="fr-FR" dirty="0"/>
               <a:t>Contraintes</a:t>
             </a:r>
           </a:p>
           <a:p>
             <a:r>
-              <a:rPr lang="fr-FR" dirty="0" smtClean="0"/>
+              <a:rPr lang="fr-FR" dirty="0"/>
               <a:t>Solution technique</a:t>
             </a:r>
           </a:p>
           <a:p>
             <a:r>
-              <a:rPr lang="fr-FR" dirty="0" smtClean="0"/>
+              <a:rPr lang="fr-FR" dirty="0"/>
               <a:t>Conception et modélisation</a:t>
             </a:r>
           </a:p>
           <a:p>
             <a:r>
-              <a:rPr lang="fr-FR" dirty="0" smtClean="0"/>
+              <a:rPr lang="fr-FR" dirty="0"/>
               <a:t>Développement Tests</a:t>
             </a:r>
-            <a:endParaRPr lang="fr-FR" dirty="0" smtClean="0"/>
           </a:p>
           <a:p>
             <a:r>
               <a:rPr lang="fr-FR" dirty="0"/>
-              <a:t>Conduite du </a:t>
-            </a:r>
-            <a:r>
-              <a:rPr lang="fr-FR" dirty="0" smtClean="0"/>
-              <a:t>projet</a:t>
-            </a:r>
-          </a:p>
-          <a:p>
-            <a:r>
-              <a:rPr lang="fr-FR" dirty="0" smtClean="0"/>
-              <a:t>Présentation </a:t>
-            </a:r>
+              <a:t>Conduite du projet</a:t>
+            </a:r>
+          </a:p>
+          <a:p>
             <a:r>
               <a:rPr lang="fr-FR" dirty="0"/>
-              <a:t>de scénarios</a:t>
-            </a:r>
-            <a:endParaRPr lang="fr-FR" dirty="0"/>
-          </a:p>
-          <a:p>
-            <a:r>
-              <a:rPr lang="fr-FR" dirty="0" smtClean="0"/>
+              <a:t>Présentation de scénarios</a:t>
+            </a:r>
+          </a:p>
+          <a:p>
+            <a:r>
+              <a:rPr lang="fr-FR" dirty="0"/>
               <a:t>Conclusion</a:t>
             </a:r>
-            <a:endParaRPr lang="fr-FR" dirty="0"/>
           </a:p>
           <a:p>
             <a:endParaRPr lang="fr-FR" dirty="0"/>
@@ -12077,13 +11826,6 @@
   <p:clrMapOvr>
     <a:masterClrMapping/>
   </p:clrMapOvr>
-  <p:timing>
-    <p:tnLst>
-      <p:par>
-        <p:cTn id="1" dur="indefinite" restart="never" nodeType="tmRoot"/>
-      </p:par>
-    </p:tnLst>
-  </p:timing>
 </p:sld>
 </file>
 
@@ -12120,10 +11862,9 @@
           <a:lstStyle/>
           <a:p>
             <a:r>
-              <a:rPr lang="fr-FR" dirty="0" smtClean="0"/>
+              <a:rPr lang="fr-FR" dirty="0"/>
               <a:t>Introduction</a:t>
             </a:r>
-            <a:endParaRPr lang="fr-FR" dirty="0"/>
           </a:p>
         </p:txBody>
       </p:sp>
@@ -12150,20 +11891,20 @@
           <a:lstStyle/>
           <a:p>
             <a:r>
-              <a:rPr lang="fr-FR" dirty="0" smtClean="0"/>
+              <a:rPr lang="fr-FR" dirty="0"/>
               <a:t>Reconversion professionnelle</a:t>
             </a:r>
           </a:p>
           <a:p>
             <a:r>
-              <a:rPr lang="fr-FR" dirty="0" smtClean="0"/>
+              <a:rPr lang="fr-FR" dirty="0"/>
               <a:t>Aboutissement d’une formation de 3,5 mois en informatique traitant de:</a:t>
             </a:r>
           </a:p>
           <a:p>
             <a:pPr lvl="1"/>
             <a:r>
-              <a:rPr lang="fr-FR" dirty="0" smtClean="0"/>
+              <a:rPr lang="fr-FR" dirty="0"/>
               <a:t>Conduite de projet méthode Agile SCRUM</a:t>
             </a:r>
           </a:p>
@@ -12171,17 +11912,13 @@
             <a:pPr lvl="1"/>
             <a:r>
               <a:rPr lang="fr-FR" dirty="0"/>
-              <a:t>Apprentissage du langage </a:t>
-            </a:r>
-            <a:r>
-              <a:rPr lang="fr-FR" dirty="0" smtClean="0"/>
-              <a:t>UML</a:t>
+              <a:t>Apprentissage du langage UML</a:t>
             </a:r>
           </a:p>
           <a:p>
             <a:pPr lvl="1"/>
             <a:r>
-              <a:rPr lang="fr-FR" dirty="0" smtClean="0"/>
+              <a:rPr lang="fr-FR" dirty="0"/>
               <a:t>Apprentissage du langage Java</a:t>
             </a:r>
           </a:p>
@@ -12195,12 +11932,8 @@
           <a:p>
             <a:pPr lvl="1"/>
             <a:r>
-              <a:rPr lang="fr-FR" dirty="0" smtClean="0"/>
-              <a:t>Apprentissage </a:t>
-            </a:r>
-            <a:r>
               <a:rPr lang="fr-FR" dirty="0"/>
-              <a:t>des </a:t>
+              <a:t>Apprentissage des </a:t>
             </a:r>
             <a:r>
               <a:rPr lang="fr-FR" dirty="0" err="1"/>
@@ -12219,41 +11952,32 @@
           <a:p>
             <a:pPr lvl="2"/>
             <a:r>
-              <a:rPr lang="fr-FR" dirty="0" smtClean="0"/>
+              <a:rPr lang="fr-FR" dirty="0"/>
               <a:t>Gestion des dépendances avec MAVEN</a:t>
             </a:r>
           </a:p>
           <a:p>
             <a:pPr lvl="2"/>
             <a:r>
-              <a:rPr lang="fr-FR" dirty="0" smtClean="0"/>
+              <a:rPr lang="fr-FR" dirty="0"/>
               <a:t>Gestion de base de donnée en langage SQL et avec </a:t>
             </a:r>
             <a:r>
-              <a:rPr lang="fr-FR" dirty="0" err="1" smtClean="0"/>
+              <a:rPr lang="fr-FR" dirty="0" err="1"/>
               <a:t>Hibernate</a:t>
             </a:r>
-            <a:endParaRPr lang="fr-FR" dirty="0" smtClean="0"/>
+            <a:endParaRPr lang="fr-FR" dirty="0"/>
           </a:p>
           <a:p>
             <a:pPr lvl="2"/>
             <a:r>
-              <a:rPr lang="fr-FR" dirty="0" err="1" smtClean="0"/>
+              <a:rPr lang="fr-FR" dirty="0" err="1"/>
               <a:t>Mapping</a:t>
             </a:r>
             <a:r>
-              <a:rPr lang="fr-FR" dirty="0" smtClean="0"/>
-              <a:t> des </a:t>
-            </a:r>
-            <a:r>
               <a:rPr lang="fr-FR" dirty="0"/>
-              <a:t>bases de </a:t>
-            </a:r>
-            <a:r>
-              <a:rPr lang="fr-FR" dirty="0" smtClean="0"/>
-              <a:t>données relationnelles</a:t>
-            </a:r>
-            <a:endParaRPr lang="fr-FR" dirty="0"/>
+              <a:t> des bases de données relationnelles</a:t>
+            </a:r>
           </a:p>
           <a:p>
             <a:pPr lvl="2"/>
@@ -12261,12 +11985,11 @@
               <a:rPr lang="fr-FR" dirty="0"/>
               <a:t>MVC </a:t>
             </a:r>
-            <a:endParaRPr lang="fr-FR" dirty="0" smtClean="0"/>
           </a:p>
           <a:p>
             <a:pPr lvl="2"/>
             <a:r>
-              <a:rPr lang="fr-FR" dirty="0" smtClean="0"/>
+              <a:rPr lang="fr-FR" dirty="0"/>
               <a:t>Sécurité</a:t>
             </a:r>
           </a:p>
@@ -12274,23 +11997,14 @@
             <a:pPr lvl="2"/>
             <a:r>
               <a:rPr lang="fr-FR" dirty="0"/>
-              <a:t>Développement collaboratif avec </a:t>
-            </a:r>
-            <a:r>
-              <a:rPr lang="fr-FR" dirty="0" smtClean="0"/>
-              <a:t>Git et GitHub</a:t>
-            </a:r>
-          </a:p>
-          <a:p>
-            <a:r>
-              <a:rPr lang="fr-FR" dirty="0" smtClean="0"/>
+              <a:t>Développement collaboratif avec Git et GitHub</a:t>
+            </a:r>
+          </a:p>
+          <a:p>
+            <a:r>
+              <a:rPr lang="fr-FR" dirty="0"/>
               <a:t>Projet final mettant en œuvre les acquis de la formation basé sur un cahier des charges.</a:t>
             </a:r>
-            <a:endParaRPr lang="fr-FR" dirty="0"/>
-          </a:p>
-          <a:p>
-            <a:pPr lvl="2"/>
-            <a:endParaRPr lang="fr-FR" dirty="0" smtClean="0"/>
           </a:p>
           <a:p>
             <a:pPr lvl="2"/>
@@ -12298,7 +12012,11 @@
           </a:p>
           <a:p>
             <a:pPr lvl="2"/>
-            <a:endParaRPr lang="fr-FR" dirty="0" smtClean="0"/>
+            <a:endParaRPr lang="fr-FR" dirty="0"/>
+          </a:p>
+          <a:p>
+            <a:pPr lvl="2"/>
+            <a:endParaRPr lang="fr-FR" dirty="0"/>
           </a:p>
           <a:p>
             <a:pPr lvl="1"/>
@@ -12316,13 +12034,6 @@
   <p:clrMapOvr>
     <a:masterClrMapping/>
   </p:clrMapOvr>
-  <p:timing>
-    <p:tnLst>
-      <p:par>
-        <p:cTn id="1" dur="indefinite" restart="never" nodeType="tmRoot"/>
-      </p:par>
-    </p:tnLst>
-  </p:timing>
 </p:sld>
 </file>
 
@@ -12400,10 +12111,9 @@
           <a:lstStyle/>
           <a:p>
             <a:r>
-              <a:rPr lang="fr-FR" dirty="0" smtClean="0"/>
+              <a:rPr lang="fr-FR" dirty="0"/>
               <a:t>Analyse du besoin</a:t>
             </a:r>
-            <a:endParaRPr lang="fr-FR" dirty="0"/>
           </a:p>
         </p:txBody>
       </p:sp>
@@ -12428,18 +12138,14 @@
           <a:lstStyle/>
           <a:p>
             <a:r>
-              <a:rPr lang="fr-FR" dirty="0" smtClean="0"/>
+              <a:rPr lang="fr-FR" dirty="0"/>
               <a:t>Capture du besoin</a:t>
             </a:r>
           </a:p>
           <a:p>
             <a:r>
-              <a:rPr lang="fr-FR" dirty="0" smtClean="0"/>
-              <a:t>Analyse </a:t>
-            </a:r>
-            <a:r>
-              <a:rPr lang="fr-FR" dirty="0" smtClean="0"/>
-              <a:t>du domaine objet</a:t>
+              <a:rPr lang="fr-FR" dirty="0"/>
+              <a:t>Analyse du domaine objet</a:t>
             </a:r>
           </a:p>
           <a:p>
@@ -12457,13 +12163,6 @@
   <p:clrMapOvr>
     <a:masterClrMapping/>
   </p:clrMapOvr>
-  <p:timing>
-    <p:tnLst>
-      <p:par>
-        <p:cTn id="1" dur="indefinite" restart="never" nodeType="tmRoot"/>
-      </p:par>
-    </p:tnLst>
-  </p:timing>
 </p:sld>
 </file>
 
@@ -12553,10 +12252,9 @@
           <a:lstStyle/>
           <a:p>
             <a:r>
-              <a:rPr lang="fr-FR" dirty="0" smtClean="0"/>
+              <a:rPr lang="fr-FR" dirty="0"/>
               <a:t>Analyse du besoin</a:t>
             </a:r>
-            <a:endParaRPr lang="fr-FR" dirty="0"/>
           </a:p>
         </p:txBody>
       </p:sp>
@@ -12581,28 +12279,28 @@
           <a:lstStyle/>
           <a:p>
             <a:r>
-              <a:rPr lang="fr-FR" dirty="0" smtClean="0"/>
+              <a:rPr lang="fr-FR" dirty="0"/>
               <a:t>Capture du besoin</a:t>
             </a:r>
           </a:p>
           <a:p>
             <a:pPr lvl="1"/>
             <a:r>
-              <a:rPr lang="fr-FR" dirty="0" smtClean="0"/>
+              <a:rPr lang="fr-FR" dirty="0"/>
               <a:t>Définition des Use Cases</a:t>
             </a:r>
           </a:p>
           <a:p>
             <a:pPr lvl="1"/>
             <a:r>
-              <a:rPr lang="fr-FR" dirty="0" smtClean="0"/>
+              <a:rPr lang="fr-FR" dirty="0"/>
               <a:t>Réalisation du Use Case </a:t>
             </a:r>
             <a:r>
-              <a:rPr lang="fr-FR" dirty="0" err="1" smtClean="0"/>
+              <a:rPr lang="fr-FR" dirty="0" err="1"/>
               <a:t>Diagram</a:t>
             </a:r>
-            <a:endParaRPr lang="fr-FR" dirty="0" smtClean="0"/>
+            <a:endParaRPr lang="fr-FR" dirty="0"/>
           </a:p>
         </p:txBody>
       </p:sp>
@@ -12665,7 +12363,7 @@
         </p:spPr>
         <p:txBody>
           <a:bodyPr vert="horz" lIns="91440" tIns="45720" rIns="91440" bIns="45720" rtlCol="0">
-            <a:normAutofit fontScale="92500" lnSpcReduction="10000"/>
+            <a:normAutofit fontScale="85000" lnSpcReduction="10000"/>
           </a:bodyPr>
           <a:lstStyle>
             <a:lvl1pPr marL="342900" indent="-342900" algn="l" defTabSz="457200" rtl="0" eaLnBrk="1" latinLnBrk="0" hangingPunct="1">
@@ -12890,31 +12588,31 @@
               <a:buNone/>
             </a:pPr>
             <a:r>
-              <a:rPr lang="fr-FR" u="sng" dirty="0" smtClean="0"/>
+              <a:rPr lang="fr-FR" u="sng" dirty="0"/>
               <a:t>Identification des acteurs:</a:t>
             </a:r>
           </a:p>
           <a:p>
             <a:pPr lvl="1"/>
             <a:r>
-              <a:rPr lang="fr-FR" dirty="0" smtClean="0"/>
-              <a:t>User</a:t>
-            </a:r>
+              <a:rPr lang="fr-FR"/>
+              <a:t>Client</a:t>
+            </a:r>
+            <a:endParaRPr lang="fr-FR" dirty="0"/>
           </a:p>
           <a:p>
             <a:pPr lvl="1"/>
             <a:r>
-              <a:rPr lang="fr-FR" dirty="0" smtClean="0"/>
+              <a:rPr lang="fr-FR" dirty="0"/>
               <a:t>Admin</a:t>
             </a:r>
           </a:p>
           <a:p>
             <a:pPr lvl="1"/>
             <a:r>
-              <a:rPr lang="fr-FR" dirty="0" smtClean="0"/>
+              <a:rPr lang="fr-FR" dirty="0"/>
               <a:t>Prospect</a:t>
             </a:r>
-            <a:endParaRPr lang="fr-FR" dirty="0" smtClean="0"/>
           </a:p>
         </p:txBody>
       </p:sp>
@@ -12928,13 +12626,6 @@
   <p:clrMapOvr>
     <a:masterClrMapping/>
   </p:clrMapOvr>
-  <p:timing>
-    <p:tnLst>
-      <p:par>
-        <p:cTn id="1" dur="indefinite" restart="never" nodeType="tmRoot"/>
-      </p:par>
-    </p:tnLst>
-  </p:timing>
 </p:sld>
 </file>
 
@@ -12976,10 +12667,9 @@
           <a:lstStyle/>
           <a:p>
             <a:r>
-              <a:rPr lang="fr-FR" dirty="0" smtClean="0"/>
+              <a:rPr lang="fr-FR" dirty="0"/>
               <a:t>Analyse du besoin</a:t>
             </a:r>
-            <a:endParaRPr lang="fr-FR" dirty="0"/>
           </a:p>
         </p:txBody>
       </p:sp>
@@ -13004,7 +12694,7 @@
           <a:lstStyle/>
           <a:p>
             <a:r>
-              <a:rPr lang="fr-FR" dirty="0" smtClean="0"/>
+              <a:rPr lang="fr-FR" dirty="0"/>
               <a:t>Analyse du domaine Objet</a:t>
             </a:r>
           </a:p>
@@ -13073,7 +12763,7 @@
           <a:lstStyle/>
           <a:p>
             <a:r>
-              <a:rPr lang="fr-FR" dirty="0" smtClean="0">
+              <a:rPr lang="fr-FR" dirty="0">
                 <a:ln w="0"/>
                 <a:gradFill>
                   <a:gsLst>
@@ -13103,7 +12793,7 @@
           </a:p>
           <a:p>
             <a:r>
-              <a:rPr lang="fr-FR" dirty="0" smtClean="0">
+              <a:rPr lang="fr-FR" dirty="0">
                 <a:ln w="0"/>
                 <a:gradFill>
                   <a:gsLst>
@@ -13130,31 +12820,6 @@
               </a:rPr>
               <a:t>du projet</a:t>
             </a:r>
-            <a:endParaRPr lang="fr-FR" dirty="0">
-              <a:ln w="0"/>
-              <a:gradFill>
-                <a:gsLst>
-                  <a:gs pos="0">
-                    <a:schemeClr val="accent5">
-                      <a:lumMod val="50000"/>
-                    </a:schemeClr>
-                  </a:gs>
-                  <a:gs pos="50000">
-                    <a:schemeClr val="accent5"/>
-                  </a:gs>
-                  <a:gs pos="100000">
-                    <a:schemeClr val="accent5">
-                      <a:lumMod val="60000"/>
-                      <a:lumOff val="40000"/>
-                    </a:schemeClr>
-                  </a:gs>
-                </a:gsLst>
-                <a:lin ang="5400000"/>
-              </a:gradFill>
-              <a:effectLst>
-                <a:reflection blurRad="6350" stA="53000" endA="300" endPos="35500" dir="5400000" sy="-90000" algn="bl" rotWithShape="0"/>
-              </a:effectLst>
-            </a:endParaRPr>
           </a:p>
         </p:txBody>
       </p:sp>
@@ -13168,13 +12833,6 @@
   <p:clrMapOvr>
     <a:masterClrMapping/>
   </p:clrMapOvr>
-  <p:timing>
-    <p:tnLst>
-      <p:par>
-        <p:cTn id="1" dur="indefinite" restart="never" nodeType="tmRoot"/>
-      </p:par>
-    </p:tnLst>
-  </p:timing>
 </p:sld>
 </file>
 
@@ -13218,10 +12876,9 @@
           <a:lstStyle/>
           <a:p>
             <a:r>
-              <a:rPr lang="fr-FR" dirty="0" smtClean="0"/>
+              <a:rPr lang="fr-FR" dirty="0"/>
               <a:t>Contraintes</a:t>
             </a:r>
-            <a:endParaRPr lang="fr-FR" dirty="0"/>
           </a:p>
         </p:txBody>
       </p:sp>
@@ -13249,50 +12906,44 @@
           <a:p>
             <a:pPr lvl="1"/>
             <a:r>
-              <a:rPr lang="fr-FR" dirty="0" smtClean="0"/>
+              <a:rPr lang="fr-FR" dirty="0"/>
               <a:t>Temps </a:t>
             </a:r>
           </a:p>
           <a:p>
             <a:pPr lvl="2"/>
             <a:r>
-              <a:rPr lang="fr-FR" dirty="0" smtClean="0"/>
+              <a:rPr lang="fr-FR" dirty="0"/>
               <a:t>Durée pour faire le cycle complet du projet: 5 jours</a:t>
             </a:r>
           </a:p>
           <a:p>
             <a:pPr lvl="1"/>
             <a:r>
-              <a:rPr lang="fr-FR" dirty="0" smtClean="0"/>
+              <a:rPr lang="fr-FR" dirty="0"/>
               <a:t>Techniques :</a:t>
             </a:r>
           </a:p>
           <a:p>
             <a:pPr lvl="2"/>
             <a:r>
-              <a:rPr lang="fr-FR" dirty="0" smtClean="0"/>
-              <a:t>Projet </a:t>
-            </a:r>
-            <a:r>
-              <a:rPr lang="fr-FR" dirty="0" smtClean="0"/>
-              <a:t>orienté objet Java JEE</a:t>
-            </a:r>
-            <a:endParaRPr lang="fr-FR" dirty="0" smtClean="0"/>
+              <a:rPr lang="fr-FR" dirty="0"/>
+              <a:t>Projet orienté objet Java JEE</a:t>
+            </a:r>
           </a:p>
           <a:p>
             <a:pPr lvl="1"/>
             <a:r>
-              <a:rPr lang="fr-FR" dirty="0" smtClean="0"/>
+              <a:rPr lang="fr-FR" dirty="0"/>
               <a:t>Financières: </a:t>
             </a:r>
           </a:p>
           <a:p>
             <a:pPr lvl="2"/>
             <a:r>
-              <a:rPr lang="fr-FR" dirty="0" smtClean="0"/>
+              <a:rPr lang="fr-FR" dirty="0"/>
               <a:t>Projet non financé</a:t>
             </a:r>
-            <a:endParaRPr lang="fr-FR" dirty="0"/>
           </a:p>
         </p:txBody>
       </p:sp>
@@ -13540,109 +13191,97 @@
               <a:buNone/>
             </a:pPr>
             <a:r>
-              <a:rPr lang="fr-FR" i="1" dirty="0" smtClean="0">
+              <a:rPr lang="fr-FR" i="1" dirty="0">
                 <a:solidFill>
                   <a:srgbClr val="0070C0"/>
                 </a:solidFill>
               </a:rPr>
-              <a:t>Choix des </a:t>
-            </a:r>
-            <a:r>
-              <a:rPr lang="fr-FR" i="1" dirty="0" smtClean="0">
-                <a:solidFill>
-                  <a:srgbClr val="0070C0"/>
-                </a:solidFill>
-              </a:rPr>
-              <a:t>outils:</a:t>
-            </a:r>
-          </a:p>
-          <a:p>
-            <a:r>
-              <a:rPr lang="fr-FR" dirty="0" smtClean="0"/>
+              <a:t>Choix des outils:</a:t>
+            </a:r>
+          </a:p>
+          <a:p>
+            <a:r>
+              <a:rPr lang="fr-FR" dirty="0"/>
               <a:t>UML avec </a:t>
             </a:r>
             <a:r>
-              <a:rPr lang="fr-FR" dirty="0" err="1" smtClean="0"/>
+              <a:rPr lang="fr-FR" dirty="0" err="1"/>
               <a:t>Astah</a:t>
             </a:r>
-            <a:endParaRPr lang="fr-FR" dirty="0" smtClean="0"/>
-          </a:p>
-          <a:p>
-            <a:r>
-              <a:rPr lang="fr-FR" dirty="0" smtClean="0"/>
-              <a:t>IDE </a:t>
-            </a:r>
-            <a:r>
-              <a:rPr lang="fr-FR" dirty="0" smtClean="0"/>
-              <a:t>Eclipse </a:t>
-            </a:r>
-            <a:r>
-              <a:rPr lang="fr-FR" dirty="0" err="1" smtClean="0"/>
+            <a:endParaRPr lang="fr-FR" dirty="0"/>
+          </a:p>
+          <a:p>
+            <a:r>
+              <a:rPr lang="fr-FR" dirty="0"/>
+              <a:t>IDE Eclipse </a:t>
+            </a:r>
+            <a:r>
+              <a:rPr lang="fr-FR" dirty="0" err="1"/>
               <a:t>Oxygen</a:t>
             </a:r>
-            <a:endParaRPr lang="fr-FR" dirty="0" smtClean="0"/>
-          </a:p>
-          <a:p>
-            <a:r>
-              <a:rPr lang="fr-FR" dirty="0" smtClean="0"/>
+            <a:endParaRPr lang="fr-FR" dirty="0"/>
+          </a:p>
+          <a:p>
+            <a:r>
+              <a:rPr lang="fr-FR" dirty="0"/>
               <a:t>Serveur local </a:t>
             </a:r>
             <a:r>
-              <a:rPr lang="fr-FR" dirty="0" err="1" smtClean="0"/>
+              <a:rPr lang="fr-FR" dirty="0" err="1"/>
               <a:t>Tomcat</a:t>
             </a:r>
             <a:r>
-              <a:rPr lang="fr-FR" dirty="0" smtClean="0"/>
+              <a:rPr lang="fr-FR" dirty="0"/>
               <a:t> 8.5</a:t>
             </a:r>
           </a:p>
           <a:p>
             <a:r>
-              <a:rPr lang="fr-FR" dirty="0" err="1" smtClean="0"/>
+              <a:rPr lang="fr-FR" dirty="0" err="1"/>
               <a:t>Git’s</a:t>
             </a:r>
             <a:r>
-              <a:rPr lang="fr-FR" dirty="0" smtClean="0"/>
+              <a:rPr lang="fr-FR" dirty="0"/>
               <a:t> </a:t>
             </a:r>
             <a:r>
-              <a:rPr lang="fr-FR" dirty="0" err="1" smtClean="0"/>
+              <a:rPr lang="fr-FR" dirty="0" err="1"/>
               <a:t>remote</a:t>
             </a:r>
             <a:r>
-              <a:rPr lang="fr-FR" dirty="0" smtClean="0"/>
+              <a:rPr lang="fr-FR" dirty="0"/>
               <a:t> </a:t>
             </a:r>
             <a:r>
-              <a:rPr lang="fr-FR" dirty="0" err="1" smtClean="0"/>
+              <a:rPr lang="fr-FR" dirty="0" err="1"/>
               <a:t>repository</a:t>
             </a:r>
             <a:r>
-              <a:rPr lang="fr-FR" dirty="0" smtClean="0"/>
+              <a:rPr lang="fr-FR" dirty="0"/>
               <a:t> avec GitHub</a:t>
             </a:r>
           </a:p>
           <a:p>
             <a:r>
-              <a:rPr lang="fr-FR" dirty="0" err="1" smtClean="0"/>
+              <a:rPr lang="fr-FR" dirty="0" err="1"/>
               <a:t>Backlog</a:t>
             </a:r>
             <a:r>
-              <a:rPr lang="fr-FR" dirty="0" smtClean="0"/>
+              <a:rPr lang="fr-FR" dirty="0"/>
               <a:t> à post-it au lieu d’utiliser </a:t>
             </a:r>
             <a:r>
-              <a:rPr lang="fr-FR" dirty="0" err="1" smtClean="0"/>
+              <a:rPr lang="fr-FR" dirty="0" err="1"/>
               <a:t>Jira</a:t>
             </a:r>
-            <a:endParaRPr lang="fr-FR" dirty="0" smtClean="0"/>
+            <a:endParaRPr lang="fr-FR" dirty="0"/>
           </a:p>
           <a:p>
             <a:pPr marL="914400" lvl="2" indent="0">
               <a:buFont typeface="Wingdings 3" charset="2"/>
               <a:buNone/>
             </a:pPr>
-            <a:endParaRPr lang="fr-FR" dirty="0" smtClean="0"/>
+            <a:endParaRPr lang="fr-FR" dirty="0"/>
           </a:p>
         </p:txBody>
       </p:sp>
@@ -13656,13 +13295,6 @@
   <p:clrMapOvr>
     <a:masterClrMapping/>
   </p:clrMapOvr>
-  <p:timing>
-    <p:tnLst>
-      <p:par>
-        <p:cTn id="1" dur="indefinite" restart="never" nodeType="tmRoot"/>
-      </p:par>
-    </p:tnLst>
-  </p:timing>
 </p:sld>
 </file>
 
@@ -13951,42 +13583,34 @@
           </a:lstStyle>
           <a:p>
             <a:r>
-              <a:rPr lang="fr-FR" dirty="0" smtClean="0"/>
-              <a:t>Application « </a:t>
-            </a:r>
-            <a:r>
-              <a:rPr lang="fr-FR" dirty="0" smtClean="0"/>
-              <a:t>client léger</a:t>
-            </a:r>
-            <a:r>
-              <a:rPr lang="fr-FR" dirty="0" smtClean="0"/>
-              <a:t> »</a:t>
-            </a:r>
-          </a:p>
-          <a:p>
-            <a:r>
-              <a:rPr lang="fr-FR" dirty="0" smtClean="0"/>
+              <a:rPr lang="fr-FR" dirty="0"/>
+              <a:t>Application « client léger »</a:t>
+            </a:r>
+          </a:p>
+          <a:p>
+            <a:r>
+              <a:rPr lang="fr-FR" dirty="0"/>
               <a:t>Choix du </a:t>
             </a:r>
             <a:r>
-              <a:rPr lang="fr-FR" dirty="0" err="1" smtClean="0"/>
+              <a:rPr lang="fr-FR" dirty="0" err="1"/>
               <a:t>framework</a:t>
             </a:r>
             <a:r>
-              <a:rPr lang="fr-FR" dirty="0" smtClean="0"/>
+              <a:rPr lang="fr-FR" dirty="0"/>
               <a:t> </a:t>
             </a:r>
             <a:r>
-              <a:rPr lang="fr-FR" dirty="0" err="1" smtClean="0"/>
+              <a:rPr lang="fr-FR" dirty="0" err="1"/>
               <a:t>Spring</a:t>
             </a:r>
             <a:r>
-              <a:rPr lang="fr-FR" dirty="0" smtClean="0"/>
+              <a:rPr lang="fr-FR" dirty="0"/>
               <a:t> MVC</a:t>
             </a:r>
           </a:p>
           <a:p>
-            <a:endParaRPr lang="fr-FR" dirty="0" smtClean="0"/>
+            <a:endParaRPr lang="fr-FR" dirty="0"/>
           </a:p>
         </p:txBody>
       </p:sp>
@@ -14040,13 +13664,6 @@
   <p:clrMapOvr>
     <a:masterClrMapping/>
   </p:clrMapOvr>
-  <p:timing>
-    <p:tnLst>
-      <p:par>
-        <p:cTn id="1" dur="indefinite" restart="never" nodeType="tmRoot"/>
-      </p:par>
-    </p:tnLst>
-  </p:timing>
 </p:sld>
 </file>
 
@@ -14088,10 +13705,9 @@
           <a:lstStyle/>
           <a:p>
             <a:r>
-              <a:rPr lang="fr-FR" dirty="0" smtClean="0"/>
+              <a:rPr lang="fr-FR" dirty="0"/>
               <a:t>Conception et modélisation</a:t>
             </a:r>
-            <a:endParaRPr lang="fr-FR" dirty="0"/>
           </a:p>
         </p:txBody>
       </p:sp>
@@ -14336,12 +13952,12 @@
           </a:lstStyle>
           <a:p>
             <a:r>
-              <a:rPr lang="fr-FR" dirty="0" smtClean="0"/>
+              <a:rPr lang="fr-FR" dirty="0"/>
               <a:t>Conception</a:t>
             </a:r>
           </a:p>
           <a:p>
-            <a:endParaRPr lang="fr-FR" dirty="0" smtClean="0"/>
+            <a:endParaRPr lang="fr-FR" dirty="0"/>
           </a:p>
         </p:txBody>
       </p:sp>
@@ -14422,7 +14038,7 @@
             <a:lstStyle/>
             <a:p>
               <a:r>
-                <a:rPr lang="fr-FR" sz="1200" dirty="0" smtClean="0">
+                <a:rPr lang="fr-FR" sz="1200" dirty="0">
                   <a:ln w="0"/>
                   <a:gradFill>
                     <a:gsLst>
@@ -14452,7 +14068,7 @@
             </a:p>
             <a:p>
               <a:r>
-                <a:rPr lang="fr-FR" sz="1200" dirty="0" smtClean="0">
+                <a:rPr lang="fr-FR" sz="1200" dirty="0">
                   <a:ln w="0"/>
                   <a:gradFill>
                     <a:gsLst>
@@ -14479,31 +14095,6 @@
                 </a:rPr>
                 <a:t>du projet</a:t>
               </a:r>
-              <a:endParaRPr lang="fr-FR" sz="1200" dirty="0">
-                <a:ln w="0"/>
-                <a:gradFill>
-                  <a:gsLst>
-                    <a:gs pos="0">
-                      <a:schemeClr val="accent5">
-                        <a:lumMod val="50000"/>
-                      </a:schemeClr>
-                    </a:gs>
-                    <a:gs pos="50000">
-                      <a:schemeClr val="accent5"/>
-                    </a:gs>
-                    <a:gs pos="100000">
-                      <a:schemeClr val="accent5">
-                        <a:lumMod val="60000"/>
-                        <a:lumOff val="40000"/>
-                      </a:schemeClr>
-                    </a:gs>
-                  </a:gsLst>
-                  <a:lin ang="5400000"/>
-                </a:gradFill>
-                <a:effectLst>
-                  <a:reflection blurRad="6350" stA="53000" endA="300" endPos="35500" dir="5400000" sy="-90000" algn="bl" rotWithShape="0"/>
-                </a:effectLst>
-              </a:endParaRPr>
             </a:p>
           </p:txBody>
         </p:sp>
@@ -14590,13 +14181,6 @@
   <p:clrMapOvr>
     <a:masterClrMapping/>
   </p:clrMapOvr>
-  <p:timing>
-    <p:tnLst>
-      <p:par>
-        <p:cTn id="1" dur="indefinite" restart="never" nodeType="tmRoot"/>
-      </p:par>
-    </p:tnLst>
-  </p:timing>
 </p:sld>
 </file>
 

--- a/Présentation/Présentation WeBet_JBL.pptx
+++ b/Présentation/Présentation WeBet_JBL.pptx
@@ -21,9 +21,10 @@
     <p:sldId id="266" r:id="rId16"/>
     <p:sldId id="278" r:id="rId17"/>
     <p:sldId id="267" r:id="rId18"/>
-    <p:sldId id="275" r:id="rId19"/>
-    <p:sldId id="276" r:id="rId20"/>
-    <p:sldId id="277" r:id="rId21"/>
+    <p:sldId id="279" r:id="rId19"/>
+    <p:sldId id="275" r:id="rId20"/>
+    <p:sldId id="276" r:id="rId21"/>
+    <p:sldId id="277" r:id="rId22"/>
   </p:sldIdLst>
   <p:sldSz cx="9144000" cy="6858000" type="screen4x3"/>
   <p:notesSz cx="6858000" cy="9144000"/>
@@ -7788,7 +7789,7 @@
                   </a:outerShdw>
                 </a:effectLst>
               </a:rPr>
-              <a:t>Présentation site de pari </a:t>
+              <a:t>Présentation site de paris </a:t>
             </a:r>
             <a:br>
               <a:rPr lang="fr-FR" b="1" dirty="0">
@@ -7852,7 +7853,7 @@
         </p:spPr>
         <p:txBody>
           <a:bodyPr>
-            <a:normAutofit/>
+            <a:normAutofit fontScale="92500"/>
           </a:bodyPr>
           <a:lstStyle/>
           <a:p>
@@ -8738,7 +8739,7 @@
         </p:spPr>
         <p:txBody>
           <a:bodyPr vert="horz" lIns="91440" tIns="45720" rIns="91440" bIns="45720" rtlCol="0">
-            <a:normAutofit fontScale="85000" lnSpcReduction="10000"/>
+            <a:normAutofit fontScale="77500" lnSpcReduction="20000"/>
           </a:bodyPr>
           <a:lstStyle>
             <a:lvl1pPr marL="342900" indent="-342900" algn="l" defTabSz="457200" rtl="0" eaLnBrk="1" latinLnBrk="0" hangingPunct="1">
@@ -9050,7 +9051,7 @@
         </p:blipFill>
         <p:spPr>
           <a:xfrm>
-            <a:off x="3657293" y="2492896"/>
+            <a:off x="3923928" y="2579970"/>
             <a:ext cx="5003478" cy="2073236"/>
           </a:xfrm>
           <a:prstGeom prst="rect">
@@ -9079,8 +9080,8 @@
         </p:blipFill>
         <p:spPr>
           <a:xfrm>
-            <a:off x="3419872" y="4797056"/>
-            <a:ext cx="5256584" cy="1833388"/>
+            <a:off x="3419872" y="4653206"/>
+            <a:ext cx="5669022" cy="1977238"/>
           </a:xfrm>
           <a:prstGeom prst="rect">
             <a:avLst/>
@@ -9879,7 +9880,7 @@
           <a:p>
             <a:r>
               <a:rPr lang="fr-FR" dirty="0"/>
-              <a:t>Tests</a:t>
+              <a:t>Tests / Validations</a:t>
             </a:r>
           </a:p>
         </p:txBody>
@@ -10132,13 +10133,8 @@
           <a:p>
             <a:r>
               <a:rPr lang="fr-FR" dirty="0"/>
-              <a:t>Validation du déroulement des scénarios définis dans les </a:t>
-            </a:r>
-            <a:r>
-              <a:rPr lang="fr-FR"/>
-              <a:t>User Stories</a:t>
-            </a:r>
-            <a:endParaRPr lang="fr-FR" dirty="0"/>
+              <a:t>Validation du déroulement des scénarios définis dans les User Stories</a:t>
+            </a:r>
           </a:p>
           <a:p>
             <a:pPr lvl="1"/>
@@ -10163,13 +10159,21 @@
           <a:p>
             <a:r>
               <a:rPr lang="fr-FR" dirty="0"/>
-              <a:t>Validation de la robustesse de l’application</a:t>
+              <a:t>Validation qualité pour l’intégrité des données</a:t>
             </a:r>
           </a:p>
           <a:p>
             <a:r>
               <a:rPr lang="fr-FR" dirty="0"/>
-              <a:t>Réalisation des tests unitaires</a:t>
+              <a:t>Réalisation des tests unitaires (</a:t>
+            </a:r>
+            <a:r>
+              <a:rPr lang="fr-FR" dirty="0" err="1"/>
+              <a:t>Junit</a:t>
+            </a:r>
+            <a:r>
+              <a:rPr lang="fr-FR" dirty="0"/>
+              <a:t>)</a:t>
             </a:r>
           </a:p>
           <a:p>
@@ -10229,7 +10233,7 @@
           <a:p>
             <a:r>
               <a:rPr lang="fr-FR" dirty="0"/>
-              <a:t>Tests</a:t>
+              <a:t>Tests / Validations</a:t>
             </a:r>
           </a:p>
         </p:txBody>
@@ -10672,6 +10676,102 @@
       </p:grpSpPr>
       <p:sp>
         <p:nvSpPr>
+          <p:cNvPr id="2" name="Titre 1">
+            <a:extLst>
+              <a:ext uri="{FF2B5EF4-FFF2-40B4-BE49-F238E27FC236}">
+                <a16:creationId xmlns:a16="http://schemas.microsoft.com/office/drawing/2014/main" id="{FCF2857C-1834-4834-A527-71DF6A3925AF}"/>
+              </a:ext>
+            </a:extLst>
+          </p:cNvPr>
+          <p:cNvSpPr>
+            <a:spLocks noGrp="1"/>
+          </p:cNvSpPr>
+          <p:nvPr>
+            <p:ph type="title"/>
+          </p:nvPr>
+        </p:nvSpPr>
+        <p:spPr/>
+        <p:txBody>
+          <a:bodyPr/>
+          <a:lstStyle/>
+          <a:p>
+            <a:r>
+              <a:rPr lang="fr-FR" dirty="0"/>
+              <a:t>Conclusion</a:t>
+            </a:r>
+          </a:p>
+        </p:txBody>
+      </p:sp>
+      <p:sp>
+        <p:nvSpPr>
+          <p:cNvPr id="3" name="Espace réservé du contenu 2">
+            <a:extLst>
+              <a:ext uri="{FF2B5EF4-FFF2-40B4-BE49-F238E27FC236}">
+                <a16:creationId xmlns:a16="http://schemas.microsoft.com/office/drawing/2014/main" id="{906BA7D1-C3D3-4D50-BFDC-0F78F4418CF0}"/>
+              </a:ext>
+            </a:extLst>
+          </p:cNvPr>
+          <p:cNvSpPr>
+            <a:spLocks noGrp="1"/>
+          </p:cNvSpPr>
+          <p:nvPr>
+            <p:ph idx="1"/>
+          </p:nvPr>
+        </p:nvSpPr>
+        <p:spPr>
+          <a:xfrm>
+            <a:off x="3419872" y="3212976"/>
+            <a:ext cx="2304256" cy="1079376"/>
+          </a:xfrm>
+        </p:spPr>
+        <p:txBody>
+          <a:bodyPr>
+            <a:normAutofit/>
+          </a:bodyPr>
+          <a:lstStyle/>
+          <a:p>
+            <a:pPr marL="0" indent="0">
+              <a:buNone/>
+            </a:pPr>
+            <a:r>
+              <a:rPr lang="fr-FR" sz="3200" dirty="0"/>
+              <a:t>The end!</a:t>
+            </a:r>
+          </a:p>
+        </p:txBody>
+      </p:sp>
+    </p:spTree>
+    <p:extLst>
+      <p:ext uri="{BB962C8B-B14F-4D97-AF65-F5344CB8AC3E}">
+        <p14:creationId xmlns:p14="http://schemas.microsoft.com/office/powerpoint/2010/main" val="655136541"/>
+      </p:ext>
+    </p:extLst>
+  </p:cSld>
+  <p:clrMapOvr>
+    <a:masterClrMapping/>
+  </p:clrMapOvr>
+</p:sld>
+</file>
+
+<file path=ppt/slides/slide18.xml><?xml version="1.0" encoding="utf-8"?>
+<p:sld xmlns:a="http://schemas.openxmlformats.org/drawingml/2006/main" xmlns:r="http://schemas.openxmlformats.org/officeDocument/2006/relationships" xmlns:p="http://schemas.openxmlformats.org/presentationml/2006/main">
+  <p:cSld>
+    <p:spTree>
+      <p:nvGrpSpPr>
+        <p:cNvPr id="1" name=""/>
+        <p:cNvGrpSpPr/>
+        <p:nvPr/>
+      </p:nvGrpSpPr>
+      <p:grpSpPr>
+        <a:xfrm>
+          <a:off x="0" y="0"/>
+          <a:ext cx="0" cy="0"/>
+          <a:chOff x="0" y="0"/>
+          <a:chExt cx="0" cy="0"/>
+        </a:xfrm>
+      </p:grpSpPr>
+      <p:sp>
+        <p:nvSpPr>
           <p:cNvPr id="2" name="Titre 1"/>
           <p:cNvSpPr>
             <a:spLocks noGrp="1"/>
@@ -10993,7 +11093,7 @@
 </p:sld>
 </file>
 
-<file path=ppt/slides/slide18.xml><?xml version="1.0" encoding="utf-8"?>
+<file path=ppt/slides/slide19.xml><?xml version="1.0" encoding="utf-8"?>
 <p:sld xmlns:a="http://schemas.openxmlformats.org/drawingml/2006/main" xmlns:r="http://schemas.openxmlformats.org/officeDocument/2006/relationships" xmlns:p="http://schemas.openxmlformats.org/presentationml/2006/main">
   <p:cSld>
     <p:spTree>
@@ -11322,381 +11422,6 @@
 </p:sld>
 </file>
 
-<file path=ppt/slides/slide19.xml><?xml version="1.0" encoding="utf-8"?>
-<p:sld xmlns:a="http://schemas.openxmlformats.org/drawingml/2006/main" xmlns:r="http://schemas.openxmlformats.org/officeDocument/2006/relationships" xmlns:p="http://schemas.openxmlformats.org/presentationml/2006/main">
-  <p:cSld>
-    <p:spTree>
-      <p:nvGrpSpPr>
-        <p:cNvPr id="1" name=""/>
-        <p:cNvGrpSpPr/>
-        <p:nvPr/>
-      </p:nvGrpSpPr>
-      <p:grpSpPr>
-        <a:xfrm>
-          <a:off x="0" y="0"/>
-          <a:ext cx="0" cy="0"/>
-          <a:chOff x="0" y="0"/>
-          <a:chExt cx="0" cy="0"/>
-        </a:xfrm>
-      </p:grpSpPr>
-      <p:sp>
-        <p:nvSpPr>
-          <p:cNvPr id="2" name="Titre 1"/>
-          <p:cNvSpPr>
-            <a:spLocks noGrp="1"/>
-          </p:cNvSpPr>
-          <p:nvPr>
-            <p:ph type="title"/>
-          </p:nvPr>
-        </p:nvSpPr>
-        <p:spPr>
-          <a:xfrm>
-            <a:off x="1945201" y="624110"/>
-            <a:ext cx="6589199" cy="1148706"/>
-          </a:xfrm>
-        </p:spPr>
-        <p:txBody>
-          <a:bodyPr>
-            <a:normAutofit fontScale="90000"/>
-          </a:bodyPr>
-          <a:lstStyle/>
-          <a:p>
-            <a:r>
-              <a:rPr lang="fr-FR" dirty="0"/>
-              <a:t>Présentation scénario n°3 </a:t>
-            </a:r>
-            <a:br>
-              <a:rPr lang="fr-FR" dirty="0"/>
-            </a:br>
-            <a:r>
-              <a:rPr lang="fr-FR" dirty="0"/>
-              <a:t>	-&gt;Utilisation classique</a:t>
-            </a:r>
-            <a:br>
-              <a:rPr lang="fr-FR" dirty="0"/>
-            </a:br>
-            <a:endParaRPr lang="fr-FR" dirty="0"/>
-          </a:p>
-        </p:txBody>
-      </p:sp>
-      <p:sp>
-        <p:nvSpPr>
-          <p:cNvPr id="5" name="Espace réservé du contenu 2"/>
-          <p:cNvSpPr txBox="1">
-            <a:spLocks/>
-          </p:cNvSpPr>
-          <p:nvPr/>
-        </p:nvSpPr>
-        <p:spPr>
-          <a:xfrm>
-            <a:off x="1940455" y="1772816"/>
-            <a:ext cx="6591985" cy="4680520"/>
-          </a:xfrm>
-          <a:prstGeom prst="rect">
-            <a:avLst/>
-          </a:prstGeom>
-        </p:spPr>
-        <p:txBody>
-          <a:bodyPr vert="horz" lIns="91440" tIns="45720" rIns="91440" bIns="45720" rtlCol="0">
-            <a:normAutofit fontScale="92500"/>
-          </a:bodyPr>
-          <a:lstStyle>
-            <a:lvl1pPr marL="342900" indent="-342900" algn="l" defTabSz="457200" rtl="0" eaLnBrk="1" latinLnBrk="0" hangingPunct="1">
-              <a:spcBef>
-                <a:spcPts val="1000"/>
-              </a:spcBef>
-              <a:spcAft>
-                <a:spcPts val="0"/>
-              </a:spcAft>
-              <a:buClr>
-                <a:schemeClr val="accent1"/>
-              </a:buClr>
-              <a:buFont typeface="Wingdings 3" charset="2"/>
-              <a:buChar char=""/>
-              <a:defRPr sz="1800" kern="1200">
-                <a:solidFill>
-                  <a:schemeClr val="tx1">
-                    <a:lumMod val="75000"/>
-                    <a:lumOff val="25000"/>
-                  </a:schemeClr>
-                </a:solidFill>
-                <a:latin typeface="+mn-lt"/>
-                <a:ea typeface="+mn-ea"/>
-                <a:cs typeface="+mn-cs"/>
-              </a:defRPr>
-            </a:lvl1pPr>
-            <a:lvl2pPr marL="742950" indent="-285750" algn="l" defTabSz="457200" rtl="0" eaLnBrk="1" latinLnBrk="0" hangingPunct="1">
-              <a:spcBef>
-                <a:spcPts val="1000"/>
-              </a:spcBef>
-              <a:spcAft>
-                <a:spcPts val="0"/>
-              </a:spcAft>
-              <a:buClr>
-                <a:schemeClr val="accent1"/>
-              </a:buClr>
-              <a:buFont typeface="Wingdings 3" charset="2"/>
-              <a:buChar char=""/>
-              <a:defRPr sz="1600" kern="1200">
-                <a:solidFill>
-                  <a:schemeClr val="tx1">
-                    <a:lumMod val="75000"/>
-                    <a:lumOff val="25000"/>
-                  </a:schemeClr>
-                </a:solidFill>
-                <a:latin typeface="+mn-lt"/>
-                <a:ea typeface="+mn-ea"/>
-                <a:cs typeface="+mn-cs"/>
-              </a:defRPr>
-            </a:lvl2pPr>
-            <a:lvl3pPr marL="1143000" indent="-228600" algn="l" defTabSz="457200" rtl="0" eaLnBrk="1" latinLnBrk="0" hangingPunct="1">
-              <a:spcBef>
-                <a:spcPts val="1000"/>
-              </a:spcBef>
-              <a:spcAft>
-                <a:spcPts val="0"/>
-              </a:spcAft>
-              <a:buClr>
-                <a:schemeClr val="accent1"/>
-              </a:buClr>
-              <a:buFont typeface="Wingdings 3" charset="2"/>
-              <a:buChar char=""/>
-              <a:defRPr sz="1400" kern="1200">
-                <a:solidFill>
-                  <a:schemeClr val="tx1">
-                    <a:lumMod val="75000"/>
-                    <a:lumOff val="25000"/>
-                  </a:schemeClr>
-                </a:solidFill>
-                <a:latin typeface="+mn-lt"/>
-                <a:ea typeface="+mn-ea"/>
-                <a:cs typeface="+mn-cs"/>
-              </a:defRPr>
-            </a:lvl3pPr>
-            <a:lvl4pPr marL="1600200" indent="-228600" algn="l" defTabSz="457200" rtl="0" eaLnBrk="1" latinLnBrk="0" hangingPunct="1">
-              <a:spcBef>
-                <a:spcPts val="1000"/>
-              </a:spcBef>
-              <a:spcAft>
-                <a:spcPts val="0"/>
-              </a:spcAft>
-              <a:buClr>
-                <a:schemeClr val="accent1"/>
-              </a:buClr>
-              <a:buFont typeface="Wingdings 3" charset="2"/>
-              <a:buChar char=""/>
-              <a:defRPr sz="1200" kern="1200">
-                <a:solidFill>
-                  <a:schemeClr val="tx1">
-                    <a:lumMod val="75000"/>
-                    <a:lumOff val="25000"/>
-                  </a:schemeClr>
-                </a:solidFill>
-                <a:latin typeface="+mn-lt"/>
-                <a:ea typeface="+mn-ea"/>
-                <a:cs typeface="+mn-cs"/>
-              </a:defRPr>
-            </a:lvl4pPr>
-            <a:lvl5pPr marL="2057400" indent="-228600" algn="l" defTabSz="457200" rtl="0" eaLnBrk="1" latinLnBrk="0" hangingPunct="1">
-              <a:spcBef>
-                <a:spcPts val="1000"/>
-              </a:spcBef>
-              <a:spcAft>
-                <a:spcPts val="0"/>
-              </a:spcAft>
-              <a:buClr>
-                <a:schemeClr val="accent1"/>
-              </a:buClr>
-              <a:buFont typeface="Wingdings 3" charset="2"/>
-              <a:buChar char=""/>
-              <a:defRPr sz="1200" kern="1200">
-                <a:solidFill>
-                  <a:schemeClr val="tx1">
-                    <a:lumMod val="75000"/>
-                    <a:lumOff val="25000"/>
-                  </a:schemeClr>
-                </a:solidFill>
-                <a:latin typeface="+mn-lt"/>
-                <a:ea typeface="+mn-ea"/>
-                <a:cs typeface="+mn-cs"/>
-              </a:defRPr>
-            </a:lvl5pPr>
-            <a:lvl6pPr marL="2514600" indent="-228600" algn="l" defTabSz="457200" rtl="0" eaLnBrk="1" latinLnBrk="0" hangingPunct="1">
-              <a:spcBef>
-                <a:spcPts val="1000"/>
-              </a:spcBef>
-              <a:spcAft>
-                <a:spcPts val="0"/>
-              </a:spcAft>
-              <a:buClr>
-                <a:schemeClr val="accent1"/>
-              </a:buClr>
-              <a:buFont typeface="Wingdings 3" charset="2"/>
-              <a:buChar char=""/>
-              <a:defRPr sz="1200" kern="1200">
-                <a:solidFill>
-                  <a:schemeClr val="tx1">
-                    <a:lumMod val="75000"/>
-                    <a:lumOff val="25000"/>
-                  </a:schemeClr>
-                </a:solidFill>
-                <a:latin typeface="+mn-lt"/>
-                <a:ea typeface="+mn-ea"/>
-                <a:cs typeface="+mn-cs"/>
-              </a:defRPr>
-            </a:lvl6pPr>
-            <a:lvl7pPr marL="2971800" indent="-228600" algn="l" defTabSz="457200" rtl="0" eaLnBrk="1" latinLnBrk="0" hangingPunct="1">
-              <a:spcBef>
-                <a:spcPts val="1000"/>
-              </a:spcBef>
-              <a:spcAft>
-                <a:spcPts val="0"/>
-              </a:spcAft>
-              <a:buClr>
-                <a:schemeClr val="accent1"/>
-              </a:buClr>
-              <a:buFont typeface="Wingdings 3" charset="2"/>
-              <a:buChar char=""/>
-              <a:defRPr sz="1200" kern="1200">
-                <a:solidFill>
-                  <a:schemeClr val="tx1">
-                    <a:lumMod val="75000"/>
-                    <a:lumOff val="25000"/>
-                  </a:schemeClr>
-                </a:solidFill>
-                <a:latin typeface="+mn-lt"/>
-                <a:ea typeface="+mn-ea"/>
-                <a:cs typeface="+mn-cs"/>
-              </a:defRPr>
-            </a:lvl7pPr>
-            <a:lvl8pPr marL="3429000" indent="-228600" algn="l" defTabSz="457200" rtl="0" eaLnBrk="1" latinLnBrk="0" hangingPunct="1">
-              <a:spcBef>
-                <a:spcPts val="1000"/>
-              </a:spcBef>
-              <a:spcAft>
-                <a:spcPts val="0"/>
-              </a:spcAft>
-              <a:buClr>
-                <a:schemeClr val="accent1"/>
-              </a:buClr>
-              <a:buFont typeface="Wingdings 3" charset="2"/>
-              <a:buChar char=""/>
-              <a:defRPr sz="1200" kern="1200">
-                <a:solidFill>
-                  <a:schemeClr val="tx1">
-                    <a:lumMod val="75000"/>
-                    <a:lumOff val="25000"/>
-                  </a:schemeClr>
-                </a:solidFill>
-                <a:latin typeface="+mn-lt"/>
-                <a:ea typeface="+mn-ea"/>
-                <a:cs typeface="+mn-cs"/>
-              </a:defRPr>
-            </a:lvl8pPr>
-            <a:lvl9pPr marL="3886200" indent="-228600" algn="l" defTabSz="457200" rtl="0" eaLnBrk="1" latinLnBrk="0" hangingPunct="1">
-              <a:spcBef>
-                <a:spcPts val="1000"/>
-              </a:spcBef>
-              <a:spcAft>
-                <a:spcPts val="0"/>
-              </a:spcAft>
-              <a:buClr>
-                <a:schemeClr val="accent1"/>
-              </a:buClr>
-              <a:buFont typeface="Wingdings 3" charset="2"/>
-              <a:buChar char=""/>
-              <a:defRPr sz="1200" kern="1200">
-                <a:solidFill>
-                  <a:schemeClr val="tx1">
-                    <a:lumMod val="75000"/>
-                    <a:lumOff val="25000"/>
-                  </a:schemeClr>
-                </a:solidFill>
-                <a:latin typeface="+mn-lt"/>
-                <a:ea typeface="+mn-ea"/>
-                <a:cs typeface="+mn-cs"/>
-              </a:defRPr>
-            </a:lvl9pPr>
-          </a:lstStyle>
-          <a:p>
-            <a:r>
-              <a:rPr lang="fr-FR" dirty="0"/>
-              <a:t>L’internaute est un habitué du site, pour l’utiliser il s’authentifie.</a:t>
-            </a:r>
-          </a:p>
-          <a:p>
-            <a:r>
-              <a:rPr lang="fr-FR" dirty="0"/>
-              <a:t>Au premier coup d’œil il voit le solde de son compte, il veut consulter la liste de ses paris pour voir lesquels lui ont rapporté de l’argent.</a:t>
-            </a:r>
-          </a:p>
-          <a:p>
-            <a:r>
-              <a:rPr lang="fr-FR" dirty="0"/>
-              <a:t>Ayant récemment gagné de l’argent il décide d’augmenter sa mise sur un de ses paris n’ayant pas encore débuté, il décide également modifier un autre pari en pariant sur l’autre équipe.</a:t>
-            </a:r>
-          </a:p>
-          <a:p>
-            <a:r>
-              <a:rPr lang="fr-FR" dirty="0"/>
-              <a:t>Au vu des résultats récents il décide également d’annuler un de ses paris sur une équipe peu performante.</a:t>
-            </a:r>
-          </a:p>
-          <a:p>
-            <a:r>
-              <a:rPr lang="fr-FR" dirty="0"/>
-              <a:t>Il décide de réinvestir une partie de ses gains en pariant sur une nouvelle rencontre proposée par </a:t>
-            </a:r>
-            <a:r>
-              <a:rPr lang="fr-FR" dirty="0" err="1"/>
-              <a:t>WeBet</a:t>
-            </a:r>
-            <a:r>
-              <a:rPr lang="fr-FR" dirty="0"/>
-              <a:t>.</a:t>
-            </a:r>
-          </a:p>
-          <a:p>
-            <a:r>
-              <a:rPr lang="fr-FR" dirty="0"/>
-              <a:t>Il décide de récupérer une partie de ses gains en les sortant de son portefeuille </a:t>
-            </a:r>
-            <a:r>
-              <a:rPr lang="fr-FR" dirty="0" err="1"/>
-              <a:t>WeBet</a:t>
-            </a:r>
-            <a:r>
-              <a:rPr lang="fr-FR" dirty="0"/>
-              <a:t>.</a:t>
-            </a:r>
-          </a:p>
-          <a:p>
-            <a:r>
-              <a:rPr lang="fr-FR" dirty="0"/>
-              <a:t>Il se déconnecte et reviendra une prochaine fois.</a:t>
-            </a:r>
-          </a:p>
-          <a:p>
-            <a:endParaRPr lang="fr-FR" dirty="0"/>
-          </a:p>
-          <a:p>
-            <a:endParaRPr lang="fr-FR" dirty="0"/>
-          </a:p>
-        </p:txBody>
-      </p:sp>
-    </p:spTree>
-    <p:extLst>
-      <p:ext uri="{BB962C8B-B14F-4D97-AF65-F5344CB8AC3E}">
-        <p14:creationId xmlns:p14="http://schemas.microsoft.com/office/powerpoint/2010/main" val="3269880993"/>
-      </p:ext>
-    </p:extLst>
-  </p:cSld>
-  <p:clrMapOvr>
-    <a:masterClrMapping/>
-  </p:clrMapOvr>
-</p:sld>
-</file>
-
 <file path=ppt/slides/slide2.xml><?xml version="1.0" encoding="utf-8"?>
 <p:sld xmlns:a="http://schemas.openxmlformats.org/drawingml/2006/main" xmlns:r="http://schemas.openxmlformats.org/officeDocument/2006/relationships" xmlns:p="http://schemas.openxmlformats.org/presentationml/2006/main">
   <p:cSld>
@@ -11820,6 +11545,381 @@
     <p:extLst>
       <p:ext uri="{BB962C8B-B14F-4D97-AF65-F5344CB8AC3E}">
         <p14:creationId xmlns:p14="http://schemas.microsoft.com/office/powerpoint/2010/main" val="3980933780"/>
+      </p:ext>
+    </p:extLst>
+  </p:cSld>
+  <p:clrMapOvr>
+    <a:masterClrMapping/>
+  </p:clrMapOvr>
+</p:sld>
+</file>
+
+<file path=ppt/slides/slide20.xml><?xml version="1.0" encoding="utf-8"?>
+<p:sld xmlns:a="http://schemas.openxmlformats.org/drawingml/2006/main" xmlns:r="http://schemas.openxmlformats.org/officeDocument/2006/relationships" xmlns:p="http://schemas.openxmlformats.org/presentationml/2006/main">
+  <p:cSld>
+    <p:spTree>
+      <p:nvGrpSpPr>
+        <p:cNvPr id="1" name=""/>
+        <p:cNvGrpSpPr/>
+        <p:nvPr/>
+      </p:nvGrpSpPr>
+      <p:grpSpPr>
+        <a:xfrm>
+          <a:off x="0" y="0"/>
+          <a:ext cx="0" cy="0"/>
+          <a:chOff x="0" y="0"/>
+          <a:chExt cx="0" cy="0"/>
+        </a:xfrm>
+      </p:grpSpPr>
+      <p:sp>
+        <p:nvSpPr>
+          <p:cNvPr id="2" name="Titre 1"/>
+          <p:cNvSpPr>
+            <a:spLocks noGrp="1"/>
+          </p:cNvSpPr>
+          <p:nvPr>
+            <p:ph type="title"/>
+          </p:nvPr>
+        </p:nvSpPr>
+        <p:spPr>
+          <a:xfrm>
+            <a:off x="1945201" y="624110"/>
+            <a:ext cx="6589199" cy="1148706"/>
+          </a:xfrm>
+        </p:spPr>
+        <p:txBody>
+          <a:bodyPr>
+            <a:normAutofit fontScale="90000"/>
+          </a:bodyPr>
+          <a:lstStyle/>
+          <a:p>
+            <a:r>
+              <a:rPr lang="fr-FR" dirty="0"/>
+              <a:t>Présentation scénario n°3 </a:t>
+            </a:r>
+            <a:br>
+              <a:rPr lang="fr-FR" dirty="0"/>
+            </a:br>
+            <a:r>
+              <a:rPr lang="fr-FR" dirty="0"/>
+              <a:t>	-&gt;Utilisation classique</a:t>
+            </a:r>
+            <a:br>
+              <a:rPr lang="fr-FR" dirty="0"/>
+            </a:br>
+            <a:endParaRPr lang="fr-FR" dirty="0"/>
+          </a:p>
+        </p:txBody>
+      </p:sp>
+      <p:sp>
+        <p:nvSpPr>
+          <p:cNvPr id="5" name="Espace réservé du contenu 2"/>
+          <p:cNvSpPr txBox="1">
+            <a:spLocks/>
+          </p:cNvSpPr>
+          <p:nvPr/>
+        </p:nvSpPr>
+        <p:spPr>
+          <a:xfrm>
+            <a:off x="1940455" y="1772816"/>
+            <a:ext cx="6591985" cy="4680520"/>
+          </a:xfrm>
+          <a:prstGeom prst="rect">
+            <a:avLst/>
+          </a:prstGeom>
+        </p:spPr>
+        <p:txBody>
+          <a:bodyPr vert="horz" lIns="91440" tIns="45720" rIns="91440" bIns="45720" rtlCol="0">
+            <a:normAutofit fontScale="92500" lnSpcReduction="10000"/>
+          </a:bodyPr>
+          <a:lstStyle>
+            <a:lvl1pPr marL="342900" indent="-342900" algn="l" defTabSz="457200" rtl="0" eaLnBrk="1" latinLnBrk="0" hangingPunct="1">
+              <a:spcBef>
+                <a:spcPts val="1000"/>
+              </a:spcBef>
+              <a:spcAft>
+                <a:spcPts val="0"/>
+              </a:spcAft>
+              <a:buClr>
+                <a:schemeClr val="accent1"/>
+              </a:buClr>
+              <a:buFont typeface="Wingdings 3" charset="2"/>
+              <a:buChar char=""/>
+              <a:defRPr sz="1800" kern="1200">
+                <a:solidFill>
+                  <a:schemeClr val="tx1">
+                    <a:lumMod val="75000"/>
+                    <a:lumOff val="25000"/>
+                  </a:schemeClr>
+                </a:solidFill>
+                <a:latin typeface="+mn-lt"/>
+                <a:ea typeface="+mn-ea"/>
+                <a:cs typeface="+mn-cs"/>
+              </a:defRPr>
+            </a:lvl1pPr>
+            <a:lvl2pPr marL="742950" indent="-285750" algn="l" defTabSz="457200" rtl="0" eaLnBrk="1" latinLnBrk="0" hangingPunct="1">
+              <a:spcBef>
+                <a:spcPts val="1000"/>
+              </a:spcBef>
+              <a:spcAft>
+                <a:spcPts val="0"/>
+              </a:spcAft>
+              <a:buClr>
+                <a:schemeClr val="accent1"/>
+              </a:buClr>
+              <a:buFont typeface="Wingdings 3" charset="2"/>
+              <a:buChar char=""/>
+              <a:defRPr sz="1600" kern="1200">
+                <a:solidFill>
+                  <a:schemeClr val="tx1">
+                    <a:lumMod val="75000"/>
+                    <a:lumOff val="25000"/>
+                  </a:schemeClr>
+                </a:solidFill>
+                <a:latin typeface="+mn-lt"/>
+                <a:ea typeface="+mn-ea"/>
+                <a:cs typeface="+mn-cs"/>
+              </a:defRPr>
+            </a:lvl2pPr>
+            <a:lvl3pPr marL="1143000" indent="-228600" algn="l" defTabSz="457200" rtl="0" eaLnBrk="1" latinLnBrk="0" hangingPunct="1">
+              <a:spcBef>
+                <a:spcPts val="1000"/>
+              </a:spcBef>
+              <a:spcAft>
+                <a:spcPts val="0"/>
+              </a:spcAft>
+              <a:buClr>
+                <a:schemeClr val="accent1"/>
+              </a:buClr>
+              <a:buFont typeface="Wingdings 3" charset="2"/>
+              <a:buChar char=""/>
+              <a:defRPr sz="1400" kern="1200">
+                <a:solidFill>
+                  <a:schemeClr val="tx1">
+                    <a:lumMod val="75000"/>
+                    <a:lumOff val="25000"/>
+                  </a:schemeClr>
+                </a:solidFill>
+                <a:latin typeface="+mn-lt"/>
+                <a:ea typeface="+mn-ea"/>
+                <a:cs typeface="+mn-cs"/>
+              </a:defRPr>
+            </a:lvl3pPr>
+            <a:lvl4pPr marL="1600200" indent="-228600" algn="l" defTabSz="457200" rtl="0" eaLnBrk="1" latinLnBrk="0" hangingPunct="1">
+              <a:spcBef>
+                <a:spcPts val="1000"/>
+              </a:spcBef>
+              <a:spcAft>
+                <a:spcPts val="0"/>
+              </a:spcAft>
+              <a:buClr>
+                <a:schemeClr val="accent1"/>
+              </a:buClr>
+              <a:buFont typeface="Wingdings 3" charset="2"/>
+              <a:buChar char=""/>
+              <a:defRPr sz="1200" kern="1200">
+                <a:solidFill>
+                  <a:schemeClr val="tx1">
+                    <a:lumMod val="75000"/>
+                    <a:lumOff val="25000"/>
+                  </a:schemeClr>
+                </a:solidFill>
+                <a:latin typeface="+mn-lt"/>
+                <a:ea typeface="+mn-ea"/>
+                <a:cs typeface="+mn-cs"/>
+              </a:defRPr>
+            </a:lvl4pPr>
+            <a:lvl5pPr marL="2057400" indent="-228600" algn="l" defTabSz="457200" rtl="0" eaLnBrk="1" latinLnBrk="0" hangingPunct="1">
+              <a:spcBef>
+                <a:spcPts val="1000"/>
+              </a:spcBef>
+              <a:spcAft>
+                <a:spcPts val="0"/>
+              </a:spcAft>
+              <a:buClr>
+                <a:schemeClr val="accent1"/>
+              </a:buClr>
+              <a:buFont typeface="Wingdings 3" charset="2"/>
+              <a:buChar char=""/>
+              <a:defRPr sz="1200" kern="1200">
+                <a:solidFill>
+                  <a:schemeClr val="tx1">
+                    <a:lumMod val="75000"/>
+                    <a:lumOff val="25000"/>
+                  </a:schemeClr>
+                </a:solidFill>
+                <a:latin typeface="+mn-lt"/>
+                <a:ea typeface="+mn-ea"/>
+                <a:cs typeface="+mn-cs"/>
+              </a:defRPr>
+            </a:lvl5pPr>
+            <a:lvl6pPr marL="2514600" indent="-228600" algn="l" defTabSz="457200" rtl="0" eaLnBrk="1" latinLnBrk="0" hangingPunct="1">
+              <a:spcBef>
+                <a:spcPts val="1000"/>
+              </a:spcBef>
+              <a:spcAft>
+                <a:spcPts val="0"/>
+              </a:spcAft>
+              <a:buClr>
+                <a:schemeClr val="accent1"/>
+              </a:buClr>
+              <a:buFont typeface="Wingdings 3" charset="2"/>
+              <a:buChar char=""/>
+              <a:defRPr sz="1200" kern="1200">
+                <a:solidFill>
+                  <a:schemeClr val="tx1">
+                    <a:lumMod val="75000"/>
+                    <a:lumOff val="25000"/>
+                  </a:schemeClr>
+                </a:solidFill>
+                <a:latin typeface="+mn-lt"/>
+                <a:ea typeface="+mn-ea"/>
+                <a:cs typeface="+mn-cs"/>
+              </a:defRPr>
+            </a:lvl6pPr>
+            <a:lvl7pPr marL="2971800" indent="-228600" algn="l" defTabSz="457200" rtl="0" eaLnBrk="1" latinLnBrk="0" hangingPunct="1">
+              <a:spcBef>
+                <a:spcPts val="1000"/>
+              </a:spcBef>
+              <a:spcAft>
+                <a:spcPts val="0"/>
+              </a:spcAft>
+              <a:buClr>
+                <a:schemeClr val="accent1"/>
+              </a:buClr>
+              <a:buFont typeface="Wingdings 3" charset="2"/>
+              <a:buChar char=""/>
+              <a:defRPr sz="1200" kern="1200">
+                <a:solidFill>
+                  <a:schemeClr val="tx1">
+                    <a:lumMod val="75000"/>
+                    <a:lumOff val="25000"/>
+                  </a:schemeClr>
+                </a:solidFill>
+                <a:latin typeface="+mn-lt"/>
+                <a:ea typeface="+mn-ea"/>
+                <a:cs typeface="+mn-cs"/>
+              </a:defRPr>
+            </a:lvl7pPr>
+            <a:lvl8pPr marL="3429000" indent="-228600" algn="l" defTabSz="457200" rtl="0" eaLnBrk="1" latinLnBrk="0" hangingPunct="1">
+              <a:spcBef>
+                <a:spcPts val="1000"/>
+              </a:spcBef>
+              <a:spcAft>
+                <a:spcPts val="0"/>
+              </a:spcAft>
+              <a:buClr>
+                <a:schemeClr val="accent1"/>
+              </a:buClr>
+              <a:buFont typeface="Wingdings 3" charset="2"/>
+              <a:buChar char=""/>
+              <a:defRPr sz="1200" kern="1200">
+                <a:solidFill>
+                  <a:schemeClr val="tx1">
+                    <a:lumMod val="75000"/>
+                    <a:lumOff val="25000"/>
+                  </a:schemeClr>
+                </a:solidFill>
+                <a:latin typeface="+mn-lt"/>
+                <a:ea typeface="+mn-ea"/>
+                <a:cs typeface="+mn-cs"/>
+              </a:defRPr>
+            </a:lvl8pPr>
+            <a:lvl9pPr marL="3886200" indent="-228600" algn="l" defTabSz="457200" rtl="0" eaLnBrk="1" latinLnBrk="0" hangingPunct="1">
+              <a:spcBef>
+                <a:spcPts val="1000"/>
+              </a:spcBef>
+              <a:spcAft>
+                <a:spcPts val="0"/>
+              </a:spcAft>
+              <a:buClr>
+                <a:schemeClr val="accent1"/>
+              </a:buClr>
+              <a:buFont typeface="Wingdings 3" charset="2"/>
+              <a:buChar char=""/>
+              <a:defRPr sz="1200" kern="1200">
+                <a:solidFill>
+                  <a:schemeClr val="tx1">
+                    <a:lumMod val="75000"/>
+                    <a:lumOff val="25000"/>
+                  </a:schemeClr>
+                </a:solidFill>
+                <a:latin typeface="+mn-lt"/>
+                <a:ea typeface="+mn-ea"/>
+                <a:cs typeface="+mn-cs"/>
+              </a:defRPr>
+            </a:lvl9pPr>
+          </a:lstStyle>
+          <a:p>
+            <a:r>
+              <a:rPr lang="fr-FR" dirty="0"/>
+              <a:t>L’internaute est un habitué du site, pour l’utiliser il s’authentifie.</a:t>
+            </a:r>
+          </a:p>
+          <a:p>
+            <a:r>
+              <a:rPr lang="fr-FR" dirty="0"/>
+              <a:t>Au premier coup d’œil il voit le solde de son compte, il veut consulter la liste de ses paris pour voir lesquels lui ont rapporté de l’argent.</a:t>
+            </a:r>
+          </a:p>
+          <a:p>
+            <a:r>
+              <a:rPr lang="fr-FR" dirty="0"/>
+              <a:t>Ayant récemment gagné de l’argent il décide d’augmenter sa mise sur un de ses paris n’ayant pas encore débuté, il décide également modifier un autre pari en pariant sur l’autre équipe.</a:t>
+            </a:r>
+          </a:p>
+          <a:p>
+            <a:r>
+              <a:rPr lang="fr-FR" dirty="0"/>
+              <a:t>Au vu des résultats récents il décide également d’annuler un de ses paris sur une équipe peu performante.</a:t>
+            </a:r>
+          </a:p>
+          <a:p>
+            <a:r>
+              <a:rPr lang="fr-FR" dirty="0"/>
+              <a:t>Il décide de réinvestir une partie de ses gains en pariant sur une nouvelle rencontre proposée par </a:t>
+            </a:r>
+            <a:r>
+              <a:rPr lang="fr-FR" dirty="0" err="1"/>
+              <a:t>WeBet</a:t>
+            </a:r>
+            <a:r>
+              <a:rPr lang="fr-FR" dirty="0"/>
+              <a:t>.</a:t>
+            </a:r>
+          </a:p>
+          <a:p>
+            <a:r>
+              <a:rPr lang="fr-FR" dirty="0"/>
+              <a:t>Il décide de récupérer une partie de ses gains en les sortant de son portefeuille </a:t>
+            </a:r>
+            <a:r>
+              <a:rPr lang="fr-FR" dirty="0" err="1"/>
+              <a:t>WeBet</a:t>
+            </a:r>
+            <a:r>
+              <a:rPr lang="fr-FR" dirty="0"/>
+              <a:t>.</a:t>
+            </a:r>
+          </a:p>
+          <a:p>
+            <a:r>
+              <a:rPr lang="fr-FR" dirty="0"/>
+              <a:t>Il se déconnecte et reviendra une prochaine fois.</a:t>
+            </a:r>
+          </a:p>
+          <a:p>
+            <a:endParaRPr lang="fr-FR" dirty="0"/>
+          </a:p>
+          <a:p>
+            <a:endParaRPr lang="fr-FR" dirty="0"/>
+          </a:p>
+        </p:txBody>
+      </p:sp>
+    </p:spTree>
+    <p:extLst>
+      <p:ext uri="{BB962C8B-B14F-4D97-AF65-F5344CB8AC3E}">
+        <p14:creationId xmlns:p14="http://schemas.microsoft.com/office/powerpoint/2010/main" val="3269880993"/>
       </p:ext>
     </p:extLst>
   </p:cSld>
@@ -12077,7 +12177,7 @@
         <p:spPr>
           <a:xfrm>
             <a:off x="5580112" y="1556792"/>
-            <a:ext cx="2376264" cy="3636299"/>
+            <a:ext cx="2954288" cy="4520825"/>
           </a:xfrm>
           <a:prstGeom prst="rect">
             <a:avLst/>
@@ -12129,7 +12229,7 @@
         </p:nvSpPr>
         <p:spPr>
           <a:xfrm>
-            <a:off x="1945201" y="3356992"/>
+            <a:off x="1945201" y="2132856"/>
             <a:ext cx="6591985" cy="1008112"/>
           </a:xfrm>
         </p:spPr>
@@ -12595,10 +12695,9 @@
           <a:p>
             <a:pPr lvl="1"/>
             <a:r>
-              <a:rPr lang="fr-FR"/>
+              <a:rPr lang="fr-FR" dirty="0"/>
               <a:t>Client</a:t>
             </a:r>
-            <a:endParaRPr lang="fr-FR" dirty="0"/>
           </a:p>
           <a:p>
             <a:pPr lvl="1"/>
@@ -12894,7 +12993,7 @@
         </p:nvSpPr>
         <p:spPr>
           <a:xfrm>
-            <a:off x="1942415" y="1700808"/>
+            <a:off x="1945201" y="1412776"/>
             <a:ext cx="6591985" cy="2304256"/>
           </a:xfrm>
         </p:spPr>
@@ -12957,8 +13056,8 @@
         </p:nvSpPr>
         <p:spPr>
           <a:xfrm>
-            <a:off x="4604751" y="4293096"/>
-            <a:ext cx="4287729" cy="2159496"/>
+            <a:off x="3923928" y="3717032"/>
+            <a:ext cx="4935801" cy="2808312"/>
           </a:xfrm>
           <a:prstGeom prst="rect">
             <a:avLst/>
@@ -12966,7 +13065,7 @@
         </p:spPr>
         <p:txBody>
           <a:bodyPr vert="horz" lIns="91440" tIns="45720" rIns="91440" bIns="45720" rtlCol="0">
-            <a:normAutofit fontScale="92500" lnSpcReduction="10000"/>
+            <a:normAutofit fontScale="92500" lnSpcReduction="20000"/>
           </a:bodyPr>
           <a:lstStyle>
             <a:lvl1pPr marL="342900" indent="-342900" algn="l" defTabSz="457200" rtl="0" eaLnBrk="1" latinLnBrk="0" hangingPunct="1">
@@ -13220,6 +13319,27 @@
               <a:t>Oxygen</a:t>
             </a:r>
             <a:endParaRPr lang="fr-FR" dirty="0"/>
+          </a:p>
+          <a:p>
+            <a:r>
+              <a:rPr lang="fr-FR" dirty="0" err="1"/>
+              <a:t>Jpa</a:t>
+            </a:r>
+            <a:r>
+              <a:rPr lang="fr-FR" dirty="0"/>
+              <a:t> </a:t>
+            </a:r>
+            <a:r>
+              <a:rPr lang="fr-FR" dirty="0" err="1"/>
+              <a:t>hibernate</a:t>
+            </a:r>
+            <a:endParaRPr lang="fr-FR" dirty="0"/>
+          </a:p>
+          <a:p>
+            <a:r>
+              <a:rPr lang="fr-FR" dirty="0"/>
+              <a:t>MySQL pour la base de données</a:t>
+            </a:r>
           </a:p>
           <a:p>
             <a:r>
